--- a/Progress Report/Progress report.pptx
+++ b/Progress Report/Progress report.pptx
@@ -7,7 +7,39 @@
   <p:sldIdLst>
     <p:sldId id="256" r:id="rId2"/>
     <p:sldId id="257" r:id="rId3"/>
-    <p:sldId id="258" r:id="rId4"/>
+    <p:sldId id="292" r:id="rId4"/>
+    <p:sldId id="258" r:id="rId5"/>
+    <p:sldId id="260" r:id="rId6"/>
+    <p:sldId id="285" r:id="rId7"/>
+    <p:sldId id="286" r:id="rId8"/>
+    <p:sldId id="287" r:id="rId9"/>
+    <p:sldId id="261" r:id="rId10"/>
+    <p:sldId id="262" r:id="rId11"/>
+    <p:sldId id="263" r:id="rId12"/>
+    <p:sldId id="264" r:id="rId13"/>
+    <p:sldId id="265" r:id="rId14"/>
+    <p:sldId id="266" r:id="rId15"/>
+    <p:sldId id="267" r:id="rId16"/>
+    <p:sldId id="291" r:id="rId17"/>
+    <p:sldId id="269" r:id="rId18"/>
+    <p:sldId id="270" r:id="rId19"/>
+    <p:sldId id="288" r:id="rId20"/>
+    <p:sldId id="271" r:id="rId21"/>
+    <p:sldId id="272" r:id="rId22"/>
+    <p:sldId id="273" r:id="rId23"/>
+    <p:sldId id="289" r:id="rId24"/>
+    <p:sldId id="274" r:id="rId25"/>
+    <p:sldId id="277" r:id="rId26"/>
+    <p:sldId id="278" r:id="rId27"/>
+    <p:sldId id="279" r:id="rId28"/>
+    <p:sldId id="280" r:id="rId29"/>
+    <p:sldId id="281" r:id="rId30"/>
+    <p:sldId id="282" r:id="rId31"/>
+    <p:sldId id="283" r:id="rId32"/>
+    <p:sldId id="284" r:id="rId33"/>
+    <p:sldId id="293" r:id="rId34"/>
+    <p:sldId id="294" r:id="rId35"/>
+    <p:sldId id="276" r:id="rId36"/>
   </p:sldIdLst>
   <p:sldSz cx="12192000" cy="6858000"/>
   <p:notesSz cx="6858000" cy="9144000"/>
@@ -106,6 +138,11 @@
       </a:defRPr>
     </a:lvl9pPr>
   </p:defaultTextStyle>
+  <p:extLst>
+    <p:ext uri="{EFAFB233-063F-42B5-8137-9DF3F51BA10A}">
+      <p15:sldGuideLst xmlns:p15="http://schemas.microsoft.com/office/powerpoint/2012/main"/>
+    </p:ext>
+  </p:extLst>
 </p:presentation>
 </file>
 
@@ -154,7 +191,6 @@
               <a:rPr lang="en-US"/>
               <a:t>Click to edit Master title style</a:t>
             </a:r>
-            <a:endParaRPr lang="en-US"/>
           </a:p>
         </p:txBody>
       </p:sp>
@@ -219,7 +255,6 @@
               <a:rPr lang="en-US"/>
               <a:t>Click to edit Master subtitle style</a:t>
             </a:r>
-            <a:endParaRPr lang="en-US"/>
           </a:p>
         </p:txBody>
       </p:sp>
@@ -240,7 +275,7 @@
           <a:p>
             <a:fld id="{B17AFAAB-B546-45EA-83F1-D6961F00B077}" type="datetimeFigureOut">
               <a:rPr lang="en-US" smtClean="0"/>
-              <a:t>12/3/2016</a:t>
+              <a:t>12/4/2016</a:t>
             </a:fld>
             <a:endParaRPr lang="en-US"/>
           </a:p>
@@ -337,7 +372,6 @@
               <a:rPr lang="en-US"/>
               <a:t>Click to edit Master title style</a:t>
             </a:r>
-            <a:endParaRPr lang="en-US"/>
           </a:p>
         </p:txBody>
       </p:sp>
@@ -389,7 +423,6 @@
               <a:rPr lang="en-US"/>
               <a:t>Fifth level</a:t>
             </a:r>
-            <a:endParaRPr lang="en-US"/>
           </a:p>
         </p:txBody>
       </p:sp>
@@ -410,7 +443,7 @@
           <a:p>
             <a:fld id="{B17AFAAB-B546-45EA-83F1-D6961F00B077}" type="datetimeFigureOut">
               <a:rPr lang="en-US" smtClean="0"/>
-              <a:t>12/3/2016</a:t>
+              <a:t>12/4/2016</a:t>
             </a:fld>
             <a:endParaRPr lang="en-US"/>
           </a:p>
@@ -512,7 +545,6 @@
               <a:rPr lang="en-US"/>
               <a:t>Click to edit Master title style</a:t>
             </a:r>
-            <a:endParaRPr lang="en-US"/>
           </a:p>
         </p:txBody>
       </p:sp>
@@ -569,7 +601,6 @@
               <a:rPr lang="en-US"/>
               <a:t>Fifth level</a:t>
             </a:r>
-            <a:endParaRPr lang="en-US"/>
           </a:p>
         </p:txBody>
       </p:sp>
@@ -590,7 +621,7 @@
           <a:p>
             <a:fld id="{B17AFAAB-B546-45EA-83F1-D6961F00B077}" type="datetimeFigureOut">
               <a:rPr lang="en-US" smtClean="0"/>
-              <a:t>12/3/2016</a:t>
+              <a:t>12/4/2016</a:t>
             </a:fld>
             <a:endParaRPr lang="en-US"/>
           </a:p>
@@ -687,7 +718,6 @@
               <a:rPr lang="en-US"/>
               <a:t>Click to edit Master title style</a:t>
             </a:r>
-            <a:endParaRPr lang="en-US"/>
           </a:p>
         </p:txBody>
       </p:sp>
@@ -739,7 +769,6 @@
               <a:rPr lang="en-US"/>
               <a:t>Fifth level</a:t>
             </a:r>
-            <a:endParaRPr lang="en-US"/>
           </a:p>
         </p:txBody>
       </p:sp>
@@ -760,7 +789,7 @@
           <a:p>
             <a:fld id="{B17AFAAB-B546-45EA-83F1-D6961F00B077}" type="datetimeFigureOut">
               <a:rPr lang="en-US" smtClean="0"/>
-              <a:t>12/3/2016</a:t>
+              <a:t>12/4/2016</a:t>
             </a:fld>
             <a:endParaRPr lang="en-US"/>
           </a:p>
@@ -866,7 +895,6 @@
               <a:rPr lang="en-US"/>
               <a:t>Click to edit Master title style</a:t>
             </a:r>
-            <a:endParaRPr lang="en-US"/>
           </a:p>
         </p:txBody>
       </p:sp>
@@ -1006,7 +1034,7 @@
           <a:p>
             <a:fld id="{B17AFAAB-B546-45EA-83F1-D6961F00B077}" type="datetimeFigureOut">
               <a:rPr lang="en-US" smtClean="0"/>
-              <a:t>12/3/2016</a:t>
+              <a:t>12/4/2016</a:t>
             </a:fld>
             <a:endParaRPr lang="en-US"/>
           </a:p>
@@ -1103,7 +1131,6 @@
               <a:rPr lang="en-US"/>
               <a:t>Click to edit Master title style</a:t>
             </a:r>
-            <a:endParaRPr lang="en-US"/>
           </a:p>
         </p:txBody>
       </p:sp>
@@ -1160,7 +1187,6 @@
               <a:rPr lang="en-US"/>
               <a:t>Fifth level</a:t>
             </a:r>
-            <a:endParaRPr lang="en-US"/>
           </a:p>
         </p:txBody>
       </p:sp>
@@ -1217,7 +1243,6 @@
               <a:rPr lang="en-US"/>
               <a:t>Fifth level</a:t>
             </a:r>
-            <a:endParaRPr lang="en-US"/>
           </a:p>
         </p:txBody>
       </p:sp>
@@ -1238,7 +1263,7 @@
           <a:p>
             <a:fld id="{B17AFAAB-B546-45EA-83F1-D6961F00B077}" type="datetimeFigureOut">
               <a:rPr lang="en-US" smtClean="0"/>
-              <a:t>12/3/2016</a:t>
+              <a:t>12/4/2016</a:t>
             </a:fld>
             <a:endParaRPr lang="en-US"/>
           </a:p>
@@ -1340,7 +1365,6 @@
               <a:rPr lang="en-US"/>
               <a:t>Click to edit Master title style</a:t>
             </a:r>
-            <a:endParaRPr lang="en-US"/>
           </a:p>
         </p:txBody>
       </p:sp>
@@ -1462,7 +1486,6 @@
               <a:rPr lang="en-US"/>
               <a:t>Fifth level</a:t>
             </a:r>
-            <a:endParaRPr lang="en-US"/>
           </a:p>
         </p:txBody>
       </p:sp>
@@ -1584,7 +1607,6 @@
               <a:rPr lang="en-US"/>
               <a:t>Fifth level</a:t>
             </a:r>
-            <a:endParaRPr lang="en-US"/>
           </a:p>
         </p:txBody>
       </p:sp>
@@ -1605,7 +1627,7 @@
           <a:p>
             <a:fld id="{B17AFAAB-B546-45EA-83F1-D6961F00B077}" type="datetimeFigureOut">
               <a:rPr lang="en-US" smtClean="0"/>
-              <a:t>12/3/2016</a:t>
+              <a:t>12/4/2016</a:t>
             </a:fld>
             <a:endParaRPr lang="en-US"/>
           </a:p>
@@ -1702,7 +1724,6 @@
               <a:rPr lang="en-US"/>
               <a:t>Click to edit Master title style</a:t>
             </a:r>
-            <a:endParaRPr lang="en-US"/>
           </a:p>
         </p:txBody>
       </p:sp>
@@ -1723,7 +1744,7 @@
           <a:p>
             <a:fld id="{B17AFAAB-B546-45EA-83F1-D6961F00B077}" type="datetimeFigureOut">
               <a:rPr lang="en-US" smtClean="0"/>
-              <a:t>12/3/2016</a:t>
+              <a:t>12/4/2016</a:t>
             </a:fld>
             <a:endParaRPr lang="en-US"/>
           </a:p>
@@ -1818,7 +1839,7 @@
           <a:p>
             <a:fld id="{B17AFAAB-B546-45EA-83F1-D6961F00B077}" type="datetimeFigureOut">
               <a:rPr lang="en-US" smtClean="0"/>
-              <a:t>12/3/2016</a:t>
+              <a:t>12/4/2016</a:t>
             </a:fld>
             <a:endParaRPr lang="en-US"/>
           </a:p>
@@ -1924,7 +1945,6 @@
               <a:rPr lang="en-US"/>
               <a:t>Click to edit Master title style</a:t>
             </a:r>
-            <a:endParaRPr lang="en-US"/>
           </a:p>
         </p:txBody>
       </p:sp>
@@ -2009,7 +2029,6 @@
               <a:rPr lang="en-US"/>
               <a:t>Fifth level</a:t>
             </a:r>
-            <a:endParaRPr lang="en-US"/>
           </a:p>
         </p:txBody>
       </p:sp>
@@ -2095,7 +2114,7 @@
           <a:p>
             <a:fld id="{B17AFAAB-B546-45EA-83F1-D6961F00B077}" type="datetimeFigureOut">
               <a:rPr lang="en-US" smtClean="0"/>
-              <a:t>12/3/2016</a:t>
+              <a:t>12/4/2016</a:t>
             </a:fld>
             <a:endParaRPr lang="en-US"/>
           </a:p>
@@ -2201,7 +2220,6 @@
               <a:rPr lang="en-US"/>
               <a:t>Click to edit Master title style</a:t>
             </a:r>
-            <a:endParaRPr lang="en-US"/>
           </a:p>
         </p:txBody>
       </p:sp>
@@ -2348,7 +2366,7 @@
           <a:p>
             <a:fld id="{B17AFAAB-B546-45EA-83F1-D6961F00B077}" type="datetimeFigureOut">
               <a:rPr lang="en-US" smtClean="0"/>
-              <a:t>12/3/2016</a:t>
+              <a:t>12/4/2016</a:t>
             </a:fld>
             <a:endParaRPr lang="en-US"/>
           </a:p>
@@ -2460,7 +2478,6 @@
               <a:rPr lang="en-US"/>
               <a:t>Click to edit Master title style</a:t>
             </a:r>
-            <a:endParaRPr lang="en-US"/>
           </a:p>
         </p:txBody>
       </p:sp>
@@ -2522,7 +2539,6 @@
               <a:rPr lang="en-US"/>
               <a:t>Fifth level</a:t>
             </a:r>
-            <a:endParaRPr lang="en-US"/>
           </a:p>
         </p:txBody>
       </p:sp>
@@ -2561,7 +2577,7 @@
           <a:p>
             <a:fld id="{B17AFAAB-B546-45EA-83F1-D6961F00B077}" type="datetimeFigureOut">
               <a:rPr lang="en-US" smtClean="0"/>
-              <a:t>12/3/2016</a:t>
+              <a:t>12/4/2016</a:t>
             </a:fld>
             <a:endParaRPr lang="en-US"/>
           </a:p>
@@ -3045,6 +3061,1127 @@
 </p:sld>
 </file>
 
+<file path=ppt/slides/slide10.xml><?xml version="1.0" encoding="utf-8"?>
+<p:sld xmlns:a="http://schemas.openxmlformats.org/drawingml/2006/main" xmlns:r="http://schemas.openxmlformats.org/officeDocument/2006/relationships" xmlns:p="http://schemas.openxmlformats.org/presentationml/2006/main">
+  <p:cSld>
+    <p:spTree>
+      <p:nvGrpSpPr>
+        <p:cNvPr id="1" name=""/>
+        <p:cNvGrpSpPr/>
+        <p:nvPr/>
+      </p:nvGrpSpPr>
+      <p:grpSpPr>
+        <a:xfrm>
+          <a:off x="0" y="0"/>
+          <a:ext cx="0" cy="0"/>
+          <a:chOff x="0" y="0"/>
+          <a:chExt cx="0" cy="0"/>
+        </a:xfrm>
+      </p:grpSpPr>
+      <p:sp>
+        <p:nvSpPr>
+          <p:cNvPr id="2" name="Title 1"/>
+          <p:cNvSpPr>
+            <a:spLocks noGrp="1"/>
+          </p:cNvSpPr>
+          <p:nvPr>
+            <p:ph type="title"/>
+          </p:nvPr>
+        </p:nvSpPr>
+        <p:spPr/>
+        <p:txBody>
+          <a:bodyPr/>
+          <a:lstStyle/>
+          <a:p>
+            <a:r>
+              <a:rPr lang="en-US" dirty="0"/>
+              <a:t>Data Management Requirements</a:t>
+            </a:r>
+          </a:p>
+        </p:txBody>
+      </p:sp>
+      <p:sp>
+        <p:nvSpPr>
+          <p:cNvPr id="3" name="Content Placeholder 2"/>
+          <p:cNvSpPr>
+            <a:spLocks noGrp="1"/>
+          </p:cNvSpPr>
+          <p:nvPr>
+            <p:ph idx="1"/>
+          </p:nvPr>
+        </p:nvSpPr>
+        <p:spPr/>
+        <p:txBody>
+          <a:bodyPr/>
+          <a:lstStyle/>
+          <a:p>
+            <a:r>
+              <a:rPr lang="en-US" dirty="0"/>
+              <a:t>Users with files in A360 should be able to use in site</a:t>
+            </a:r>
+          </a:p>
+          <a:p>
+            <a:r>
+              <a:rPr lang="en-US" dirty="0"/>
+              <a:t>User gives website permission to use files</a:t>
+            </a:r>
+          </a:p>
+          <a:p>
+            <a:r>
+              <a:rPr lang="en-US" dirty="0"/>
+              <a:t>User can now choose file to view</a:t>
+            </a:r>
+          </a:p>
+        </p:txBody>
+      </p:sp>
+    </p:spTree>
+    <p:extLst>
+      <p:ext uri="{BB962C8B-B14F-4D97-AF65-F5344CB8AC3E}">
+        <p14:creationId xmlns:p14="http://schemas.microsoft.com/office/powerpoint/2010/main" val="4073836856"/>
+      </p:ext>
+    </p:extLst>
+  </p:cSld>
+  <p:clrMapOvr>
+    <a:masterClrMapping/>
+  </p:clrMapOvr>
+</p:sld>
+</file>
+
+<file path=ppt/slides/slide11.xml><?xml version="1.0" encoding="utf-8"?>
+<p:sld xmlns:a="http://schemas.openxmlformats.org/drawingml/2006/main" xmlns:r="http://schemas.openxmlformats.org/officeDocument/2006/relationships" xmlns:p="http://schemas.openxmlformats.org/presentationml/2006/main">
+  <p:cSld>
+    <p:spTree>
+      <p:nvGrpSpPr>
+        <p:cNvPr id="1" name=""/>
+        <p:cNvGrpSpPr/>
+        <p:nvPr/>
+      </p:nvGrpSpPr>
+      <p:grpSpPr>
+        <a:xfrm>
+          <a:off x="0" y="0"/>
+          <a:ext cx="0" cy="0"/>
+          <a:chOff x="0" y="0"/>
+          <a:chExt cx="0" cy="0"/>
+        </a:xfrm>
+      </p:grpSpPr>
+      <p:sp>
+        <p:nvSpPr>
+          <p:cNvPr id="2" name="Title 1"/>
+          <p:cNvSpPr>
+            <a:spLocks noGrp="1"/>
+          </p:cNvSpPr>
+          <p:nvPr>
+            <p:ph type="title"/>
+          </p:nvPr>
+        </p:nvSpPr>
+        <p:spPr/>
+        <p:txBody>
+          <a:bodyPr/>
+          <a:lstStyle/>
+          <a:p>
+            <a:r>
+              <a:rPr lang="en-US" dirty="0"/>
+              <a:t>Viewing VR Requirements</a:t>
+            </a:r>
+          </a:p>
+        </p:txBody>
+      </p:sp>
+      <p:sp>
+        <p:nvSpPr>
+          <p:cNvPr id="3" name="Content Placeholder 2"/>
+          <p:cNvSpPr>
+            <a:spLocks noGrp="1"/>
+          </p:cNvSpPr>
+          <p:nvPr>
+            <p:ph idx="1"/>
+          </p:nvPr>
+        </p:nvSpPr>
+        <p:spPr/>
+        <p:txBody>
+          <a:bodyPr/>
+          <a:lstStyle/>
+          <a:p>
+            <a:r>
+              <a:rPr lang="en-US" dirty="0"/>
+              <a:t>Model is viewable in VR headset (Google Cardboard)</a:t>
+            </a:r>
+          </a:p>
+          <a:p>
+            <a:r>
+              <a:rPr lang="en-US" dirty="0"/>
+              <a:t>High quality/size models will be hard to view</a:t>
+            </a:r>
+          </a:p>
+          <a:p>
+            <a:r>
+              <a:rPr lang="en-US" dirty="0"/>
+              <a:t>Models need some interactivity while user uses VR</a:t>
+            </a:r>
+          </a:p>
+        </p:txBody>
+      </p:sp>
+    </p:spTree>
+    <p:extLst>
+      <p:ext uri="{BB962C8B-B14F-4D97-AF65-F5344CB8AC3E}">
+        <p14:creationId xmlns:p14="http://schemas.microsoft.com/office/powerpoint/2010/main" val="618129479"/>
+      </p:ext>
+    </p:extLst>
+  </p:cSld>
+  <p:clrMapOvr>
+    <a:masterClrMapping/>
+  </p:clrMapOvr>
+</p:sld>
+</file>
+
+<file path=ppt/slides/slide12.xml><?xml version="1.0" encoding="utf-8"?>
+<p:sld xmlns:a="http://schemas.openxmlformats.org/drawingml/2006/main" xmlns:r="http://schemas.openxmlformats.org/officeDocument/2006/relationships" xmlns:p="http://schemas.openxmlformats.org/presentationml/2006/main">
+  <p:cSld>
+    <p:spTree>
+      <p:nvGrpSpPr>
+        <p:cNvPr id="1" name=""/>
+        <p:cNvGrpSpPr/>
+        <p:nvPr/>
+      </p:nvGrpSpPr>
+      <p:grpSpPr>
+        <a:xfrm>
+          <a:off x="0" y="0"/>
+          <a:ext cx="0" cy="0"/>
+          <a:chOff x="0" y="0"/>
+          <a:chExt cx="0" cy="0"/>
+        </a:xfrm>
+      </p:grpSpPr>
+      <p:sp>
+        <p:nvSpPr>
+          <p:cNvPr id="2" name="Title 1"/>
+          <p:cNvSpPr>
+            <a:spLocks noGrp="1"/>
+          </p:cNvSpPr>
+          <p:nvPr>
+            <p:ph type="title"/>
+          </p:nvPr>
+        </p:nvSpPr>
+        <p:spPr/>
+        <p:txBody>
+          <a:bodyPr/>
+          <a:lstStyle/>
+          <a:p>
+            <a:r>
+              <a:rPr lang="en-US" dirty="0"/>
+              <a:t>Model View Requirements</a:t>
+            </a:r>
+          </a:p>
+        </p:txBody>
+      </p:sp>
+      <p:sp>
+        <p:nvSpPr>
+          <p:cNvPr id="3" name="Content Placeholder 2"/>
+          <p:cNvSpPr>
+            <a:spLocks noGrp="1"/>
+          </p:cNvSpPr>
+          <p:nvPr>
+            <p:ph idx="1"/>
+          </p:nvPr>
+        </p:nvSpPr>
+        <p:spPr/>
+        <p:txBody>
+          <a:bodyPr/>
+          <a:lstStyle/>
+          <a:p>
+            <a:r>
+              <a:rPr lang="en-US" dirty="0"/>
+              <a:t>User can see chosen model on website</a:t>
+            </a:r>
+          </a:p>
+          <a:p>
+            <a:r>
+              <a:rPr lang="en-US" dirty="0"/>
+              <a:t>Model cannot be too detailed or large</a:t>
+            </a:r>
+          </a:p>
+          <a:p>
+            <a:pPr lvl="1"/>
+            <a:r>
+              <a:rPr lang="en-US" dirty="0"/>
+              <a:t>Where the website cannot run it</a:t>
+            </a:r>
+          </a:p>
+          <a:p>
+            <a:r>
+              <a:rPr lang="en-US" dirty="0"/>
+              <a:t>Model is displayed in Forge Viewer and is interactive</a:t>
+            </a:r>
+          </a:p>
+        </p:txBody>
+      </p:sp>
+    </p:spTree>
+    <p:extLst>
+      <p:ext uri="{BB962C8B-B14F-4D97-AF65-F5344CB8AC3E}">
+        <p14:creationId xmlns:p14="http://schemas.microsoft.com/office/powerpoint/2010/main" val="181090165"/>
+      </p:ext>
+    </p:extLst>
+  </p:cSld>
+  <p:clrMapOvr>
+    <a:masterClrMapping/>
+  </p:clrMapOvr>
+</p:sld>
+</file>
+
+<file path=ppt/slides/slide13.xml><?xml version="1.0" encoding="utf-8"?>
+<p:sld xmlns:a="http://schemas.openxmlformats.org/drawingml/2006/main" xmlns:r="http://schemas.openxmlformats.org/officeDocument/2006/relationships" xmlns:p="http://schemas.openxmlformats.org/presentationml/2006/main">
+  <p:cSld>
+    <p:spTree>
+      <p:nvGrpSpPr>
+        <p:cNvPr id="1" name=""/>
+        <p:cNvGrpSpPr/>
+        <p:nvPr/>
+      </p:nvGrpSpPr>
+      <p:grpSpPr>
+        <a:xfrm>
+          <a:off x="0" y="0"/>
+          <a:ext cx="0" cy="0"/>
+          <a:chOff x="0" y="0"/>
+          <a:chExt cx="0" cy="0"/>
+        </a:xfrm>
+      </p:grpSpPr>
+      <p:sp>
+        <p:nvSpPr>
+          <p:cNvPr id="2" name="Title 1"/>
+          <p:cNvSpPr>
+            <a:spLocks noGrp="1"/>
+          </p:cNvSpPr>
+          <p:nvPr>
+            <p:ph type="title"/>
+          </p:nvPr>
+        </p:nvSpPr>
+        <p:spPr/>
+        <p:txBody>
+          <a:bodyPr/>
+          <a:lstStyle/>
+          <a:p>
+            <a:r>
+              <a:rPr lang="en-US" dirty="0"/>
+              <a:t>Model Derivative Requirements</a:t>
+            </a:r>
+          </a:p>
+        </p:txBody>
+      </p:sp>
+      <p:sp>
+        <p:nvSpPr>
+          <p:cNvPr id="3" name="Content Placeholder 2"/>
+          <p:cNvSpPr>
+            <a:spLocks noGrp="1"/>
+          </p:cNvSpPr>
+          <p:nvPr>
+            <p:ph idx="1"/>
+          </p:nvPr>
+        </p:nvSpPr>
+        <p:spPr/>
+        <p:txBody>
+          <a:bodyPr/>
+          <a:lstStyle/>
+          <a:p>
+            <a:r>
+              <a:rPr lang="en-US" dirty="0"/>
+              <a:t>Files user uploads will be converted to SVF files</a:t>
+            </a:r>
+          </a:p>
+          <a:p>
+            <a:r>
+              <a:rPr lang="en-US" dirty="0"/>
+              <a:t>Then the file will be displayed on viewer</a:t>
+            </a:r>
+          </a:p>
+          <a:p>
+            <a:r>
+              <a:rPr lang="en-US" dirty="0"/>
+              <a:t>Should notify user of any failures</a:t>
+            </a:r>
+          </a:p>
+        </p:txBody>
+      </p:sp>
+    </p:spTree>
+    <p:extLst>
+      <p:ext uri="{BB962C8B-B14F-4D97-AF65-F5344CB8AC3E}">
+        <p14:creationId xmlns:p14="http://schemas.microsoft.com/office/powerpoint/2010/main" val="4239687670"/>
+      </p:ext>
+    </p:extLst>
+  </p:cSld>
+  <p:clrMapOvr>
+    <a:masterClrMapping/>
+  </p:clrMapOvr>
+</p:sld>
+</file>
+
+<file path=ppt/slides/slide14.xml><?xml version="1.0" encoding="utf-8"?>
+<p:sld xmlns:a="http://schemas.openxmlformats.org/drawingml/2006/main" xmlns:r="http://schemas.openxmlformats.org/officeDocument/2006/relationships" xmlns:p="http://schemas.openxmlformats.org/presentationml/2006/main">
+  <p:cSld>
+    <p:spTree>
+      <p:nvGrpSpPr>
+        <p:cNvPr id="1" name=""/>
+        <p:cNvGrpSpPr/>
+        <p:nvPr/>
+      </p:nvGrpSpPr>
+      <p:grpSpPr>
+        <a:xfrm>
+          <a:off x="0" y="0"/>
+          <a:ext cx="0" cy="0"/>
+          <a:chOff x="0" y="0"/>
+          <a:chExt cx="0" cy="0"/>
+        </a:xfrm>
+      </p:grpSpPr>
+      <p:sp>
+        <p:nvSpPr>
+          <p:cNvPr id="2" name="Title 1"/>
+          <p:cNvSpPr>
+            <a:spLocks noGrp="1"/>
+          </p:cNvSpPr>
+          <p:nvPr>
+            <p:ph type="title"/>
+          </p:nvPr>
+        </p:nvSpPr>
+        <p:spPr/>
+        <p:txBody>
+          <a:bodyPr/>
+          <a:lstStyle/>
+          <a:p>
+            <a:r>
+              <a:rPr lang="en-US" dirty="0"/>
+              <a:t>File Upload Requirements</a:t>
+            </a:r>
+          </a:p>
+        </p:txBody>
+      </p:sp>
+      <p:sp>
+        <p:nvSpPr>
+          <p:cNvPr id="3" name="Content Placeholder 2"/>
+          <p:cNvSpPr>
+            <a:spLocks noGrp="1"/>
+          </p:cNvSpPr>
+          <p:nvPr>
+            <p:ph idx="1"/>
+          </p:nvPr>
+        </p:nvSpPr>
+        <p:spPr/>
+        <p:txBody>
+          <a:bodyPr/>
+          <a:lstStyle/>
+          <a:p>
+            <a:r>
+              <a:rPr lang="en-US" dirty="0"/>
+              <a:t>User can upload files</a:t>
+            </a:r>
+          </a:p>
+          <a:p>
+            <a:pPr lvl="1"/>
+            <a:r>
+              <a:rPr lang="en-US" dirty="0"/>
+              <a:t>Through local machine</a:t>
+            </a:r>
+          </a:p>
+          <a:p>
+            <a:pPr lvl="1"/>
+            <a:r>
+              <a:rPr lang="en-US" dirty="0"/>
+              <a:t>Or A360 (Data Management API)</a:t>
+            </a:r>
+          </a:p>
+          <a:p>
+            <a:r>
+              <a:rPr lang="en-US" dirty="0"/>
+              <a:t>Failures will be reported</a:t>
+            </a:r>
+          </a:p>
+          <a:p>
+            <a:pPr lvl="1"/>
+            <a:r>
+              <a:rPr lang="en-US" dirty="0"/>
+              <a:t>Unsuccessful upload</a:t>
+            </a:r>
+          </a:p>
+          <a:p>
+            <a:pPr lvl="1"/>
+            <a:r>
+              <a:rPr lang="en-US" dirty="0"/>
+              <a:t>Too large</a:t>
+            </a:r>
+          </a:p>
+          <a:p>
+            <a:r>
+              <a:rPr lang="en-US" dirty="0"/>
+              <a:t>File will be displayed on list of usable models</a:t>
+            </a:r>
+          </a:p>
+        </p:txBody>
+      </p:sp>
+    </p:spTree>
+    <p:extLst>
+      <p:ext uri="{BB962C8B-B14F-4D97-AF65-F5344CB8AC3E}">
+        <p14:creationId xmlns:p14="http://schemas.microsoft.com/office/powerpoint/2010/main" val="4186160874"/>
+      </p:ext>
+    </p:extLst>
+  </p:cSld>
+  <p:clrMapOvr>
+    <a:masterClrMapping/>
+  </p:clrMapOvr>
+</p:sld>
+</file>
+
+<file path=ppt/slides/slide15.xml><?xml version="1.0" encoding="utf-8"?>
+<p:sld xmlns:a="http://schemas.openxmlformats.org/drawingml/2006/main" xmlns:r="http://schemas.openxmlformats.org/officeDocument/2006/relationships" xmlns:p="http://schemas.openxmlformats.org/presentationml/2006/main">
+  <p:cSld>
+    <p:spTree>
+      <p:nvGrpSpPr>
+        <p:cNvPr id="1" name=""/>
+        <p:cNvGrpSpPr/>
+        <p:nvPr/>
+      </p:nvGrpSpPr>
+      <p:grpSpPr>
+        <a:xfrm>
+          <a:off x="0" y="0"/>
+          <a:ext cx="0" cy="0"/>
+          <a:chOff x="0" y="0"/>
+          <a:chExt cx="0" cy="0"/>
+        </a:xfrm>
+      </p:grpSpPr>
+      <p:sp>
+        <p:nvSpPr>
+          <p:cNvPr id="2" name="Title 1"/>
+          <p:cNvSpPr>
+            <a:spLocks noGrp="1"/>
+          </p:cNvSpPr>
+          <p:nvPr>
+            <p:ph type="title"/>
+          </p:nvPr>
+        </p:nvSpPr>
+        <p:spPr/>
+        <p:txBody>
+          <a:bodyPr/>
+          <a:lstStyle/>
+          <a:p>
+            <a:r>
+              <a:rPr lang="en-US" dirty="0"/>
+              <a:t>Smartphone Connection Requirements</a:t>
+            </a:r>
+          </a:p>
+        </p:txBody>
+      </p:sp>
+      <p:sp>
+        <p:nvSpPr>
+          <p:cNvPr id="3" name="Content Placeholder 2"/>
+          <p:cNvSpPr>
+            <a:spLocks noGrp="1"/>
+          </p:cNvSpPr>
+          <p:nvPr>
+            <p:ph idx="1"/>
+          </p:nvPr>
+        </p:nvSpPr>
+        <p:spPr/>
+        <p:txBody>
+          <a:bodyPr/>
+          <a:lstStyle/>
+          <a:p>
+            <a:r>
+              <a:rPr lang="en-US" dirty="0"/>
+              <a:t>Users connect phone to Vrok.it</a:t>
+            </a:r>
+          </a:p>
+          <a:p>
+            <a:r>
+              <a:rPr lang="en-US" dirty="0"/>
+              <a:t>So user can view model in VR environment</a:t>
+            </a:r>
+          </a:p>
+          <a:p>
+            <a:r>
+              <a:rPr lang="en-US" dirty="0"/>
+              <a:t>Users device must have QR scanner and internet</a:t>
+            </a:r>
+          </a:p>
+          <a:p>
+            <a:r>
+              <a:rPr lang="en-US" dirty="0"/>
+              <a:t>Phone should connect to site via QR scan</a:t>
+            </a:r>
+          </a:p>
+          <a:p>
+            <a:endParaRPr lang="en-US" dirty="0"/>
+          </a:p>
+        </p:txBody>
+      </p:sp>
+    </p:spTree>
+    <p:extLst>
+      <p:ext uri="{BB962C8B-B14F-4D97-AF65-F5344CB8AC3E}">
+        <p14:creationId xmlns:p14="http://schemas.microsoft.com/office/powerpoint/2010/main" val="1717661036"/>
+      </p:ext>
+    </p:extLst>
+  </p:cSld>
+  <p:clrMapOvr>
+    <a:masterClrMapping/>
+  </p:clrMapOvr>
+</p:sld>
+</file>
+
+<file path=ppt/slides/slide16.xml><?xml version="1.0" encoding="utf-8"?>
+<p:sld xmlns:a="http://schemas.openxmlformats.org/drawingml/2006/main" xmlns:r="http://schemas.openxmlformats.org/officeDocument/2006/relationships" xmlns:p="http://schemas.openxmlformats.org/presentationml/2006/main">
+  <p:cSld>
+    <p:spTree>
+      <p:nvGrpSpPr>
+        <p:cNvPr id="1" name=""/>
+        <p:cNvGrpSpPr/>
+        <p:nvPr/>
+      </p:nvGrpSpPr>
+      <p:grpSpPr>
+        <a:xfrm>
+          <a:off x="0" y="0"/>
+          <a:ext cx="0" cy="0"/>
+          <a:chOff x="0" y="0"/>
+          <a:chExt cx="0" cy="0"/>
+        </a:xfrm>
+      </p:grpSpPr>
+      <p:sp>
+        <p:nvSpPr>
+          <p:cNvPr id="2" name="Title 1"/>
+          <p:cNvSpPr>
+            <a:spLocks noGrp="1"/>
+          </p:cNvSpPr>
+          <p:nvPr>
+            <p:ph type="title"/>
+          </p:nvPr>
+        </p:nvSpPr>
+        <p:spPr/>
+        <p:txBody>
+          <a:bodyPr/>
+          <a:lstStyle/>
+          <a:p>
+            <a:r>
+              <a:rPr lang="en-US" dirty="0"/>
+              <a:t>Authentication Design</a:t>
+            </a:r>
+            <a:endParaRPr lang="en-US" dirty="0"/>
+          </a:p>
+        </p:txBody>
+      </p:sp>
+      <p:sp>
+        <p:nvSpPr>
+          <p:cNvPr id="3" name="Text Placeholder 2"/>
+          <p:cNvSpPr>
+            <a:spLocks noGrp="1"/>
+          </p:cNvSpPr>
+          <p:nvPr>
+            <p:ph type="body" idx="1"/>
+          </p:nvPr>
+        </p:nvSpPr>
+        <p:spPr>
+          <a:xfrm>
+            <a:off x="839788" y="1681163"/>
+            <a:ext cx="5157787" cy="484521"/>
+          </a:xfrm>
+        </p:spPr>
+        <p:txBody>
+          <a:bodyPr/>
+          <a:lstStyle/>
+          <a:p>
+            <a:r>
+              <a:rPr lang="en-US" dirty="0"/>
+              <a:t>2 Legged</a:t>
+            </a:r>
+          </a:p>
+        </p:txBody>
+      </p:sp>
+      <p:sp>
+        <p:nvSpPr>
+          <p:cNvPr id="4" name="Content Placeholder 3"/>
+          <p:cNvSpPr>
+            <a:spLocks noGrp="1"/>
+          </p:cNvSpPr>
+          <p:nvPr>
+            <p:ph sz="half" idx="2"/>
+          </p:nvPr>
+        </p:nvSpPr>
+        <p:spPr>
+          <a:xfrm>
+            <a:off x="839788" y="2165684"/>
+            <a:ext cx="5157787" cy="4023979"/>
+          </a:xfrm>
+        </p:spPr>
+        <p:txBody>
+          <a:bodyPr/>
+          <a:lstStyle/>
+          <a:p>
+            <a:r>
+              <a:rPr lang="en-US" dirty="0"/>
+              <a:t>For when site does not need permission based resources</a:t>
+            </a:r>
+          </a:p>
+          <a:p>
+            <a:r>
+              <a:rPr lang="en-US" dirty="0"/>
+              <a:t>Simple token exchange system for security</a:t>
+            </a:r>
+          </a:p>
+          <a:p>
+            <a:r>
+              <a:rPr lang="en-US" dirty="0"/>
+              <a:t>Dependent on Autodesk endpoints/system/servers</a:t>
+            </a:r>
+          </a:p>
+        </p:txBody>
+      </p:sp>
+      <p:sp>
+        <p:nvSpPr>
+          <p:cNvPr id="5" name="Text Placeholder 4"/>
+          <p:cNvSpPr>
+            <a:spLocks noGrp="1"/>
+          </p:cNvSpPr>
+          <p:nvPr>
+            <p:ph type="body" sz="quarter" idx="3"/>
+          </p:nvPr>
+        </p:nvSpPr>
+        <p:spPr>
+          <a:xfrm>
+            <a:off x="6172200" y="1681163"/>
+            <a:ext cx="5183188" cy="484521"/>
+          </a:xfrm>
+        </p:spPr>
+        <p:txBody>
+          <a:bodyPr/>
+          <a:lstStyle/>
+          <a:p>
+            <a:r>
+              <a:rPr lang="en-US" dirty="0"/>
+              <a:t>3 Legged</a:t>
+            </a:r>
+          </a:p>
+        </p:txBody>
+      </p:sp>
+      <p:sp>
+        <p:nvSpPr>
+          <p:cNvPr id="6" name="Content Placeholder 5"/>
+          <p:cNvSpPr>
+            <a:spLocks noGrp="1"/>
+          </p:cNvSpPr>
+          <p:nvPr>
+            <p:ph sz="quarter" idx="4"/>
+          </p:nvPr>
+        </p:nvSpPr>
+        <p:spPr>
+          <a:xfrm>
+            <a:off x="6172200" y="2165684"/>
+            <a:ext cx="5183188" cy="4023979"/>
+          </a:xfrm>
+        </p:spPr>
+        <p:txBody>
+          <a:bodyPr/>
+          <a:lstStyle/>
+          <a:p>
+            <a:r>
+              <a:rPr lang="en-US" dirty="0"/>
+              <a:t>When users must verify permission for resources</a:t>
+            </a:r>
+          </a:p>
+          <a:p>
+            <a:r>
+              <a:rPr lang="en-US" dirty="0"/>
+              <a:t>Users verify permission after logging in</a:t>
+            </a:r>
+          </a:p>
+          <a:p>
+            <a:r>
+              <a:rPr lang="en-US" dirty="0"/>
+              <a:t>Token returned granting site access of resources</a:t>
+            </a:r>
+          </a:p>
+          <a:p>
+            <a:r>
+              <a:rPr lang="en-US" dirty="0"/>
+              <a:t>Dependent on Autodesk endpoints/system/servers</a:t>
+            </a:r>
+          </a:p>
+          <a:p>
+            <a:pPr lvl="1"/>
+            <a:r>
+              <a:rPr lang="en-US" dirty="0"/>
+              <a:t>As well as user permission</a:t>
+            </a:r>
+          </a:p>
+          <a:p>
+            <a:endParaRPr lang="en-US" dirty="0"/>
+          </a:p>
+        </p:txBody>
+      </p:sp>
+    </p:spTree>
+    <p:extLst>
+      <p:ext uri="{BB962C8B-B14F-4D97-AF65-F5344CB8AC3E}">
+        <p14:creationId xmlns:p14="http://schemas.microsoft.com/office/powerpoint/2010/main" val="2497763136"/>
+      </p:ext>
+    </p:extLst>
+  </p:cSld>
+  <p:clrMapOvr>
+    <a:masterClrMapping/>
+  </p:clrMapOvr>
+</p:sld>
+</file>
+
+<file path=ppt/slides/slide17.xml><?xml version="1.0" encoding="utf-8"?>
+<p:sld xmlns:a="http://schemas.openxmlformats.org/drawingml/2006/main" xmlns:r="http://schemas.openxmlformats.org/officeDocument/2006/relationships" xmlns:p="http://schemas.openxmlformats.org/presentationml/2006/main">
+  <p:cSld>
+    <p:spTree>
+      <p:nvGrpSpPr>
+        <p:cNvPr id="1" name=""/>
+        <p:cNvGrpSpPr/>
+        <p:nvPr/>
+      </p:nvGrpSpPr>
+      <p:grpSpPr>
+        <a:xfrm>
+          <a:off x="0" y="0"/>
+          <a:ext cx="0" cy="0"/>
+          <a:chOff x="0" y="0"/>
+          <a:chExt cx="0" cy="0"/>
+        </a:xfrm>
+      </p:grpSpPr>
+      <p:sp>
+        <p:nvSpPr>
+          <p:cNvPr id="2" name="Title 1"/>
+          <p:cNvSpPr>
+            <a:spLocks noGrp="1"/>
+          </p:cNvSpPr>
+          <p:nvPr>
+            <p:ph type="title"/>
+          </p:nvPr>
+        </p:nvSpPr>
+        <p:spPr/>
+        <p:txBody>
+          <a:bodyPr/>
+          <a:lstStyle/>
+          <a:p>
+            <a:r>
+              <a:rPr lang="en-US" dirty="0"/>
+              <a:t>Data Management Design</a:t>
+            </a:r>
+          </a:p>
+        </p:txBody>
+      </p:sp>
+      <p:sp>
+        <p:nvSpPr>
+          <p:cNvPr id="3" name="Content Placeholder 2"/>
+          <p:cNvSpPr>
+            <a:spLocks noGrp="1"/>
+          </p:cNvSpPr>
+          <p:nvPr>
+            <p:ph idx="1"/>
+          </p:nvPr>
+        </p:nvSpPr>
+        <p:spPr/>
+        <p:txBody>
+          <a:bodyPr/>
+          <a:lstStyle/>
+          <a:p>
+            <a:r>
+              <a:rPr lang="en-US" dirty="0"/>
+              <a:t>Relies on 3 Legged Data Authentication being completed</a:t>
+            </a:r>
+          </a:p>
+          <a:p>
+            <a:r>
+              <a:rPr lang="en-US" dirty="0"/>
+              <a:t>User accesses files stored in A360 to use</a:t>
+            </a:r>
+          </a:p>
+          <a:p>
+            <a:r>
+              <a:rPr lang="en-US" dirty="0"/>
+              <a:t>Data management returns those files</a:t>
+            </a:r>
+          </a:p>
+        </p:txBody>
+      </p:sp>
+    </p:spTree>
+    <p:extLst>
+      <p:ext uri="{BB962C8B-B14F-4D97-AF65-F5344CB8AC3E}">
+        <p14:creationId xmlns:p14="http://schemas.microsoft.com/office/powerpoint/2010/main" val="1095674573"/>
+      </p:ext>
+    </p:extLst>
+  </p:cSld>
+  <p:clrMapOvr>
+    <a:masterClrMapping/>
+  </p:clrMapOvr>
+</p:sld>
+</file>
+
+<file path=ppt/slides/slide18.xml><?xml version="1.0" encoding="utf-8"?>
+<p:sld xmlns:a="http://schemas.openxmlformats.org/drawingml/2006/main" xmlns:r="http://schemas.openxmlformats.org/officeDocument/2006/relationships" xmlns:p="http://schemas.openxmlformats.org/presentationml/2006/main">
+  <p:cSld>
+    <p:spTree>
+      <p:nvGrpSpPr>
+        <p:cNvPr id="1" name=""/>
+        <p:cNvGrpSpPr/>
+        <p:nvPr/>
+      </p:nvGrpSpPr>
+      <p:grpSpPr>
+        <a:xfrm>
+          <a:off x="0" y="0"/>
+          <a:ext cx="0" cy="0"/>
+          <a:chOff x="0" y="0"/>
+          <a:chExt cx="0" cy="0"/>
+        </a:xfrm>
+      </p:grpSpPr>
+      <p:sp>
+        <p:nvSpPr>
+          <p:cNvPr id="2" name="Title 1"/>
+          <p:cNvSpPr>
+            <a:spLocks noGrp="1"/>
+          </p:cNvSpPr>
+          <p:nvPr>
+            <p:ph type="title"/>
+          </p:nvPr>
+        </p:nvSpPr>
+        <p:spPr/>
+        <p:txBody>
+          <a:bodyPr/>
+          <a:lstStyle/>
+          <a:p>
+            <a:r>
+              <a:rPr lang="en-US" dirty="0"/>
+              <a:t>Viewing VR Design</a:t>
+            </a:r>
+          </a:p>
+        </p:txBody>
+      </p:sp>
+      <p:sp>
+        <p:nvSpPr>
+          <p:cNvPr id="3" name="Content Placeholder 2"/>
+          <p:cNvSpPr>
+            <a:spLocks noGrp="1"/>
+          </p:cNvSpPr>
+          <p:nvPr>
+            <p:ph idx="1"/>
+          </p:nvPr>
+        </p:nvSpPr>
+        <p:spPr/>
+        <p:txBody>
+          <a:bodyPr/>
+          <a:lstStyle/>
+          <a:p>
+            <a:r>
+              <a:rPr lang="en-US" dirty="0"/>
+              <a:t>Currently using Google Cardboard’s application</a:t>
+            </a:r>
+          </a:p>
+          <a:p>
+            <a:pPr lvl="1"/>
+            <a:r>
+              <a:rPr lang="en-US" dirty="0"/>
+              <a:t>Android WebView inside the application (</a:t>
+            </a:r>
+            <a:r>
+              <a:rPr lang="en-US" dirty="0" err="1"/>
+              <a:t>WebGL</a:t>
+            </a:r>
+            <a:r>
+              <a:rPr lang="en-US" dirty="0"/>
+              <a:t>)</a:t>
+            </a:r>
+          </a:p>
+          <a:p>
+            <a:r>
+              <a:rPr lang="en-US" dirty="0"/>
+              <a:t>This allows for VR viewing of models on the site loaded by the QR scanner</a:t>
+            </a:r>
+          </a:p>
+          <a:p>
+            <a:r>
+              <a:rPr lang="en-US" dirty="0"/>
+              <a:t>Dependent on user having</a:t>
+            </a:r>
+          </a:p>
+          <a:p>
+            <a:pPr lvl="1"/>
+            <a:r>
+              <a:rPr lang="en-US" dirty="0"/>
+              <a:t>Google Cardboard hardware </a:t>
+            </a:r>
+          </a:p>
+          <a:p>
+            <a:pPr lvl="1"/>
+            <a:r>
+              <a:rPr lang="en-US" dirty="0"/>
+              <a:t>Google Cardboard application</a:t>
+            </a:r>
+          </a:p>
+          <a:p>
+            <a:pPr lvl="1"/>
+            <a:r>
+              <a:rPr lang="en-US" dirty="0"/>
+              <a:t>Android Device Lollipop+</a:t>
+            </a:r>
+            <a:endParaRPr lang="en-US" dirty="0"/>
+          </a:p>
+        </p:txBody>
+      </p:sp>
+    </p:spTree>
+    <p:extLst>
+      <p:ext uri="{BB962C8B-B14F-4D97-AF65-F5344CB8AC3E}">
+        <p14:creationId xmlns:p14="http://schemas.microsoft.com/office/powerpoint/2010/main" val="1648740225"/>
+      </p:ext>
+    </p:extLst>
+  </p:cSld>
+  <p:clrMapOvr>
+    <a:masterClrMapping/>
+  </p:clrMapOvr>
+</p:sld>
+</file>
+
+<file path=ppt/slides/slide19.xml><?xml version="1.0" encoding="utf-8"?>
+<p:sld xmlns:a="http://schemas.openxmlformats.org/drawingml/2006/main" xmlns:r="http://schemas.openxmlformats.org/officeDocument/2006/relationships" xmlns:p="http://schemas.openxmlformats.org/presentationml/2006/main">
+  <p:cSld>
+    <p:spTree>
+      <p:nvGrpSpPr>
+        <p:cNvPr id="1" name=""/>
+        <p:cNvGrpSpPr/>
+        <p:nvPr/>
+      </p:nvGrpSpPr>
+      <p:grpSpPr>
+        <a:xfrm>
+          <a:off x="0" y="0"/>
+          <a:ext cx="0" cy="0"/>
+          <a:chOff x="0" y="0"/>
+          <a:chExt cx="0" cy="0"/>
+        </a:xfrm>
+      </p:grpSpPr>
+      <p:sp>
+        <p:nvSpPr>
+          <p:cNvPr id="2" name="Title 1"/>
+          <p:cNvSpPr>
+            <a:spLocks noGrp="1"/>
+          </p:cNvSpPr>
+          <p:nvPr>
+            <p:ph type="title"/>
+          </p:nvPr>
+        </p:nvSpPr>
+        <p:spPr/>
+        <p:txBody>
+          <a:bodyPr/>
+          <a:lstStyle/>
+          <a:p>
+            <a:r>
+              <a:rPr lang="en-US" dirty="0"/>
+              <a:t>Website Interface</a:t>
+            </a:r>
+          </a:p>
+        </p:txBody>
+      </p:sp>
+      <p:sp>
+        <p:nvSpPr>
+          <p:cNvPr id="3" name="Content Placeholder 2"/>
+          <p:cNvSpPr>
+            <a:spLocks noGrp="1"/>
+          </p:cNvSpPr>
+          <p:nvPr>
+            <p:ph idx="1"/>
+          </p:nvPr>
+        </p:nvSpPr>
+        <p:spPr/>
+        <p:txBody>
+          <a:bodyPr/>
+          <a:lstStyle/>
+          <a:p>
+            <a:r>
+              <a:rPr lang="en-US" dirty="0"/>
+              <a:t>NEW interface</a:t>
+            </a:r>
+          </a:p>
+          <a:p>
+            <a:r>
+              <a:rPr lang="en-US" dirty="0"/>
+              <a:t>Focus on positive user experience</a:t>
+            </a:r>
+          </a:p>
+          <a:p>
+            <a:r>
+              <a:rPr lang="en-US" dirty="0"/>
+              <a:t>Needs to have:</a:t>
+            </a:r>
+          </a:p>
+          <a:p>
+            <a:pPr lvl="1"/>
+            <a:r>
+              <a:rPr lang="en-US" dirty="0"/>
+              <a:t>Forge Viewer</a:t>
+            </a:r>
+          </a:p>
+          <a:p>
+            <a:pPr lvl="1"/>
+            <a:r>
+              <a:rPr lang="en-US" dirty="0"/>
+              <a:t>File Upload</a:t>
+            </a:r>
+          </a:p>
+          <a:p>
+            <a:pPr lvl="1"/>
+            <a:r>
+              <a:rPr lang="en-US" dirty="0"/>
+              <a:t>QR code</a:t>
+            </a:r>
+          </a:p>
+          <a:p>
+            <a:pPr lvl="1"/>
+            <a:r>
+              <a:rPr lang="en-US" dirty="0"/>
+              <a:t>Model Derivative</a:t>
+            </a:r>
+          </a:p>
+          <a:p>
+            <a:pPr lvl="1"/>
+            <a:r>
+              <a:rPr lang="en-US" dirty="0"/>
+              <a:t>Information and basic site content</a:t>
+            </a:r>
+          </a:p>
+        </p:txBody>
+      </p:sp>
+      <p:pic>
+        <p:nvPicPr>
+          <p:cNvPr id="4" name="Picture 3"/>
+          <p:cNvPicPr>
+            <a:picLocks noChangeAspect="1"/>
+          </p:cNvPicPr>
+          <p:nvPr/>
+        </p:nvPicPr>
+        <p:blipFill>
+          <a:blip r:embed="rId2">
+            <a:extLst>
+              <a:ext uri="{28A0092B-C50C-407E-A947-70E740481C1C}">
+                <a14:useLocalDpi xmlns:a14="http://schemas.microsoft.com/office/drawing/2010/main" val="0"/>
+              </a:ext>
+            </a:extLst>
+          </a:blip>
+          <a:stretch>
+            <a:fillRect/>
+          </a:stretch>
+        </p:blipFill>
+        <p:spPr>
+          <a:xfrm>
+            <a:off x="6096000" y="2217291"/>
+            <a:ext cx="5902941" cy="2756607"/>
+          </a:xfrm>
+          <a:prstGeom prst="rect">
+            <a:avLst/>
+          </a:prstGeom>
+        </p:spPr>
+      </p:pic>
+    </p:spTree>
+    <p:extLst>
+      <p:ext uri="{BB962C8B-B14F-4D97-AF65-F5344CB8AC3E}">
+        <p14:creationId xmlns:p14="http://schemas.microsoft.com/office/powerpoint/2010/main" val="3569504896"/>
+      </p:ext>
+    </p:extLst>
+  </p:cSld>
+  <p:clrMapOvr>
+    <a:masterClrMapping/>
+  </p:clrMapOvr>
+</p:sld>
+</file>
+
 <file path=ppt/slides/slide2.xml><?xml version="1.0" encoding="utf-8"?>
 <p:sld xmlns:a="http://schemas.openxmlformats.org/drawingml/2006/main" xmlns:r="http://schemas.openxmlformats.org/officeDocument/2006/relationships" xmlns:p="http://schemas.openxmlformats.org/presentationml/2006/main">
   <p:cSld>
@@ -3140,6 +4277,1173 @@
     <p:extLst>
       <p:ext uri="{BB962C8B-B14F-4D97-AF65-F5344CB8AC3E}">
         <p14:creationId xmlns:p14="http://schemas.microsoft.com/office/powerpoint/2010/main" val="1265223157"/>
+      </p:ext>
+    </p:extLst>
+  </p:cSld>
+  <p:clrMapOvr>
+    <a:masterClrMapping/>
+  </p:clrMapOvr>
+</p:sld>
+</file>
+
+<file path=ppt/slides/slide20.xml><?xml version="1.0" encoding="utf-8"?>
+<p:sld xmlns:a="http://schemas.openxmlformats.org/drawingml/2006/main" xmlns:r="http://schemas.openxmlformats.org/officeDocument/2006/relationships" xmlns:p="http://schemas.openxmlformats.org/presentationml/2006/main">
+  <p:cSld>
+    <p:spTree>
+      <p:nvGrpSpPr>
+        <p:cNvPr id="1" name=""/>
+        <p:cNvGrpSpPr/>
+        <p:nvPr/>
+      </p:nvGrpSpPr>
+      <p:grpSpPr>
+        <a:xfrm>
+          <a:off x="0" y="0"/>
+          <a:ext cx="0" cy="0"/>
+          <a:chOff x="0" y="0"/>
+          <a:chExt cx="0" cy="0"/>
+        </a:xfrm>
+      </p:grpSpPr>
+      <p:sp>
+        <p:nvSpPr>
+          <p:cNvPr id="2" name="Title 1"/>
+          <p:cNvSpPr>
+            <a:spLocks noGrp="1"/>
+          </p:cNvSpPr>
+          <p:nvPr>
+            <p:ph type="title"/>
+          </p:nvPr>
+        </p:nvSpPr>
+        <p:spPr/>
+        <p:txBody>
+          <a:bodyPr/>
+          <a:lstStyle/>
+          <a:p>
+            <a:r>
+              <a:rPr lang="en-US" dirty="0"/>
+              <a:t>Model View Design</a:t>
+            </a:r>
+          </a:p>
+        </p:txBody>
+      </p:sp>
+      <p:sp>
+        <p:nvSpPr>
+          <p:cNvPr id="3" name="Content Placeholder 2"/>
+          <p:cNvSpPr>
+            <a:spLocks noGrp="1"/>
+          </p:cNvSpPr>
+          <p:nvPr>
+            <p:ph idx="1"/>
+          </p:nvPr>
+        </p:nvSpPr>
+        <p:spPr/>
+        <p:txBody>
+          <a:bodyPr/>
+          <a:lstStyle/>
+          <a:p>
+            <a:r>
+              <a:rPr lang="en-US" dirty="0"/>
+              <a:t>Forge Large Model Viewer</a:t>
+            </a:r>
+          </a:p>
+          <a:p>
+            <a:pPr lvl="1"/>
+            <a:r>
+              <a:rPr lang="en-US" dirty="0"/>
+              <a:t>Uses </a:t>
+            </a:r>
+            <a:r>
+              <a:rPr lang="en-US" dirty="0" err="1"/>
+              <a:t>WebGL</a:t>
+            </a:r>
+            <a:endParaRPr lang="en-US" dirty="0"/>
+          </a:p>
+          <a:p>
+            <a:pPr lvl="1"/>
+            <a:r>
+              <a:rPr lang="en-US" dirty="0"/>
+              <a:t>Renders SVF model on webpage</a:t>
+            </a:r>
+          </a:p>
+          <a:p>
+            <a:r>
+              <a:rPr lang="en-US" dirty="0"/>
+              <a:t>Model is interactive</a:t>
+            </a:r>
+          </a:p>
+          <a:p>
+            <a:r>
+              <a:rPr lang="en-US" dirty="0"/>
+              <a:t>Components</a:t>
+            </a:r>
+          </a:p>
+          <a:p>
+            <a:pPr lvl="1"/>
+            <a:r>
+              <a:rPr lang="en-US" dirty="0"/>
+              <a:t>Main view window</a:t>
+            </a:r>
+          </a:p>
+          <a:p>
+            <a:pPr lvl="1"/>
+            <a:r>
+              <a:rPr lang="en-US" dirty="0"/>
+              <a:t>Listed Models</a:t>
+            </a:r>
+          </a:p>
+          <a:p>
+            <a:pPr lvl="1"/>
+            <a:r>
+              <a:rPr lang="en-US" dirty="0"/>
+              <a:t>Viewer Controls</a:t>
+            </a:r>
+          </a:p>
+          <a:p>
+            <a:pPr lvl="1"/>
+            <a:r>
+              <a:rPr lang="en-US" dirty="0"/>
+              <a:t>Model viewer navigation</a:t>
+            </a:r>
+          </a:p>
+          <a:p>
+            <a:pPr lvl="1"/>
+            <a:r>
+              <a:rPr lang="en-US" dirty="0"/>
+              <a:t>Mobile Viewer</a:t>
+            </a:r>
+          </a:p>
+        </p:txBody>
+      </p:sp>
+    </p:spTree>
+    <p:extLst>
+      <p:ext uri="{BB962C8B-B14F-4D97-AF65-F5344CB8AC3E}">
+        <p14:creationId xmlns:p14="http://schemas.microsoft.com/office/powerpoint/2010/main" val="1887009037"/>
+      </p:ext>
+    </p:extLst>
+  </p:cSld>
+  <p:clrMapOvr>
+    <a:masterClrMapping/>
+  </p:clrMapOvr>
+</p:sld>
+</file>
+
+<file path=ppt/slides/slide21.xml><?xml version="1.0" encoding="utf-8"?>
+<p:sld xmlns:a="http://schemas.openxmlformats.org/drawingml/2006/main" xmlns:r="http://schemas.openxmlformats.org/officeDocument/2006/relationships" xmlns:p="http://schemas.openxmlformats.org/presentationml/2006/main">
+  <p:cSld>
+    <p:spTree>
+      <p:nvGrpSpPr>
+        <p:cNvPr id="1" name=""/>
+        <p:cNvGrpSpPr/>
+        <p:nvPr/>
+      </p:nvGrpSpPr>
+      <p:grpSpPr>
+        <a:xfrm>
+          <a:off x="0" y="0"/>
+          <a:ext cx="0" cy="0"/>
+          <a:chOff x="0" y="0"/>
+          <a:chExt cx="0" cy="0"/>
+        </a:xfrm>
+      </p:grpSpPr>
+      <p:sp>
+        <p:nvSpPr>
+          <p:cNvPr id="2" name="Title 1"/>
+          <p:cNvSpPr>
+            <a:spLocks noGrp="1"/>
+          </p:cNvSpPr>
+          <p:nvPr>
+            <p:ph type="title"/>
+          </p:nvPr>
+        </p:nvSpPr>
+        <p:spPr/>
+        <p:txBody>
+          <a:bodyPr/>
+          <a:lstStyle/>
+          <a:p>
+            <a:r>
+              <a:rPr lang="en-US" dirty="0"/>
+              <a:t>Model Derivative Design (File Conversion)</a:t>
+            </a:r>
+          </a:p>
+        </p:txBody>
+      </p:sp>
+      <p:sp>
+        <p:nvSpPr>
+          <p:cNvPr id="3" name="Content Placeholder 2"/>
+          <p:cNvSpPr>
+            <a:spLocks noGrp="1"/>
+          </p:cNvSpPr>
+          <p:nvPr>
+            <p:ph idx="1"/>
+          </p:nvPr>
+        </p:nvSpPr>
+        <p:spPr/>
+        <p:txBody>
+          <a:bodyPr/>
+          <a:lstStyle/>
+          <a:p>
+            <a:r>
+              <a:rPr lang="en-US" dirty="0"/>
+              <a:t>Uploaded files (local or not) sent </a:t>
+            </a:r>
+          </a:p>
+          <a:p>
+            <a:r>
+              <a:rPr lang="en-US" dirty="0"/>
+              <a:t>API accepts CAD files</a:t>
+            </a:r>
+          </a:p>
+          <a:p>
+            <a:r>
+              <a:rPr lang="en-US" dirty="0"/>
+              <a:t>Failure is notified to user</a:t>
+            </a:r>
+          </a:p>
+          <a:p>
+            <a:r>
+              <a:rPr lang="en-US" dirty="0"/>
+              <a:t>Success results in converted SVF file</a:t>
+            </a:r>
+          </a:p>
+          <a:p>
+            <a:endParaRPr lang="en-US" dirty="0"/>
+          </a:p>
+        </p:txBody>
+      </p:sp>
+    </p:spTree>
+    <p:extLst>
+      <p:ext uri="{BB962C8B-B14F-4D97-AF65-F5344CB8AC3E}">
+        <p14:creationId xmlns:p14="http://schemas.microsoft.com/office/powerpoint/2010/main" val="539222828"/>
+      </p:ext>
+    </p:extLst>
+  </p:cSld>
+  <p:clrMapOvr>
+    <a:masterClrMapping/>
+  </p:clrMapOvr>
+</p:sld>
+</file>
+
+<file path=ppt/slides/slide22.xml><?xml version="1.0" encoding="utf-8"?>
+<p:sld xmlns:a="http://schemas.openxmlformats.org/drawingml/2006/main" xmlns:r="http://schemas.openxmlformats.org/officeDocument/2006/relationships" xmlns:p="http://schemas.openxmlformats.org/presentationml/2006/main">
+  <p:cSld>
+    <p:spTree>
+      <p:nvGrpSpPr>
+        <p:cNvPr id="1" name=""/>
+        <p:cNvGrpSpPr/>
+        <p:nvPr/>
+      </p:nvGrpSpPr>
+      <p:grpSpPr>
+        <a:xfrm>
+          <a:off x="0" y="0"/>
+          <a:ext cx="0" cy="0"/>
+          <a:chOff x="0" y="0"/>
+          <a:chExt cx="0" cy="0"/>
+        </a:xfrm>
+      </p:grpSpPr>
+      <p:sp>
+        <p:nvSpPr>
+          <p:cNvPr id="2" name="Title 1"/>
+          <p:cNvSpPr>
+            <a:spLocks noGrp="1"/>
+          </p:cNvSpPr>
+          <p:nvPr>
+            <p:ph type="title"/>
+          </p:nvPr>
+        </p:nvSpPr>
+        <p:spPr/>
+        <p:txBody>
+          <a:bodyPr/>
+          <a:lstStyle/>
+          <a:p>
+            <a:r>
+              <a:rPr lang="en-US" dirty="0"/>
+              <a:t>Local File Upload Design</a:t>
+            </a:r>
+          </a:p>
+        </p:txBody>
+      </p:sp>
+      <p:sp>
+        <p:nvSpPr>
+          <p:cNvPr id="3" name="Content Placeholder 2"/>
+          <p:cNvSpPr>
+            <a:spLocks noGrp="1"/>
+          </p:cNvSpPr>
+          <p:nvPr>
+            <p:ph idx="1"/>
+          </p:nvPr>
+        </p:nvSpPr>
+        <p:spPr/>
+        <p:txBody>
+          <a:bodyPr/>
+          <a:lstStyle/>
+          <a:p>
+            <a:r>
+              <a:rPr lang="en-US" dirty="0"/>
+              <a:t>Select files on local machine</a:t>
+            </a:r>
+          </a:p>
+          <a:p>
+            <a:pPr lvl="1"/>
+            <a:r>
+              <a:rPr lang="en-US" dirty="0"/>
+              <a:t>Site verifies file type</a:t>
+            </a:r>
+          </a:p>
+          <a:p>
+            <a:pPr lvl="1"/>
+            <a:r>
+              <a:rPr lang="en-US" dirty="0"/>
+              <a:t>Conversion to SVF type</a:t>
+            </a:r>
+          </a:p>
+          <a:p>
+            <a:pPr lvl="1"/>
+            <a:r>
+              <a:rPr lang="en-US" dirty="0"/>
+              <a:t>Returns success/failure</a:t>
+            </a:r>
+          </a:p>
+          <a:p>
+            <a:r>
+              <a:rPr lang="en-US" dirty="0"/>
+              <a:t>Components</a:t>
+            </a:r>
+          </a:p>
+          <a:p>
+            <a:pPr lvl="1"/>
+            <a:r>
+              <a:rPr lang="en-US" dirty="0"/>
+              <a:t>Local Upload button</a:t>
+            </a:r>
+          </a:p>
+          <a:p>
+            <a:pPr lvl="1"/>
+            <a:r>
+              <a:rPr lang="en-US" dirty="0"/>
+              <a:t>File selection</a:t>
+            </a:r>
+          </a:p>
+          <a:p>
+            <a:pPr lvl="1"/>
+            <a:r>
+              <a:rPr lang="en-US" dirty="0"/>
+              <a:t>File type verification</a:t>
+            </a:r>
+          </a:p>
+          <a:p>
+            <a:pPr lvl="1"/>
+            <a:r>
+              <a:rPr lang="en-US" dirty="0"/>
+              <a:t>File size verification</a:t>
+            </a:r>
+          </a:p>
+          <a:p>
+            <a:pPr lvl="1"/>
+            <a:r>
+              <a:rPr lang="en-US" dirty="0"/>
+              <a:t>File conversion</a:t>
+            </a:r>
+          </a:p>
+        </p:txBody>
+      </p:sp>
+    </p:spTree>
+    <p:extLst>
+      <p:ext uri="{BB962C8B-B14F-4D97-AF65-F5344CB8AC3E}">
+        <p14:creationId xmlns:p14="http://schemas.microsoft.com/office/powerpoint/2010/main" val="3288010801"/>
+      </p:ext>
+    </p:extLst>
+  </p:cSld>
+  <p:clrMapOvr>
+    <a:masterClrMapping/>
+  </p:clrMapOvr>
+</p:sld>
+</file>
+
+<file path=ppt/slides/slide23.xml><?xml version="1.0" encoding="utf-8"?>
+<p:sld xmlns:a="http://schemas.openxmlformats.org/drawingml/2006/main" xmlns:r="http://schemas.openxmlformats.org/officeDocument/2006/relationships" xmlns:p="http://schemas.openxmlformats.org/presentationml/2006/main">
+  <p:cSld>
+    <p:spTree>
+      <p:nvGrpSpPr>
+        <p:cNvPr id="1" name=""/>
+        <p:cNvGrpSpPr/>
+        <p:nvPr/>
+      </p:nvGrpSpPr>
+      <p:grpSpPr>
+        <a:xfrm>
+          <a:off x="0" y="0"/>
+          <a:ext cx="0" cy="0"/>
+          <a:chOff x="0" y="0"/>
+          <a:chExt cx="0" cy="0"/>
+        </a:xfrm>
+      </p:grpSpPr>
+      <p:sp>
+        <p:nvSpPr>
+          <p:cNvPr id="2" name="Title 1"/>
+          <p:cNvSpPr>
+            <a:spLocks noGrp="1"/>
+          </p:cNvSpPr>
+          <p:nvPr>
+            <p:ph type="title"/>
+          </p:nvPr>
+        </p:nvSpPr>
+        <p:spPr/>
+        <p:txBody>
+          <a:bodyPr/>
+          <a:lstStyle/>
+          <a:p>
+            <a:r>
+              <a:rPr lang="en-US" dirty="0"/>
+              <a:t>Non Local File Upload Design</a:t>
+            </a:r>
+          </a:p>
+        </p:txBody>
+      </p:sp>
+      <p:sp>
+        <p:nvSpPr>
+          <p:cNvPr id="3" name="Content Placeholder 2"/>
+          <p:cNvSpPr>
+            <a:spLocks noGrp="1"/>
+          </p:cNvSpPr>
+          <p:nvPr>
+            <p:ph idx="1"/>
+          </p:nvPr>
+        </p:nvSpPr>
+        <p:spPr/>
+        <p:txBody>
+          <a:bodyPr/>
+          <a:lstStyle/>
+          <a:p>
+            <a:r>
+              <a:rPr lang="en-US" dirty="0"/>
+              <a:t>Login to Autodesk account</a:t>
+            </a:r>
+          </a:p>
+          <a:p>
+            <a:r>
+              <a:rPr lang="en-US" dirty="0"/>
+              <a:t>Give site permissions</a:t>
+            </a:r>
+          </a:p>
+          <a:p>
+            <a:r>
+              <a:rPr lang="en-US" dirty="0"/>
+              <a:t>Directed to A360 for file selection</a:t>
+            </a:r>
+          </a:p>
+          <a:p>
+            <a:r>
+              <a:rPr lang="en-US" dirty="0"/>
+              <a:t>File type verification</a:t>
+            </a:r>
+          </a:p>
+          <a:p>
+            <a:r>
+              <a:rPr lang="en-US" dirty="0"/>
+              <a:t>File size verification</a:t>
+            </a:r>
+          </a:p>
+          <a:p>
+            <a:r>
+              <a:rPr lang="en-US" dirty="0"/>
+              <a:t>File conversion</a:t>
+            </a:r>
+          </a:p>
+        </p:txBody>
+      </p:sp>
+    </p:spTree>
+    <p:extLst>
+      <p:ext uri="{BB962C8B-B14F-4D97-AF65-F5344CB8AC3E}">
+        <p14:creationId xmlns:p14="http://schemas.microsoft.com/office/powerpoint/2010/main" val="1188692582"/>
+      </p:ext>
+    </p:extLst>
+  </p:cSld>
+  <p:clrMapOvr>
+    <a:masterClrMapping/>
+  </p:clrMapOvr>
+</p:sld>
+</file>
+
+<file path=ppt/slides/slide24.xml><?xml version="1.0" encoding="utf-8"?>
+<p:sld xmlns:a="http://schemas.openxmlformats.org/drawingml/2006/main" xmlns:r="http://schemas.openxmlformats.org/officeDocument/2006/relationships" xmlns:p="http://schemas.openxmlformats.org/presentationml/2006/main">
+  <p:cSld>
+    <p:spTree>
+      <p:nvGrpSpPr>
+        <p:cNvPr id="1" name=""/>
+        <p:cNvGrpSpPr/>
+        <p:nvPr/>
+      </p:nvGrpSpPr>
+      <p:grpSpPr>
+        <a:xfrm>
+          <a:off x="0" y="0"/>
+          <a:ext cx="0" cy="0"/>
+          <a:chOff x="0" y="0"/>
+          <a:chExt cx="0" cy="0"/>
+        </a:xfrm>
+      </p:grpSpPr>
+      <p:sp>
+        <p:nvSpPr>
+          <p:cNvPr id="2" name="Title 1"/>
+          <p:cNvSpPr>
+            <a:spLocks noGrp="1"/>
+          </p:cNvSpPr>
+          <p:nvPr>
+            <p:ph type="title"/>
+          </p:nvPr>
+        </p:nvSpPr>
+        <p:spPr/>
+        <p:txBody>
+          <a:bodyPr/>
+          <a:lstStyle/>
+          <a:p>
+            <a:r>
+              <a:rPr lang="en-US" dirty="0"/>
+              <a:t>Smartphone Connection Design</a:t>
+            </a:r>
+          </a:p>
+        </p:txBody>
+      </p:sp>
+      <p:sp>
+        <p:nvSpPr>
+          <p:cNvPr id="3" name="Content Placeholder 2"/>
+          <p:cNvSpPr>
+            <a:spLocks noGrp="1"/>
+          </p:cNvSpPr>
+          <p:nvPr>
+            <p:ph idx="1"/>
+          </p:nvPr>
+        </p:nvSpPr>
+        <p:spPr/>
+        <p:txBody>
+          <a:bodyPr/>
+          <a:lstStyle/>
+          <a:p>
+            <a:r>
+              <a:rPr lang="en-US" dirty="0"/>
+              <a:t>Assumptions</a:t>
+            </a:r>
+          </a:p>
+          <a:p>
+            <a:pPr lvl="1"/>
+            <a:r>
+              <a:rPr lang="en-US" dirty="0"/>
+              <a:t>User has “smartphone”</a:t>
+            </a:r>
+          </a:p>
+          <a:p>
+            <a:pPr lvl="1"/>
+            <a:r>
+              <a:rPr lang="en-US" dirty="0"/>
+              <a:t>User has internet access</a:t>
+            </a:r>
+          </a:p>
+          <a:p>
+            <a:pPr lvl="1"/>
+            <a:r>
+              <a:rPr lang="en-US" dirty="0"/>
+              <a:t>User has QR scanner</a:t>
+            </a:r>
+          </a:p>
+          <a:p>
+            <a:r>
+              <a:rPr lang="en-US" dirty="0"/>
+              <a:t>Mobile device can access site with QR scanner</a:t>
+            </a:r>
+          </a:p>
+          <a:p>
+            <a:r>
+              <a:rPr lang="en-US" dirty="0"/>
+              <a:t>Components</a:t>
+            </a:r>
+          </a:p>
+          <a:p>
+            <a:pPr lvl="1"/>
+            <a:r>
+              <a:rPr lang="en-US" dirty="0"/>
+              <a:t>QR code</a:t>
+            </a:r>
+          </a:p>
+          <a:p>
+            <a:pPr lvl="1"/>
+            <a:r>
+              <a:rPr lang="en-US" dirty="0"/>
+              <a:t>Device connection</a:t>
+            </a:r>
+          </a:p>
+          <a:p>
+            <a:pPr lvl="1"/>
+            <a:r>
+              <a:rPr lang="en-US" dirty="0"/>
+              <a:t>Device view</a:t>
+            </a:r>
+          </a:p>
+          <a:p>
+            <a:endParaRPr lang="en-US" dirty="0"/>
+          </a:p>
+        </p:txBody>
+      </p:sp>
+    </p:spTree>
+    <p:extLst>
+      <p:ext uri="{BB962C8B-B14F-4D97-AF65-F5344CB8AC3E}">
+        <p14:creationId xmlns:p14="http://schemas.microsoft.com/office/powerpoint/2010/main" val="3684780182"/>
+      </p:ext>
+    </p:extLst>
+  </p:cSld>
+  <p:clrMapOvr>
+    <a:masterClrMapping/>
+  </p:clrMapOvr>
+</p:sld>
+</file>
+
+<file path=ppt/slides/slide25.xml><?xml version="1.0" encoding="utf-8"?>
+<p:sld xmlns:a="http://schemas.openxmlformats.org/drawingml/2006/main" xmlns:r="http://schemas.openxmlformats.org/officeDocument/2006/relationships" xmlns:p="http://schemas.openxmlformats.org/presentationml/2006/main">
+  <p:cSld>
+    <p:spTree>
+      <p:nvGrpSpPr>
+        <p:cNvPr id="1" name=""/>
+        <p:cNvGrpSpPr/>
+        <p:nvPr/>
+      </p:nvGrpSpPr>
+      <p:grpSpPr>
+        <a:xfrm>
+          <a:off x="0" y="0"/>
+          <a:ext cx="0" cy="0"/>
+          <a:chOff x="0" y="0"/>
+          <a:chExt cx="0" cy="0"/>
+        </a:xfrm>
+      </p:grpSpPr>
+      <p:sp>
+        <p:nvSpPr>
+          <p:cNvPr id="2" name="Title 1"/>
+          <p:cNvSpPr>
+            <a:spLocks noGrp="1"/>
+          </p:cNvSpPr>
+          <p:nvPr>
+            <p:ph type="title"/>
+          </p:nvPr>
+        </p:nvSpPr>
+        <p:spPr/>
+        <p:txBody>
+          <a:bodyPr/>
+          <a:lstStyle/>
+          <a:p>
+            <a:r>
+              <a:rPr lang="en-US" dirty="0"/>
+              <a:t>Week 3</a:t>
+            </a:r>
+          </a:p>
+        </p:txBody>
+      </p:sp>
+      <p:sp>
+        <p:nvSpPr>
+          <p:cNvPr id="3" name="Content Placeholder 2"/>
+          <p:cNvSpPr>
+            <a:spLocks noGrp="1"/>
+          </p:cNvSpPr>
+          <p:nvPr>
+            <p:ph idx="1"/>
+          </p:nvPr>
+        </p:nvSpPr>
+        <p:spPr/>
+        <p:txBody>
+          <a:bodyPr/>
+          <a:lstStyle/>
+          <a:p>
+            <a:r>
+              <a:rPr lang="en-US" dirty="0"/>
+              <a:t>Brainstorming ideas</a:t>
+            </a:r>
+          </a:p>
+          <a:p>
+            <a:r>
+              <a:rPr lang="en-US" dirty="0"/>
+              <a:t>Meeting with Patti</a:t>
+            </a:r>
+          </a:p>
+          <a:p>
+            <a:r>
+              <a:rPr lang="en-US" dirty="0"/>
+              <a:t>Another meeting with Patti and Jim</a:t>
+            </a:r>
+          </a:p>
+          <a:p>
+            <a:pPr lvl="1"/>
+            <a:r>
+              <a:rPr lang="en-US" dirty="0"/>
+              <a:t>Intro to Vrok.it</a:t>
+            </a:r>
+          </a:p>
+          <a:p>
+            <a:pPr lvl="1"/>
+            <a:r>
+              <a:rPr lang="en-US" dirty="0"/>
+              <a:t>Polygon reduction?</a:t>
+            </a:r>
+          </a:p>
+          <a:p>
+            <a:pPr lvl="1"/>
+            <a:r>
+              <a:rPr lang="en-US" dirty="0"/>
+              <a:t>Potential VR reduction?</a:t>
+            </a:r>
+          </a:p>
+          <a:p>
+            <a:r>
+              <a:rPr lang="en-US" dirty="0"/>
+              <a:t>Began idea of what we were doing.</a:t>
+            </a:r>
+          </a:p>
+          <a:p>
+            <a:pPr lvl="1"/>
+            <a:r>
+              <a:rPr lang="en-US" dirty="0"/>
+              <a:t>Nothing concrete…</a:t>
+            </a:r>
+          </a:p>
+        </p:txBody>
+      </p:sp>
+    </p:spTree>
+    <p:extLst>
+      <p:ext uri="{BB962C8B-B14F-4D97-AF65-F5344CB8AC3E}">
+        <p14:creationId xmlns:p14="http://schemas.microsoft.com/office/powerpoint/2010/main" val="3357475344"/>
+      </p:ext>
+    </p:extLst>
+  </p:cSld>
+  <p:clrMapOvr>
+    <a:masterClrMapping/>
+  </p:clrMapOvr>
+</p:sld>
+</file>
+
+<file path=ppt/slides/slide26.xml><?xml version="1.0" encoding="utf-8"?>
+<p:sld xmlns:a="http://schemas.openxmlformats.org/drawingml/2006/main" xmlns:r="http://schemas.openxmlformats.org/officeDocument/2006/relationships" xmlns:p="http://schemas.openxmlformats.org/presentationml/2006/main">
+  <p:cSld>
+    <p:spTree>
+      <p:nvGrpSpPr>
+        <p:cNvPr id="1" name=""/>
+        <p:cNvGrpSpPr/>
+        <p:nvPr/>
+      </p:nvGrpSpPr>
+      <p:grpSpPr>
+        <a:xfrm>
+          <a:off x="0" y="0"/>
+          <a:ext cx="0" cy="0"/>
+          <a:chOff x="0" y="0"/>
+          <a:chExt cx="0" cy="0"/>
+        </a:xfrm>
+      </p:grpSpPr>
+      <p:sp>
+        <p:nvSpPr>
+          <p:cNvPr id="2" name="Title 1"/>
+          <p:cNvSpPr>
+            <a:spLocks noGrp="1"/>
+          </p:cNvSpPr>
+          <p:nvPr>
+            <p:ph type="title"/>
+          </p:nvPr>
+        </p:nvSpPr>
+        <p:spPr/>
+        <p:txBody>
+          <a:bodyPr/>
+          <a:lstStyle/>
+          <a:p>
+            <a:r>
+              <a:rPr lang="en-US" dirty="0"/>
+              <a:t>Week 4</a:t>
+            </a:r>
+          </a:p>
+        </p:txBody>
+      </p:sp>
+      <p:sp>
+        <p:nvSpPr>
+          <p:cNvPr id="3" name="Content Placeholder 2"/>
+          <p:cNvSpPr>
+            <a:spLocks noGrp="1"/>
+          </p:cNvSpPr>
+          <p:nvPr>
+            <p:ph idx="1"/>
+          </p:nvPr>
+        </p:nvSpPr>
+        <p:spPr/>
+        <p:txBody>
+          <a:bodyPr/>
+          <a:lstStyle/>
+          <a:p>
+            <a:r>
+              <a:rPr lang="en-US" dirty="0"/>
+              <a:t>Problem statement assigned</a:t>
+            </a:r>
+          </a:p>
+          <a:p>
+            <a:pPr lvl="1"/>
+            <a:r>
+              <a:rPr lang="en-US" dirty="0"/>
+              <a:t>However, project not refined enough</a:t>
+            </a:r>
+          </a:p>
+          <a:p>
+            <a:r>
+              <a:rPr lang="en-US" dirty="0"/>
+              <a:t>Another conference call with Patti</a:t>
+            </a:r>
+          </a:p>
+          <a:p>
+            <a:pPr lvl="1"/>
+            <a:r>
+              <a:rPr lang="en-US" dirty="0"/>
+              <a:t>Working out more details</a:t>
+            </a:r>
+          </a:p>
+          <a:p>
+            <a:pPr lvl="1"/>
+            <a:r>
+              <a:rPr lang="en-US" dirty="0"/>
+              <a:t>Got in contact with Vrok.it creator, Kean</a:t>
+            </a:r>
+          </a:p>
+          <a:p>
+            <a:r>
+              <a:rPr lang="en-US" dirty="0"/>
+              <a:t>Still not enough information to begin problem statement</a:t>
+            </a:r>
+          </a:p>
+          <a:p>
+            <a:pPr marL="457200" lvl="1" indent="0">
+              <a:buNone/>
+            </a:pPr>
+            <a:endParaRPr lang="en-US" dirty="0"/>
+          </a:p>
+        </p:txBody>
+      </p:sp>
+    </p:spTree>
+    <p:extLst>
+      <p:ext uri="{BB962C8B-B14F-4D97-AF65-F5344CB8AC3E}">
+        <p14:creationId xmlns:p14="http://schemas.microsoft.com/office/powerpoint/2010/main" val="3816315661"/>
+      </p:ext>
+    </p:extLst>
+  </p:cSld>
+  <p:clrMapOvr>
+    <a:masterClrMapping/>
+  </p:clrMapOvr>
+</p:sld>
+</file>
+
+<file path=ppt/slides/slide27.xml><?xml version="1.0" encoding="utf-8"?>
+<p:sld xmlns:a="http://schemas.openxmlformats.org/drawingml/2006/main" xmlns:r="http://schemas.openxmlformats.org/officeDocument/2006/relationships" xmlns:p="http://schemas.openxmlformats.org/presentationml/2006/main">
+  <p:cSld>
+    <p:spTree>
+      <p:nvGrpSpPr>
+        <p:cNvPr id="1" name=""/>
+        <p:cNvGrpSpPr/>
+        <p:nvPr/>
+      </p:nvGrpSpPr>
+      <p:grpSpPr>
+        <a:xfrm>
+          <a:off x="0" y="0"/>
+          <a:ext cx="0" cy="0"/>
+          <a:chOff x="0" y="0"/>
+          <a:chExt cx="0" cy="0"/>
+        </a:xfrm>
+      </p:grpSpPr>
+      <p:sp>
+        <p:nvSpPr>
+          <p:cNvPr id="2" name="Title 1"/>
+          <p:cNvSpPr>
+            <a:spLocks noGrp="1"/>
+          </p:cNvSpPr>
+          <p:nvPr>
+            <p:ph type="title"/>
+          </p:nvPr>
+        </p:nvSpPr>
+        <p:spPr/>
+        <p:txBody>
+          <a:bodyPr/>
+          <a:lstStyle/>
+          <a:p>
+            <a:r>
+              <a:rPr lang="en-US" dirty="0"/>
+              <a:t>Week 5</a:t>
+            </a:r>
+          </a:p>
+        </p:txBody>
+      </p:sp>
+      <p:sp>
+        <p:nvSpPr>
+          <p:cNvPr id="3" name="Content Placeholder 2"/>
+          <p:cNvSpPr>
+            <a:spLocks noGrp="1"/>
+          </p:cNvSpPr>
+          <p:nvPr>
+            <p:ph idx="1"/>
+          </p:nvPr>
+        </p:nvSpPr>
+        <p:spPr/>
+        <p:txBody>
+          <a:bodyPr/>
+          <a:lstStyle/>
+          <a:p>
+            <a:r>
+              <a:rPr lang="en-US" dirty="0"/>
+              <a:t>Had official meeting with Kean and Patti</a:t>
+            </a:r>
+          </a:p>
+          <a:p>
+            <a:pPr lvl="1"/>
+            <a:r>
+              <a:rPr lang="en-US" dirty="0"/>
+              <a:t>Enough information to finish problem statement</a:t>
+            </a:r>
+          </a:p>
+          <a:p>
+            <a:pPr lvl="1"/>
+            <a:r>
+              <a:rPr lang="en-US" dirty="0"/>
+              <a:t>More user focused</a:t>
+            </a:r>
+          </a:p>
+          <a:p>
+            <a:pPr lvl="1"/>
+            <a:r>
+              <a:rPr lang="en-US" dirty="0"/>
+              <a:t>Increasing performance if possible, but not optimizing</a:t>
+            </a:r>
+          </a:p>
+          <a:p>
+            <a:r>
+              <a:rPr lang="en-US" dirty="0"/>
+              <a:t>Viewer, VR content added in</a:t>
+            </a:r>
+          </a:p>
+          <a:p>
+            <a:r>
+              <a:rPr lang="en-US" dirty="0"/>
+              <a:t>Requirements document work begins</a:t>
+            </a:r>
+          </a:p>
+        </p:txBody>
+      </p:sp>
+    </p:spTree>
+    <p:extLst>
+      <p:ext uri="{BB962C8B-B14F-4D97-AF65-F5344CB8AC3E}">
+        <p14:creationId xmlns:p14="http://schemas.microsoft.com/office/powerpoint/2010/main" val="1610455051"/>
+      </p:ext>
+    </p:extLst>
+  </p:cSld>
+  <p:clrMapOvr>
+    <a:masterClrMapping/>
+  </p:clrMapOvr>
+</p:sld>
+</file>
+
+<file path=ppt/slides/slide28.xml><?xml version="1.0" encoding="utf-8"?>
+<p:sld xmlns:a="http://schemas.openxmlformats.org/drawingml/2006/main" xmlns:r="http://schemas.openxmlformats.org/officeDocument/2006/relationships" xmlns:p="http://schemas.openxmlformats.org/presentationml/2006/main">
+  <p:cSld>
+    <p:spTree>
+      <p:nvGrpSpPr>
+        <p:cNvPr id="1" name=""/>
+        <p:cNvGrpSpPr/>
+        <p:nvPr/>
+      </p:nvGrpSpPr>
+      <p:grpSpPr>
+        <a:xfrm>
+          <a:off x="0" y="0"/>
+          <a:ext cx="0" cy="0"/>
+          <a:chOff x="0" y="0"/>
+          <a:chExt cx="0" cy="0"/>
+        </a:xfrm>
+      </p:grpSpPr>
+      <p:sp>
+        <p:nvSpPr>
+          <p:cNvPr id="2" name="Title 1"/>
+          <p:cNvSpPr>
+            <a:spLocks noGrp="1"/>
+          </p:cNvSpPr>
+          <p:nvPr>
+            <p:ph type="title"/>
+          </p:nvPr>
+        </p:nvSpPr>
+        <p:spPr/>
+        <p:txBody>
+          <a:bodyPr/>
+          <a:lstStyle/>
+          <a:p>
+            <a:r>
+              <a:rPr lang="en-US" dirty="0"/>
+              <a:t>Week 6</a:t>
+            </a:r>
+          </a:p>
+        </p:txBody>
+      </p:sp>
+      <p:sp>
+        <p:nvSpPr>
+          <p:cNvPr id="3" name="Content Placeholder 2"/>
+          <p:cNvSpPr>
+            <a:spLocks noGrp="1"/>
+          </p:cNvSpPr>
+          <p:nvPr>
+            <p:ph idx="1"/>
+          </p:nvPr>
+        </p:nvSpPr>
+        <p:spPr/>
+        <p:txBody>
+          <a:bodyPr/>
+          <a:lstStyle/>
+          <a:p>
+            <a:r>
+              <a:rPr lang="en-US" dirty="0"/>
+              <a:t>Hard to meet with client</a:t>
+            </a:r>
+          </a:p>
+          <a:p>
+            <a:r>
+              <a:rPr lang="en-US" dirty="0"/>
+              <a:t>Wanted </a:t>
+            </a:r>
+            <a:r>
+              <a:rPr lang="en-US" dirty="0" err="1"/>
+              <a:t>Nels</a:t>
+            </a:r>
+            <a:r>
+              <a:rPr lang="en-US" dirty="0"/>
+              <a:t> to join the next meeting </a:t>
+            </a:r>
+          </a:p>
+          <a:p>
+            <a:pPr lvl="1"/>
+            <a:r>
+              <a:rPr lang="en-US" dirty="0"/>
+              <a:t>Help narrow scope more</a:t>
+            </a:r>
+          </a:p>
+          <a:p>
+            <a:pPr lvl="1"/>
+            <a:r>
+              <a:rPr lang="en-US" dirty="0"/>
+              <a:t>Help convey capstone intentions as well</a:t>
+            </a:r>
+          </a:p>
+          <a:p>
+            <a:r>
+              <a:rPr lang="en-US" dirty="0"/>
+              <a:t>Unable to get question answered due to Autodesk event</a:t>
+            </a:r>
+          </a:p>
+        </p:txBody>
+      </p:sp>
+    </p:spTree>
+    <p:extLst>
+      <p:ext uri="{BB962C8B-B14F-4D97-AF65-F5344CB8AC3E}">
+        <p14:creationId xmlns:p14="http://schemas.microsoft.com/office/powerpoint/2010/main" val="270471938"/>
+      </p:ext>
+    </p:extLst>
+  </p:cSld>
+  <p:clrMapOvr>
+    <a:masterClrMapping/>
+  </p:clrMapOvr>
+</p:sld>
+</file>
+
+<file path=ppt/slides/slide29.xml><?xml version="1.0" encoding="utf-8"?>
+<p:sld xmlns:a="http://schemas.openxmlformats.org/drawingml/2006/main" xmlns:r="http://schemas.openxmlformats.org/officeDocument/2006/relationships" xmlns:p="http://schemas.openxmlformats.org/presentationml/2006/main">
+  <p:cSld>
+    <p:spTree>
+      <p:nvGrpSpPr>
+        <p:cNvPr id="1" name=""/>
+        <p:cNvGrpSpPr/>
+        <p:nvPr/>
+      </p:nvGrpSpPr>
+      <p:grpSpPr>
+        <a:xfrm>
+          <a:off x="0" y="0"/>
+          <a:ext cx="0" cy="0"/>
+          <a:chOff x="0" y="0"/>
+          <a:chExt cx="0" cy="0"/>
+        </a:xfrm>
+      </p:grpSpPr>
+      <p:sp>
+        <p:nvSpPr>
+          <p:cNvPr id="2" name="Title 1"/>
+          <p:cNvSpPr>
+            <a:spLocks noGrp="1"/>
+          </p:cNvSpPr>
+          <p:nvPr>
+            <p:ph type="title"/>
+          </p:nvPr>
+        </p:nvSpPr>
+        <p:spPr/>
+        <p:txBody>
+          <a:bodyPr/>
+          <a:lstStyle/>
+          <a:p>
+            <a:r>
+              <a:rPr lang="en-US" dirty="0"/>
+              <a:t>Week 7</a:t>
+            </a:r>
+          </a:p>
+        </p:txBody>
+      </p:sp>
+      <p:sp>
+        <p:nvSpPr>
+          <p:cNvPr id="3" name="Content Placeholder 2"/>
+          <p:cNvSpPr>
+            <a:spLocks noGrp="1"/>
+          </p:cNvSpPr>
+          <p:nvPr>
+            <p:ph idx="1"/>
+          </p:nvPr>
+        </p:nvSpPr>
+        <p:spPr/>
+        <p:txBody>
+          <a:bodyPr/>
+          <a:lstStyle/>
+          <a:p>
+            <a:r>
+              <a:rPr lang="en-US" dirty="0"/>
+              <a:t>Requirements Document draft finished</a:t>
+            </a:r>
+          </a:p>
+          <a:p>
+            <a:pPr lvl="1"/>
+            <a:r>
+              <a:rPr lang="en-US" dirty="0"/>
+              <a:t>Feedback received</a:t>
+            </a:r>
+          </a:p>
+          <a:p>
+            <a:pPr lvl="2"/>
+            <a:r>
+              <a:rPr lang="en-US" dirty="0"/>
+              <a:t>Needed to be more descriptive</a:t>
+            </a:r>
+          </a:p>
+          <a:p>
+            <a:pPr lvl="1"/>
+            <a:r>
+              <a:rPr lang="en-US" dirty="0"/>
+              <a:t>Needed to incorporate more APIs if possible</a:t>
+            </a:r>
+          </a:p>
+          <a:p>
+            <a:r>
+              <a:rPr lang="en-US" dirty="0"/>
+              <a:t>Able to contact Patti and setup meeting</a:t>
+            </a:r>
+          </a:p>
+          <a:p>
+            <a:r>
+              <a:rPr lang="en-US" dirty="0"/>
+              <a:t>Tech review and requirements document final coincide</a:t>
+            </a:r>
+          </a:p>
+          <a:p>
+            <a:r>
+              <a:rPr lang="en-US" dirty="0"/>
+              <a:t>Paul fell ill, low communication and contribution</a:t>
+            </a:r>
+          </a:p>
+        </p:txBody>
+      </p:sp>
+    </p:spTree>
+    <p:extLst>
+      <p:ext uri="{BB962C8B-B14F-4D97-AF65-F5344CB8AC3E}">
+        <p14:creationId xmlns:p14="http://schemas.microsoft.com/office/powerpoint/2010/main" val="4206706309"/>
       </p:ext>
     </p:extLst>
   </p:cSld>
@@ -3166,6 +5470,65 @@
           <a:chExt cx="0" cy="0"/>
         </a:xfrm>
       </p:grpSpPr>
+      <p:pic>
+        <p:nvPicPr>
+          <p:cNvPr id="4" name="Content Placeholder 3"/>
+          <p:cNvPicPr>
+            <a:picLocks noGrp="1" noChangeAspect="1"/>
+          </p:cNvPicPr>
+          <p:nvPr>
+            <p:ph idx="1"/>
+          </p:nvPr>
+        </p:nvPicPr>
+        <p:blipFill>
+          <a:blip r:embed="rId2">
+            <a:extLst>
+              <a:ext uri="{28A0092B-C50C-407E-A947-70E740481C1C}">
+                <a14:useLocalDpi xmlns:a14="http://schemas.microsoft.com/office/drawing/2010/main" val="0"/>
+              </a:ext>
+            </a:extLst>
+          </a:blip>
+          <a:stretch>
+            <a:fillRect/>
+          </a:stretch>
+        </p:blipFill>
+        <p:spPr>
+          <a:xfrm>
+            <a:off x="0" y="300907"/>
+            <a:ext cx="12332513" cy="5816236"/>
+          </a:xfrm>
+        </p:spPr>
+      </p:pic>
+    </p:spTree>
+    <p:extLst>
+      <p:ext uri="{BB962C8B-B14F-4D97-AF65-F5344CB8AC3E}">
+        <p14:creationId xmlns:p14="http://schemas.microsoft.com/office/powerpoint/2010/main" val="2584541822"/>
+      </p:ext>
+    </p:extLst>
+  </p:cSld>
+  <p:clrMapOvr>
+    <a:masterClrMapping/>
+  </p:clrMapOvr>
+</p:sld>
+</file>
+
+<file path=ppt/slides/slide30.xml><?xml version="1.0" encoding="utf-8"?>
+<p:sld xmlns:a="http://schemas.openxmlformats.org/drawingml/2006/main" xmlns:r="http://schemas.openxmlformats.org/officeDocument/2006/relationships" xmlns:p="http://schemas.openxmlformats.org/presentationml/2006/main">
+  <p:cSld>
+    <p:spTree>
+      <p:nvGrpSpPr>
+        <p:cNvPr id="1" name=""/>
+        <p:cNvGrpSpPr/>
+        <p:nvPr/>
+      </p:nvGrpSpPr>
+      <p:grpSpPr>
+        <a:xfrm>
+          <a:off x="0" y="0"/>
+          <a:ext cx="0" cy="0"/>
+          <a:chOff x="0" y="0"/>
+          <a:chExt cx="0" cy="0"/>
+        </a:xfrm>
+      </p:grpSpPr>
       <p:sp>
         <p:nvSpPr>
           <p:cNvPr id="2" name="Title 1"/>
@@ -3183,6 +5546,696 @@
           <a:p>
             <a:r>
               <a:rPr lang="en-US" dirty="0"/>
+              <a:t>Week 8 </a:t>
+            </a:r>
+            <a:endParaRPr lang="en-US" dirty="0"/>
+          </a:p>
+        </p:txBody>
+      </p:sp>
+      <p:sp>
+        <p:nvSpPr>
+          <p:cNvPr id="3" name="Content Placeholder 2"/>
+          <p:cNvSpPr>
+            <a:spLocks noGrp="1"/>
+          </p:cNvSpPr>
+          <p:nvPr>
+            <p:ph idx="1"/>
+          </p:nvPr>
+        </p:nvSpPr>
+        <p:spPr/>
+        <p:txBody>
+          <a:bodyPr/>
+          <a:lstStyle/>
+          <a:p>
+            <a:r>
+              <a:rPr lang="en-US" dirty="0"/>
+              <a:t>Tech reviews submitted</a:t>
+            </a:r>
+          </a:p>
+          <a:p>
+            <a:pPr lvl="1"/>
+            <a:r>
+              <a:rPr lang="en-US" dirty="0"/>
+              <a:t>Not bad, could have used more time</a:t>
+            </a:r>
+          </a:p>
+          <a:p>
+            <a:pPr lvl="1"/>
+            <a:r>
+              <a:rPr lang="en-US" dirty="0"/>
+              <a:t>Good way to understand more components</a:t>
+            </a:r>
+          </a:p>
+          <a:p>
+            <a:r>
+              <a:rPr lang="en-US" dirty="0"/>
+              <a:t>Meeting with </a:t>
+            </a:r>
+            <a:r>
+              <a:rPr lang="en-US" dirty="0" err="1"/>
+              <a:t>Nels</a:t>
+            </a:r>
+            <a:r>
+              <a:rPr lang="en-US" dirty="0"/>
+              <a:t> and Patti, no Jim however</a:t>
+            </a:r>
+          </a:p>
+          <a:p>
+            <a:pPr lvl="1"/>
+            <a:r>
+              <a:rPr lang="en-US" dirty="0"/>
+              <a:t>Able to work out some more important details</a:t>
+            </a:r>
+          </a:p>
+          <a:p>
+            <a:pPr lvl="1"/>
+            <a:r>
+              <a:rPr lang="en-US" dirty="0"/>
+              <a:t>Not able to talk about performance tweaking</a:t>
+            </a:r>
+          </a:p>
+          <a:p>
+            <a:r>
+              <a:rPr lang="en-US" dirty="0"/>
+              <a:t>Overall quite productive week</a:t>
+            </a:r>
+          </a:p>
+        </p:txBody>
+      </p:sp>
+    </p:spTree>
+    <p:extLst>
+      <p:ext uri="{BB962C8B-B14F-4D97-AF65-F5344CB8AC3E}">
+        <p14:creationId xmlns:p14="http://schemas.microsoft.com/office/powerpoint/2010/main" val="2635992290"/>
+      </p:ext>
+    </p:extLst>
+  </p:cSld>
+  <p:clrMapOvr>
+    <a:masterClrMapping/>
+  </p:clrMapOvr>
+</p:sld>
+</file>
+
+<file path=ppt/slides/slide31.xml><?xml version="1.0" encoding="utf-8"?>
+<p:sld xmlns:a="http://schemas.openxmlformats.org/drawingml/2006/main" xmlns:r="http://schemas.openxmlformats.org/officeDocument/2006/relationships" xmlns:p="http://schemas.openxmlformats.org/presentationml/2006/main">
+  <p:cSld>
+    <p:spTree>
+      <p:nvGrpSpPr>
+        <p:cNvPr id="1" name=""/>
+        <p:cNvGrpSpPr/>
+        <p:nvPr/>
+      </p:nvGrpSpPr>
+      <p:grpSpPr>
+        <a:xfrm>
+          <a:off x="0" y="0"/>
+          <a:ext cx="0" cy="0"/>
+          <a:chOff x="0" y="0"/>
+          <a:chExt cx="0" cy="0"/>
+        </a:xfrm>
+      </p:grpSpPr>
+      <p:sp>
+        <p:nvSpPr>
+          <p:cNvPr id="2" name="Title 1"/>
+          <p:cNvSpPr>
+            <a:spLocks noGrp="1"/>
+          </p:cNvSpPr>
+          <p:nvPr>
+            <p:ph type="title"/>
+          </p:nvPr>
+        </p:nvSpPr>
+        <p:spPr/>
+        <p:txBody>
+          <a:bodyPr/>
+          <a:lstStyle/>
+          <a:p>
+            <a:r>
+              <a:rPr lang="en-US" dirty="0"/>
+              <a:t>Week 9</a:t>
+            </a:r>
+            <a:endParaRPr lang="en-US" dirty="0"/>
+          </a:p>
+        </p:txBody>
+      </p:sp>
+      <p:sp>
+        <p:nvSpPr>
+          <p:cNvPr id="3" name="Content Placeholder 2"/>
+          <p:cNvSpPr>
+            <a:spLocks noGrp="1"/>
+          </p:cNvSpPr>
+          <p:nvPr>
+            <p:ph idx="1"/>
+          </p:nvPr>
+        </p:nvSpPr>
+        <p:spPr/>
+        <p:txBody>
+          <a:bodyPr/>
+          <a:lstStyle/>
+          <a:p>
+            <a:r>
+              <a:rPr lang="en-US" dirty="0"/>
+              <a:t>Least productive week</a:t>
+            </a:r>
+          </a:p>
+          <a:p>
+            <a:r>
+              <a:rPr lang="en-US" dirty="0"/>
+              <a:t>Thanksgiving and travelling</a:t>
+            </a:r>
+          </a:p>
+          <a:p>
+            <a:r>
+              <a:rPr lang="en-US" dirty="0"/>
+              <a:t>Design Document due in the next week</a:t>
+            </a:r>
+          </a:p>
+          <a:p>
+            <a:pPr lvl="1"/>
+            <a:r>
+              <a:rPr lang="en-US" dirty="0"/>
+              <a:t>Documentation hard to decipher</a:t>
+            </a:r>
+          </a:p>
+          <a:p>
+            <a:pPr lvl="1"/>
+            <a:r>
+              <a:rPr lang="en-US" dirty="0"/>
+              <a:t>Not able to break down as a group</a:t>
+            </a:r>
+          </a:p>
+          <a:p>
+            <a:r>
+              <a:rPr lang="en-US" dirty="0"/>
+              <a:t>Final draft of requirements document finished out</a:t>
+            </a:r>
+          </a:p>
+        </p:txBody>
+      </p:sp>
+    </p:spTree>
+    <p:extLst>
+      <p:ext uri="{BB962C8B-B14F-4D97-AF65-F5344CB8AC3E}">
+        <p14:creationId xmlns:p14="http://schemas.microsoft.com/office/powerpoint/2010/main" val="4177011364"/>
+      </p:ext>
+    </p:extLst>
+  </p:cSld>
+  <p:clrMapOvr>
+    <a:masterClrMapping/>
+  </p:clrMapOvr>
+</p:sld>
+</file>
+
+<file path=ppt/slides/slide32.xml><?xml version="1.0" encoding="utf-8"?>
+<p:sld xmlns:a="http://schemas.openxmlformats.org/drawingml/2006/main" xmlns:r="http://schemas.openxmlformats.org/officeDocument/2006/relationships" xmlns:p="http://schemas.openxmlformats.org/presentationml/2006/main">
+  <p:cSld>
+    <p:spTree>
+      <p:nvGrpSpPr>
+        <p:cNvPr id="1" name=""/>
+        <p:cNvGrpSpPr/>
+        <p:nvPr/>
+      </p:nvGrpSpPr>
+      <p:grpSpPr>
+        <a:xfrm>
+          <a:off x="0" y="0"/>
+          <a:ext cx="0" cy="0"/>
+          <a:chOff x="0" y="0"/>
+          <a:chExt cx="0" cy="0"/>
+        </a:xfrm>
+      </p:grpSpPr>
+      <p:sp>
+        <p:nvSpPr>
+          <p:cNvPr id="2" name="Title 1"/>
+          <p:cNvSpPr>
+            <a:spLocks noGrp="1"/>
+          </p:cNvSpPr>
+          <p:nvPr>
+            <p:ph type="title"/>
+          </p:nvPr>
+        </p:nvSpPr>
+        <p:spPr/>
+        <p:txBody>
+          <a:bodyPr/>
+          <a:lstStyle/>
+          <a:p>
+            <a:r>
+              <a:rPr lang="en-US" dirty="0"/>
+              <a:t>Week 10</a:t>
+            </a:r>
+            <a:endParaRPr lang="en-US" dirty="0"/>
+          </a:p>
+        </p:txBody>
+      </p:sp>
+      <p:sp>
+        <p:nvSpPr>
+          <p:cNvPr id="3" name="Content Placeholder 2"/>
+          <p:cNvSpPr>
+            <a:spLocks noGrp="1"/>
+          </p:cNvSpPr>
+          <p:nvPr>
+            <p:ph idx="1"/>
+          </p:nvPr>
+        </p:nvSpPr>
+        <p:spPr/>
+        <p:txBody>
+          <a:bodyPr/>
+          <a:lstStyle/>
+          <a:p>
+            <a:r>
+              <a:rPr lang="en-US" dirty="0"/>
+              <a:t>Lots of work conflict with other classes</a:t>
+            </a:r>
+          </a:p>
+          <a:p>
+            <a:r>
+              <a:rPr lang="en-US" dirty="0"/>
+              <a:t>Design document</a:t>
+            </a:r>
+          </a:p>
+          <a:p>
+            <a:pPr lvl="1"/>
+            <a:r>
+              <a:rPr lang="en-US" dirty="0"/>
+              <a:t>Still issues figuring out the IEEE document</a:t>
+            </a:r>
+          </a:p>
+          <a:p>
+            <a:pPr lvl="1"/>
+            <a:r>
+              <a:rPr lang="en-US" dirty="0"/>
+              <a:t>Talk with Kirsten and </a:t>
+            </a:r>
+            <a:r>
+              <a:rPr lang="en-US" dirty="0" err="1"/>
+              <a:t>Nels</a:t>
+            </a:r>
+            <a:r>
+              <a:rPr lang="en-US" dirty="0"/>
+              <a:t> helped</a:t>
+            </a:r>
+          </a:p>
+          <a:p>
+            <a:pPr lvl="1"/>
+            <a:r>
+              <a:rPr lang="en-US" dirty="0"/>
+              <a:t>Got good work done on the document</a:t>
+            </a:r>
+          </a:p>
+        </p:txBody>
+      </p:sp>
+    </p:spTree>
+    <p:extLst>
+      <p:ext uri="{BB962C8B-B14F-4D97-AF65-F5344CB8AC3E}">
+        <p14:creationId xmlns:p14="http://schemas.microsoft.com/office/powerpoint/2010/main" val="2146190001"/>
+      </p:ext>
+    </p:extLst>
+  </p:cSld>
+  <p:clrMapOvr>
+    <a:masterClrMapping/>
+  </p:clrMapOvr>
+</p:sld>
+</file>
+
+<file path=ppt/slides/slide33.xml><?xml version="1.0" encoding="utf-8"?>
+<p:sld xmlns:a="http://schemas.openxmlformats.org/drawingml/2006/main" xmlns:r="http://schemas.openxmlformats.org/officeDocument/2006/relationships" xmlns:p="http://schemas.openxmlformats.org/presentationml/2006/main">
+  <p:cSld>
+    <p:spTree>
+      <p:nvGrpSpPr>
+        <p:cNvPr id="1" name=""/>
+        <p:cNvGrpSpPr/>
+        <p:nvPr/>
+      </p:nvGrpSpPr>
+      <p:grpSpPr>
+        <a:xfrm>
+          <a:off x="0" y="0"/>
+          <a:ext cx="0" cy="0"/>
+          <a:chOff x="0" y="0"/>
+          <a:chExt cx="0" cy="0"/>
+        </a:xfrm>
+      </p:grpSpPr>
+      <p:sp>
+        <p:nvSpPr>
+          <p:cNvPr id="2" name="Title 1"/>
+          <p:cNvSpPr>
+            <a:spLocks noGrp="1"/>
+          </p:cNvSpPr>
+          <p:nvPr>
+            <p:ph type="title"/>
+          </p:nvPr>
+        </p:nvSpPr>
+        <p:spPr/>
+        <p:txBody>
+          <a:bodyPr/>
+          <a:lstStyle/>
+          <a:p>
+            <a:r>
+              <a:rPr lang="en-US" dirty="0"/>
+              <a:t>Problems</a:t>
+            </a:r>
+          </a:p>
+        </p:txBody>
+      </p:sp>
+      <p:sp>
+        <p:nvSpPr>
+          <p:cNvPr id="3" name="Content Placeholder 2"/>
+          <p:cNvSpPr>
+            <a:spLocks noGrp="1"/>
+          </p:cNvSpPr>
+          <p:nvPr>
+            <p:ph idx="1"/>
+          </p:nvPr>
+        </p:nvSpPr>
+        <p:spPr/>
+        <p:txBody>
+          <a:bodyPr/>
+          <a:lstStyle/>
+          <a:p>
+            <a:r>
+              <a:rPr lang="en-US" dirty="0"/>
+              <a:t>Low communication with client</a:t>
+            </a:r>
+          </a:p>
+          <a:p>
+            <a:pPr lvl="1"/>
+            <a:r>
+              <a:rPr lang="en-US" dirty="0"/>
+              <a:t>Not enough question on our side</a:t>
+            </a:r>
+          </a:p>
+          <a:p>
+            <a:pPr lvl="1"/>
+            <a:r>
+              <a:rPr lang="en-US" dirty="0"/>
+              <a:t>Not enough time on theirs</a:t>
+            </a:r>
+          </a:p>
+          <a:p>
+            <a:r>
+              <a:rPr lang="en-US" dirty="0"/>
+              <a:t>Team work</a:t>
+            </a:r>
+          </a:p>
+          <a:p>
+            <a:pPr lvl="1"/>
+            <a:r>
+              <a:rPr lang="en-US" dirty="0"/>
+              <a:t>Better planning</a:t>
+            </a:r>
+          </a:p>
+          <a:p>
+            <a:pPr lvl="1"/>
+            <a:r>
+              <a:rPr lang="en-US" dirty="0"/>
+              <a:t>Better communication</a:t>
+            </a:r>
+          </a:p>
+          <a:p>
+            <a:pPr lvl="1"/>
+            <a:r>
+              <a:rPr lang="en-US" dirty="0"/>
+              <a:t>Faster help seeking</a:t>
+            </a:r>
+          </a:p>
+        </p:txBody>
+      </p:sp>
+    </p:spTree>
+    <p:extLst>
+      <p:ext uri="{BB962C8B-B14F-4D97-AF65-F5344CB8AC3E}">
+        <p14:creationId xmlns:p14="http://schemas.microsoft.com/office/powerpoint/2010/main" val="1253775864"/>
+      </p:ext>
+    </p:extLst>
+  </p:cSld>
+  <p:clrMapOvr>
+    <a:masterClrMapping/>
+  </p:clrMapOvr>
+</p:sld>
+</file>
+
+<file path=ppt/slides/slide34.xml><?xml version="1.0" encoding="utf-8"?>
+<p:sld xmlns:a="http://schemas.openxmlformats.org/drawingml/2006/main" xmlns:r="http://schemas.openxmlformats.org/officeDocument/2006/relationships" xmlns:p="http://schemas.openxmlformats.org/presentationml/2006/main">
+  <p:cSld>
+    <p:spTree>
+      <p:nvGrpSpPr>
+        <p:cNvPr id="1" name=""/>
+        <p:cNvGrpSpPr/>
+        <p:nvPr/>
+      </p:nvGrpSpPr>
+      <p:grpSpPr>
+        <a:xfrm>
+          <a:off x="0" y="0"/>
+          <a:ext cx="0" cy="0"/>
+          <a:chOff x="0" y="0"/>
+          <a:chExt cx="0" cy="0"/>
+        </a:xfrm>
+      </p:grpSpPr>
+      <p:sp>
+        <p:nvSpPr>
+          <p:cNvPr id="2" name="Title 1"/>
+          <p:cNvSpPr>
+            <a:spLocks noGrp="1"/>
+          </p:cNvSpPr>
+          <p:nvPr>
+            <p:ph type="title"/>
+          </p:nvPr>
+        </p:nvSpPr>
+        <p:spPr/>
+        <p:txBody>
+          <a:bodyPr/>
+          <a:lstStyle/>
+          <a:p>
+            <a:r>
+              <a:rPr lang="en-US" dirty="0"/>
+              <a:t>Solutions</a:t>
+            </a:r>
+          </a:p>
+        </p:txBody>
+      </p:sp>
+      <p:sp>
+        <p:nvSpPr>
+          <p:cNvPr id="3" name="Content Placeholder 2"/>
+          <p:cNvSpPr>
+            <a:spLocks noGrp="1"/>
+          </p:cNvSpPr>
+          <p:nvPr>
+            <p:ph idx="1"/>
+          </p:nvPr>
+        </p:nvSpPr>
+        <p:spPr/>
+        <p:txBody>
+          <a:bodyPr/>
+          <a:lstStyle/>
+          <a:p>
+            <a:r>
+              <a:rPr lang="en-US" dirty="0"/>
+              <a:t>Client </a:t>
+            </a:r>
+          </a:p>
+          <a:p>
+            <a:pPr lvl="1"/>
+            <a:r>
+              <a:rPr lang="en-US" dirty="0"/>
+              <a:t>More question asking</a:t>
+            </a:r>
+          </a:p>
+          <a:p>
+            <a:pPr lvl="1"/>
+            <a:r>
+              <a:rPr lang="en-US" dirty="0"/>
+              <a:t>Weekly meetings with client?</a:t>
+            </a:r>
+          </a:p>
+          <a:p>
+            <a:r>
+              <a:rPr lang="en-US" dirty="0"/>
+              <a:t>Team</a:t>
+            </a:r>
+          </a:p>
+          <a:p>
+            <a:pPr lvl="1"/>
+            <a:r>
+              <a:rPr lang="en-US" dirty="0"/>
+              <a:t>More planning</a:t>
+            </a:r>
+          </a:p>
+          <a:p>
+            <a:pPr lvl="2"/>
+            <a:r>
+              <a:rPr lang="en-US" dirty="0"/>
+              <a:t>Delegation?</a:t>
+            </a:r>
+          </a:p>
+          <a:p>
+            <a:pPr lvl="1"/>
+            <a:r>
+              <a:rPr lang="en-US" dirty="0"/>
+              <a:t>Weekly meetings</a:t>
+            </a:r>
+          </a:p>
+          <a:p>
+            <a:pPr lvl="1"/>
+            <a:r>
+              <a:rPr lang="en-US" dirty="0"/>
+              <a:t>Seeking help sooner</a:t>
+            </a:r>
+          </a:p>
+        </p:txBody>
+      </p:sp>
+    </p:spTree>
+    <p:extLst>
+      <p:ext uri="{BB962C8B-B14F-4D97-AF65-F5344CB8AC3E}">
+        <p14:creationId xmlns:p14="http://schemas.microsoft.com/office/powerpoint/2010/main" val="4091688379"/>
+      </p:ext>
+    </p:extLst>
+  </p:cSld>
+  <p:clrMapOvr>
+    <a:masterClrMapping/>
+  </p:clrMapOvr>
+</p:sld>
+</file>
+
+<file path=ppt/slides/slide35.xml><?xml version="1.0" encoding="utf-8"?>
+<p:sld xmlns:a="http://schemas.openxmlformats.org/drawingml/2006/main" xmlns:r="http://schemas.openxmlformats.org/officeDocument/2006/relationships" xmlns:p="http://schemas.openxmlformats.org/presentationml/2006/main">
+  <p:cSld>
+    <p:spTree>
+      <p:nvGrpSpPr>
+        <p:cNvPr id="1" name=""/>
+        <p:cNvGrpSpPr/>
+        <p:nvPr/>
+      </p:nvGrpSpPr>
+      <p:grpSpPr>
+        <a:xfrm>
+          <a:off x="0" y="0"/>
+          <a:ext cx="0" cy="0"/>
+          <a:chOff x="0" y="0"/>
+          <a:chExt cx="0" cy="0"/>
+        </a:xfrm>
+      </p:grpSpPr>
+      <p:sp>
+        <p:nvSpPr>
+          <p:cNvPr id="2" name="Title 1"/>
+          <p:cNvSpPr>
+            <a:spLocks noGrp="1"/>
+          </p:cNvSpPr>
+          <p:nvPr>
+            <p:ph type="title"/>
+          </p:nvPr>
+        </p:nvSpPr>
+        <p:spPr/>
+        <p:txBody>
+          <a:bodyPr/>
+          <a:lstStyle/>
+          <a:p>
+            <a:r>
+              <a:rPr lang="en-US" dirty="0"/>
+              <a:t>What’s next?</a:t>
+            </a:r>
+          </a:p>
+        </p:txBody>
+      </p:sp>
+      <p:sp>
+        <p:nvSpPr>
+          <p:cNvPr id="3" name="Content Placeholder 2"/>
+          <p:cNvSpPr>
+            <a:spLocks noGrp="1"/>
+          </p:cNvSpPr>
+          <p:nvPr>
+            <p:ph idx="1"/>
+          </p:nvPr>
+        </p:nvSpPr>
+        <p:spPr/>
+        <p:txBody>
+          <a:bodyPr/>
+          <a:lstStyle/>
+          <a:p>
+            <a:r>
+              <a:rPr lang="en-US" dirty="0"/>
+              <a:t>Start using API’s and Vrok.it!</a:t>
+            </a:r>
+          </a:p>
+          <a:p>
+            <a:pPr lvl="1"/>
+            <a:r>
+              <a:rPr lang="en-US" dirty="0"/>
+              <a:t>Actual code implementation?</a:t>
+            </a:r>
+          </a:p>
+          <a:p>
+            <a:pPr lvl="1"/>
+            <a:r>
+              <a:rPr lang="en-US" dirty="0"/>
+              <a:t>Might need to work out a couple details like…</a:t>
+            </a:r>
+          </a:p>
+          <a:p>
+            <a:pPr lvl="2"/>
+            <a:r>
+              <a:rPr lang="en-US" dirty="0"/>
+              <a:t>Website hosting</a:t>
+            </a:r>
+          </a:p>
+          <a:p>
+            <a:pPr lvl="2"/>
+            <a:r>
+              <a:rPr lang="en-US" dirty="0"/>
+              <a:t>Work load break up</a:t>
+            </a:r>
+          </a:p>
+          <a:p>
+            <a:pPr lvl="2"/>
+            <a:r>
+              <a:rPr lang="en-US" dirty="0"/>
+              <a:t>Reports to Patti about API usage?</a:t>
+            </a:r>
+          </a:p>
+          <a:p>
+            <a:pPr lvl="2"/>
+            <a:endParaRPr lang="en-US" dirty="0"/>
+          </a:p>
+        </p:txBody>
+      </p:sp>
+    </p:spTree>
+    <p:extLst>
+      <p:ext uri="{BB962C8B-B14F-4D97-AF65-F5344CB8AC3E}">
+        <p14:creationId xmlns:p14="http://schemas.microsoft.com/office/powerpoint/2010/main" val="2560867298"/>
+      </p:ext>
+    </p:extLst>
+  </p:cSld>
+  <p:clrMapOvr>
+    <a:masterClrMapping/>
+  </p:clrMapOvr>
+</p:sld>
+</file>
+
+<file path=ppt/slides/slide4.xml><?xml version="1.0" encoding="utf-8"?>
+<p:sld xmlns:a="http://schemas.openxmlformats.org/drawingml/2006/main" xmlns:r="http://schemas.openxmlformats.org/officeDocument/2006/relationships" xmlns:p="http://schemas.openxmlformats.org/presentationml/2006/main">
+  <p:cSld>
+    <p:spTree>
+      <p:nvGrpSpPr>
+        <p:cNvPr id="1" name=""/>
+        <p:cNvGrpSpPr/>
+        <p:nvPr/>
+      </p:nvGrpSpPr>
+      <p:grpSpPr>
+        <a:xfrm>
+          <a:off x="0" y="0"/>
+          <a:ext cx="0" cy="0"/>
+          <a:chOff x="0" y="0"/>
+          <a:chExt cx="0" cy="0"/>
+        </a:xfrm>
+      </p:grpSpPr>
+      <p:sp>
+        <p:nvSpPr>
+          <p:cNvPr id="2" name="Title 1"/>
+          <p:cNvSpPr>
+            <a:spLocks noGrp="1"/>
+          </p:cNvSpPr>
+          <p:nvPr>
+            <p:ph type="title"/>
+          </p:nvPr>
+        </p:nvSpPr>
+        <p:spPr/>
+        <p:txBody>
+          <a:bodyPr/>
+          <a:lstStyle/>
+          <a:p>
+            <a:r>
+              <a:rPr lang="en-US" dirty="0"/>
               <a:t>Overview</a:t>
             </a:r>
           </a:p>
@@ -3217,19 +6270,21 @@
           <a:p>
             <a:r>
               <a:rPr lang="en-US" dirty="0"/>
+              <a:t>Week by week break down</a:t>
+            </a:r>
+            <a:endParaRPr lang="en-US" dirty="0"/>
+          </a:p>
+          <a:p>
+            <a:r>
+              <a:rPr lang="en-US" dirty="0"/>
               <a:t>Problems &amp; Solutions</a:t>
             </a:r>
           </a:p>
           <a:p>
             <a:r>
               <a:rPr lang="en-US" dirty="0"/>
-              <a:t>Week by </a:t>
-            </a:r>
-            <a:r>
-              <a:rPr lang="en-US"/>
-              <a:t>week break down</a:t>
-            </a:r>
-            <a:endParaRPr lang="en-US" dirty="0"/>
+              <a:t>What’s next?</a:t>
+            </a:r>
           </a:p>
         </p:txBody>
       </p:sp>
@@ -3237,6 +6292,473 @@
     <p:extLst>
       <p:ext uri="{BB962C8B-B14F-4D97-AF65-F5344CB8AC3E}">
         <p14:creationId xmlns:p14="http://schemas.microsoft.com/office/powerpoint/2010/main" val="2310746045"/>
+      </p:ext>
+    </p:extLst>
+  </p:cSld>
+  <p:clrMapOvr>
+    <a:masterClrMapping/>
+  </p:clrMapOvr>
+</p:sld>
+</file>
+
+<file path=ppt/slides/slide5.xml><?xml version="1.0" encoding="utf-8"?>
+<p:sld xmlns:a="http://schemas.openxmlformats.org/drawingml/2006/main" xmlns:r="http://schemas.openxmlformats.org/officeDocument/2006/relationships" xmlns:p="http://schemas.openxmlformats.org/presentationml/2006/main">
+  <p:cSld>
+    <p:spTree>
+      <p:nvGrpSpPr>
+        <p:cNvPr id="1" name=""/>
+        <p:cNvGrpSpPr/>
+        <p:nvPr/>
+      </p:nvGrpSpPr>
+      <p:grpSpPr>
+        <a:xfrm>
+          <a:off x="0" y="0"/>
+          <a:ext cx="0" cy="0"/>
+          <a:chOff x="0" y="0"/>
+          <a:chExt cx="0" cy="0"/>
+        </a:xfrm>
+      </p:grpSpPr>
+      <p:sp>
+        <p:nvSpPr>
+          <p:cNvPr id="2" name="Title 1"/>
+          <p:cNvSpPr>
+            <a:spLocks noGrp="1"/>
+          </p:cNvSpPr>
+          <p:nvPr>
+            <p:ph type="title"/>
+          </p:nvPr>
+        </p:nvSpPr>
+        <p:spPr/>
+        <p:txBody>
+          <a:bodyPr/>
+          <a:lstStyle/>
+          <a:p>
+            <a:r>
+              <a:rPr lang="en-US" dirty="0"/>
+              <a:t>Requirements</a:t>
+            </a:r>
+          </a:p>
+        </p:txBody>
+      </p:sp>
+      <p:sp>
+        <p:nvSpPr>
+          <p:cNvPr id="3" name="Content Placeholder 2"/>
+          <p:cNvSpPr>
+            <a:spLocks noGrp="1"/>
+          </p:cNvSpPr>
+          <p:nvPr>
+            <p:ph sz="half" idx="1"/>
+          </p:nvPr>
+        </p:nvSpPr>
+        <p:spPr/>
+        <p:txBody>
+          <a:bodyPr/>
+          <a:lstStyle/>
+          <a:p>
+            <a:pPr marL="0" indent="0">
+              <a:buNone/>
+            </a:pPr>
+            <a:r>
+              <a:rPr lang="en-US" u="sng" dirty="0"/>
+              <a:t>Forge API Related</a:t>
+            </a:r>
+          </a:p>
+          <a:p>
+            <a:r>
+              <a:rPr lang="en-US" dirty="0"/>
+              <a:t>Model Viewing – Forge Viewer</a:t>
+            </a:r>
+          </a:p>
+          <a:p>
+            <a:r>
+              <a:rPr lang="en-US" dirty="0"/>
+              <a:t>Authentication</a:t>
+            </a:r>
+          </a:p>
+          <a:p>
+            <a:r>
+              <a:rPr lang="en-US" dirty="0"/>
+              <a:t>Data Management</a:t>
+            </a:r>
+          </a:p>
+          <a:p>
+            <a:r>
+              <a:rPr lang="en-US" dirty="0"/>
+              <a:t>Model Derivative</a:t>
+            </a:r>
+          </a:p>
+          <a:p>
+            <a:endParaRPr lang="en-US" dirty="0"/>
+          </a:p>
+        </p:txBody>
+      </p:sp>
+      <p:sp>
+        <p:nvSpPr>
+          <p:cNvPr id="4" name="Content Placeholder 3"/>
+          <p:cNvSpPr>
+            <a:spLocks noGrp="1"/>
+          </p:cNvSpPr>
+          <p:nvPr>
+            <p:ph sz="half" idx="2"/>
+          </p:nvPr>
+        </p:nvSpPr>
+        <p:spPr/>
+        <p:txBody>
+          <a:bodyPr/>
+          <a:lstStyle/>
+          <a:p>
+            <a:pPr marL="0" indent="0">
+              <a:buNone/>
+            </a:pPr>
+            <a:r>
+              <a:rPr lang="en-US" u="sng" dirty="0"/>
+              <a:t>Non-related</a:t>
+            </a:r>
+          </a:p>
+          <a:p>
+            <a:r>
+              <a:rPr lang="en-US" dirty="0"/>
+              <a:t>File upload</a:t>
+            </a:r>
+          </a:p>
+          <a:p>
+            <a:r>
+              <a:rPr lang="en-US" dirty="0"/>
+              <a:t>Smartphone Connection</a:t>
+            </a:r>
+          </a:p>
+          <a:p>
+            <a:r>
+              <a:rPr lang="en-US" dirty="0"/>
+              <a:t>VR Device Support</a:t>
+            </a:r>
+          </a:p>
+        </p:txBody>
+      </p:sp>
+    </p:spTree>
+    <p:extLst>
+      <p:ext uri="{BB962C8B-B14F-4D97-AF65-F5344CB8AC3E}">
+        <p14:creationId xmlns:p14="http://schemas.microsoft.com/office/powerpoint/2010/main" val="1579341955"/>
+      </p:ext>
+    </p:extLst>
+  </p:cSld>
+  <p:clrMapOvr>
+    <a:masterClrMapping/>
+  </p:clrMapOvr>
+</p:sld>
+</file>
+
+<file path=ppt/slides/slide6.xml><?xml version="1.0" encoding="utf-8"?>
+<p:sld xmlns:a="http://schemas.openxmlformats.org/drawingml/2006/main" xmlns:r="http://schemas.openxmlformats.org/officeDocument/2006/relationships" xmlns:p="http://schemas.openxmlformats.org/presentationml/2006/main">
+  <p:cSld>
+    <p:spTree>
+      <p:nvGrpSpPr>
+        <p:cNvPr id="1" name=""/>
+        <p:cNvGrpSpPr/>
+        <p:nvPr/>
+      </p:nvGrpSpPr>
+      <p:grpSpPr>
+        <a:xfrm>
+          <a:off x="0" y="0"/>
+          <a:ext cx="0" cy="0"/>
+          <a:chOff x="0" y="0"/>
+          <a:chExt cx="0" cy="0"/>
+        </a:xfrm>
+      </p:grpSpPr>
+      <p:sp>
+        <p:nvSpPr>
+          <p:cNvPr id="2" name="Title 1"/>
+          <p:cNvSpPr>
+            <a:spLocks noGrp="1"/>
+          </p:cNvSpPr>
+          <p:nvPr>
+            <p:ph type="title"/>
+          </p:nvPr>
+        </p:nvSpPr>
+        <p:spPr/>
+        <p:txBody>
+          <a:bodyPr/>
+          <a:lstStyle/>
+          <a:p>
+            <a:r>
+              <a:rPr lang="en-US" dirty="0"/>
+              <a:t>Forge VR Explorer Functionality</a:t>
+            </a:r>
+          </a:p>
+        </p:txBody>
+      </p:sp>
+      <p:sp>
+        <p:nvSpPr>
+          <p:cNvPr id="3" name="Content Placeholder 2"/>
+          <p:cNvSpPr>
+            <a:spLocks noGrp="1"/>
+          </p:cNvSpPr>
+          <p:nvPr>
+            <p:ph idx="1"/>
+          </p:nvPr>
+        </p:nvSpPr>
+        <p:spPr/>
+        <p:txBody>
+          <a:bodyPr/>
+          <a:lstStyle/>
+          <a:p>
+            <a:r>
+              <a:rPr lang="en-US" dirty="0"/>
+              <a:t>User can choose a CAD model locally or through Data Management</a:t>
+            </a:r>
+          </a:p>
+          <a:p>
+            <a:r>
+              <a:rPr lang="en-US" dirty="0"/>
+              <a:t>3D model is shown through Forge Viewer</a:t>
+            </a:r>
+          </a:p>
+          <a:p>
+            <a:r>
+              <a:rPr lang="en-US" dirty="0"/>
+              <a:t>Connect to website with smartphone (via QR scanner)</a:t>
+            </a:r>
+          </a:p>
+          <a:p>
+            <a:r>
+              <a:rPr lang="en-US" dirty="0"/>
+              <a:t>Model can be viewed on phone normally or through Google Cardboard</a:t>
+            </a:r>
+          </a:p>
+          <a:p>
+            <a:r>
+              <a:rPr lang="en-US" dirty="0"/>
+              <a:t>Viewable model has interactivity</a:t>
+            </a:r>
+          </a:p>
+        </p:txBody>
+      </p:sp>
+    </p:spTree>
+    <p:extLst>
+      <p:ext uri="{BB962C8B-B14F-4D97-AF65-F5344CB8AC3E}">
+        <p14:creationId xmlns:p14="http://schemas.microsoft.com/office/powerpoint/2010/main" val="716035048"/>
+      </p:ext>
+    </p:extLst>
+  </p:cSld>
+  <p:clrMapOvr>
+    <a:masterClrMapping/>
+  </p:clrMapOvr>
+</p:sld>
+</file>
+
+<file path=ppt/slides/slide7.xml><?xml version="1.0" encoding="utf-8"?>
+<p:sld xmlns:a="http://schemas.openxmlformats.org/drawingml/2006/main" xmlns:r="http://schemas.openxmlformats.org/officeDocument/2006/relationships" xmlns:p="http://schemas.openxmlformats.org/presentationml/2006/main">
+  <p:cSld>
+    <p:spTree>
+      <p:nvGrpSpPr>
+        <p:cNvPr id="1" name=""/>
+        <p:cNvGrpSpPr/>
+        <p:nvPr/>
+      </p:nvGrpSpPr>
+      <p:grpSpPr>
+        <a:xfrm>
+          <a:off x="0" y="0"/>
+          <a:ext cx="0" cy="0"/>
+          <a:chOff x="0" y="0"/>
+          <a:chExt cx="0" cy="0"/>
+        </a:xfrm>
+      </p:grpSpPr>
+      <p:sp>
+        <p:nvSpPr>
+          <p:cNvPr id="2" name="Title 1"/>
+          <p:cNvSpPr>
+            <a:spLocks noGrp="1"/>
+          </p:cNvSpPr>
+          <p:nvPr>
+            <p:ph type="title"/>
+          </p:nvPr>
+        </p:nvSpPr>
+        <p:spPr/>
+        <p:txBody>
+          <a:bodyPr/>
+          <a:lstStyle/>
+          <a:p>
+            <a:r>
+              <a:rPr lang="en-US" dirty="0"/>
+              <a:t>Software Interfaces</a:t>
+            </a:r>
+          </a:p>
+        </p:txBody>
+      </p:sp>
+      <p:sp>
+        <p:nvSpPr>
+          <p:cNvPr id="3" name="Content Placeholder 2"/>
+          <p:cNvSpPr>
+            <a:spLocks noGrp="1"/>
+          </p:cNvSpPr>
+          <p:nvPr>
+            <p:ph idx="1"/>
+          </p:nvPr>
+        </p:nvSpPr>
+        <p:spPr/>
+        <p:txBody>
+          <a:bodyPr/>
+          <a:lstStyle/>
+          <a:p>
+            <a:endParaRPr lang="en-US"/>
+          </a:p>
+        </p:txBody>
+      </p:sp>
+    </p:spTree>
+    <p:extLst>
+      <p:ext uri="{BB962C8B-B14F-4D97-AF65-F5344CB8AC3E}">
+        <p14:creationId xmlns:p14="http://schemas.microsoft.com/office/powerpoint/2010/main" val="1216246470"/>
+      </p:ext>
+    </p:extLst>
+  </p:cSld>
+  <p:clrMapOvr>
+    <a:masterClrMapping/>
+  </p:clrMapOvr>
+</p:sld>
+</file>
+
+<file path=ppt/slides/slide8.xml><?xml version="1.0" encoding="utf-8"?>
+<p:sld xmlns:a="http://schemas.openxmlformats.org/drawingml/2006/main" xmlns:r="http://schemas.openxmlformats.org/officeDocument/2006/relationships" xmlns:p="http://schemas.openxmlformats.org/presentationml/2006/main">
+  <p:cSld>
+    <p:spTree>
+      <p:nvGrpSpPr>
+        <p:cNvPr id="1" name=""/>
+        <p:cNvGrpSpPr/>
+        <p:nvPr/>
+      </p:nvGrpSpPr>
+      <p:grpSpPr>
+        <a:xfrm>
+          <a:off x="0" y="0"/>
+          <a:ext cx="0" cy="0"/>
+          <a:chOff x="0" y="0"/>
+          <a:chExt cx="0" cy="0"/>
+        </a:xfrm>
+      </p:grpSpPr>
+      <p:sp>
+        <p:nvSpPr>
+          <p:cNvPr id="2" name="Title 1"/>
+          <p:cNvSpPr>
+            <a:spLocks noGrp="1"/>
+          </p:cNvSpPr>
+          <p:nvPr>
+            <p:ph type="title"/>
+          </p:nvPr>
+        </p:nvSpPr>
+        <p:spPr/>
+        <p:txBody>
+          <a:bodyPr/>
+          <a:lstStyle/>
+          <a:p>
+            <a:r>
+              <a:rPr lang="en-US" dirty="0"/>
+              <a:t>User Interfaces</a:t>
+            </a:r>
+          </a:p>
+        </p:txBody>
+      </p:sp>
+      <p:sp>
+        <p:nvSpPr>
+          <p:cNvPr id="3" name="Content Placeholder 2"/>
+          <p:cNvSpPr>
+            <a:spLocks noGrp="1"/>
+          </p:cNvSpPr>
+          <p:nvPr>
+            <p:ph idx="1"/>
+          </p:nvPr>
+        </p:nvSpPr>
+        <p:spPr/>
+        <p:txBody>
+          <a:bodyPr/>
+          <a:lstStyle/>
+          <a:p>
+            <a:endParaRPr lang="en-US"/>
+          </a:p>
+        </p:txBody>
+      </p:sp>
+    </p:spTree>
+    <p:extLst>
+      <p:ext uri="{BB962C8B-B14F-4D97-AF65-F5344CB8AC3E}">
+        <p14:creationId xmlns:p14="http://schemas.microsoft.com/office/powerpoint/2010/main" val="3827932349"/>
+      </p:ext>
+    </p:extLst>
+  </p:cSld>
+  <p:clrMapOvr>
+    <a:masterClrMapping/>
+  </p:clrMapOvr>
+</p:sld>
+</file>
+
+<file path=ppt/slides/slide9.xml><?xml version="1.0" encoding="utf-8"?>
+<p:sld xmlns:a="http://schemas.openxmlformats.org/drawingml/2006/main" xmlns:r="http://schemas.openxmlformats.org/officeDocument/2006/relationships" xmlns:p="http://schemas.openxmlformats.org/presentationml/2006/main">
+  <p:cSld>
+    <p:spTree>
+      <p:nvGrpSpPr>
+        <p:cNvPr id="1" name=""/>
+        <p:cNvGrpSpPr/>
+        <p:nvPr/>
+      </p:nvGrpSpPr>
+      <p:grpSpPr>
+        <a:xfrm>
+          <a:off x="0" y="0"/>
+          <a:ext cx="0" cy="0"/>
+          <a:chOff x="0" y="0"/>
+          <a:chExt cx="0" cy="0"/>
+        </a:xfrm>
+      </p:grpSpPr>
+      <p:sp>
+        <p:nvSpPr>
+          <p:cNvPr id="2" name="Title 1"/>
+          <p:cNvSpPr>
+            <a:spLocks noGrp="1"/>
+          </p:cNvSpPr>
+          <p:nvPr>
+            <p:ph type="title"/>
+          </p:nvPr>
+        </p:nvSpPr>
+        <p:spPr/>
+        <p:txBody>
+          <a:bodyPr/>
+          <a:lstStyle/>
+          <a:p>
+            <a:r>
+              <a:rPr lang="en-US" dirty="0"/>
+              <a:t>Authentication Requirements</a:t>
+            </a:r>
+          </a:p>
+        </p:txBody>
+      </p:sp>
+      <p:sp>
+        <p:nvSpPr>
+          <p:cNvPr id="3" name="Content Placeholder 2"/>
+          <p:cNvSpPr>
+            <a:spLocks noGrp="1"/>
+          </p:cNvSpPr>
+          <p:nvPr>
+            <p:ph idx="1"/>
+          </p:nvPr>
+        </p:nvSpPr>
+        <p:spPr/>
+        <p:txBody>
+          <a:bodyPr/>
+          <a:lstStyle/>
+          <a:p>
+            <a:r>
+              <a:rPr lang="en-US" dirty="0"/>
+              <a:t>Security for users</a:t>
+            </a:r>
+          </a:p>
+          <a:p>
+            <a:r>
+              <a:rPr lang="en-US" dirty="0"/>
+              <a:t>Token created for users</a:t>
+            </a:r>
+          </a:p>
+        </p:txBody>
+      </p:sp>
+    </p:spTree>
+    <p:extLst>
+      <p:ext uri="{BB962C8B-B14F-4D97-AF65-F5344CB8AC3E}">
+        <p14:creationId xmlns:p14="http://schemas.microsoft.com/office/powerpoint/2010/main" val="922885700"/>
       </p:ext>
     </p:extLst>
   </p:cSld>

--- a/Progress Report/Progress report.pptx
+++ b/Progress Report/Progress report.pptx
@@ -14,21 +14,21 @@
     <p:sldId id="286" r:id="rId8"/>
     <p:sldId id="287" r:id="rId9"/>
     <p:sldId id="261" r:id="rId10"/>
-    <p:sldId id="262" r:id="rId11"/>
-    <p:sldId id="263" r:id="rId12"/>
-    <p:sldId id="264" r:id="rId13"/>
-    <p:sldId id="265" r:id="rId14"/>
-    <p:sldId id="266" r:id="rId15"/>
-    <p:sldId id="267" r:id="rId16"/>
+    <p:sldId id="263" r:id="rId11"/>
+    <p:sldId id="266" r:id="rId12"/>
+    <p:sldId id="265" r:id="rId13"/>
+    <p:sldId id="267" r:id="rId14"/>
+    <p:sldId id="262" r:id="rId15"/>
+    <p:sldId id="264" r:id="rId16"/>
     <p:sldId id="291" r:id="rId17"/>
-    <p:sldId id="269" r:id="rId18"/>
-    <p:sldId id="270" r:id="rId19"/>
+    <p:sldId id="270" r:id="rId18"/>
+    <p:sldId id="269" r:id="rId19"/>
     <p:sldId id="288" r:id="rId20"/>
-    <p:sldId id="271" r:id="rId21"/>
-    <p:sldId id="272" r:id="rId22"/>
-    <p:sldId id="273" r:id="rId23"/>
-    <p:sldId id="289" r:id="rId24"/>
-    <p:sldId id="274" r:id="rId25"/>
+    <p:sldId id="274" r:id="rId21"/>
+    <p:sldId id="271" r:id="rId22"/>
+    <p:sldId id="272" r:id="rId23"/>
+    <p:sldId id="273" r:id="rId24"/>
+    <p:sldId id="289" r:id="rId25"/>
     <p:sldId id="277" r:id="rId26"/>
     <p:sldId id="278" r:id="rId27"/>
     <p:sldId id="279" r:id="rId28"/>
@@ -40,6 +40,7 @@
     <p:sldId id="293" r:id="rId34"/>
     <p:sldId id="294" r:id="rId35"/>
     <p:sldId id="276" r:id="rId36"/>
+    <p:sldId id="295" r:id="rId37"/>
   </p:sldIdLst>
   <p:sldSz cx="12192000" cy="6858000"/>
   <p:notesSz cx="6858000" cy="9144000"/>
@@ -275,7 +276,7 @@
           <a:p>
             <a:fld id="{B17AFAAB-B546-45EA-83F1-D6961F00B077}" type="datetimeFigureOut">
               <a:rPr lang="en-US" smtClean="0"/>
-              <a:t>12/4/2016</a:t>
+              <a:t>12/5/2016</a:t>
             </a:fld>
             <a:endParaRPr lang="en-US"/>
           </a:p>
@@ -443,7 +444,7 @@
           <a:p>
             <a:fld id="{B17AFAAB-B546-45EA-83F1-D6961F00B077}" type="datetimeFigureOut">
               <a:rPr lang="en-US" smtClean="0"/>
-              <a:t>12/4/2016</a:t>
+              <a:t>12/5/2016</a:t>
             </a:fld>
             <a:endParaRPr lang="en-US"/>
           </a:p>
@@ -621,7 +622,7 @@
           <a:p>
             <a:fld id="{B17AFAAB-B546-45EA-83F1-D6961F00B077}" type="datetimeFigureOut">
               <a:rPr lang="en-US" smtClean="0"/>
-              <a:t>12/4/2016</a:t>
+              <a:t>12/5/2016</a:t>
             </a:fld>
             <a:endParaRPr lang="en-US"/>
           </a:p>
@@ -789,7 +790,7 @@
           <a:p>
             <a:fld id="{B17AFAAB-B546-45EA-83F1-D6961F00B077}" type="datetimeFigureOut">
               <a:rPr lang="en-US" smtClean="0"/>
-              <a:t>12/4/2016</a:t>
+              <a:t>12/5/2016</a:t>
             </a:fld>
             <a:endParaRPr lang="en-US"/>
           </a:p>
@@ -1034,7 +1035,7 @@
           <a:p>
             <a:fld id="{B17AFAAB-B546-45EA-83F1-D6961F00B077}" type="datetimeFigureOut">
               <a:rPr lang="en-US" smtClean="0"/>
-              <a:t>12/4/2016</a:t>
+              <a:t>12/5/2016</a:t>
             </a:fld>
             <a:endParaRPr lang="en-US"/>
           </a:p>
@@ -1263,7 +1264,7 @@
           <a:p>
             <a:fld id="{B17AFAAB-B546-45EA-83F1-D6961F00B077}" type="datetimeFigureOut">
               <a:rPr lang="en-US" smtClean="0"/>
-              <a:t>12/4/2016</a:t>
+              <a:t>12/5/2016</a:t>
             </a:fld>
             <a:endParaRPr lang="en-US"/>
           </a:p>
@@ -1627,7 +1628,7 @@
           <a:p>
             <a:fld id="{B17AFAAB-B546-45EA-83F1-D6961F00B077}" type="datetimeFigureOut">
               <a:rPr lang="en-US" smtClean="0"/>
-              <a:t>12/4/2016</a:t>
+              <a:t>12/5/2016</a:t>
             </a:fld>
             <a:endParaRPr lang="en-US"/>
           </a:p>
@@ -1744,7 +1745,7 @@
           <a:p>
             <a:fld id="{B17AFAAB-B546-45EA-83F1-D6961F00B077}" type="datetimeFigureOut">
               <a:rPr lang="en-US" smtClean="0"/>
-              <a:t>12/4/2016</a:t>
+              <a:t>12/5/2016</a:t>
             </a:fld>
             <a:endParaRPr lang="en-US"/>
           </a:p>
@@ -1839,7 +1840,7 @@
           <a:p>
             <a:fld id="{B17AFAAB-B546-45EA-83F1-D6961F00B077}" type="datetimeFigureOut">
               <a:rPr lang="en-US" smtClean="0"/>
-              <a:t>12/4/2016</a:t>
+              <a:t>12/5/2016</a:t>
             </a:fld>
             <a:endParaRPr lang="en-US"/>
           </a:p>
@@ -2114,7 +2115,7 @@
           <a:p>
             <a:fld id="{B17AFAAB-B546-45EA-83F1-D6961F00B077}" type="datetimeFigureOut">
               <a:rPr lang="en-US" smtClean="0"/>
-              <a:t>12/4/2016</a:t>
+              <a:t>12/5/2016</a:t>
             </a:fld>
             <a:endParaRPr lang="en-US"/>
           </a:p>
@@ -2366,7 +2367,7 @@
           <a:p>
             <a:fld id="{B17AFAAB-B546-45EA-83F1-D6961F00B077}" type="datetimeFigureOut">
               <a:rPr lang="en-US" smtClean="0"/>
-              <a:t>12/4/2016</a:t>
+              <a:t>12/5/2016</a:t>
             </a:fld>
             <a:endParaRPr lang="en-US"/>
           </a:p>
@@ -2577,7 +2578,7 @@
           <a:p>
             <a:fld id="{B17AFAAB-B546-45EA-83F1-D6961F00B077}" type="datetimeFigureOut">
               <a:rPr lang="en-US" smtClean="0"/>
-              <a:t>12/4/2016</a:t>
+              <a:t>12/5/2016</a:t>
             </a:fld>
             <a:endParaRPr lang="en-US"/>
           </a:p>
@@ -3095,7 +3096,7 @@
           <a:p>
             <a:r>
               <a:rPr lang="en-US" dirty="0"/>
-              <a:t>Data Management Requirements</a:t>
+              <a:t>Viewing VR Requirements</a:t>
             </a:r>
           </a:p>
         </p:txBody>
@@ -3117,19 +3118,19 @@
           <a:p>
             <a:r>
               <a:rPr lang="en-US" dirty="0"/>
-              <a:t>Users with files in A360 should be able to use in site</a:t>
-            </a:r>
-          </a:p>
-          <a:p>
-            <a:r>
-              <a:rPr lang="en-US" dirty="0"/>
-              <a:t>User gives website permission to use files</a:t>
-            </a:r>
-          </a:p>
-          <a:p>
-            <a:r>
-              <a:rPr lang="en-US" dirty="0"/>
-              <a:t>User can now choose file to view</a:t>
+              <a:t>Model is viewable in VR headset (Google Cardboard)</a:t>
+            </a:r>
+          </a:p>
+          <a:p>
+            <a:r>
+              <a:rPr lang="en-US" dirty="0"/>
+              <a:t>High quality/size models will be hard to view</a:t>
+            </a:r>
+          </a:p>
+          <a:p>
+            <a:r>
+              <a:rPr lang="en-US" dirty="0"/>
+              <a:t>Models need some interactivity while user uses VR</a:t>
             </a:r>
           </a:p>
         </p:txBody>
@@ -3137,7 +3138,7 @@
     </p:spTree>
     <p:extLst>
       <p:ext uri="{BB962C8B-B14F-4D97-AF65-F5344CB8AC3E}">
-        <p14:creationId xmlns:p14="http://schemas.microsoft.com/office/powerpoint/2010/main" val="4073836856"/>
+        <p14:creationId xmlns:p14="http://schemas.microsoft.com/office/powerpoint/2010/main" val="618129479"/>
       </p:ext>
     </p:extLst>
   </p:cSld>
@@ -3181,7 +3182,7 @@
           <a:p>
             <a:r>
               <a:rPr lang="en-US" dirty="0"/>
-              <a:t>Viewing VR Requirements</a:t>
+              <a:t>File Upload Requirements</a:t>
             </a:r>
           </a:p>
         </p:txBody>
@@ -3203,19 +3204,47 @@
           <a:p>
             <a:r>
               <a:rPr lang="en-US" dirty="0"/>
-              <a:t>Model is viewable in VR headset (Google Cardboard)</a:t>
-            </a:r>
-          </a:p>
-          <a:p>
-            <a:r>
-              <a:rPr lang="en-US" dirty="0"/>
-              <a:t>High quality/size models will be hard to view</a:t>
-            </a:r>
-          </a:p>
-          <a:p>
-            <a:r>
-              <a:rPr lang="en-US" dirty="0"/>
-              <a:t>Models need some interactivity while user uses VR</a:t>
+              <a:t>User can upload files</a:t>
+            </a:r>
+          </a:p>
+          <a:p>
+            <a:pPr lvl="1"/>
+            <a:r>
+              <a:rPr lang="en-US" dirty="0"/>
+              <a:t>Through local machine</a:t>
+            </a:r>
+          </a:p>
+          <a:p>
+            <a:pPr lvl="1"/>
+            <a:r>
+              <a:rPr lang="en-US" dirty="0"/>
+              <a:t>Or A360 (Data Management API)</a:t>
+            </a:r>
+          </a:p>
+          <a:p>
+            <a:r>
+              <a:rPr lang="en-US" dirty="0"/>
+              <a:t>Failures will be reported</a:t>
+            </a:r>
+          </a:p>
+          <a:p>
+            <a:pPr lvl="1"/>
+            <a:r>
+              <a:rPr lang="en-US" dirty="0"/>
+              <a:t>Unsuccessful upload</a:t>
+            </a:r>
+          </a:p>
+          <a:p>
+            <a:pPr lvl="1"/>
+            <a:r>
+              <a:rPr lang="en-US" dirty="0"/>
+              <a:t>Too large</a:t>
+            </a:r>
+          </a:p>
+          <a:p>
+            <a:r>
+              <a:rPr lang="en-US" dirty="0"/>
+              <a:t>File will be displayed on list of usable models</a:t>
             </a:r>
           </a:p>
         </p:txBody>
@@ -3223,7 +3252,7 @@
     </p:spTree>
     <p:extLst>
       <p:ext uri="{BB962C8B-B14F-4D97-AF65-F5344CB8AC3E}">
-        <p14:creationId xmlns:p14="http://schemas.microsoft.com/office/powerpoint/2010/main" val="618129479"/>
+        <p14:creationId xmlns:p14="http://schemas.microsoft.com/office/powerpoint/2010/main" val="4186160874"/>
       </p:ext>
     </p:extLst>
   </p:cSld>
@@ -3267,7 +3296,7 @@
           <a:p>
             <a:r>
               <a:rPr lang="en-US" dirty="0"/>
-              <a:t>Model View Requirements</a:t>
+              <a:t>Model Derivative Requirements</a:t>
             </a:r>
           </a:p>
         </p:txBody>
@@ -3289,26 +3318,19 @@
           <a:p>
             <a:r>
               <a:rPr lang="en-US" dirty="0"/>
-              <a:t>User can see chosen model on website</a:t>
-            </a:r>
-          </a:p>
-          <a:p>
-            <a:r>
-              <a:rPr lang="en-US" dirty="0"/>
-              <a:t>Model cannot be too detailed or large</a:t>
-            </a:r>
-          </a:p>
-          <a:p>
-            <a:pPr lvl="1"/>
-            <a:r>
-              <a:rPr lang="en-US" dirty="0"/>
-              <a:t>Where the website cannot run it</a:t>
-            </a:r>
-          </a:p>
-          <a:p>
-            <a:r>
-              <a:rPr lang="en-US" dirty="0"/>
-              <a:t>Model is displayed in Forge Viewer and is interactive</a:t>
+              <a:t>Files user uploads will be converted to SVF files</a:t>
+            </a:r>
+          </a:p>
+          <a:p>
+            <a:r>
+              <a:rPr lang="en-US" dirty="0"/>
+              <a:t>Then the file will be displayed on viewer</a:t>
+            </a:r>
+          </a:p>
+          <a:p>
+            <a:r>
+              <a:rPr lang="en-US" dirty="0"/>
+              <a:t>Should notify user of any failures</a:t>
             </a:r>
           </a:p>
         </p:txBody>
@@ -3316,7 +3338,7 @@
     </p:spTree>
     <p:extLst>
       <p:ext uri="{BB962C8B-B14F-4D97-AF65-F5344CB8AC3E}">
-        <p14:creationId xmlns:p14="http://schemas.microsoft.com/office/powerpoint/2010/main" val="181090165"/>
+        <p14:creationId xmlns:p14="http://schemas.microsoft.com/office/powerpoint/2010/main" val="4239687670"/>
       </p:ext>
     </p:extLst>
   </p:cSld>
@@ -3360,7 +3382,7 @@
           <a:p>
             <a:r>
               <a:rPr lang="en-US" dirty="0"/>
-              <a:t>Model Derivative Requirements</a:t>
+              <a:t>Smartphone Connection Requirements</a:t>
             </a:r>
           </a:p>
         </p:txBody>
@@ -3382,27 +3404,36 @@
           <a:p>
             <a:r>
               <a:rPr lang="en-US" dirty="0"/>
-              <a:t>Files user uploads will be converted to SVF files</a:t>
-            </a:r>
-          </a:p>
-          <a:p>
-            <a:r>
-              <a:rPr lang="en-US" dirty="0"/>
-              <a:t>Then the file will be displayed on viewer</a:t>
-            </a:r>
-          </a:p>
-          <a:p>
-            <a:r>
-              <a:rPr lang="en-US" dirty="0"/>
-              <a:t>Should notify user of any failures</a:t>
-            </a:r>
+              <a:t>Users connect phone to Vrok.it</a:t>
+            </a:r>
+          </a:p>
+          <a:p>
+            <a:r>
+              <a:rPr lang="en-US" dirty="0"/>
+              <a:t>So user can view model in VR environment</a:t>
+            </a:r>
+          </a:p>
+          <a:p>
+            <a:r>
+              <a:rPr lang="en-US" dirty="0"/>
+              <a:t>Users device must have QR scanner and internet</a:t>
+            </a:r>
+          </a:p>
+          <a:p>
+            <a:r>
+              <a:rPr lang="en-US" dirty="0"/>
+              <a:t>Phone should connect to site via QR scan</a:t>
+            </a:r>
+          </a:p>
+          <a:p>
+            <a:endParaRPr lang="en-US" dirty="0"/>
           </a:p>
         </p:txBody>
       </p:sp>
     </p:spTree>
     <p:extLst>
       <p:ext uri="{BB962C8B-B14F-4D97-AF65-F5344CB8AC3E}">
-        <p14:creationId xmlns:p14="http://schemas.microsoft.com/office/powerpoint/2010/main" val="4239687670"/>
+        <p14:creationId xmlns:p14="http://schemas.microsoft.com/office/powerpoint/2010/main" val="1717661036"/>
       </p:ext>
     </p:extLst>
   </p:cSld>
@@ -3446,7 +3477,7 @@
           <a:p>
             <a:r>
               <a:rPr lang="en-US" dirty="0"/>
-              <a:t>File Upload Requirements</a:t>
+              <a:t>Data Management Requirements</a:t>
             </a:r>
           </a:p>
         </p:txBody>
@@ -3468,47 +3499,19 @@
           <a:p>
             <a:r>
               <a:rPr lang="en-US" dirty="0"/>
-              <a:t>User can upload files</a:t>
-            </a:r>
-          </a:p>
-          <a:p>
-            <a:pPr lvl="1"/>
-            <a:r>
-              <a:rPr lang="en-US" dirty="0"/>
-              <a:t>Through local machine</a:t>
-            </a:r>
-          </a:p>
-          <a:p>
-            <a:pPr lvl="1"/>
-            <a:r>
-              <a:rPr lang="en-US" dirty="0"/>
-              <a:t>Or A360 (Data Management API)</a:t>
-            </a:r>
-          </a:p>
-          <a:p>
-            <a:r>
-              <a:rPr lang="en-US" dirty="0"/>
-              <a:t>Failures will be reported</a:t>
-            </a:r>
-          </a:p>
-          <a:p>
-            <a:pPr lvl="1"/>
-            <a:r>
-              <a:rPr lang="en-US" dirty="0"/>
-              <a:t>Unsuccessful upload</a:t>
-            </a:r>
-          </a:p>
-          <a:p>
-            <a:pPr lvl="1"/>
-            <a:r>
-              <a:rPr lang="en-US" dirty="0"/>
-              <a:t>Too large</a:t>
-            </a:r>
-          </a:p>
-          <a:p>
-            <a:r>
-              <a:rPr lang="en-US" dirty="0"/>
-              <a:t>File will be displayed on list of usable models</a:t>
+              <a:t>Users with files in A360 should be able to use in site</a:t>
+            </a:r>
+          </a:p>
+          <a:p>
+            <a:r>
+              <a:rPr lang="en-US" dirty="0"/>
+              <a:t>User gives website permission to use files</a:t>
+            </a:r>
+          </a:p>
+          <a:p>
+            <a:r>
+              <a:rPr lang="en-US" dirty="0"/>
+              <a:t>User can now choose file to view</a:t>
             </a:r>
           </a:p>
         </p:txBody>
@@ -3516,7 +3519,7 @@
     </p:spTree>
     <p:extLst>
       <p:ext uri="{BB962C8B-B14F-4D97-AF65-F5344CB8AC3E}">
-        <p14:creationId xmlns:p14="http://schemas.microsoft.com/office/powerpoint/2010/main" val="4186160874"/>
+        <p14:creationId xmlns:p14="http://schemas.microsoft.com/office/powerpoint/2010/main" val="4073836856"/>
       </p:ext>
     </p:extLst>
   </p:cSld>
@@ -3560,7 +3563,7 @@
           <a:p>
             <a:r>
               <a:rPr lang="en-US" dirty="0"/>
-              <a:t>Smartphone Connection Requirements</a:t>
+              <a:t>Model View Requirements</a:t>
             </a:r>
           </a:p>
         </p:txBody>
@@ -3582,36 +3585,34 @@
           <a:p>
             <a:r>
               <a:rPr lang="en-US" dirty="0"/>
-              <a:t>Users connect phone to Vrok.it</a:t>
-            </a:r>
-          </a:p>
-          <a:p>
-            <a:r>
-              <a:rPr lang="en-US" dirty="0"/>
-              <a:t>So user can view model in VR environment</a:t>
-            </a:r>
-          </a:p>
-          <a:p>
-            <a:r>
-              <a:rPr lang="en-US" dirty="0"/>
-              <a:t>Users device must have QR scanner and internet</a:t>
-            </a:r>
-          </a:p>
-          <a:p>
-            <a:r>
-              <a:rPr lang="en-US" dirty="0"/>
-              <a:t>Phone should connect to site via QR scan</a:t>
-            </a:r>
-          </a:p>
-          <a:p>
-            <a:endParaRPr lang="en-US" dirty="0"/>
+              <a:t>User can see chosen model on website</a:t>
+            </a:r>
+          </a:p>
+          <a:p>
+            <a:r>
+              <a:rPr lang="en-US" dirty="0"/>
+              <a:t>Model cannot be too detailed or large</a:t>
+            </a:r>
+          </a:p>
+          <a:p>
+            <a:pPr lvl="1"/>
+            <a:r>
+              <a:rPr lang="en-US" dirty="0"/>
+              <a:t>Where the website cannot run it</a:t>
+            </a:r>
+          </a:p>
+          <a:p>
+            <a:r>
+              <a:rPr lang="en-US" dirty="0"/>
+              <a:t>Model is displayed in Forge Viewer and is interactive</a:t>
+            </a:r>
           </a:p>
         </p:txBody>
       </p:sp>
     </p:spTree>
     <p:extLst>
       <p:ext uri="{BB962C8B-B14F-4D97-AF65-F5344CB8AC3E}">
-        <p14:creationId xmlns:p14="http://schemas.microsoft.com/office/powerpoint/2010/main" val="1717661036"/>
+        <p14:creationId xmlns:p14="http://schemas.microsoft.com/office/powerpoint/2010/main" val="181090165"/>
       </p:ext>
     </p:extLst>
   </p:cSld>
@@ -3657,7 +3658,6 @@
               <a:rPr lang="en-US" dirty="0"/>
               <a:t>Authentication Design</a:t>
             </a:r>
-            <a:endParaRPr lang="en-US" dirty="0"/>
           </a:p>
         </p:txBody>
       </p:sp>
@@ -3856,7 +3856,7 @@
           <a:p>
             <a:r>
               <a:rPr lang="en-US" dirty="0"/>
-              <a:t>Data Management Design</a:t>
+              <a:t>Viewing VR Design</a:t>
             </a:r>
           </a:p>
         </p:txBody>
@@ -3878,19 +3878,55 @@
           <a:p>
             <a:r>
               <a:rPr lang="en-US" dirty="0"/>
-              <a:t>Relies on 3 Legged Data Authentication being completed</a:t>
-            </a:r>
-          </a:p>
-          <a:p>
-            <a:r>
-              <a:rPr lang="en-US" dirty="0"/>
-              <a:t>User accesses files stored in A360 to use</a:t>
-            </a:r>
-          </a:p>
-          <a:p>
-            <a:r>
-              <a:rPr lang="en-US" dirty="0"/>
-              <a:t>Data management returns those files</a:t>
+              <a:t>Currently using Google Cardboard’s application</a:t>
+            </a:r>
+          </a:p>
+          <a:p>
+            <a:pPr lvl="1"/>
+            <a:r>
+              <a:rPr lang="en-US" dirty="0"/>
+              <a:t>Android WebView inside the application (</a:t>
+            </a:r>
+            <a:r>
+              <a:rPr lang="en-US" dirty="0" err="1"/>
+              <a:t>WebGL</a:t>
+            </a:r>
+            <a:r>
+              <a:rPr lang="en-US" dirty="0"/>
+              <a:t>)</a:t>
+            </a:r>
+          </a:p>
+          <a:p>
+            <a:r>
+              <a:rPr lang="en-US" dirty="0"/>
+              <a:t>This allows for VR viewing of models on the site loaded by the QR scanner</a:t>
+            </a:r>
+          </a:p>
+          <a:p>
+            <a:r>
+              <a:rPr lang="en-US" dirty="0"/>
+              <a:t>Dependent on user having</a:t>
+            </a:r>
+          </a:p>
+          <a:p>
+            <a:pPr lvl="1"/>
+            <a:r>
+              <a:rPr lang="en-US" dirty="0"/>
+              <a:t>Google Cardboard hardware </a:t>
+            </a:r>
+          </a:p>
+          <a:p>
+            <a:pPr lvl="1"/>
+            <a:r>
+              <a:rPr lang="en-US" dirty="0"/>
+              <a:t>Google Cardboard application</a:t>
+            </a:r>
+          </a:p>
+          <a:p>
+            <a:pPr lvl="1"/>
+            <a:r>
+              <a:rPr lang="en-US" dirty="0"/>
+              <a:t>Android Device Lollipop+</a:t>
             </a:r>
           </a:p>
         </p:txBody>
@@ -3898,7 +3934,7 @@
     </p:spTree>
     <p:extLst>
       <p:ext uri="{BB962C8B-B14F-4D97-AF65-F5344CB8AC3E}">
-        <p14:creationId xmlns:p14="http://schemas.microsoft.com/office/powerpoint/2010/main" val="1095674573"/>
+        <p14:creationId xmlns:p14="http://schemas.microsoft.com/office/powerpoint/2010/main" val="1648740225"/>
       </p:ext>
     </p:extLst>
   </p:cSld>
@@ -3942,7 +3978,7 @@
           <a:p>
             <a:r>
               <a:rPr lang="en-US" dirty="0"/>
-              <a:t>Viewing VR Design</a:t>
+              <a:t>Data Management Design</a:t>
             </a:r>
           </a:p>
         </p:txBody>
@@ -3964,64 +4000,27 @@
           <a:p>
             <a:r>
               <a:rPr lang="en-US" dirty="0"/>
-              <a:t>Currently using Google Cardboard’s application</a:t>
-            </a:r>
-          </a:p>
-          <a:p>
-            <a:pPr lvl="1"/>
-            <a:r>
-              <a:rPr lang="en-US" dirty="0"/>
-              <a:t>Android WebView inside the application (</a:t>
-            </a:r>
-            <a:r>
-              <a:rPr lang="en-US" dirty="0" err="1"/>
-              <a:t>WebGL</a:t>
-            </a:r>
-            <a:r>
-              <a:rPr lang="en-US" dirty="0"/>
-              <a:t>)</a:t>
-            </a:r>
-          </a:p>
-          <a:p>
-            <a:r>
-              <a:rPr lang="en-US" dirty="0"/>
-              <a:t>This allows for VR viewing of models on the site loaded by the QR scanner</a:t>
-            </a:r>
-          </a:p>
-          <a:p>
-            <a:r>
-              <a:rPr lang="en-US" dirty="0"/>
-              <a:t>Dependent on user having</a:t>
-            </a:r>
-          </a:p>
-          <a:p>
-            <a:pPr lvl="1"/>
-            <a:r>
-              <a:rPr lang="en-US" dirty="0"/>
-              <a:t>Google Cardboard hardware </a:t>
-            </a:r>
-          </a:p>
-          <a:p>
-            <a:pPr lvl="1"/>
-            <a:r>
-              <a:rPr lang="en-US" dirty="0"/>
-              <a:t>Google Cardboard application</a:t>
-            </a:r>
-          </a:p>
-          <a:p>
-            <a:pPr lvl="1"/>
-            <a:r>
-              <a:rPr lang="en-US" dirty="0"/>
-              <a:t>Android Device Lollipop+</a:t>
-            </a:r>
-            <a:endParaRPr lang="en-US" dirty="0"/>
+              <a:t>Relies on 3 Legged Data Authentication being completed</a:t>
+            </a:r>
+          </a:p>
+          <a:p>
+            <a:r>
+              <a:rPr lang="en-US" dirty="0"/>
+              <a:t>User accesses files stored in A360 to use</a:t>
+            </a:r>
+          </a:p>
+          <a:p>
+            <a:r>
+              <a:rPr lang="en-US" dirty="0"/>
+              <a:t>Data management returns those files</a:t>
+            </a:r>
           </a:p>
         </p:txBody>
       </p:sp>
     </p:spTree>
     <p:extLst>
       <p:ext uri="{BB962C8B-B14F-4D97-AF65-F5344CB8AC3E}">
-        <p14:creationId xmlns:p14="http://schemas.microsoft.com/office/powerpoint/2010/main" val="1648740225"/>
+        <p14:creationId xmlns:p14="http://schemas.microsoft.com/office/powerpoint/2010/main" val="1095674573"/>
       </p:ext>
     </p:extLst>
   </p:cSld>
@@ -4139,36 +4138,6 @@
           </a:p>
         </p:txBody>
       </p:sp>
-      <p:pic>
-        <p:nvPicPr>
-          <p:cNvPr id="4" name="Picture 3"/>
-          <p:cNvPicPr>
-            <a:picLocks noChangeAspect="1"/>
-          </p:cNvPicPr>
-          <p:nvPr/>
-        </p:nvPicPr>
-        <p:blipFill>
-          <a:blip r:embed="rId2">
-            <a:extLst>
-              <a:ext uri="{28A0092B-C50C-407E-A947-70E740481C1C}">
-                <a14:useLocalDpi xmlns:a14="http://schemas.microsoft.com/office/drawing/2010/main" val="0"/>
-              </a:ext>
-            </a:extLst>
-          </a:blip>
-          <a:stretch>
-            <a:fillRect/>
-          </a:stretch>
-        </p:blipFill>
-        <p:spPr>
-          <a:xfrm>
-            <a:off x="6096000" y="2217291"/>
-            <a:ext cx="5902941" cy="2756607"/>
-          </a:xfrm>
-          <a:prstGeom prst="rect">
-            <a:avLst/>
-          </a:prstGeom>
-        </p:spPr>
-      </p:pic>
     </p:spTree>
     <p:extLst>
       <p:ext uri="{BB962C8B-B14F-4D97-AF65-F5344CB8AC3E}">
@@ -4320,7 +4289,7 @@
           <a:p>
             <a:r>
               <a:rPr lang="en-US" dirty="0"/>
-              <a:t>Model View Design</a:t>
+              <a:t>Smartphone Connection Design</a:t>
             </a:r>
           </a:p>
         </p:txBody>
@@ -4342,81 +4311,72 @@
           <a:p>
             <a:r>
               <a:rPr lang="en-US" dirty="0"/>
-              <a:t>Forge Large Model Viewer</a:t>
-            </a:r>
-          </a:p>
-          <a:p>
-            <a:pPr lvl="1"/>
-            <a:r>
-              <a:rPr lang="en-US" dirty="0"/>
-              <a:t>Uses </a:t>
-            </a:r>
-            <a:r>
-              <a:rPr lang="en-US" dirty="0" err="1"/>
-              <a:t>WebGL</a:t>
-            </a:r>
+              <a:t>Assumptions</a:t>
+            </a:r>
+          </a:p>
+          <a:p>
+            <a:pPr lvl="1"/>
+            <a:r>
+              <a:rPr lang="en-US" dirty="0"/>
+              <a:t>User has “smartphone”</a:t>
+            </a:r>
+          </a:p>
+          <a:p>
+            <a:pPr lvl="1"/>
+            <a:r>
+              <a:rPr lang="en-US" dirty="0"/>
+              <a:t>User has internet access</a:t>
+            </a:r>
+          </a:p>
+          <a:p>
+            <a:pPr lvl="1"/>
+            <a:r>
+              <a:rPr lang="en-US" dirty="0"/>
+              <a:t>User has QR scanner</a:t>
+            </a:r>
+          </a:p>
+          <a:p>
+            <a:r>
+              <a:rPr lang="en-US" dirty="0"/>
+              <a:t>Mobile device can access site with QR scanner</a:t>
+            </a:r>
+          </a:p>
+          <a:p>
+            <a:r>
+              <a:rPr lang="en-US" dirty="0"/>
+              <a:t>Components</a:t>
+            </a:r>
+          </a:p>
+          <a:p>
+            <a:pPr lvl="1"/>
+            <a:r>
+              <a:rPr lang="en-US" dirty="0"/>
+              <a:t>QR code</a:t>
+            </a:r>
+          </a:p>
+          <a:p>
+            <a:pPr lvl="1"/>
+            <a:r>
+              <a:rPr lang="en-US" dirty="0"/>
+              <a:t>Device connection</a:t>
+            </a:r>
+          </a:p>
+          <a:p>
+            <a:pPr lvl="1"/>
+            <a:r>
+              <a:rPr lang="en-US" dirty="0"/>
+              <a:t>Device view</a:t>
+            </a:r>
+          </a:p>
+          <a:p>
             <a:endParaRPr lang="en-US" dirty="0"/>
-          </a:p>
-          <a:p>
-            <a:pPr lvl="1"/>
-            <a:r>
-              <a:rPr lang="en-US" dirty="0"/>
-              <a:t>Renders SVF model on webpage</a:t>
-            </a:r>
-          </a:p>
-          <a:p>
-            <a:r>
-              <a:rPr lang="en-US" dirty="0"/>
-              <a:t>Model is interactive</a:t>
-            </a:r>
-          </a:p>
-          <a:p>
-            <a:r>
-              <a:rPr lang="en-US" dirty="0"/>
-              <a:t>Components</a:t>
-            </a:r>
-          </a:p>
-          <a:p>
-            <a:pPr lvl="1"/>
-            <a:r>
-              <a:rPr lang="en-US" dirty="0"/>
-              <a:t>Main view window</a:t>
-            </a:r>
-          </a:p>
-          <a:p>
-            <a:pPr lvl="1"/>
-            <a:r>
-              <a:rPr lang="en-US" dirty="0"/>
-              <a:t>Listed Models</a:t>
-            </a:r>
-          </a:p>
-          <a:p>
-            <a:pPr lvl="1"/>
-            <a:r>
-              <a:rPr lang="en-US" dirty="0"/>
-              <a:t>Viewer Controls</a:t>
-            </a:r>
-          </a:p>
-          <a:p>
-            <a:pPr lvl="1"/>
-            <a:r>
-              <a:rPr lang="en-US" dirty="0"/>
-              <a:t>Model viewer navigation</a:t>
-            </a:r>
-          </a:p>
-          <a:p>
-            <a:pPr lvl="1"/>
-            <a:r>
-              <a:rPr lang="en-US" dirty="0"/>
-              <a:t>Mobile Viewer</a:t>
-            </a:r>
           </a:p>
         </p:txBody>
       </p:sp>
     </p:spTree>
     <p:extLst>
       <p:ext uri="{BB962C8B-B14F-4D97-AF65-F5344CB8AC3E}">
-        <p14:creationId xmlns:p14="http://schemas.microsoft.com/office/powerpoint/2010/main" val="1887009037"/>
+        <p14:creationId xmlns:p14="http://schemas.microsoft.com/office/powerpoint/2010/main" val="3684780182"/>
       </p:ext>
     </p:extLst>
   </p:cSld>
@@ -4460,7 +4420,7 @@
           <a:p>
             <a:r>
               <a:rPr lang="en-US" dirty="0"/>
-              <a:t>Model Derivative Design (File Conversion)</a:t>
+              <a:t>Model View Design</a:t>
             </a:r>
           </a:p>
         </p:txBody>
@@ -4482,36 +4442,81 @@
           <a:p>
             <a:r>
               <a:rPr lang="en-US" dirty="0"/>
-              <a:t>Uploaded files (local or not) sent </a:t>
-            </a:r>
-          </a:p>
-          <a:p>
-            <a:r>
-              <a:rPr lang="en-US" dirty="0"/>
-              <a:t>API accepts CAD files</a:t>
-            </a:r>
-          </a:p>
-          <a:p>
-            <a:r>
-              <a:rPr lang="en-US" dirty="0"/>
-              <a:t>Failure is notified to user</a:t>
-            </a:r>
-          </a:p>
-          <a:p>
-            <a:r>
-              <a:rPr lang="en-US" dirty="0"/>
-              <a:t>Success results in converted SVF file</a:t>
-            </a:r>
-          </a:p>
-          <a:p>
+              <a:t>Forge Large Model Viewer</a:t>
+            </a:r>
+          </a:p>
+          <a:p>
+            <a:pPr lvl="1"/>
+            <a:r>
+              <a:rPr lang="en-US" dirty="0"/>
+              <a:t>Uses </a:t>
+            </a:r>
+            <a:r>
+              <a:rPr lang="en-US" dirty="0" err="1"/>
+              <a:t>WebGL</a:t>
+            </a:r>
             <a:endParaRPr lang="en-US" dirty="0"/>
+          </a:p>
+          <a:p>
+            <a:pPr lvl="1"/>
+            <a:r>
+              <a:rPr lang="en-US" dirty="0"/>
+              <a:t>Renders SVF model on webpage</a:t>
+            </a:r>
+          </a:p>
+          <a:p>
+            <a:r>
+              <a:rPr lang="en-US" dirty="0"/>
+              <a:t>Model is interactive</a:t>
+            </a:r>
+          </a:p>
+          <a:p>
+            <a:r>
+              <a:rPr lang="en-US" dirty="0"/>
+              <a:t>Components</a:t>
+            </a:r>
+          </a:p>
+          <a:p>
+            <a:pPr lvl="1"/>
+            <a:r>
+              <a:rPr lang="en-US" dirty="0"/>
+              <a:t>Main view window</a:t>
+            </a:r>
+          </a:p>
+          <a:p>
+            <a:pPr lvl="1"/>
+            <a:r>
+              <a:rPr lang="en-US" dirty="0"/>
+              <a:t>Listed Models</a:t>
+            </a:r>
+          </a:p>
+          <a:p>
+            <a:pPr lvl="1"/>
+            <a:r>
+              <a:rPr lang="en-US" dirty="0"/>
+              <a:t>Viewer Controls</a:t>
+            </a:r>
+          </a:p>
+          <a:p>
+            <a:pPr lvl="1"/>
+            <a:r>
+              <a:rPr lang="en-US" dirty="0"/>
+              <a:t>Model viewer navigation</a:t>
+            </a:r>
+          </a:p>
+          <a:p>
+            <a:pPr lvl="1"/>
+            <a:r>
+              <a:rPr lang="en-US" dirty="0"/>
+              <a:t>Mobile Viewer</a:t>
+            </a:r>
           </a:p>
         </p:txBody>
       </p:sp>
     </p:spTree>
     <p:extLst>
       <p:ext uri="{BB962C8B-B14F-4D97-AF65-F5344CB8AC3E}">
-        <p14:creationId xmlns:p14="http://schemas.microsoft.com/office/powerpoint/2010/main" val="539222828"/>
+        <p14:creationId xmlns:p14="http://schemas.microsoft.com/office/powerpoint/2010/main" val="1887009037"/>
       </p:ext>
     </p:extLst>
   </p:cSld>
@@ -4555,7 +4560,7 @@
           <a:p>
             <a:r>
               <a:rPr lang="en-US" dirty="0"/>
-              <a:t>Local File Upload Design</a:t>
+              <a:t>Model Derivative Design (File Conversion)</a:t>
             </a:r>
           </a:p>
         </p:txBody>
@@ -4577,77 +4582,36 @@
           <a:p>
             <a:r>
               <a:rPr lang="en-US" dirty="0"/>
-              <a:t>Select files on local machine</a:t>
-            </a:r>
-          </a:p>
-          <a:p>
-            <a:pPr lvl="1"/>
-            <a:r>
-              <a:rPr lang="en-US" dirty="0"/>
-              <a:t>Site verifies file type</a:t>
-            </a:r>
-          </a:p>
-          <a:p>
-            <a:pPr lvl="1"/>
-            <a:r>
-              <a:rPr lang="en-US" dirty="0"/>
-              <a:t>Conversion to SVF type</a:t>
-            </a:r>
-          </a:p>
-          <a:p>
-            <a:pPr lvl="1"/>
-            <a:r>
-              <a:rPr lang="en-US" dirty="0"/>
-              <a:t>Returns success/failure</a:t>
-            </a:r>
-          </a:p>
-          <a:p>
-            <a:r>
-              <a:rPr lang="en-US" dirty="0"/>
-              <a:t>Components</a:t>
-            </a:r>
-          </a:p>
-          <a:p>
-            <a:pPr lvl="1"/>
-            <a:r>
-              <a:rPr lang="en-US" dirty="0"/>
-              <a:t>Local Upload button</a:t>
-            </a:r>
-          </a:p>
-          <a:p>
-            <a:pPr lvl="1"/>
-            <a:r>
-              <a:rPr lang="en-US" dirty="0"/>
-              <a:t>File selection</a:t>
-            </a:r>
-          </a:p>
-          <a:p>
-            <a:pPr lvl="1"/>
-            <a:r>
-              <a:rPr lang="en-US" dirty="0"/>
-              <a:t>File type verification</a:t>
-            </a:r>
-          </a:p>
-          <a:p>
-            <a:pPr lvl="1"/>
-            <a:r>
-              <a:rPr lang="en-US" dirty="0"/>
-              <a:t>File size verification</a:t>
-            </a:r>
-          </a:p>
-          <a:p>
-            <a:pPr lvl="1"/>
-            <a:r>
-              <a:rPr lang="en-US" dirty="0"/>
-              <a:t>File conversion</a:t>
-            </a:r>
+              <a:t>Uploaded files (local or not) sent </a:t>
+            </a:r>
+          </a:p>
+          <a:p>
+            <a:r>
+              <a:rPr lang="en-US" dirty="0"/>
+              <a:t>API accepts CAD files</a:t>
+            </a:r>
+          </a:p>
+          <a:p>
+            <a:r>
+              <a:rPr lang="en-US" dirty="0"/>
+              <a:t>Failure is notified to user</a:t>
+            </a:r>
+          </a:p>
+          <a:p>
+            <a:r>
+              <a:rPr lang="en-US" dirty="0"/>
+              <a:t>Success results in converted SVF file</a:t>
+            </a:r>
+          </a:p>
+          <a:p>
+            <a:endParaRPr lang="en-US" dirty="0"/>
           </a:p>
         </p:txBody>
       </p:sp>
     </p:spTree>
     <p:extLst>
       <p:ext uri="{BB962C8B-B14F-4D97-AF65-F5344CB8AC3E}">
-        <p14:creationId xmlns:p14="http://schemas.microsoft.com/office/powerpoint/2010/main" val="3288010801"/>
+        <p14:creationId xmlns:p14="http://schemas.microsoft.com/office/powerpoint/2010/main" val="539222828"/>
       </p:ext>
     </p:extLst>
   </p:cSld>
@@ -4691,7 +4655,7 @@
           <a:p>
             <a:r>
               <a:rPr lang="en-US" dirty="0"/>
-              <a:t>Non Local File Upload Design</a:t>
+              <a:t>Local File Upload Design</a:t>
             </a:r>
           </a:p>
         </p:txBody>
@@ -4713,34 +4677,66 @@
           <a:p>
             <a:r>
               <a:rPr lang="en-US" dirty="0"/>
-              <a:t>Login to Autodesk account</a:t>
-            </a:r>
-          </a:p>
-          <a:p>
-            <a:r>
-              <a:rPr lang="en-US" dirty="0"/>
-              <a:t>Give site permissions</a:t>
-            </a:r>
-          </a:p>
-          <a:p>
-            <a:r>
-              <a:rPr lang="en-US" dirty="0"/>
-              <a:t>Directed to A360 for file selection</a:t>
-            </a:r>
-          </a:p>
-          <a:p>
+              <a:t>Select files on local machine</a:t>
+            </a:r>
+          </a:p>
+          <a:p>
+            <a:pPr lvl="1"/>
+            <a:r>
+              <a:rPr lang="en-US" dirty="0"/>
+              <a:t>Site verifies file type</a:t>
+            </a:r>
+          </a:p>
+          <a:p>
+            <a:pPr lvl="1"/>
+            <a:r>
+              <a:rPr lang="en-US" dirty="0"/>
+              <a:t>Conversion to SVF type</a:t>
+            </a:r>
+          </a:p>
+          <a:p>
+            <a:pPr lvl="1"/>
+            <a:r>
+              <a:rPr lang="en-US" dirty="0"/>
+              <a:t>Returns success/failure</a:t>
+            </a:r>
+          </a:p>
+          <a:p>
+            <a:r>
+              <a:rPr lang="en-US" dirty="0"/>
+              <a:t>Components</a:t>
+            </a:r>
+          </a:p>
+          <a:p>
+            <a:pPr lvl="1"/>
+            <a:r>
+              <a:rPr lang="en-US" dirty="0"/>
+              <a:t>Local Upload button</a:t>
+            </a:r>
+          </a:p>
+          <a:p>
+            <a:pPr lvl="1"/>
+            <a:r>
+              <a:rPr lang="en-US" dirty="0"/>
+              <a:t>File selection</a:t>
+            </a:r>
+          </a:p>
+          <a:p>
+            <a:pPr lvl="1"/>
             <a:r>
               <a:rPr lang="en-US" dirty="0"/>
               <a:t>File type verification</a:t>
             </a:r>
           </a:p>
           <a:p>
+            <a:pPr lvl="1"/>
             <a:r>
               <a:rPr lang="en-US" dirty="0"/>
               <a:t>File size verification</a:t>
             </a:r>
           </a:p>
           <a:p>
+            <a:pPr lvl="1"/>
             <a:r>
               <a:rPr lang="en-US" dirty="0"/>
               <a:t>File conversion</a:t>
@@ -4751,7 +4747,7 @@
     </p:spTree>
     <p:extLst>
       <p:ext uri="{BB962C8B-B14F-4D97-AF65-F5344CB8AC3E}">
-        <p14:creationId xmlns:p14="http://schemas.microsoft.com/office/powerpoint/2010/main" val="1188692582"/>
+        <p14:creationId xmlns:p14="http://schemas.microsoft.com/office/powerpoint/2010/main" val="3288010801"/>
       </p:ext>
     </p:extLst>
   </p:cSld>
@@ -4795,7 +4791,7 @@
           <a:p>
             <a:r>
               <a:rPr lang="en-US" dirty="0"/>
-              <a:t>Smartphone Connection Design</a:t>
+              <a:t>Non Local File Upload Design</a:t>
             </a:r>
           </a:p>
         </p:txBody>
@@ -4817,72 +4813,45 @@
           <a:p>
             <a:r>
               <a:rPr lang="en-US" dirty="0"/>
-              <a:t>Assumptions</a:t>
-            </a:r>
-          </a:p>
-          <a:p>
-            <a:pPr lvl="1"/>
-            <a:r>
-              <a:rPr lang="en-US" dirty="0"/>
-              <a:t>User has “smartphone”</a:t>
-            </a:r>
-          </a:p>
-          <a:p>
-            <a:pPr lvl="1"/>
-            <a:r>
-              <a:rPr lang="en-US" dirty="0"/>
-              <a:t>User has internet access</a:t>
-            </a:r>
-          </a:p>
-          <a:p>
-            <a:pPr lvl="1"/>
-            <a:r>
-              <a:rPr lang="en-US" dirty="0"/>
-              <a:t>User has QR scanner</a:t>
-            </a:r>
-          </a:p>
-          <a:p>
-            <a:r>
-              <a:rPr lang="en-US" dirty="0"/>
-              <a:t>Mobile device can access site with QR scanner</a:t>
-            </a:r>
-          </a:p>
-          <a:p>
-            <a:r>
-              <a:rPr lang="en-US" dirty="0"/>
-              <a:t>Components</a:t>
-            </a:r>
-          </a:p>
-          <a:p>
-            <a:pPr lvl="1"/>
-            <a:r>
-              <a:rPr lang="en-US" dirty="0"/>
-              <a:t>QR code</a:t>
-            </a:r>
-          </a:p>
-          <a:p>
-            <a:pPr lvl="1"/>
-            <a:r>
-              <a:rPr lang="en-US" dirty="0"/>
-              <a:t>Device connection</a:t>
-            </a:r>
-          </a:p>
-          <a:p>
-            <a:pPr lvl="1"/>
-            <a:r>
-              <a:rPr lang="en-US" dirty="0"/>
-              <a:t>Device view</a:t>
-            </a:r>
-          </a:p>
-          <a:p>
-            <a:endParaRPr lang="en-US" dirty="0"/>
+              <a:t>Login to Autodesk account</a:t>
+            </a:r>
+          </a:p>
+          <a:p>
+            <a:r>
+              <a:rPr lang="en-US" dirty="0"/>
+              <a:t>Give site permissions</a:t>
+            </a:r>
+          </a:p>
+          <a:p>
+            <a:r>
+              <a:rPr lang="en-US" dirty="0"/>
+              <a:t>Directed to A360 for file selection</a:t>
+            </a:r>
+          </a:p>
+          <a:p>
+            <a:r>
+              <a:rPr lang="en-US" dirty="0"/>
+              <a:t>File type verification</a:t>
+            </a:r>
+          </a:p>
+          <a:p>
+            <a:r>
+              <a:rPr lang="en-US" dirty="0"/>
+              <a:t>File size verification</a:t>
+            </a:r>
+          </a:p>
+          <a:p>
+            <a:r>
+              <a:rPr lang="en-US" dirty="0"/>
+              <a:t>File conversion</a:t>
+            </a:r>
           </a:p>
         </p:txBody>
       </p:sp>
     </p:spTree>
     <p:extLst>
       <p:ext uri="{BB962C8B-B14F-4D97-AF65-F5344CB8AC3E}">
-        <p14:creationId xmlns:p14="http://schemas.microsoft.com/office/powerpoint/2010/main" val="3684780182"/>
+        <p14:creationId xmlns:p14="http://schemas.microsoft.com/office/powerpoint/2010/main" val="1188692582"/>
       </p:ext>
     </p:extLst>
   </p:cSld>
@@ -5548,7 +5517,6 @@
               <a:rPr lang="en-US" dirty="0"/>
               <a:t>Week 8 </a:t>
             </a:r>
-            <a:endParaRPr lang="en-US" dirty="0"/>
           </a:p>
         </p:txBody>
       </p:sp>
@@ -5671,7 +5639,6 @@
               <a:rPr lang="en-US" dirty="0"/>
               <a:t>Week 9</a:t>
             </a:r>
-            <a:endParaRPr lang="en-US" dirty="0"/>
           </a:p>
         </p:txBody>
       </p:sp>
@@ -5778,7 +5745,6 @@
               <a:rPr lang="en-US" dirty="0"/>
               <a:t>Week 10</a:t>
             </a:r>
-            <a:endParaRPr lang="en-US" dirty="0"/>
           </a:p>
         </p:txBody>
       </p:sp>
@@ -6202,6 +6168,81 @@
 </p:sld>
 </file>
 
+<file path=ppt/slides/slide36.xml><?xml version="1.0" encoding="utf-8"?>
+<p:sld xmlns:a="http://schemas.openxmlformats.org/drawingml/2006/main" xmlns:r="http://schemas.openxmlformats.org/officeDocument/2006/relationships" xmlns:p="http://schemas.openxmlformats.org/presentationml/2006/main">
+  <p:cSld>
+    <p:spTree>
+      <p:nvGrpSpPr>
+        <p:cNvPr id="1" name=""/>
+        <p:cNvGrpSpPr/>
+        <p:nvPr/>
+      </p:nvGrpSpPr>
+      <p:grpSpPr>
+        <a:xfrm>
+          <a:off x="0" y="0"/>
+          <a:ext cx="0" cy="0"/>
+          <a:chOff x="0" y="0"/>
+          <a:chExt cx="0" cy="0"/>
+        </a:xfrm>
+      </p:grpSpPr>
+      <p:sp>
+        <p:nvSpPr>
+          <p:cNvPr id="2" name="Title 1"/>
+          <p:cNvSpPr>
+            <a:spLocks noGrp="1"/>
+          </p:cNvSpPr>
+          <p:nvPr>
+            <p:ph type="title"/>
+          </p:nvPr>
+        </p:nvSpPr>
+        <p:spPr/>
+        <p:txBody>
+          <a:bodyPr/>
+          <a:lstStyle/>
+          <a:p>
+            <a:r>
+              <a:rPr lang="en-US" dirty="0"/>
+              <a:t>References</a:t>
+            </a:r>
+          </a:p>
+        </p:txBody>
+      </p:sp>
+      <p:sp>
+        <p:nvSpPr>
+          <p:cNvPr id="3" name="Content Placeholder 2"/>
+          <p:cNvSpPr>
+            <a:spLocks noGrp="1"/>
+          </p:cNvSpPr>
+          <p:nvPr>
+            <p:ph idx="1"/>
+          </p:nvPr>
+        </p:nvSpPr>
+        <p:spPr/>
+        <p:txBody>
+          <a:bodyPr/>
+          <a:lstStyle/>
+          <a:p>
+            <a:r>
+              <a:rPr lang="en-US" dirty="0"/>
+              <a:t>https://developer.autodesk.com/</a:t>
+            </a:r>
+            <a:endParaRPr lang="en-US" dirty="0"/>
+          </a:p>
+        </p:txBody>
+      </p:sp>
+    </p:spTree>
+    <p:extLst>
+      <p:ext uri="{BB962C8B-B14F-4D97-AF65-F5344CB8AC3E}">
+        <p14:creationId xmlns:p14="http://schemas.microsoft.com/office/powerpoint/2010/main" val="1099164323"/>
+      </p:ext>
+    </p:extLst>
+  </p:cSld>
+  <p:clrMapOvr>
+    <a:masterClrMapping/>
+  </p:clrMapOvr>
+</p:sld>
+</file>
+
 <file path=ppt/slides/slide4.xml><?xml version="1.0" encoding="utf-8"?>
 <p:sld xmlns:a="http://schemas.openxmlformats.org/drawingml/2006/main" xmlns:r="http://schemas.openxmlformats.org/officeDocument/2006/relationships" xmlns:p="http://schemas.openxmlformats.org/presentationml/2006/main">
   <p:cSld>
@@ -6272,7 +6313,6 @@
               <a:rPr lang="en-US" dirty="0"/>
               <a:t>Week by week break down</a:t>
             </a:r>
-            <a:endParaRPr lang="en-US" dirty="0"/>
           </a:p>
           <a:p>
             <a:r>

--- a/Progress Report/Progress report.pptx
+++ b/Progress Report/Progress report.pptx
@@ -11,36 +11,34 @@
     <p:sldId id="258" r:id="rId5"/>
     <p:sldId id="260" r:id="rId6"/>
     <p:sldId id="285" r:id="rId7"/>
-    <p:sldId id="286" r:id="rId8"/>
-    <p:sldId id="287" r:id="rId9"/>
-    <p:sldId id="261" r:id="rId10"/>
-    <p:sldId id="263" r:id="rId11"/>
-    <p:sldId id="266" r:id="rId12"/>
-    <p:sldId id="265" r:id="rId13"/>
-    <p:sldId id="267" r:id="rId14"/>
-    <p:sldId id="262" r:id="rId15"/>
-    <p:sldId id="264" r:id="rId16"/>
-    <p:sldId id="291" r:id="rId17"/>
-    <p:sldId id="270" r:id="rId18"/>
-    <p:sldId id="269" r:id="rId19"/>
-    <p:sldId id="288" r:id="rId20"/>
-    <p:sldId id="274" r:id="rId21"/>
-    <p:sldId id="271" r:id="rId22"/>
-    <p:sldId id="272" r:id="rId23"/>
-    <p:sldId id="273" r:id="rId24"/>
-    <p:sldId id="289" r:id="rId25"/>
-    <p:sldId id="277" r:id="rId26"/>
-    <p:sldId id="278" r:id="rId27"/>
-    <p:sldId id="279" r:id="rId28"/>
-    <p:sldId id="280" r:id="rId29"/>
-    <p:sldId id="281" r:id="rId30"/>
-    <p:sldId id="282" r:id="rId31"/>
-    <p:sldId id="283" r:id="rId32"/>
-    <p:sldId id="284" r:id="rId33"/>
-    <p:sldId id="293" r:id="rId34"/>
-    <p:sldId id="294" r:id="rId35"/>
-    <p:sldId id="276" r:id="rId36"/>
-    <p:sldId id="295" r:id="rId37"/>
+    <p:sldId id="261" r:id="rId8"/>
+    <p:sldId id="263" r:id="rId9"/>
+    <p:sldId id="266" r:id="rId10"/>
+    <p:sldId id="265" r:id="rId11"/>
+    <p:sldId id="267" r:id="rId12"/>
+    <p:sldId id="262" r:id="rId13"/>
+    <p:sldId id="264" r:id="rId14"/>
+    <p:sldId id="291" r:id="rId15"/>
+    <p:sldId id="270" r:id="rId16"/>
+    <p:sldId id="269" r:id="rId17"/>
+    <p:sldId id="288" r:id="rId18"/>
+    <p:sldId id="271" r:id="rId19"/>
+    <p:sldId id="274" r:id="rId20"/>
+    <p:sldId id="272" r:id="rId21"/>
+    <p:sldId id="273" r:id="rId22"/>
+    <p:sldId id="289" r:id="rId23"/>
+    <p:sldId id="277" r:id="rId24"/>
+    <p:sldId id="278" r:id="rId25"/>
+    <p:sldId id="279" r:id="rId26"/>
+    <p:sldId id="280" r:id="rId27"/>
+    <p:sldId id="281" r:id="rId28"/>
+    <p:sldId id="282" r:id="rId29"/>
+    <p:sldId id="283" r:id="rId30"/>
+    <p:sldId id="284" r:id="rId31"/>
+    <p:sldId id="293" r:id="rId32"/>
+    <p:sldId id="294" r:id="rId33"/>
+    <p:sldId id="276" r:id="rId34"/>
+    <p:sldId id="295" r:id="rId35"/>
   </p:sldIdLst>
   <p:sldSz cx="12192000" cy="6858000"/>
   <p:notesSz cx="6858000" cy="9144000"/>
@@ -3096,7 +3094,7 @@
           <a:p>
             <a:r>
               <a:rPr lang="en-US" dirty="0"/>
-              <a:t>Viewing VR Requirements</a:t>
+              <a:t>Model Derivative Requirements</a:t>
             </a:r>
           </a:p>
         </p:txBody>
@@ -3118,19 +3116,19 @@
           <a:p>
             <a:r>
               <a:rPr lang="en-US" dirty="0"/>
-              <a:t>Model is viewable in VR headset (Google Cardboard)</a:t>
-            </a:r>
-          </a:p>
-          <a:p>
-            <a:r>
-              <a:rPr lang="en-US" dirty="0"/>
-              <a:t>High quality/size models will be hard to view</a:t>
-            </a:r>
-          </a:p>
-          <a:p>
-            <a:r>
-              <a:rPr lang="en-US" dirty="0"/>
-              <a:t>Models need some interactivity while user uses VR</a:t>
+              <a:t>Files user uploads will be converted to SVF files</a:t>
+            </a:r>
+          </a:p>
+          <a:p>
+            <a:r>
+              <a:rPr lang="en-US" dirty="0"/>
+              <a:t>Then the file will be displayed on viewer</a:t>
+            </a:r>
+          </a:p>
+          <a:p>
+            <a:r>
+              <a:rPr lang="en-US" dirty="0"/>
+              <a:t>Should notify user of any failures</a:t>
             </a:r>
           </a:p>
         </p:txBody>
@@ -3138,7 +3136,7 @@
     </p:spTree>
     <p:extLst>
       <p:ext uri="{BB962C8B-B14F-4D97-AF65-F5344CB8AC3E}">
-        <p14:creationId xmlns:p14="http://schemas.microsoft.com/office/powerpoint/2010/main" val="618129479"/>
+        <p14:creationId xmlns:p14="http://schemas.microsoft.com/office/powerpoint/2010/main" val="4239687670"/>
       </p:ext>
     </p:extLst>
   </p:cSld>
@@ -3182,7 +3180,7 @@
           <a:p>
             <a:r>
               <a:rPr lang="en-US" dirty="0"/>
-              <a:t>File Upload Requirements</a:t>
+              <a:t>Smartphone Connection Requirements</a:t>
             </a:r>
           </a:p>
         </p:txBody>
@@ -3204,55 +3202,36 @@
           <a:p>
             <a:r>
               <a:rPr lang="en-US" dirty="0"/>
-              <a:t>User can upload files</a:t>
-            </a:r>
-          </a:p>
-          <a:p>
-            <a:pPr lvl="1"/>
-            <a:r>
-              <a:rPr lang="en-US" dirty="0"/>
-              <a:t>Through local machine</a:t>
-            </a:r>
-          </a:p>
-          <a:p>
-            <a:pPr lvl="1"/>
-            <a:r>
-              <a:rPr lang="en-US" dirty="0"/>
-              <a:t>Or A360 (Data Management API)</a:t>
-            </a:r>
-          </a:p>
-          <a:p>
-            <a:r>
-              <a:rPr lang="en-US" dirty="0"/>
-              <a:t>Failures will be reported</a:t>
-            </a:r>
-          </a:p>
-          <a:p>
-            <a:pPr lvl="1"/>
-            <a:r>
-              <a:rPr lang="en-US" dirty="0"/>
-              <a:t>Unsuccessful upload</a:t>
-            </a:r>
-          </a:p>
-          <a:p>
-            <a:pPr lvl="1"/>
-            <a:r>
-              <a:rPr lang="en-US" dirty="0"/>
-              <a:t>Too large</a:t>
-            </a:r>
-          </a:p>
-          <a:p>
-            <a:r>
-              <a:rPr lang="en-US" dirty="0"/>
-              <a:t>File will be displayed on list of usable models</a:t>
-            </a:r>
+              <a:t>Users connect phone to Vrok.it</a:t>
+            </a:r>
+          </a:p>
+          <a:p>
+            <a:r>
+              <a:rPr lang="en-US" dirty="0"/>
+              <a:t>So user can view model in VR environment</a:t>
+            </a:r>
+          </a:p>
+          <a:p>
+            <a:r>
+              <a:rPr lang="en-US" dirty="0"/>
+              <a:t>Users device must have QR scanner and internet</a:t>
+            </a:r>
+          </a:p>
+          <a:p>
+            <a:r>
+              <a:rPr lang="en-US" dirty="0"/>
+              <a:t>Phone should connect to site via QR scan</a:t>
+            </a:r>
+          </a:p>
+          <a:p>
+            <a:endParaRPr lang="en-US" dirty="0"/>
           </a:p>
         </p:txBody>
       </p:sp>
     </p:spTree>
     <p:extLst>
       <p:ext uri="{BB962C8B-B14F-4D97-AF65-F5344CB8AC3E}">
-        <p14:creationId xmlns:p14="http://schemas.microsoft.com/office/powerpoint/2010/main" val="4186160874"/>
+        <p14:creationId xmlns:p14="http://schemas.microsoft.com/office/powerpoint/2010/main" val="1717661036"/>
       </p:ext>
     </p:extLst>
   </p:cSld>
@@ -3296,7 +3275,7 @@
           <a:p>
             <a:r>
               <a:rPr lang="en-US" dirty="0"/>
-              <a:t>Model Derivative Requirements</a:t>
+              <a:t>Data Management Requirements</a:t>
             </a:r>
           </a:p>
         </p:txBody>
@@ -3318,19 +3297,19 @@
           <a:p>
             <a:r>
               <a:rPr lang="en-US" dirty="0"/>
-              <a:t>Files user uploads will be converted to SVF files</a:t>
-            </a:r>
-          </a:p>
-          <a:p>
-            <a:r>
-              <a:rPr lang="en-US" dirty="0"/>
-              <a:t>Then the file will be displayed on viewer</a:t>
-            </a:r>
-          </a:p>
-          <a:p>
-            <a:r>
-              <a:rPr lang="en-US" dirty="0"/>
-              <a:t>Should notify user of any failures</a:t>
+              <a:t>Users with files in A360 should be able to use in site</a:t>
+            </a:r>
+          </a:p>
+          <a:p>
+            <a:r>
+              <a:rPr lang="en-US" dirty="0"/>
+              <a:t>User gives website permission to use files</a:t>
+            </a:r>
+          </a:p>
+          <a:p>
+            <a:r>
+              <a:rPr lang="en-US" dirty="0"/>
+              <a:t>User can now choose file to view</a:t>
             </a:r>
           </a:p>
         </p:txBody>
@@ -3338,7 +3317,7 @@
     </p:spTree>
     <p:extLst>
       <p:ext uri="{BB962C8B-B14F-4D97-AF65-F5344CB8AC3E}">
-        <p14:creationId xmlns:p14="http://schemas.microsoft.com/office/powerpoint/2010/main" val="4239687670"/>
+        <p14:creationId xmlns:p14="http://schemas.microsoft.com/office/powerpoint/2010/main" val="4073836856"/>
       </p:ext>
     </p:extLst>
   </p:cSld>
@@ -3382,7 +3361,7 @@
           <a:p>
             <a:r>
               <a:rPr lang="en-US" dirty="0"/>
-              <a:t>Smartphone Connection Requirements</a:t>
+              <a:t>Model View Requirements</a:t>
             </a:r>
           </a:p>
         </p:txBody>
@@ -3404,36 +3383,34 @@
           <a:p>
             <a:r>
               <a:rPr lang="en-US" dirty="0"/>
-              <a:t>Users connect phone to Vrok.it</a:t>
-            </a:r>
-          </a:p>
-          <a:p>
-            <a:r>
-              <a:rPr lang="en-US" dirty="0"/>
-              <a:t>So user can view model in VR environment</a:t>
-            </a:r>
-          </a:p>
-          <a:p>
-            <a:r>
-              <a:rPr lang="en-US" dirty="0"/>
-              <a:t>Users device must have QR scanner and internet</a:t>
-            </a:r>
-          </a:p>
-          <a:p>
-            <a:r>
-              <a:rPr lang="en-US" dirty="0"/>
-              <a:t>Phone should connect to site via QR scan</a:t>
-            </a:r>
-          </a:p>
-          <a:p>
-            <a:endParaRPr lang="en-US" dirty="0"/>
+              <a:t>User can see chosen model on website</a:t>
+            </a:r>
+          </a:p>
+          <a:p>
+            <a:r>
+              <a:rPr lang="en-US" dirty="0"/>
+              <a:t>Model cannot be too detailed or large</a:t>
+            </a:r>
+          </a:p>
+          <a:p>
+            <a:pPr lvl="1"/>
+            <a:r>
+              <a:rPr lang="en-US" dirty="0"/>
+              <a:t>Where the website cannot run it</a:t>
+            </a:r>
+          </a:p>
+          <a:p>
+            <a:r>
+              <a:rPr lang="en-US" dirty="0"/>
+              <a:t>Model is displayed in Forge Viewer and is interactive</a:t>
+            </a:r>
           </a:p>
         </p:txBody>
       </p:sp>
     </p:spTree>
     <p:extLst>
       <p:ext uri="{BB962C8B-B14F-4D97-AF65-F5344CB8AC3E}">
-        <p14:creationId xmlns:p14="http://schemas.microsoft.com/office/powerpoint/2010/main" val="1717661036"/>
+        <p14:creationId xmlns:p14="http://schemas.microsoft.com/office/powerpoint/2010/main" val="181090165"/>
       </p:ext>
     </p:extLst>
   </p:cSld>
@@ -3477,49 +3454,163 @@
           <a:p>
             <a:r>
               <a:rPr lang="en-US" dirty="0"/>
-              <a:t>Data Management Requirements</a:t>
-            </a:r>
-          </a:p>
-        </p:txBody>
-      </p:sp>
-      <p:sp>
-        <p:nvSpPr>
-          <p:cNvPr id="3" name="Content Placeholder 2"/>
-          <p:cNvSpPr>
-            <a:spLocks noGrp="1"/>
-          </p:cNvSpPr>
-          <p:nvPr>
-            <p:ph idx="1"/>
-          </p:nvPr>
-        </p:nvSpPr>
-        <p:spPr/>
-        <p:txBody>
-          <a:bodyPr/>
-          <a:lstStyle/>
-          <a:p>
-            <a:r>
-              <a:rPr lang="en-US" dirty="0"/>
-              <a:t>Users with files in A360 should be able to use in site</a:t>
-            </a:r>
-          </a:p>
-          <a:p>
-            <a:r>
-              <a:rPr lang="en-US" dirty="0"/>
-              <a:t>User gives website permission to use files</a:t>
-            </a:r>
-          </a:p>
-          <a:p>
-            <a:r>
-              <a:rPr lang="en-US" dirty="0"/>
-              <a:t>User can now choose file to view</a:t>
-            </a:r>
+              <a:t>Authentication Design</a:t>
+            </a:r>
+          </a:p>
+        </p:txBody>
+      </p:sp>
+      <p:sp>
+        <p:nvSpPr>
+          <p:cNvPr id="3" name="Text Placeholder 2"/>
+          <p:cNvSpPr>
+            <a:spLocks noGrp="1"/>
+          </p:cNvSpPr>
+          <p:nvPr>
+            <p:ph type="body" idx="1"/>
+          </p:nvPr>
+        </p:nvSpPr>
+        <p:spPr>
+          <a:xfrm>
+            <a:off x="839788" y="1681163"/>
+            <a:ext cx="5157787" cy="484521"/>
+          </a:xfrm>
+        </p:spPr>
+        <p:txBody>
+          <a:bodyPr/>
+          <a:lstStyle/>
+          <a:p>
+            <a:r>
+              <a:rPr lang="en-US" dirty="0"/>
+              <a:t>2 Legged</a:t>
+            </a:r>
+          </a:p>
+        </p:txBody>
+      </p:sp>
+      <p:sp>
+        <p:nvSpPr>
+          <p:cNvPr id="4" name="Content Placeholder 3"/>
+          <p:cNvSpPr>
+            <a:spLocks noGrp="1"/>
+          </p:cNvSpPr>
+          <p:nvPr>
+            <p:ph sz="half" idx="2"/>
+          </p:nvPr>
+        </p:nvSpPr>
+        <p:spPr>
+          <a:xfrm>
+            <a:off x="839788" y="2165684"/>
+            <a:ext cx="5157787" cy="4023979"/>
+          </a:xfrm>
+        </p:spPr>
+        <p:txBody>
+          <a:bodyPr/>
+          <a:lstStyle/>
+          <a:p>
+            <a:r>
+              <a:rPr lang="en-US" dirty="0"/>
+              <a:t>For when site does not need permission based resources</a:t>
+            </a:r>
+          </a:p>
+          <a:p>
+            <a:r>
+              <a:rPr lang="en-US" dirty="0"/>
+              <a:t>Simple token exchange system for security</a:t>
+            </a:r>
+          </a:p>
+          <a:p>
+            <a:r>
+              <a:rPr lang="en-US" dirty="0"/>
+              <a:t>Dependent on Autodesk endpoints/system/servers</a:t>
+            </a:r>
+          </a:p>
+        </p:txBody>
+      </p:sp>
+      <p:sp>
+        <p:nvSpPr>
+          <p:cNvPr id="5" name="Text Placeholder 4"/>
+          <p:cNvSpPr>
+            <a:spLocks noGrp="1"/>
+          </p:cNvSpPr>
+          <p:nvPr>
+            <p:ph type="body" sz="quarter" idx="3"/>
+          </p:nvPr>
+        </p:nvSpPr>
+        <p:spPr>
+          <a:xfrm>
+            <a:off x="6172200" y="1681163"/>
+            <a:ext cx="5183188" cy="484521"/>
+          </a:xfrm>
+        </p:spPr>
+        <p:txBody>
+          <a:bodyPr/>
+          <a:lstStyle/>
+          <a:p>
+            <a:r>
+              <a:rPr lang="en-US" dirty="0"/>
+              <a:t>3 Legged</a:t>
+            </a:r>
+          </a:p>
+        </p:txBody>
+      </p:sp>
+      <p:sp>
+        <p:nvSpPr>
+          <p:cNvPr id="6" name="Content Placeholder 5"/>
+          <p:cNvSpPr>
+            <a:spLocks noGrp="1"/>
+          </p:cNvSpPr>
+          <p:nvPr>
+            <p:ph sz="quarter" idx="4"/>
+          </p:nvPr>
+        </p:nvSpPr>
+        <p:spPr>
+          <a:xfrm>
+            <a:off x="6172200" y="2165684"/>
+            <a:ext cx="5183188" cy="4023979"/>
+          </a:xfrm>
+        </p:spPr>
+        <p:txBody>
+          <a:bodyPr/>
+          <a:lstStyle/>
+          <a:p>
+            <a:r>
+              <a:rPr lang="en-US" dirty="0"/>
+              <a:t>When users must verify permission for resources</a:t>
+            </a:r>
+          </a:p>
+          <a:p>
+            <a:r>
+              <a:rPr lang="en-US" dirty="0"/>
+              <a:t>Users verify permission after logging in</a:t>
+            </a:r>
+          </a:p>
+          <a:p>
+            <a:r>
+              <a:rPr lang="en-US" dirty="0"/>
+              <a:t>Token returned granting site access of resources</a:t>
+            </a:r>
+          </a:p>
+          <a:p>
+            <a:r>
+              <a:rPr lang="en-US" dirty="0"/>
+              <a:t>Dependent on Autodesk endpoints/system/servers</a:t>
+            </a:r>
+          </a:p>
+          <a:p>
+            <a:pPr lvl="1"/>
+            <a:r>
+              <a:rPr lang="en-US" dirty="0"/>
+              <a:t>As well as user permission</a:t>
+            </a:r>
+          </a:p>
+          <a:p>
+            <a:endParaRPr lang="en-US" dirty="0"/>
           </a:p>
         </p:txBody>
       </p:sp>
     </p:spTree>
     <p:extLst>
       <p:ext uri="{BB962C8B-B14F-4D97-AF65-F5344CB8AC3E}">
-        <p14:creationId xmlns:p14="http://schemas.microsoft.com/office/powerpoint/2010/main" val="4073836856"/>
+        <p14:creationId xmlns:p14="http://schemas.microsoft.com/office/powerpoint/2010/main" val="2497763136"/>
       </p:ext>
     </p:extLst>
   </p:cSld>
@@ -3563,7 +3654,7 @@
           <a:p>
             <a:r>
               <a:rPr lang="en-US" dirty="0"/>
-              <a:t>Model View Requirements</a:t>
+              <a:t>Viewing VR Design</a:t>
             </a:r>
           </a:p>
         </p:txBody>
@@ -3585,26 +3676,55 @@
           <a:p>
             <a:r>
               <a:rPr lang="en-US" dirty="0"/>
-              <a:t>User can see chosen model on website</a:t>
-            </a:r>
-          </a:p>
-          <a:p>
-            <a:r>
-              <a:rPr lang="en-US" dirty="0"/>
-              <a:t>Model cannot be too detailed or large</a:t>
-            </a:r>
-          </a:p>
-          <a:p>
-            <a:pPr lvl="1"/>
-            <a:r>
-              <a:rPr lang="en-US" dirty="0"/>
-              <a:t>Where the website cannot run it</a:t>
-            </a:r>
-          </a:p>
-          <a:p>
-            <a:r>
-              <a:rPr lang="en-US" dirty="0"/>
-              <a:t>Model is displayed in Forge Viewer and is interactive</a:t>
+              <a:t>Currently using Google Cardboard’s application</a:t>
+            </a:r>
+          </a:p>
+          <a:p>
+            <a:pPr lvl="1"/>
+            <a:r>
+              <a:rPr lang="en-US" dirty="0"/>
+              <a:t>Android WebView inside the application (</a:t>
+            </a:r>
+            <a:r>
+              <a:rPr lang="en-US" dirty="0" err="1"/>
+              <a:t>WebGL</a:t>
+            </a:r>
+            <a:r>
+              <a:rPr lang="en-US" dirty="0"/>
+              <a:t>)</a:t>
+            </a:r>
+          </a:p>
+          <a:p>
+            <a:r>
+              <a:rPr lang="en-US" dirty="0"/>
+              <a:t>This allows for VR viewing of models on the site loaded by the QR scanner</a:t>
+            </a:r>
+          </a:p>
+          <a:p>
+            <a:r>
+              <a:rPr lang="en-US" dirty="0"/>
+              <a:t>Dependent on user having</a:t>
+            </a:r>
+          </a:p>
+          <a:p>
+            <a:pPr lvl="1"/>
+            <a:r>
+              <a:rPr lang="en-US" dirty="0"/>
+              <a:t>Google Cardboard hardware </a:t>
+            </a:r>
+          </a:p>
+          <a:p>
+            <a:pPr lvl="1"/>
+            <a:r>
+              <a:rPr lang="en-US" dirty="0"/>
+              <a:t>Google Cardboard application</a:t>
+            </a:r>
+          </a:p>
+          <a:p>
+            <a:pPr lvl="1"/>
+            <a:r>
+              <a:rPr lang="en-US" dirty="0"/>
+              <a:t>Android Device Lollipop+</a:t>
             </a:r>
           </a:p>
         </p:txBody>
@@ -3612,7 +3732,7 @@
     </p:spTree>
     <p:extLst>
       <p:ext uri="{BB962C8B-B14F-4D97-AF65-F5344CB8AC3E}">
-        <p14:creationId xmlns:p14="http://schemas.microsoft.com/office/powerpoint/2010/main" val="181090165"/>
+        <p14:creationId xmlns:p14="http://schemas.microsoft.com/office/powerpoint/2010/main" val="1648740225"/>
       </p:ext>
     </p:extLst>
   </p:cSld>
@@ -3656,163 +3776,49 @@
           <a:p>
             <a:r>
               <a:rPr lang="en-US" dirty="0"/>
-              <a:t>Authentication Design</a:t>
-            </a:r>
-          </a:p>
-        </p:txBody>
-      </p:sp>
-      <p:sp>
-        <p:nvSpPr>
-          <p:cNvPr id="3" name="Text Placeholder 2"/>
-          <p:cNvSpPr>
-            <a:spLocks noGrp="1"/>
-          </p:cNvSpPr>
-          <p:nvPr>
-            <p:ph type="body" idx="1"/>
-          </p:nvPr>
-        </p:nvSpPr>
-        <p:spPr>
-          <a:xfrm>
-            <a:off x="839788" y="1681163"/>
-            <a:ext cx="5157787" cy="484521"/>
-          </a:xfrm>
-        </p:spPr>
-        <p:txBody>
-          <a:bodyPr/>
-          <a:lstStyle/>
-          <a:p>
-            <a:r>
-              <a:rPr lang="en-US" dirty="0"/>
-              <a:t>2 Legged</a:t>
-            </a:r>
-          </a:p>
-        </p:txBody>
-      </p:sp>
-      <p:sp>
-        <p:nvSpPr>
-          <p:cNvPr id="4" name="Content Placeholder 3"/>
-          <p:cNvSpPr>
-            <a:spLocks noGrp="1"/>
-          </p:cNvSpPr>
-          <p:nvPr>
-            <p:ph sz="half" idx="2"/>
-          </p:nvPr>
-        </p:nvSpPr>
-        <p:spPr>
-          <a:xfrm>
-            <a:off x="839788" y="2165684"/>
-            <a:ext cx="5157787" cy="4023979"/>
-          </a:xfrm>
-        </p:spPr>
-        <p:txBody>
-          <a:bodyPr/>
-          <a:lstStyle/>
-          <a:p>
-            <a:r>
-              <a:rPr lang="en-US" dirty="0"/>
-              <a:t>For when site does not need permission based resources</a:t>
-            </a:r>
-          </a:p>
-          <a:p>
-            <a:r>
-              <a:rPr lang="en-US" dirty="0"/>
-              <a:t>Simple token exchange system for security</a:t>
-            </a:r>
-          </a:p>
-          <a:p>
-            <a:r>
-              <a:rPr lang="en-US" dirty="0"/>
-              <a:t>Dependent on Autodesk endpoints/system/servers</a:t>
-            </a:r>
-          </a:p>
-        </p:txBody>
-      </p:sp>
-      <p:sp>
-        <p:nvSpPr>
-          <p:cNvPr id="5" name="Text Placeholder 4"/>
-          <p:cNvSpPr>
-            <a:spLocks noGrp="1"/>
-          </p:cNvSpPr>
-          <p:nvPr>
-            <p:ph type="body" sz="quarter" idx="3"/>
-          </p:nvPr>
-        </p:nvSpPr>
-        <p:spPr>
-          <a:xfrm>
-            <a:off x="6172200" y="1681163"/>
-            <a:ext cx="5183188" cy="484521"/>
-          </a:xfrm>
-        </p:spPr>
-        <p:txBody>
-          <a:bodyPr/>
-          <a:lstStyle/>
-          <a:p>
-            <a:r>
-              <a:rPr lang="en-US" dirty="0"/>
-              <a:t>3 Legged</a:t>
-            </a:r>
-          </a:p>
-        </p:txBody>
-      </p:sp>
-      <p:sp>
-        <p:nvSpPr>
-          <p:cNvPr id="6" name="Content Placeholder 5"/>
-          <p:cNvSpPr>
-            <a:spLocks noGrp="1"/>
-          </p:cNvSpPr>
-          <p:nvPr>
-            <p:ph sz="quarter" idx="4"/>
-          </p:nvPr>
-        </p:nvSpPr>
-        <p:spPr>
-          <a:xfrm>
-            <a:off x="6172200" y="2165684"/>
-            <a:ext cx="5183188" cy="4023979"/>
-          </a:xfrm>
-        </p:spPr>
-        <p:txBody>
-          <a:bodyPr/>
-          <a:lstStyle/>
-          <a:p>
-            <a:r>
-              <a:rPr lang="en-US" dirty="0"/>
-              <a:t>When users must verify permission for resources</a:t>
-            </a:r>
-          </a:p>
-          <a:p>
-            <a:r>
-              <a:rPr lang="en-US" dirty="0"/>
-              <a:t>Users verify permission after logging in</a:t>
-            </a:r>
-          </a:p>
-          <a:p>
-            <a:r>
-              <a:rPr lang="en-US" dirty="0"/>
-              <a:t>Token returned granting site access of resources</a:t>
-            </a:r>
-          </a:p>
-          <a:p>
-            <a:r>
-              <a:rPr lang="en-US" dirty="0"/>
-              <a:t>Dependent on Autodesk endpoints/system/servers</a:t>
-            </a:r>
-          </a:p>
-          <a:p>
-            <a:pPr lvl="1"/>
-            <a:r>
-              <a:rPr lang="en-US" dirty="0"/>
-              <a:t>As well as user permission</a:t>
-            </a:r>
-          </a:p>
-          <a:p>
-            <a:endParaRPr lang="en-US" dirty="0"/>
+              <a:t>Data Management Design</a:t>
+            </a:r>
+          </a:p>
+        </p:txBody>
+      </p:sp>
+      <p:sp>
+        <p:nvSpPr>
+          <p:cNvPr id="3" name="Content Placeholder 2"/>
+          <p:cNvSpPr>
+            <a:spLocks noGrp="1"/>
+          </p:cNvSpPr>
+          <p:nvPr>
+            <p:ph idx="1"/>
+          </p:nvPr>
+        </p:nvSpPr>
+        <p:spPr/>
+        <p:txBody>
+          <a:bodyPr/>
+          <a:lstStyle/>
+          <a:p>
+            <a:r>
+              <a:rPr lang="en-US" dirty="0"/>
+              <a:t>Relies on 3 Legged Data Authentication being completed</a:t>
+            </a:r>
+          </a:p>
+          <a:p>
+            <a:r>
+              <a:rPr lang="en-US" dirty="0"/>
+              <a:t>User accesses files stored in A360 to use</a:t>
+            </a:r>
+          </a:p>
+          <a:p>
+            <a:r>
+              <a:rPr lang="en-US" dirty="0"/>
+              <a:t>Data management returns those files</a:t>
+            </a:r>
           </a:p>
         </p:txBody>
       </p:sp>
     </p:spTree>
     <p:extLst>
       <p:ext uri="{BB962C8B-B14F-4D97-AF65-F5344CB8AC3E}">
-        <p14:creationId xmlns:p14="http://schemas.microsoft.com/office/powerpoint/2010/main" val="2497763136"/>
+        <p14:creationId xmlns:p14="http://schemas.microsoft.com/office/powerpoint/2010/main" val="1095674573"/>
       </p:ext>
     </p:extLst>
   </p:cSld>
@@ -3856,7 +3862,7 @@
           <a:p>
             <a:r>
               <a:rPr lang="en-US" dirty="0"/>
-              <a:t>Viewing VR Design</a:t>
+              <a:t>Website Interface</a:t>
             </a:r>
           </a:p>
         </p:txBody>
@@ -3878,55 +3884,54 @@
           <a:p>
             <a:r>
               <a:rPr lang="en-US" dirty="0"/>
-              <a:t>Currently using Google Cardboard’s application</a:t>
-            </a:r>
-          </a:p>
-          <a:p>
-            <a:pPr lvl="1"/>
-            <a:r>
-              <a:rPr lang="en-US" dirty="0"/>
-              <a:t>Android WebView inside the application (</a:t>
-            </a:r>
-            <a:r>
-              <a:rPr lang="en-US" dirty="0" err="1"/>
-              <a:t>WebGL</a:t>
-            </a:r>
-            <a:r>
-              <a:rPr lang="en-US" dirty="0"/>
-              <a:t>)</a:t>
-            </a:r>
-          </a:p>
-          <a:p>
-            <a:r>
-              <a:rPr lang="en-US" dirty="0"/>
-              <a:t>This allows for VR viewing of models on the site loaded by the QR scanner</a:t>
-            </a:r>
-          </a:p>
-          <a:p>
-            <a:r>
-              <a:rPr lang="en-US" dirty="0"/>
-              <a:t>Dependent on user having</a:t>
-            </a:r>
-          </a:p>
-          <a:p>
-            <a:pPr lvl="1"/>
-            <a:r>
-              <a:rPr lang="en-US" dirty="0"/>
-              <a:t>Google Cardboard hardware </a:t>
-            </a:r>
-          </a:p>
-          <a:p>
-            <a:pPr lvl="1"/>
-            <a:r>
-              <a:rPr lang="en-US" dirty="0"/>
-              <a:t>Google Cardboard application</a:t>
-            </a:r>
-          </a:p>
-          <a:p>
-            <a:pPr lvl="1"/>
-            <a:r>
-              <a:rPr lang="en-US" dirty="0"/>
-              <a:t>Android Device Lollipop+</a:t>
+              <a:t>NEW interface</a:t>
+            </a:r>
+          </a:p>
+          <a:p>
+            <a:r>
+              <a:rPr lang="en-US" dirty="0"/>
+              <a:t>Focus on positive user experience</a:t>
+            </a:r>
+          </a:p>
+          <a:p>
+            <a:r>
+              <a:rPr lang="en-US" dirty="0"/>
+              <a:t>Needs to have:</a:t>
+            </a:r>
+          </a:p>
+          <a:p>
+            <a:pPr lvl="1"/>
+            <a:r>
+              <a:rPr lang="en-US" dirty="0"/>
+              <a:t>Forge Viewer</a:t>
+            </a:r>
+          </a:p>
+          <a:p>
+            <a:pPr lvl="1"/>
+            <a:r>
+              <a:rPr lang="en-US" dirty="0"/>
+              <a:t>File Upload</a:t>
+            </a:r>
+          </a:p>
+          <a:p>
+            <a:pPr lvl="1"/>
+            <a:r>
+              <a:rPr lang="en-US" dirty="0"/>
+              <a:t>QR code</a:t>
+            </a:r>
+          </a:p>
+          <a:p>
+            <a:pPr lvl="1"/>
+            <a:r>
+              <a:rPr lang="en-US" dirty="0"/>
+              <a:t>Model Derivative</a:t>
+            </a:r>
+          </a:p>
+          <a:p>
+            <a:pPr lvl="1"/>
+            <a:r>
+              <a:rPr lang="en-US" dirty="0"/>
+              <a:t>Information and basic site content</a:t>
             </a:r>
           </a:p>
         </p:txBody>
@@ -3934,7 +3939,7 @@
     </p:spTree>
     <p:extLst>
       <p:ext uri="{BB962C8B-B14F-4D97-AF65-F5344CB8AC3E}">
-        <p14:creationId xmlns:p14="http://schemas.microsoft.com/office/powerpoint/2010/main" val="1648740225"/>
+        <p14:creationId xmlns:p14="http://schemas.microsoft.com/office/powerpoint/2010/main" val="3569504896"/>
       </p:ext>
     </p:extLst>
   </p:cSld>
@@ -3978,7 +3983,7 @@
           <a:p>
             <a:r>
               <a:rPr lang="en-US" dirty="0"/>
-              <a:t>Data Management Design</a:t>
+              <a:t>Model View Design</a:t>
             </a:r>
           </a:p>
         </p:txBody>
@@ -4000,19 +4005,73 @@
           <a:p>
             <a:r>
               <a:rPr lang="en-US" dirty="0"/>
-              <a:t>Relies on 3 Legged Data Authentication being completed</a:t>
-            </a:r>
-          </a:p>
-          <a:p>
-            <a:r>
-              <a:rPr lang="en-US" dirty="0"/>
-              <a:t>User accesses files stored in A360 to use</a:t>
-            </a:r>
-          </a:p>
-          <a:p>
-            <a:r>
-              <a:rPr lang="en-US" dirty="0"/>
-              <a:t>Data management returns those files</a:t>
+              <a:t>Forge Large Model Viewer</a:t>
+            </a:r>
+          </a:p>
+          <a:p>
+            <a:pPr lvl="1"/>
+            <a:r>
+              <a:rPr lang="en-US" dirty="0"/>
+              <a:t>Uses </a:t>
+            </a:r>
+            <a:r>
+              <a:rPr lang="en-US" dirty="0" err="1"/>
+              <a:t>WebGL</a:t>
+            </a:r>
+            <a:endParaRPr lang="en-US" dirty="0"/>
+          </a:p>
+          <a:p>
+            <a:pPr lvl="1"/>
+            <a:r>
+              <a:rPr lang="en-US" dirty="0"/>
+              <a:t>Renders SVF model on webpage</a:t>
+            </a:r>
+          </a:p>
+          <a:p>
+            <a:r>
+              <a:rPr lang="en-US" dirty="0"/>
+              <a:t>Model is interactive</a:t>
+            </a:r>
+          </a:p>
+          <a:p>
+            <a:r>
+              <a:rPr lang="en-US" dirty="0"/>
+              <a:t>Components</a:t>
+            </a:r>
+          </a:p>
+          <a:p>
+            <a:pPr lvl="1"/>
+            <a:r>
+              <a:rPr lang="en-US" dirty="0"/>
+              <a:t>Main view window</a:t>
+            </a:r>
+          </a:p>
+          <a:p>
+            <a:pPr lvl="1"/>
+            <a:r>
+              <a:rPr lang="en-US" dirty="0"/>
+              <a:t>Listed Models</a:t>
+            </a:r>
+          </a:p>
+          <a:p>
+            <a:pPr lvl="1"/>
+            <a:r>
+              <a:rPr lang="en-US" dirty="0"/>
+              <a:t>Viewer Controls</a:t>
+            </a:r>
+          </a:p>
+          <a:p>
+            <a:pPr lvl="1"/>
+            <a:r>
+              <a:rPr lang="en-US" dirty="0"/>
+              <a:t>Model viewer navigation</a:t>
+            </a:r>
+          </a:p>
+          <a:p>
+            <a:pPr lvl="1"/>
+            <a:r>
+              <a:rPr lang="en-US" dirty="0"/>
+              <a:t>Mobile Viewer</a:t>
             </a:r>
           </a:p>
         </p:txBody>
@@ -4020,7 +4079,7 @@
     </p:spTree>
     <p:extLst>
       <p:ext uri="{BB962C8B-B14F-4D97-AF65-F5344CB8AC3E}">
-        <p14:creationId xmlns:p14="http://schemas.microsoft.com/office/powerpoint/2010/main" val="1095674573"/>
+        <p14:creationId xmlns:p14="http://schemas.microsoft.com/office/powerpoint/2010/main" val="1887009037"/>
       </p:ext>
     </p:extLst>
   </p:cSld>
@@ -4064,7 +4123,7 @@
           <a:p>
             <a:r>
               <a:rPr lang="en-US" dirty="0"/>
-              <a:t>Website Interface</a:t>
+              <a:t>Smartphone Connection Design</a:t>
             </a:r>
           </a:p>
         </p:txBody>
@@ -4086,33 +4145,40 @@
           <a:p>
             <a:r>
               <a:rPr lang="en-US" dirty="0"/>
-              <a:t>NEW interface</a:t>
-            </a:r>
-          </a:p>
-          <a:p>
-            <a:r>
-              <a:rPr lang="en-US" dirty="0"/>
-              <a:t>Focus on positive user experience</a:t>
-            </a:r>
-          </a:p>
-          <a:p>
-            <a:r>
-              <a:rPr lang="en-US" dirty="0"/>
-              <a:t>Needs to have:</a:t>
-            </a:r>
-          </a:p>
-          <a:p>
-            <a:pPr lvl="1"/>
-            <a:r>
-              <a:rPr lang="en-US" dirty="0"/>
-              <a:t>Forge Viewer</a:t>
-            </a:r>
-          </a:p>
-          <a:p>
-            <a:pPr lvl="1"/>
-            <a:r>
-              <a:rPr lang="en-US" dirty="0"/>
-              <a:t>File Upload</a:t>
+              <a:t>Assumptions</a:t>
+            </a:r>
+          </a:p>
+          <a:p>
+            <a:pPr lvl="1"/>
+            <a:r>
+              <a:rPr lang="en-US" dirty="0"/>
+              <a:t>User has “smartphone”</a:t>
+            </a:r>
+          </a:p>
+          <a:p>
+            <a:pPr lvl="1"/>
+            <a:r>
+              <a:rPr lang="en-US" dirty="0"/>
+              <a:t>User has internet access</a:t>
+            </a:r>
+          </a:p>
+          <a:p>
+            <a:pPr lvl="1"/>
+            <a:r>
+              <a:rPr lang="en-US" dirty="0"/>
+              <a:t>User has QR scanner</a:t>
+            </a:r>
+          </a:p>
+          <a:p>
+            <a:r>
+              <a:rPr lang="en-US" dirty="0"/>
+              <a:t>Mobile device can access site with QR scanner</a:t>
+            </a:r>
+          </a:p>
+          <a:p>
+            <a:r>
+              <a:rPr lang="en-US" dirty="0"/>
+              <a:t>Components</a:t>
             </a:r>
           </a:p>
           <a:p>
@@ -4126,22 +4192,25 @@
             <a:pPr lvl="1"/>
             <a:r>
               <a:rPr lang="en-US" dirty="0"/>
-              <a:t>Model Derivative</a:t>
-            </a:r>
-          </a:p>
-          <a:p>
-            <a:pPr lvl="1"/>
-            <a:r>
-              <a:rPr lang="en-US" dirty="0"/>
-              <a:t>Information and basic site content</a:t>
-            </a:r>
+              <a:t>Device connection</a:t>
+            </a:r>
+          </a:p>
+          <a:p>
+            <a:pPr lvl="1"/>
+            <a:r>
+              <a:rPr lang="en-US" dirty="0"/>
+              <a:t>Device view</a:t>
+            </a:r>
+          </a:p>
+          <a:p>
+            <a:endParaRPr lang="en-US" dirty="0"/>
           </a:p>
         </p:txBody>
       </p:sp>
     </p:spTree>
     <p:extLst>
       <p:ext uri="{BB962C8B-B14F-4D97-AF65-F5344CB8AC3E}">
-        <p14:creationId xmlns:p14="http://schemas.microsoft.com/office/powerpoint/2010/main" val="3569504896"/>
+        <p14:creationId xmlns:p14="http://schemas.microsoft.com/office/powerpoint/2010/main" val="3684780182"/>
       </p:ext>
     </p:extLst>
   </p:cSld>
@@ -4289,7 +4358,7 @@
           <a:p>
             <a:r>
               <a:rPr lang="en-US" dirty="0"/>
-              <a:t>Smartphone Connection Design</a:t>
+              <a:t>Model Derivative Design (File Conversion)</a:t>
             </a:r>
           </a:p>
         </p:txBody>
@@ -4311,61 +4380,25 @@
           <a:p>
             <a:r>
               <a:rPr lang="en-US" dirty="0"/>
-              <a:t>Assumptions</a:t>
-            </a:r>
-          </a:p>
-          <a:p>
-            <a:pPr lvl="1"/>
-            <a:r>
-              <a:rPr lang="en-US" dirty="0"/>
-              <a:t>User has “smartphone”</a:t>
-            </a:r>
-          </a:p>
-          <a:p>
-            <a:pPr lvl="1"/>
-            <a:r>
-              <a:rPr lang="en-US" dirty="0"/>
-              <a:t>User has internet access</a:t>
-            </a:r>
-          </a:p>
-          <a:p>
-            <a:pPr lvl="1"/>
-            <a:r>
-              <a:rPr lang="en-US" dirty="0"/>
-              <a:t>User has QR scanner</a:t>
-            </a:r>
-          </a:p>
-          <a:p>
-            <a:r>
-              <a:rPr lang="en-US" dirty="0"/>
-              <a:t>Mobile device can access site with QR scanner</a:t>
-            </a:r>
-          </a:p>
-          <a:p>
-            <a:r>
-              <a:rPr lang="en-US" dirty="0"/>
-              <a:t>Components</a:t>
-            </a:r>
-          </a:p>
-          <a:p>
-            <a:pPr lvl="1"/>
-            <a:r>
-              <a:rPr lang="en-US" dirty="0"/>
-              <a:t>QR code</a:t>
-            </a:r>
-          </a:p>
-          <a:p>
-            <a:pPr lvl="1"/>
-            <a:r>
-              <a:rPr lang="en-US" dirty="0"/>
-              <a:t>Device connection</a:t>
-            </a:r>
-          </a:p>
-          <a:p>
-            <a:pPr lvl="1"/>
-            <a:r>
-              <a:rPr lang="en-US" dirty="0"/>
-              <a:t>Device view</a:t>
+              <a:t>Uploaded files (local or not) sent </a:t>
+            </a:r>
+          </a:p>
+          <a:p>
+            <a:r>
+              <a:rPr lang="en-US" dirty="0"/>
+              <a:t>API accepts CAD files</a:t>
+            </a:r>
+          </a:p>
+          <a:p>
+            <a:r>
+              <a:rPr lang="en-US" dirty="0"/>
+              <a:t>Failure is notified to user</a:t>
+            </a:r>
+          </a:p>
+          <a:p>
+            <a:r>
+              <a:rPr lang="en-US" dirty="0"/>
+              <a:t>Success results in converted SVF file</a:t>
             </a:r>
           </a:p>
           <a:p>
@@ -4376,7 +4409,7 @@
     </p:spTree>
     <p:extLst>
       <p:ext uri="{BB962C8B-B14F-4D97-AF65-F5344CB8AC3E}">
-        <p14:creationId xmlns:p14="http://schemas.microsoft.com/office/powerpoint/2010/main" val="3684780182"/>
+        <p14:creationId xmlns:p14="http://schemas.microsoft.com/office/powerpoint/2010/main" val="539222828"/>
       </p:ext>
     </p:extLst>
   </p:cSld>
@@ -4420,7 +4453,7 @@
           <a:p>
             <a:r>
               <a:rPr lang="en-US" dirty="0"/>
-              <a:t>Model View Design</a:t>
+              <a:t>Local File Upload Design</a:t>
             </a:r>
           </a:p>
         </p:txBody>
@@ -4442,32 +4475,28 @@
           <a:p>
             <a:r>
               <a:rPr lang="en-US" dirty="0"/>
-              <a:t>Forge Large Model Viewer</a:t>
-            </a:r>
-          </a:p>
-          <a:p>
-            <a:pPr lvl="1"/>
-            <a:r>
-              <a:rPr lang="en-US" dirty="0"/>
-              <a:t>Uses </a:t>
-            </a:r>
-            <a:r>
-              <a:rPr lang="en-US" dirty="0" err="1"/>
-              <a:t>WebGL</a:t>
-            </a:r>
-            <a:endParaRPr lang="en-US" dirty="0"/>
-          </a:p>
-          <a:p>
-            <a:pPr lvl="1"/>
-            <a:r>
-              <a:rPr lang="en-US" dirty="0"/>
-              <a:t>Renders SVF model on webpage</a:t>
-            </a:r>
-          </a:p>
-          <a:p>
-            <a:r>
-              <a:rPr lang="en-US" dirty="0"/>
-              <a:t>Model is interactive</a:t>
+              <a:t>Select files on local machine</a:t>
+            </a:r>
+          </a:p>
+          <a:p>
+            <a:pPr lvl="1"/>
+            <a:r>
+              <a:rPr lang="en-US" dirty="0"/>
+              <a:t>Site verifies file type</a:t>
+            </a:r>
+          </a:p>
+          <a:p>
+            <a:pPr lvl="1"/>
+            <a:r>
+              <a:rPr lang="en-US" dirty="0"/>
+              <a:t>Conversion to SVF type</a:t>
+            </a:r>
+          </a:p>
+          <a:p>
+            <a:pPr lvl="1"/>
+            <a:r>
+              <a:rPr lang="en-US" dirty="0"/>
+              <a:t>Returns success/failure</a:t>
             </a:r>
           </a:p>
           <a:p>
@@ -4480,35 +4509,35 @@
             <a:pPr lvl="1"/>
             <a:r>
               <a:rPr lang="en-US" dirty="0"/>
-              <a:t>Main view window</a:t>
-            </a:r>
-          </a:p>
-          <a:p>
-            <a:pPr lvl="1"/>
-            <a:r>
-              <a:rPr lang="en-US" dirty="0"/>
-              <a:t>Listed Models</a:t>
-            </a:r>
-          </a:p>
-          <a:p>
-            <a:pPr lvl="1"/>
-            <a:r>
-              <a:rPr lang="en-US" dirty="0"/>
-              <a:t>Viewer Controls</a:t>
-            </a:r>
-          </a:p>
-          <a:p>
-            <a:pPr lvl="1"/>
-            <a:r>
-              <a:rPr lang="en-US" dirty="0"/>
-              <a:t>Model viewer navigation</a:t>
-            </a:r>
-          </a:p>
-          <a:p>
-            <a:pPr lvl="1"/>
-            <a:r>
-              <a:rPr lang="en-US" dirty="0"/>
-              <a:t>Mobile Viewer</a:t>
+              <a:t>Local Upload button</a:t>
+            </a:r>
+          </a:p>
+          <a:p>
+            <a:pPr lvl="1"/>
+            <a:r>
+              <a:rPr lang="en-US" dirty="0"/>
+              <a:t>File selection</a:t>
+            </a:r>
+          </a:p>
+          <a:p>
+            <a:pPr lvl="1"/>
+            <a:r>
+              <a:rPr lang="en-US" dirty="0"/>
+              <a:t>File type verification</a:t>
+            </a:r>
+          </a:p>
+          <a:p>
+            <a:pPr lvl="1"/>
+            <a:r>
+              <a:rPr lang="en-US" dirty="0"/>
+              <a:t>File size verification</a:t>
+            </a:r>
+          </a:p>
+          <a:p>
+            <a:pPr lvl="1"/>
+            <a:r>
+              <a:rPr lang="en-US" dirty="0"/>
+              <a:t>File conversion</a:t>
             </a:r>
           </a:p>
         </p:txBody>
@@ -4516,7 +4545,7 @@
     </p:spTree>
     <p:extLst>
       <p:ext uri="{BB962C8B-B14F-4D97-AF65-F5344CB8AC3E}">
-        <p14:creationId xmlns:p14="http://schemas.microsoft.com/office/powerpoint/2010/main" val="1887009037"/>
+        <p14:creationId xmlns:p14="http://schemas.microsoft.com/office/powerpoint/2010/main" val="3288010801"/>
       </p:ext>
     </p:extLst>
   </p:cSld>
@@ -4560,7 +4589,7 @@
           <a:p>
             <a:r>
               <a:rPr lang="en-US" dirty="0"/>
-              <a:t>Model Derivative Design (File Conversion)</a:t>
+              <a:t>Non Local File Upload Design</a:t>
             </a:r>
           </a:p>
         </p:txBody>
@@ -4582,36 +4611,45 @@
           <a:p>
             <a:r>
               <a:rPr lang="en-US" dirty="0"/>
-              <a:t>Uploaded files (local or not) sent </a:t>
-            </a:r>
-          </a:p>
-          <a:p>
-            <a:r>
-              <a:rPr lang="en-US" dirty="0"/>
-              <a:t>API accepts CAD files</a:t>
-            </a:r>
-          </a:p>
-          <a:p>
-            <a:r>
-              <a:rPr lang="en-US" dirty="0"/>
-              <a:t>Failure is notified to user</a:t>
-            </a:r>
-          </a:p>
-          <a:p>
-            <a:r>
-              <a:rPr lang="en-US" dirty="0"/>
-              <a:t>Success results in converted SVF file</a:t>
-            </a:r>
-          </a:p>
-          <a:p>
-            <a:endParaRPr lang="en-US" dirty="0"/>
+              <a:t>Login to Autodesk account</a:t>
+            </a:r>
+          </a:p>
+          <a:p>
+            <a:r>
+              <a:rPr lang="en-US" dirty="0"/>
+              <a:t>Give site permissions</a:t>
+            </a:r>
+          </a:p>
+          <a:p>
+            <a:r>
+              <a:rPr lang="en-US" dirty="0"/>
+              <a:t>Directed to A360 for file selection</a:t>
+            </a:r>
+          </a:p>
+          <a:p>
+            <a:r>
+              <a:rPr lang="en-US" dirty="0"/>
+              <a:t>File type verification</a:t>
+            </a:r>
+          </a:p>
+          <a:p>
+            <a:r>
+              <a:rPr lang="en-US" dirty="0"/>
+              <a:t>File size verification</a:t>
+            </a:r>
+          </a:p>
+          <a:p>
+            <a:r>
+              <a:rPr lang="en-US" dirty="0"/>
+              <a:t>File conversion</a:t>
+            </a:r>
           </a:p>
         </p:txBody>
       </p:sp>
     </p:spTree>
     <p:extLst>
       <p:ext uri="{BB962C8B-B14F-4D97-AF65-F5344CB8AC3E}">
-        <p14:creationId xmlns:p14="http://schemas.microsoft.com/office/powerpoint/2010/main" val="539222828"/>
+        <p14:creationId xmlns:p14="http://schemas.microsoft.com/office/powerpoint/2010/main" val="1188692582"/>
       </p:ext>
     </p:extLst>
   </p:cSld>
@@ -4655,7 +4693,7 @@
           <a:p>
             <a:r>
               <a:rPr lang="en-US" dirty="0"/>
-              <a:t>Local File Upload Design</a:t>
+              <a:t>Week 3</a:t>
             </a:r>
           </a:p>
         </p:txBody>
@@ -4677,69 +4715,53 @@
           <a:p>
             <a:r>
               <a:rPr lang="en-US" dirty="0"/>
-              <a:t>Select files on local machine</a:t>
-            </a:r>
-          </a:p>
-          <a:p>
-            <a:pPr lvl="1"/>
-            <a:r>
-              <a:rPr lang="en-US" dirty="0"/>
-              <a:t>Site verifies file type</a:t>
-            </a:r>
-          </a:p>
-          <a:p>
-            <a:pPr lvl="1"/>
-            <a:r>
-              <a:rPr lang="en-US" dirty="0"/>
-              <a:t>Conversion to SVF type</a:t>
-            </a:r>
-          </a:p>
-          <a:p>
-            <a:pPr lvl="1"/>
-            <a:r>
-              <a:rPr lang="en-US" dirty="0"/>
-              <a:t>Returns success/failure</a:t>
-            </a:r>
-          </a:p>
-          <a:p>
-            <a:r>
-              <a:rPr lang="en-US" dirty="0"/>
-              <a:t>Components</a:t>
-            </a:r>
-          </a:p>
-          <a:p>
-            <a:pPr lvl="1"/>
-            <a:r>
-              <a:rPr lang="en-US" dirty="0"/>
-              <a:t>Local Upload button</a:t>
-            </a:r>
-          </a:p>
-          <a:p>
-            <a:pPr lvl="1"/>
-            <a:r>
-              <a:rPr lang="en-US" dirty="0"/>
-              <a:t>File selection</a:t>
-            </a:r>
-          </a:p>
-          <a:p>
-            <a:pPr lvl="1"/>
-            <a:r>
-              <a:rPr lang="en-US" dirty="0"/>
-              <a:t>File type verification</a:t>
-            </a:r>
-          </a:p>
-          <a:p>
-            <a:pPr lvl="1"/>
-            <a:r>
-              <a:rPr lang="en-US" dirty="0"/>
-              <a:t>File size verification</a:t>
-            </a:r>
-          </a:p>
-          <a:p>
-            <a:pPr lvl="1"/>
-            <a:r>
-              <a:rPr lang="en-US" dirty="0"/>
-              <a:t>File conversion</a:t>
+              <a:t>Brainstorming ideas</a:t>
+            </a:r>
+          </a:p>
+          <a:p>
+            <a:r>
+              <a:rPr lang="en-US" dirty="0"/>
+              <a:t>Meeting with Patti</a:t>
+            </a:r>
+          </a:p>
+          <a:p>
+            <a:r>
+              <a:rPr lang="en-US" dirty="0"/>
+              <a:t>Another meeting with Patti and Jim</a:t>
+            </a:r>
+          </a:p>
+          <a:p>
+            <a:pPr lvl="1"/>
+            <a:r>
+              <a:rPr lang="en-US" dirty="0"/>
+              <a:t>Intro to Vrok.it</a:t>
+            </a:r>
+          </a:p>
+          <a:p>
+            <a:pPr lvl="1"/>
+            <a:r>
+              <a:rPr lang="en-US" dirty="0"/>
+              <a:t>Polygon reduction?</a:t>
+            </a:r>
+          </a:p>
+          <a:p>
+            <a:pPr lvl="1"/>
+            <a:r>
+              <a:rPr lang="en-US" dirty="0"/>
+              <a:t>Potential VR reduction?</a:t>
+            </a:r>
+          </a:p>
+          <a:p>
+            <a:r>
+              <a:rPr lang="en-US" dirty="0"/>
+              <a:t>Began idea of what we were doing.</a:t>
+            </a:r>
+          </a:p>
+          <a:p>
+            <a:pPr lvl="1"/>
+            <a:r>
+              <a:rPr lang="en-US" dirty="0"/>
+              <a:t>Nothing concrete…</a:t>
             </a:r>
           </a:p>
         </p:txBody>
@@ -4747,7 +4769,7 @@
     </p:spTree>
     <p:extLst>
       <p:ext uri="{BB962C8B-B14F-4D97-AF65-F5344CB8AC3E}">
-        <p14:creationId xmlns:p14="http://schemas.microsoft.com/office/powerpoint/2010/main" val="3288010801"/>
+        <p14:creationId xmlns:p14="http://schemas.microsoft.com/office/powerpoint/2010/main" val="3357475344"/>
       </p:ext>
     </p:extLst>
   </p:cSld>
@@ -4791,7 +4813,7 @@
           <a:p>
             <a:r>
               <a:rPr lang="en-US" dirty="0"/>
-              <a:t>Non Local File Upload Design</a:t>
+              <a:t>Week 4</a:t>
             </a:r>
           </a:p>
         </p:txBody>
@@ -4813,45 +4835,54 @@
           <a:p>
             <a:r>
               <a:rPr lang="en-US" dirty="0"/>
-              <a:t>Login to Autodesk account</a:t>
-            </a:r>
-          </a:p>
-          <a:p>
-            <a:r>
-              <a:rPr lang="en-US" dirty="0"/>
-              <a:t>Give site permissions</a:t>
-            </a:r>
-          </a:p>
-          <a:p>
-            <a:r>
-              <a:rPr lang="en-US" dirty="0"/>
-              <a:t>Directed to A360 for file selection</a:t>
-            </a:r>
-          </a:p>
-          <a:p>
-            <a:r>
-              <a:rPr lang="en-US" dirty="0"/>
-              <a:t>File type verification</a:t>
-            </a:r>
-          </a:p>
-          <a:p>
-            <a:r>
-              <a:rPr lang="en-US" dirty="0"/>
-              <a:t>File size verification</a:t>
-            </a:r>
-          </a:p>
-          <a:p>
-            <a:r>
-              <a:rPr lang="en-US" dirty="0"/>
-              <a:t>File conversion</a:t>
-            </a:r>
+              <a:t>Problem statement assigned</a:t>
+            </a:r>
+          </a:p>
+          <a:p>
+            <a:pPr lvl="1"/>
+            <a:r>
+              <a:rPr lang="en-US" dirty="0"/>
+              <a:t>However, project not refined enough</a:t>
+            </a:r>
+          </a:p>
+          <a:p>
+            <a:r>
+              <a:rPr lang="en-US" dirty="0"/>
+              <a:t>Another conference call with Patti</a:t>
+            </a:r>
+          </a:p>
+          <a:p>
+            <a:pPr lvl="1"/>
+            <a:r>
+              <a:rPr lang="en-US" dirty="0"/>
+              <a:t>Working out more details</a:t>
+            </a:r>
+          </a:p>
+          <a:p>
+            <a:pPr lvl="1"/>
+            <a:r>
+              <a:rPr lang="en-US" dirty="0"/>
+              <a:t>Got in contact with Vrok.it creator, Kean</a:t>
+            </a:r>
+          </a:p>
+          <a:p>
+            <a:r>
+              <a:rPr lang="en-US" dirty="0"/>
+              <a:t>Still not enough information to begin problem statement</a:t>
+            </a:r>
+          </a:p>
+          <a:p>
+            <a:pPr marL="457200" lvl="1" indent="0">
+              <a:buNone/>
+            </a:pPr>
+            <a:endParaRPr lang="en-US" dirty="0"/>
           </a:p>
         </p:txBody>
       </p:sp>
     </p:spTree>
     <p:extLst>
       <p:ext uri="{BB962C8B-B14F-4D97-AF65-F5344CB8AC3E}">
-        <p14:creationId xmlns:p14="http://schemas.microsoft.com/office/powerpoint/2010/main" val="1188692582"/>
+        <p14:creationId xmlns:p14="http://schemas.microsoft.com/office/powerpoint/2010/main" val="3816315661"/>
       </p:ext>
     </p:extLst>
   </p:cSld>
@@ -4895,7 +4926,7 @@
           <a:p>
             <a:r>
               <a:rPr lang="en-US" dirty="0"/>
-              <a:t>Week 3</a:t>
+              <a:t>Week 5</a:t>
             </a:r>
           </a:p>
         </p:txBody>
@@ -4917,53 +4948,40 @@
           <a:p>
             <a:r>
               <a:rPr lang="en-US" dirty="0"/>
-              <a:t>Brainstorming ideas</a:t>
-            </a:r>
-          </a:p>
-          <a:p>
-            <a:r>
-              <a:rPr lang="en-US" dirty="0"/>
-              <a:t>Meeting with Patti</a:t>
-            </a:r>
-          </a:p>
-          <a:p>
-            <a:r>
-              <a:rPr lang="en-US" dirty="0"/>
-              <a:t>Another meeting with Patti and Jim</a:t>
-            </a:r>
-          </a:p>
-          <a:p>
-            <a:pPr lvl="1"/>
-            <a:r>
-              <a:rPr lang="en-US" dirty="0"/>
-              <a:t>Intro to Vrok.it</a:t>
-            </a:r>
-          </a:p>
-          <a:p>
-            <a:pPr lvl="1"/>
-            <a:r>
-              <a:rPr lang="en-US" dirty="0"/>
-              <a:t>Polygon reduction?</a:t>
-            </a:r>
-          </a:p>
-          <a:p>
-            <a:pPr lvl="1"/>
-            <a:r>
-              <a:rPr lang="en-US" dirty="0"/>
-              <a:t>Potential VR reduction?</a:t>
-            </a:r>
-          </a:p>
-          <a:p>
-            <a:r>
-              <a:rPr lang="en-US" dirty="0"/>
-              <a:t>Began idea of what we were doing.</a:t>
-            </a:r>
-          </a:p>
-          <a:p>
-            <a:pPr lvl="1"/>
-            <a:r>
-              <a:rPr lang="en-US" dirty="0"/>
-              <a:t>Nothing concrete…</a:t>
+              <a:t>Had official meeting with Kean and Patti</a:t>
+            </a:r>
+          </a:p>
+          <a:p>
+            <a:pPr lvl="1"/>
+            <a:r>
+              <a:rPr lang="en-US" dirty="0"/>
+              <a:t>Enough information to finish problem statement</a:t>
+            </a:r>
+          </a:p>
+          <a:p>
+            <a:pPr lvl="1"/>
+            <a:r>
+              <a:rPr lang="en-US" dirty="0"/>
+              <a:t>More user focused</a:t>
+            </a:r>
+          </a:p>
+          <a:p>
+            <a:pPr lvl="1"/>
+            <a:r>
+              <a:rPr lang="en-US" dirty="0"/>
+              <a:t>Increasing performance if possible, but not optimizing</a:t>
+            </a:r>
+          </a:p>
+          <a:p>
+            <a:r>
+              <a:rPr lang="en-US" dirty="0"/>
+              <a:t>Viewer, VR content added in</a:t>
+            </a:r>
+          </a:p>
+          <a:p>
+            <a:r>
+              <a:rPr lang="en-US" dirty="0"/>
+              <a:t>Requirements document work begins</a:t>
             </a:r>
           </a:p>
         </p:txBody>
@@ -4971,7 +4989,7 @@
     </p:spTree>
     <p:extLst>
       <p:ext uri="{BB962C8B-B14F-4D97-AF65-F5344CB8AC3E}">
-        <p14:creationId xmlns:p14="http://schemas.microsoft.com/office/powerpoint/2010/main" val="3357475344"/>
+        <p14:creationId xmlns:p14="http://schemas.microsoft.com/office/powerpoint/2010/main" val="1610455051"/>
       </p:ext>
     </p:extLst>
   </p:cSld>
@@ -5015,7 +5033,7 @@
           <a:p>
             <a:r>
               <a:rPr lang="en-US" dirty="0"/>
-              <a:t>Week 4</a:t>
+              <a:t>Week 6</a:t>
             </a:r>
           </a:p>
         </p:txBody>
@@ -5037,54 +5055,49 @@
           <a:p>
             <a:r>
               <a:rPr lang="en-US" dirty="0"/>
-              <a:t>Problem statement assigned</a:t>
-            </a:r>
-          </a:p>
-          <a:p>
-            <a:pPr lvl="1"/>
-            <a:r>
-              <a:rPr lang="en-US" dirty="0"/>
-              <a:t>However, project not refined enough</a:t>
-            </a:r>
-          </a:p>
-          <a:p>
-            <a:r>
-              <a:rPr lang="en-US" dirty="0"/>
-              <a:t>Another conference call with Patti</a:t>
-            </a:r>
-          </a:p>
-          <a:p>
-            <a:pPr lvl="1"/>
-            <a:r>
-              <a:rPr lang="en-US" dirty="0"/>
-              <a:t>Working out more details</a:t>
-            </a:r>
-          </a:p>
-          <a:p>
-            <a:pPr lvl="1"/>
-            <a:r>
-              <a:rPr lang="en-US" dirty="0"/>
-              <a:t>Got in contact with Vrok.it creator, Kean</a:t>
-            </a:r>
-          </a:p>
-          <a:p>
-            <a:r>
-              <a:rPr lang="en-US" dirty="0"/>
-              <a:t>Still not enough information to begin problem statement</a:t>
-            </a:r>
-          </a:p>
-          <a:p>
-            <a:pPr marL="457200" lvl="1" indent="0">
-              <a:buNone/>
-            </a:pPr>
-            <a:endParaRPr lang="en-US" dirty="0"/>
+              <a:t>Hard to meet with client</a:t>
+            </a:r>
+          </a:p>
+          <a:p>
+            <a:r>
+              <a:rPr lang="en-US" dirty="0"/>
+              <a:t>Wanted </a:t>
+            </a:r>
+            <a:r>
+              <a:rPr lang="en-US" dirty="0" err="1"/>
+              <a:t>Nels</a:t>
+            </a:r>
+            <a:r>
+              <a:rPr lang="en-US" dirty="0"/>
+              <a:t> to join the next meeting </a:t>
+            </a:r>
+          </a:p>
+          <a:p>
+            <a:pPr lvl="1"/>
+            <a:r>
+              <a:rPr lang="en-US" dirty="0"/>
+              <a:t>Help narrow scope more</a:t>
+            </a:r>
+          </a:p>
+          <a:p>
+            <a:pPr lvl="1"/>
+            <a:r>
+              <a:rPr lang="en-US" dirty="0"/>
+              <a:t>Help convey capstone intentions as well</a:t>
+            </a:r>
+          </a:p>
+          <a:p>
+            <a:r>
+              <a:rPr lang="en-US" dirty="0"/>
+              <a:t>Unable to get question answered due to Autodesk event</a:t>
+            </a:r>
           </a:p>
         </p:txBody>
       </p:sp>
     </p:spTree>
     <p:extLst>
       <p:ext uri="{BB962C8B-B14F-4D97-AF65-F5344CB8AC3E}">
-        <p14:creationId xmlns:p14="http://schemas.microsoft.com/office/powerpoint/2010/main" val="3816315661"/>
+        <p14:creationId xmlns:p14="http://schemas.microsoft.com/office/powerpoint/2010/main" val="270471938"/>
       </p:ext>
     </p:extLst>
   </p:cSld>
@@ -5128,7 +5141,7 @@
           <a:p>
             <a:r>
               <a:rPr lang="en-US" dirty="0"/>
-              <a:t>Week 5</a:t>
+              <a:t>Week 7</a:t>
             </a:r>
           </a:p>
         </p:txBody>
@@ -5150,40 +5163,46 @@
           <a:p>
             <a:r>
               <a:rPr lang="en-US" dirty="0"/>
-              <a:t>Had official meeting with Kean and Patti</a:t>
-            </a:r>
-          </a:p>
-          <a:p>
-            <a:pPr lvl="1"/>
-            <a:r>
-              <a:rPr lang="en-US" dirty="0"/>
-              <a:t>Enough information to finish problem statement</a:t>
-            </a:r>
-          </a:p>
-          <a:p>
-            <a:pPr lvl="1"/>
-            <a:r>
-              <a:rPr lang="en-US" dirty="0"/>
-              <a:t>More user focused</a:t>
-            </a:r>
-          </a:p>
-          <a:p>
-            <a:pPr lvl="1"/>
-            <a:r>
-              <a:rPr lang="en-US" dirty="0"/>
-              <a:t>Increasing performance if possible, but not optimizing</a:t>
-            </a:r>
-          </a:p>
-          <a:p>
-            <a:r>
-              <a:rPr lang="en-US" dirty="0"/>
-              <a:t>Viewer, VR content added in</a:t>
-            </a:r>
-          </a:p>
-          <a:p>
-            <a:r>
-              <a:rPr lang="en-US" dirty="0"/>
-              <a:t>Requirements document work begins</a:t>
+              <a:t>Requirements Document draft finished</a:t>
+            </a:r>
+          </a:p>
+          <a:p>
+            <a:pPr lvl="1"/>
+            <a:r>
+              <a:rPr lang="en-US" dirty="0"/>
+              <a:t>Feedback received</a:t>
+            </a:r>
+          </a:p>
+          <a:p>
+            <a:pPr lvl="2"/>
+            <a:r>
+              <a:rPr lang="en-US" dirty="0"/>
+              <a:t>Needed to be more descriptive</a:t>
+            </a:r>
+          </a:p>
+          <a:p>
+            <a:pPr lvl="1"/>
+            <a:r>
+              <a:rPr lang="en-US" dirty="0"/>
+              <a:t>Needed to incorporate more APIs if possible</a:t>
+            </a:r>
+          </a:p>
+          <a:p>
+            <a:r>
+              <a:rPr lang="en-US" dirty="0"/>
+              <a:t>Able to contact Patti and setup meeting</a:t>
+            </a:r>
+          </a:p>
+          <a:p>
+            <a:r>
+              <a:rPr lang="en-US" dirty="0"/>
+              <a:t>Tech review and requirements document final coincide</a:t>
+            </a:r>
+          </a:p>
+          <a:p>
+            <a:r>
+              <a:rPr lang="en-US" dirty="0"/>
+              <a:t>Paul fell ill, low communication and contribution</a:t>
             </a:r>
           </a:p>
         </p:txBody>
@@ -5191,7 +5210,7 @@
     </p:spTree>
     <p:extLst>
       <p:ext uri="{BB962C8B-B14F-4D97-AF65-F5344CB8AC3E}">
-        <p14:creationId xmlns:p14="http://schemas.microsoft.com/office/powerpoint/2010/main" val="1610455051"/>
+        <p14:creationId xmlns:p14="http://schemas.microsoft.com/office/powerpoint/2010/main" val="4206706309"/>
       </p:ext>
     </p:extLst>
   </p:cSld>
@@ -5235,7 +5254,7 @@
           <a:p>
             <a:r>
               <a:rPr lang="en-US" dirty="0"/>
-              <a:t>Week 6</a:t>
+              <a:t>Week 8 </a:t>
             </a:r>
           </a:p>
         </p:txBody>
@@ -5257,13 +5276,27 @@
           <a:p>
             <a:r>
               <a:rPr lang="en-US" dirty="0"/>
-              <a:t>Hard to meet with client</a:t>
-            </a:r>
-          </a:p>
-          <a:p>
-            <a:r>
-              <a:rPr lang="en-US" dirty="0"/>
-              <a:t>Wanted </a:t>
+              <a:t>Tech reviews submitted</a:t>
+            </a:r>
+          </a:p>
+          <a:p>
+            <a:pPr lvl="1"/>
+            <a:r>
+              <a:rPr lang="en-US" dirty="0"/>
+              <a:t>Not bad, could have used more time</a:t>
+            </a:r>
+          </a:p>
+          <a:p>
+            <a:pPr lvl="1"/>
+            <a:r>
+              <a:rPr lang="en-US" dirty="0"/>
+              <a:t>Good way to understand more components</a:t>
+            </a:r>
+          </a:p>
+          <a:p>
+            <a:r>
+              <a:rPr lang="en-US" dirty="0"/>
+              <a:t>Meeting with </a:t>
             </a:r>
             <a:r>
               <a:rPr lang="en-US" dirty="0" err="1"/>
@@ -5271,27 +5304,27 @@
             </a:r>
             <a:r>
               <a:rPr lang="en-US" dirty="0"/>
-              <a:t> to join the next meeting </a:t>
-            </a:r>
-          </a:p>
-          <a:p>
-            <a:pPr lvl="1"/>
-            <a:r>
-              <a:rPr lang="en-US" dirty="0"/>
-              <a:t>Help narrow scope more</a:t>
-            </a:r>
-          </a:p>
-          <a:p>
-            <a:pPr lvl="1"/>
-            <a:r>
-              <a:rPr lang="en-US" dirty="0"/>
-              <a:t>Help convey capstone intentions as well</a:t>
-            </a:r>
-          </a:p>
-          <a:p>
-            <a:r>
-              <a:rPr lang="en-US" dirty="0"/>
-              <a:t>Unable to get question answered due to Autodesk event</a:t>
+              <a:t> and Patti, no Jim however</a:t>
+            </a:r>
+          </a:p>
+          <a:p>
+            <a:pPr lvl="1"/>
+            <a:r>
+              <a:rPr lang="en-US" dirty="0"/>
+              <a:t>Able to work out some more important details</a:t>
+            </a:r>
+          </a:p>
+          <a:p>
+            <a:pPr lvl="1"/>
+            <a:r>
+              <a:rPr lang="en-US" dirty="0"/>
+              <a:t>Not able to talk about performance tweaking</a:t>
+            </a:r>
+          </a:p>
+          <a:p>
+            <a:r>
+              <a:rPr lang="en-US" dirty="0"/>
+              <a:t>Overall quite productive week</a:t>
             </a:r>
           </a:p>
         </p:txBody>
@@ -5299,7 +5332,7 @@
     </p:spTree>
     <p:extLst>
       <p:ext uri="{BB962C8B-B14F-4D97-AF65-F5344CB8AC3E}">
-        <p14:creationId xmlns:p14="http://schemas.microsoft.com/office/powerpoint/2010/main" val="270471938"/>
+        <p14:creationId xmlns:p14="http://schemas.microsoft.com/office/powerpoint/2010/main" val="2635992290"/>
       </p:ext>
     </p:extLst>
   </p:cSld>
@@ -5343,7 +5376,7 @@
           <a:p>
             <a:r>
               <a:rPr lang="en-US" dirty="0"/>
-              <a:t>Week 7</a:t>
+              <a:t>Week 9</a:t>
             </a:r>
           </a:p>
         </p:txBody>
@@ -5365,46 +5398,39 @@
           <a:p>
             <a:r>
               <a:rPr lang="en-US" dirty="0"/>
-              <a:t>Requirements Document draft finished</a:t>
-            </a:r>
-          </a:p>
-          <a:p>
-            <a:pPr lvl="1"/>
-            <a:r>
-              <a:rPr lang="en-US" dirty="0"/>
-              <a:t>Feedback received</a:t>
-            </a:r>
-          </a:p>
-          <a:p>
-            <a:pPr lvl="2"/>
-            <a:r>
-              <a:rPr lang="en-US" dirty="0"/>
-              <a:t>Needed to be more descriptive</a:t>
-            </a:r>
-          </a:p>
-          <a:p>
-            <a:pPr lvl="1"/>
-            <a:r>
-              <a:rPr lang="en-US" dirty="0"/>
-              <a:t>Needed to incorporate more APIs if possible</a:t>
-            </a:r>
-          </a:p>
-          <a:p>
-            <a:r>
-              <a:rPr lang="en-US" dirty="0"/>
-              <a:t>Able to contact Patti and setup meeting</a:t>
-            </a:r>
-          </a:p>
-          <a:p>
-            <a:r>
-              <a:rPr lang="en-US" dirty="0"/>
-              <a:t>Tech review and requirements document final coincide</a:t>
-            </a:r>
-          </a:p>
-          <a:p>
-            <a:r>
-              <a:rPr lang="en-US" dirty="0"/>
-              <a:t>Paul fell ill, low communication and contribution</a:t>
+              <a:t>Least productive week</a:t>
+            </a:r>
+          </a:p>
+          <a:p>
+            <a:r>
+              <a:rPr lang="en-US" dirty="0"/>
+              <a:t>Thanksgiving and travelling</a:t>
+            </a:r>
+          </a:p>
+          <a:p>
+            <a:r>
+              <a:rPr lang="en-US" dirty="0"/>
+              <a:t>Design Document due in the next week</a:t>
+            </a:r>
+          </a:p>
+          <a:p>
+            <a:pPr lvl="1"/>
+            <a:r>
+              <a:rPr lang="en-US" dirty="0"/>
+              <a:t>Documentation hard to decipher</a:t>
+            </a:r>
+          </a:p>
+          <a:p>
+            <a:pPr lvl="1"/>
+            <a:r>
+              <a:rPr lang="en-US" dirty="0"/>
+              <a:t>Not able to break down as a group</a:t>
+            </a:r>
+          </a:p>
+          <a:p>
+            <a:r>
+              <a:rPr lang="en-US" dirty="0"/>
+              <a:t>Final draft of requirements document finished out</a:t>
             </a:r>
           </a:p>
         </p:txBody>
@@ -5412,7 +5438,7 @@
     </p:spTree>
     <p:extLst>
       <p:ext uri="{BB962C8B-B14F-4D97-AF65-F5344CB8AC3E}">
-        <p14:creationId xmlns:p14="http://schemas.microsoft.com/office/powerpoint/2010/main" val="4206706309"/>
+        <p14:creationId xmlns:p14="http://schemas.microsoft.com/office/powerpoint/2010/main" val="4177011364"/>
       </p:ext>
     </p:extLst>
   </p:cSld>
@@ -5515,7 +5541,7 @@
           <a:p>
             <a:r>
               <a:rPr lang="en-US" dirty="0"/>
-              <a:t>Week 8 </a:t>
+              <a:t>Week 10</a:t>
             </a:r>
           </a:p>
         </p:txBody>
@@ -5537,27 +5563,27 @@
           <a:p>
             <a:r>
               <a:rPr lang="en-US" dirty="0"/>
-              <a:t>Tech reviews submitted</a:t>
-            </a:r>
-          </a:p>
-          <a:p>
-            <a:pPr lvl="1"/>
-            <a:r>
-              <a:rPr lang="en-US" dirty="0"/>
-              <a:t>Not bad, could have used more time</a:t>
-            </a:r>
-          </a:p>
-          <a:p>
-            <a:pPr lvl="1"/>
-            <a:r>
-              <a:rPr lang="en-US" dirty="0"/>
-              <a:t>Good way to understand more components</a:t>
-            </a:r>
-          </a:p>
-          <a:p>
-            <a:r>
-              <a:rPr lang="en-US" dirty="0"/>
-              <a:t>Meeting with </a:t>
+              <a:t>Lots of work conflict with other classes</a:t>
+            </a:r>
+          </a:p>
+          <a:p>
+            <a:r>
+              <a:rPr lang="en-US" dirty="0"/>
+              <a:t>Design document</a:t>
+            </a:r>
+          </a:p>
+          <a:p>
+            <a:pPr lvl="1"/>
+            <a:r>
+              <a:rPr lang="en-US" dirty="0"/>
+              <a:t>Still issues figuring out the IEEE document</a:t>
+            </a:r>
+          </a:p>
+          <a:p>
+            <a:pPr lvl="1"/>
+            <a:r>
+              <a:rPr lang="en-US" dirty="0"/>
+              <a:t>Talk with Kirsten and </a:t>
             </a:r>
             <a:r>
               <a:rPr lang="en-US" dirty="0" err="1"/>
@@ -5565,27 +5591,14 @@
             </a:r>
             <a:r>
               <a:rPr lang="en-US" dirty="0"/>
-              <a:t> and Patti, no Jim however</a:t>
-            </a:r>
-          </a:p>
-          <a:p>
-            <a:pPr lvl="1"/>
-            <a:r>
-              <a:rPr lang="en-US" dirty="0"/>
-              <a:t>Able to work out some more important details</a:t>
-            </a:r>
-          </a:p>
-          <a:p>
-            <a:pPr lvl="1"/>
-            <a:r>
-              <a:rPr lang="en-US" dirty="0"/>
-              <a:t>Not able to talk about performance tweaking</a:t>
-            </a:r>
-          </a:p>
-          <a:p>
-            <a:r>
-              <a:rPr lang="en-US" dirty="0"/>
-              <a:t>Overall quite productive week</a:t>
+              <a:t> helped</a:t>
+            </a:r>
+          </a:p>
+          <a:p>
+            <a:pPr lvl="1"/>
+            <a:r>
+              <a:rPr lang="en-US" dirty="0"/>
+              <a:t>Got good work done on the document</a:t>
             </a:r>
           </a:p>
         </p:txBody>
@@ -5593,7 +5606,7 @@
     </p:spTree>
     <p:extLst>
       <p:ext uri="{BB962C8B-B14F-4D97-AF65-F5344CB8AC3E}">
-        <p14:creationId xmlns:p14="http://schemas.microsoft.com/office/powerpoint/2010/main" val="2635992290"/>
+        <p14:creationId xmlns:p14="http://schemas.microsoft.com/office/powerpoint/2010/main" val="2146190001"/>
       </p:ext>
     </p:extLst>
   </p:cSld>
@@ -5637,7 +5650,7 @@
           <a:p>
             <a:r>
               <a:rPr lang="en-US" dirty="0"/>
-              <a:t>Week 9</a:t>
+              <a:t>Problems</a:t>
             </a:r>
           </a:p>
         </p:txBody>
@@ -5659,39 +5672,48 @@
           <a:p>
             <a:r>
               <a:rPr lang="en-US" dirty="0"/>
-              <a:t>Least productive week</a:t>
-            </a:r>
-          </a:p>
-          <a:p>
-            <a:r>
-              <a:rPr lang="en-US" dirty="0"/>
-              <a:t>Thanksgiving and travelling</a:t>
-            </a:r>
-          </a:p>
-          <a:p>
-            <a:r>
-              <a:rPr lang="en-US" dirty="0"/>
-              <a:t>Design Document due in the next week</a:t>
-            </a:r>
-          </a:p>
-          <a:p>
-            <a:pPr lvl="1"/>
-            <a:r>
-              <a:rPr lang="en-US" dirty="0"/>
-              <a:t>Documentation hard to decipher</a:t>
-            </a:r>
-          </a:p>
-          <a:p>
-            <a:pPr lvl="1"/>
-            <a:r>
-              <a:rPr lang="en-US" dirty="0"/>
-              <a:t>Not able to break down as a group</a:t>
-            </a:r>
-          </a:p>
-          <a:p>
-            <a:r>
-              <a:rPr lang="en-US" dirty="0"/>
-              <a:t>Final draft of requirements document finished out</a:t>
+              <a:t>Low communication with client</a:t>
+            </a:r>
+          </a:p>
+          <a:p>
+            <a:pPr lvl="1"/>
+            <a:r>
+              <a:rPr lang="en-US" dirty="0"/>
+              <a:t>Not enough question on our side</a:t>
+            </a:r>
+          </a:p>
+          <a:p>
+            <a:pPr lvl="1"/>
+            <a:r>
+              <a:rPr lang="en-US" dirty="0"/>
+              <a:t>Not enough time on theirs</a:t>
+            </a:r>
+          </a:p>
+          <a:p>
+            <a:r>
+              <a:rPr lang="en-US" dirty="0"/>
+              <a:t>Team work</a:t>
+            </a:r>
+          </a:p>
+          <a:p>
+            <a:pPr lvl="1"/>
+            <a:r>
+              <a:rPr lang="en-US" dirty="0"/>
+              <a:t>Better planning</a:t>
+            </a:r>
+          </a:p>
+          <a:p>
+            <a:pPr lvl="1"/>
+            <a:r>
+              <a:rPr lang="en-US" dirty="0"/>
+              <a:t>Better communication</a:t>
+            </a:r>
+          </a:p>
+          <a:p>
+            <a:pPr lvl="1"/>
+            <a:r>
+              <a:rPr lang="en-US" dirty="0"/>
+              <a:t>Faster help seeking</a:t>
             </a:r>
           </a:p>
         </p:txBody>
@@ -5699,7 +5721,7 @@
     </p:spTree>
     <p:extLst>
       <p:ext uri="{BB962C8B-B14F-4D97-AF65-F5344CB8AC3E}">
-        <p14:creationId xmlns:p14="http://schemas.microsoft.com/office/powerpoint/2010/main" val="4177011364"/>
+        <p14:creationId xmlns:p14="http://schemas.microsoft.com/office/powerpoint/2010/main" val="1253775864"/>
       </p:ext>
     </p:extLst>
   </p:cSld>
@@ -5743,7 +5765,7 @@
           <a:p>
             <a:r>
               <a:rPr lang="en-US" dirty="0"/>
-              <a:t>Week 10</a:t>
+              <a:t>Solutions</a:t>
             </a:r>
           </a:p>
         </p:txBody>
@@ -5765,42 +5787,55 @@
           <a:p>
             <a:r>
               <a:rPr lang="en-US" dirty="0"/>
-              <a:t>Lots of work conflict with other classes</a:t>
-            </a:r>
-          </a:p>
-          <a:p>
-            <a:r>
-              <a:rPr lang="en-US" dirty="0"/>
-              <a:t>Design document</a:t>
-            </a:r>
-          </a:p>
-          <a:p>
-            <a:pPr lvl="1"/>
-            <a:r>
-              <a:rPr lang="en-US" dirty="0"/>
-              <a:t>Still issues figuring out the IEEE document</a:t>
-            </a:r>
-          </a:p>
-          <a:p>
-            <a:pPr lvl="1"/>
-            <a:r>
-              <a:rPr lang="en-US" dirty="0"/>
-              <a:t>Talk with Kirsten and </a:t>
-            </a:r>
-            <a:r>
-              <a:rPr lang="en-US" dirty="0" err="1"/>
-              <a:t>Nels</a:t>
-            </a:r>
-            <a:r>
-              <a:rPr lang="en-US" dirty="0"/>
-              <a:t> helped</a:t>
-            </a:r>
-          </a:p>
-          <a:p>
-            <a:pPr lvl="1"/>
-            <a:r>
-              <a:rPr lang="en-US" dirty="0"/>
-              <a:t>Got good work done on the document</a:t>
+              <a:t>Client </a:t>
+            </a:r>
+          </a:p>
+          <a:p>
+            <a:pPr lvl="1"/>
+            <a:r>
+              <a:rPr lang="en-US" dirty="0"/>
+              <a:t>More question asking</a:t>
+            </a:r>
+          </a:p>
+          <a:p>
+            <a:pPr lvl="1"/>
+            <a:r>
+              <a:rPr lang="en-US" dirty="0"/>
+              <a:t>Weekly meetings with client?</a:t>
+            </a:r>
+          </a:p>
+          <a:p>
+            <a:r>
+              <a:rPr lang="en-US" dirty="0"/>
+              <a:t>Team</a:t>
+            </a:r>
+          </a:p>
+          <a:p>
+            <a:pPr lvl="1"/>
+            <a:r>
+              <a:rPr lang="en-US" dirty="0"/>
+              <a:t>More planning</a:t>
+            </a:r>
+          </a:p>
+          <a:p>
+            <a:pPr lvl="2"/>
+            <a:r>
+              <a:rPr lang="en-US" dirty="0"/>
+              <a:t>Delegation?</a:t>
+            </a:r>
+          </a:p>
+          <a:p>
+            <a:pPr lvl="1"/>
+            <a:r>
+              <a:rPr lang="en-US" dirty="0"/>
+              <a:t>Weekly meetings</a:t>
+            </a:r>
+          </a:p>
+          <a:p>
+            <a:pPr lvl="1"/>
+            <a:r>
+              <a:rPr lang="en-US" dirty="0"/>
+              <a:t>Seeking help sooner</a:t>
             </a:r>
           </a:p>
         </p:txBody>
@@ -5808,7 +5843,7 @@
     </p:spTree>
     <p:extLst>
       <p:ext uri="{BB962C8B-B14F-4D97-AF65-F5344CB8AC3E}">
-        <p14:creationId xmlns:p14="http://schemas.microsoft.com/office/powerpoint/2010/main" val="2146190001"/>
+        <p14:creationId xmlns:p14="http://schemas.microsoft.com/office/powerpoint/2010/main" val="4091688379"/>
       </p:ext>
     </p:extLst>
   </p:cSld>
@@ -5852,243 +5887,6 @@
           <a:p>
             <a:r>
               <a:rPr lang="en-US" dirty="0"/>
-              <a:t>Problems</a:t>
-            </a:r>
-          </a:p>
-        </p:txBody>
-      </p:sp>
-      <p:sp>
-        <p:nvSpPr>
-          <p:cNvPr id="3" name="Content Placeholder 2"/>
-          <p:cNvSpPr>
-            <a:spLocks noGrp="1"/>
-          </p:cNvSpPr>
-          <p:nvPr>
-            <p:ph idx="1"/>
-          </p:nvPr>
-        </p:nvSpPr>
-        <p:spPr/>
-        <p:txBody>
-          <a:bodyPr/>
-          <a:lstStyle/>
-          <a:p>
-            <a:r>
-              <a:rPr lang="en-US" dirty="0"/>
-              <a:t>Low communication with client</a:t>
-            </a:r>
-          </a:p>
-          <a:p>
-            <a:pPr lvl="1"/>
-            <a:r>
-              <a:rPr lang="en-US" dirty="0"/>
-              <a:t>Not enough question on our side</a:t>
-            </a:r>
-          </a:p>
-          <a:p>
-            <a:pPr lvl="1"/>
-            <a:r>
-              <a:rPr lang="en-US" dirty="0"/>
-              <a:t>Not enough time on theirs</a:t>
-            </a:r>
-          </a:p>
-          <a:p>
-            <a:r>
-              <a:rPr lang="en-US" dirty="0"/>
-              <a:t>Team work</a:t>
-            </a:r>
-          </a:p>
-          <a:p>
-            <a:pPr lvl="1"/>
-            <a:r>
-              <a:rPr lang="en-US" dirty="0"/>
-              <a:t>Better planning</a:t>
-            </a:r>
-          </a:p>
-          <a:p>
-            <a:pPr lvl="1"/>
-            <a:r>
-              <a:rPr lang="en-US" dirty="0"/>
-              <a:t>Better communication</a:t>
-            </a:r>
-          </a:p>
-          <a:p>
-            <a:pPr lvl="1"/>
-            <a:r>
-              <a:rPr lang="en-US" dirty="0"/>
-              <a:t>Faster help seeking</a:t>
-            </a:r>
-          </a:p>
-        </p:txBody>
-      </p:sp>
-    </p:spTree>
-    <p:extLst>
-      <p:ext uri="{BB962C8B-B14F-4D97-AF65-F5344CB8AC3E}">
-        <p14:creationId xmlns:p14="http://schemas.microsoft.com/office/powerpoint/2010/main" val="1253775864"/>
-      </p:ext>
-    </p:extLst>
-  </p:cSld>
-  <p:clrMapOvr>
-    <a:masterClrMapping/>
-  </p:clrMapOvr>
-</p:sld>
-</file>
-
-<file path=ppt/slides/slide34.xml><?xml version="1.0" encoding="utf-8"?>
-<p:sld xmlns:a="http://schemas.openxmlformats.org/drawingml/2006/main" xmlns:r="http://schemas.openxmlformats.org/officeDocument/2006/relationships" xmlns:p="http://schemas.openxmlformats.org/presentationml/2006/main">
-  <p:cSld>
-    <p:spTree>
-      <p:nvGrpSpPr>
-        <p:cNvPr id="1" name=""/>
-        <p:cNvGrpSpPr/>
-        <p:nvPr/>
-      </p:nvGrpSpPr>
-      <p:grpSpPr>
-        <a:xfrm>
-          <a:off x="0" y="0"/>
-          <a:ext cx="0" cy="0"/>
-          <a:chOff x="0" y="0"/>
-          <a:chExt cx="0" cy="0"/>
-        </a:xfrm>
-      </p:grpSpPr>
-      <p:sp>
-        <p:nvSpPr>
-          <p:cNvPr id="2" name="Title 1"/>
-          <p:cNvSpPr>
-            <a:spLocks noGrp="1"/>
-          </p:cNvSpPr>
-          <p:nvPr>
-            <p:ph type="title"/>
-          </p:nvPr>
-        </p:nvSpPr>
-        <p:spPr/>
-        <p:txBody>
-          <a:bodyPr/>
-          <a:lstStyle/>
-          <a:p>
-            <a:r>
-              <a:rPr lang="en-US" dirty="0"/>
-              <a:t>Solutions</a:t>
-            </a:r>
-          </a:p>
-        </p:txBody>
-      </p:sp>
-      <p:sp>
-        <p:nvSpPr>
-          <p:cNvPr id="3" name="Content Placeholder 2"/>
-          <p:cNvSpPr>
-            <a:spLocks noGrp="1"/>
-          </p:cNvSpPr>
-          <p:nvPr>
-            <p:ph idx="1"/>
-          </p:nvPr>
-        </p:nvSpPr>
-        <p:spPr/>
-        <p:txBody>
-          <a:bodyPr/>
-          <a:lstStyle/>
-          <a:p>
-            <a:r>
-              <a:rPr lang="en-US" dirty="0"/>
-              <a:t>Client </a:t>
-            </a:r>
-          </a:p>
-          <a:p>
-            <a:pPr lvl="1"/>
-            <a:r>
-              <a:rPr lang="en-US" dirty="0"/>
-              <a:t>More question asking</a:t>
-            </a:r>
-          </a:p>
-          <a:p>
-            <a:pPr lvl="1"/>
-            <a:r>
-              <a:rPr lang="en-US" dirty="0"/>
-              <a:t>Weekly meetings with client?</a:t>
-            </a:r>
-          </a:p>
-          <a:p>
-            <a:r>
-              <a:rPr lang="en-US" dirty="0"/>
-              <a:t>Team</a:t>
-            </a:r>
-          </a:p>
-          <a:p>
-            <a:pPr lvl="1"/>
-            <a:r>
-              <a:rPr lang="en-US" dirty="0"/>
-              <a:t>More planning</a:t>
-            </a:r>
-          </a:p>
-          <a:p>
-            <a:pPr lvl="2"/>
-            <a:r>
-              <a:rPr lang="en-US" dirty="0"/>
-              <a:t>Delegation?</a:t>
-            </a:r>
-          </a:p>
-          <a:p>
-            <a:pPr lvl="1"/>
-            <a:r>
-              <a:rPr lang="en-US" dirty="0"/>
-              <a:t>Weekly meetings</a:t>
-            </a:r>
-          </a:p>
-          <a:p>
-            <a:pPr lvl="1"/>
-            <a:r>
-              <a:rPr lang="en-US" dirty="0"/>
-              <a:t>Seeking help sooner</a:t>
-            </a:r>
-          </a:p>
-        </p:txBody>
-      </p:sp>
-    </p:spTree>
-    <p:extLst>
-      <p:ext uri="{BB962C8B-B14F-4D97-AF65-F5344CB8AC3E}">
-        <p14:creationId xmlns:p14="http://schemas.microsoft.com/office/powerpoint/2010/main" val="4091688379"/>
-      </p:ext>
-    </p:extLst>
-  </p:cSld>
-  <p:clrMapOvr>
-    <a:masterClrMapping/>
-  </p:clrMapOvr>
-</p:sld>
-</file>
-
-<file path=ppt/slides/slide35.xml><?xml version="1.0" encoding="utf-8"?>
-<p:sld xmlns:a="http://schemas.openxmlformats.org/drawingml/2006/main" xmlns:r="http://schemas.openxmlformats.org/officeDocument/2006/relationships" xmlns:p="http://schemas.openxmlformats.org/presentationml/2006/main">
-  <p:cSld>
-    <p:spTree>
-      <p:nvGrpSpPr>
-        <p:cNvPr id="1" name=""/>
-        <p:cNvGrpSpPr/>
-        <p:nvPr/>
-      </p:nvGrpSpPr>
-      <p:grpSpPr>
-        <a:xfrm>
-          <a:off x="0" y="0"/>
-          <a:ext cx="0" cy="0"/>
-          <a:chOff x="0" y="0"/>
-          <a:chExt cx="0" cy="0"/>
-        </a:xfrm>
-      </p:grpSpPr>
-      <p:sp>
-        <p:nvSpPr>
-          <p:cNvPr id="2" name="Title 1"/>
-          <p:cNvSpPr>
-            <a:spLocks noGrp="1"/>
-          </p:cNvSpPr>
-          <p:nvPr>
-            <p:ph type="title"/>
-          </p:nvPr>
-        </p:nvSpPr>
-        <p:spPr/>
-        <p:txBody>
-          <a:bodyPr/>
-          <a:lstStyle/>
-          <a:p>
-            <a:r>
-              <a:rPr lang="en-US" dirty="0"/>
               <a:t>What’s next?</a:t>
             </a:r>
           </a:p>
@@ -6168,7 +5966,7 @@
 </p:sld>
 </file>
 
-<file path=ppt/slides/slide36.xml><?xml version="1.0" encoding="utf-8"?>
+<file path=ppt/slides/slide34.xml><?xml version="1.0" encoding="utf-8"?>
 <p:sld xmlns:a="http://schemas.openxmlformats.org/drawingml/2006/main" xmlns:r="http://schemas.openxmlformats.org/officeDocument/2006/relationships" xmlns:p="http://schemas.openxmlformats.org/presentationml/2006/main">
   <p:cSld>
     <p:spTree>
@@ -6620,7 +6418,7 @@
           <a:p>
             <a:r>
               <a:rPr lang="en-US" dirty="0"/>
-              <a:t>Software Interfaces</a:t>
+              <a:t>Authentication Requirements</a:t>
             </a:r>
           </a:p>
         </p:txBody>
@@ -6640,14 +6438,23 @@
           <a:bodyPr/>
           <a:lstStyle/>
           <a:p>
-            <a:endParaRPr lang="en-US"/>
+            <a:r>
+              <a:rPr lang="en-US" dirty="0"/>
+              <a:t>Security for users</a:t>
+            </a:r>
+          </a:p>
+          <a:p>
+            <a:r>
+              <a:rPr lang="en-US" dirty="0"/>
+              <a:t>Token created for users</a:t>
+            </a:r>
           </a:p>
         </p:txBody>
       </p:sp>
     </p:spTree>
     <p:extLst>
       <p:ext uri="{BB962C8B-B14F-4D97-AF65-F5344CB8AC3E}">
-        <p14:creationId xmlns:p14="http://schemas.microsoft.com/office/powerpoint/2010/main" val="1216246470"/>
+        <p14:creationId xmlns:p14="http://schemas.microsoft.com/office/powerpoint/2010/main" val="922885700"/>
       </p:ext>
     </p:extLst>
   </p:cSld>
@@ -6691,7 +6498,7 @@
           <a:p>
             <a:r>
               <a:rPr lang="en-US" dirty="0"/>
-              <a:t>User Interfaces</a:t>
+              <a:t>Viewing VR Requirements</a:t>
             </a:r>
           </a:p>
         </p:txBody>
@@ -6711,14 +6518,29 @@
           <a:bodyPr/>
           <a:lstStyle/>
           <a:p>
-            <a:endParaRPr lang="en-US"/>
+            <a:r>
+              <a:rPr lang="en-US" dirty="0"/>
+              <a:t>Model is viewable in VR headset (Google Cardboard)</a:t>
+            </a:r>
+          </a:p>
+          <a:p>
+            <a:r>
+              <a:rPr lang="en-US" dirty="0"/>
+              <a:t>High quality/size models will be hard to view</a:t>
+            </a:r>
+          </a:p>
+          <a:p>
+            <a:r>
+              <a:rPr lang="en-US" dirty="0"/>
+              <a:t>Models need some interactivity while user uses VR</a:t>
+            </a:r>
           </a:p>
         </p:txBody>
       </p:sp>
     </p:spTree>
     <p:extLst>
       <p:ext uri="{BB962C8B-B14F-4D97-AF65-F5344CB8AC3E}">
-        <p14:creationId xmlns:p14="http://schemas.microsoft.com/office/powerpoint/2010/main" val="3827932349"/>
+        <p14:creationId xmlns:p14="http://schemas.microsoft.com/office/powerpoint/2010/main" val="618129479"/>
       </p:ext>
     </p:extLst>
   </p:cSld>
@@ -6762,7 +6584,7 @@
           <a:p>
             <a:r>
               <a:rPr lang="en-US" dirty="0"/>
-              <a:t>Authentication Requirements</a:t>
+              <a:t>File Upload Requirements</a:t>
             </a:r>
           </a:p>
         </p:txBody>
@@ -6784,13 +6606,47 @@
           <a:p>
             <a:r>
               <a:rPr lang="en-US" dirty="0"/>
-              <a:t>Security for users</a:t>
-            </a:r>
-          </a:p>
-          <a:p>
-            <a:r>
-              <a:rPr lang="en-US" dirty="0"/>
-              <a:t>Token created for users</a:t>
+              <a:t>User can upload files</a:t>
+            </a:r>
+          </a:p>
+          <a:p>
+            <a:pPr lvl="1"/>
+            <a:r>
+              <a:rPr lang="en-US" dirty="0"/>
+              <a:t>Through local machine</a:t>
+            </a:r>
+          </a:p>
+          <a:p>
+            <a:pPr lvl="1"/>
+            <a:r>
+              <a:rPr lang="en-US" dirty="0"/>
+              <a:t>Or A360 (Data Management API)</a:t>
+            </a:r>
+          </a:p>
+          <a:p>
+            <a:r>
+              <a:rPr lang="en-US" dirty="0"/>
+              <a:t>Failures will be reported</a:t>
+            </a:r>
+          </a:p>
+          <a:p>
+            <a:pPr lvl="1"/>
+            <a:r>
+              <a:rPr lang="en-US" dirty="0"/>
+              <a:t>Unsuccessful upload</a:t>
+            </a:r>
+          </a:p>
+          <a:p>
+            <a:pPr lvl="1"/>
+            <a:r>
+              <a:rPr lang="en-US" dirty="0"/>
+              <a:t>Too large</a:t>
+            </a:r>
+          </a:p>
+          <a:p>
+            <a:r>
+              <a:rPr lang="en-US" dirty="0"/>
+              <a:t>File will be displayed on list of usable models</a:t>
             </a:r>
           </a:p>
         </p:txBody>
@@ -6798,7 +6654,7 @@
     </p:spTree>
     <p:extLst>
       <p:ext uri="{BB962C8B-B14F-4D97-AF65-F5344CB8AC3E}">
-        <p14:creationId xmlns:p14="http://schemas.microsoft.com/office/powerpoint/2010/main" val="922885700"/>
+        <p14:creationId xmlns:p14="http://schemas.microsoft.com/office/powerpoint/2010/main" val="4186160874"/>
       </p:ext>
     </p:extLst>
   </p:cSld>

--- a/Progress Report/Progress report.pptx
+++ b/Progress Report/Progress report.pptx
@@ -2,7 +2,7 @@
 <file path=ppt/presentation.xml><?xml version="1.0" encoding="utf-8"?>
 <p:presentation xmlns:a="http://schemas.openxmlformats.org/drawingml/2006/main" xmlns:r="http://schemas.openxmlformats.org/officeDocument/2006/relationships" xmlns:p="http://schemas.openxmlformats.org/presentationml/2006/main" saveSubsetFonts="1">
   <p:sldMasterIdLst>
-    <p:sldMasterId id="2147483648" r:id="rId1"/>
+    <p:sldMasterId id="2147483660" r:id="rId1"/>
   </p:sldMasterIdLst>
   <p:sldIdLst>
     <p:sldId id="256" r:id="rId2"/>
@@ -18,27 +18,28 @@
     <p:sldId id="267" r:id="rId12"/>
     <p:sldId id="262" r:id="rId13"/>
     <p:sldId id="264" r:id="rId14"/>
-    <p:sldId id="291" r:id="rId15"/>
-    <p:sldId id="270" r:id="rId16"/>
-    <p:sldId id="269" r:id="rId17"/>
-    <p:sldId id="288" r:id="rId18"/>
-    <p:sldId id="271" r:id="rId19"/>
-    <p:sldId id="274" r:id="rId20"/>
-    <p:sldId id="272" r:id="rId21"/>
-    <p:sldId id="273" r:id="rId22"/>
-    <p:sldId id="289" r:id="rId23"/>
-    <p:sldId id="277" r:id="rId24"/>
-    <p:sldId id="278" r:id="rId25"/>
-    <p:sldId id="279" r:id="rId26"/>
-    <p:sldId id="280" r:id="rId27"/>
-    <p:sldId id="281" r:id="rId28"/>
-    <p:sldId id="282" r:id="rId29"/>
-    <p:sldId id="283" r:id="rId30"/>
-    <p:sldId id="284" r:id="rId31"/>
-    <p:sldId id="293" r:id="rId32"/>
-    <p:sldId id="294" r:id="rId33"/>
-    <p:sldId id="276" r:id="rId34"/>
-    <p:sldId id="295" r:id="rId35"/>
+    <p:sldId id="296" r:id="rId15"/>
+    <p:sldId id="291" r:id="rId16"/>
+    <p:sldId id="270" r:id="rId17"/>
+    <p:sldId id="269" r:id="rId18"/>
+    <p:sldId id="288" r:id="rId19"/>
+    <p:sldId id="271" r:id="rId20"/>
+    <p:sldId id="273" r:id="rId21"/>
+    <p:sldId id="289" r:id="rId22"/>
+    <p:sldId id="272" r:id="rId23"/>
+    <p:sldId id="274" r:id="rId24"/>
+    <p:sldId id="297" r:id="rId25"/>
+    <p:sldId id="277" r:id="rId26"/>
+    <p:sldId id="278" r:id="rId27"/>
+    <p:sldId id="279" r:id="rId28"/>
+    <p:sldId id="280" r:id="rId29"/>
+    <p:sldId id="281" r:id="rId30"/>
+    <p:sldId id="282" r:id="rId31"/>
+    <p:sldId id="283" r:id="rId32"/>
+    <p:sldId id="284" r:id="rId33"/>
+    <p:sldId id="293" r:id="rId34"/>
+    <p:sldId id="276" r:id="rId35"/>
+    <p:sldId id="295" r:id="rId36"/>
   </p:sldIdLst>
   <p:sldSz cx="12192000" cy="6858000"/>
   <p:notesSz cx="6858000" cy="9144000"/>
@@ -46,7 +47,7 @@
     <a:defPPr>
       <a:defRPr lang="en-US"/>
     </a:defPPr>
-    <a:lvl1pPr marL="0" algn="l" defTabSz="914400" rtl="0" eaLnBrk="1" latinLnBrk="0" hangingPunct="1">
+    <a:lvl1pPr marL="0" algn="l" defTabSz="457200" rtl="0" eaLnBrk="1" latinLnBrk="0" hangingPunct="1">
       <a:defRPr sz="1800" kern="1200">
         <a:solidFill>
           <a:schemeClr val="tx1"/>
@@ -56,7 +57,7 @@
         <a:cs typeface="+mn-cs"/>
       </a:defRPr>
     </a:lvl1pPr>
-    <a:lvl2pPr marL="457200" algn="l" defTabSz="914400" rtl="0" eaLnBrk="1" latinLnBrk="0" hangingPunct="1">
+    <a:lvl2pPr marL="457200" algn="l" defTabSz="457200" rtl="0" eaLnBrk="1" latinLnBrk="0" hangingPunct="1">
       <a:defRPr sz="1800" kern="1200">
         <a:solidFill>
           <a:schemeClr val="tx1"/>
@@ -66,7 +67,7 @@
         <a:cs typeface="+mn-cs"/>
       </a:defRPr>
     </a:lvl2pPr>
-    <a:lvl3pPr marL="914400" algn="l" defTabSz="914400" rtl="0" eaLnBrk="1" latinLnBrk="0" hangingPunct="1">
+    <a:lvl3pPr marL="914400" algn="l" defTabSz="457200" rtl="0" eaLnBrk="1" latinLnBrk="0" hangingPunct="1">
       <a:defRPr sz="1800" kern="1200">
         <a:solidFill>
           <a:schemeClr val="tx1"/>
@@ -76,7 +77,7 @@
         <a:cs typeface="+mn-cs"/>
       </a:defRPr>
     </a:lvl3pPr>
-    <a:lvl4pPr marL="1371600" algn="l" defTabSz="914400" rtl="0" eaLnBrk="1" latinLnBrk="0" hangingPunct="1">
+    <a:lvl4pPr marL="1371600" algn="l" defTabSz="457200" rtl="0" eaLnBrk="1" latinLnBrk="0" hangingPunct="1">
       <a:defRPr sz="1800" kern="1200">
         <a:solidFill>
           <a:schemeClr val="tx1"/>
@@ -86,7 +87,7 @@
         <a:cs typeface="+mn-cs"/>
       </a:defRPr>
     </a:lvl4pPr>
-    <a:lvl5pPr marL="1828800" algn="l" defTabSz="914400" rtl="0" eaLnBrk="1" latinLnBrk="0" hangingPunct="1">
+    <a:lvl5pPr marL="1828800" algn="l" defTabSz="457200" rtl="0" eaLnBrk="1" latinLnBrk="0" hangingPunct="1">
       <a:defRPr sz="1800" kern="1200">
         <a:solidFill>
           <a:schemeClr val="tx1"/>
@@ -96,7 +97,7 @@
         <a:cs typeface="+mn-cs"/>
       </a:defRPr>
     </a:lvl5pPr>
-    <a:lvl6pPr marL="2286000" algn="l" defTabSz="914400" rtl="0" eaLnBrk="1" latinLnBrk="0" hangingPunct="1">
+    <a:lvl6pPr marL="2286000" algn="l" defTabSz="457200" rtl="0" eaLnBrk="1" latinLnBrk="0" hangingPunct="1">
       <a:defRPr sz="1800" kern="1200">
         <a:solidFill>
           <a:schemeClr val="tx1"/>
@@ -106,7 +107,7 @@
         <a:cs typeface="+mn-cs"/>
       </a:defRPr>
     </a:lvl6pPr>
-    <a:lvl7pPr marL="2743200" algn="l" defTabSz="914400" rtl="0" eaLnBrk="1" latinLnBrk="0" hangingPunct="1">
+    <a:lvl7pPr marL="2743200" algn="l" defTabSz="457200" rtl="0" eaLnBrk="1" latinLnBrk="0" hangingPunct="1">
       <a:defRPr sz="1800" kern="1200">
         <a:solidFill>
           <a:schemeClr val="tx1"/>
@@ -116,7 +117,7 @@
         <a:cs typeface="+mn-cs"/>
       </a:defRPr>
     </a:lvl7pPr>
-    <a:lvl8pPr marL="3200400" algn="l" defTabSz="914400" rtl="0" eaLnBrk="1" latinLnBrk="0" hangingPunct="1">
+    <a:lvl8pPr marL="3200400" algn="l" defTabSz="457200" rtl="0" eaLnBrk="1" latinLnBrk="0" hangingPunct="1">
       <a:defRPr sz="1800" kern="1200">
         <a:solidFill>
           <a:schemeClr val="tx1"/>
@@ -126,7 +127,7 @@
         <a:cs typeface="+mn-cs"/>
       </a:defRPr>
     </a:lvl8pPr>
-    <a:lvl9pPr marL="3657600" algn="l" defTabSz="914400" rtl="0" eaLnBrk="1" latinLnBrk="0" hangingPunct="1">
+    <a:lvl9pPr marL="3657600" algn="l" defTabSz="457200" rtl="0" eaLnBrk="1" latinLnBrk="0" hangingPunct="1">
       <a:defRPr sz="1800" kern="1200">
         <a:solidFill>
           <a:schemeClr val="tx1"/>
@@ -146,7 +147,7 @@
 </file>
 
 <file path=ppt/slideLayouts/slideLayout1.xml><?xml version="1.0" encoding="utf-8"?>
-<p:sldLayout xmlns:a="http://schemas.openxmlformats.org/drawingml/2006/main" xmlns:r="http://schemas.openxmlformats.org/officeDocument/2006/relationships" xmlns:p="http://schemas.openxmlformats.org/presentationml/2006/main" type="title" preserve="1">
+<p:sldLayout xmlns:a="http://schemas.openxmlformats.org/drawingml/2006/main" xmlns:r="http://schemas.openxmlformats.org/officeDocument/2006/relationships" xmlns:p="http://schemas.openxmlformats.org/presentationml/2006/main" showMasterSp="0" type="title" preserve="1">
   <p:cSld name="Title Slide">
     <p:spTree>
       <p:nvGrpSpPr>
@@ -164,25 +165,113 @@
       </p:grpSpPr>
       <p:sp>
         <p:nvSpPr>
-          <p:cNvPr id="2" name="Title 1"/>
-          <p:cNvSpPr>
-            <a:spLocks noGrp="1"/>
-          </p:cNvSpPr>
-          <p:nvPr>
-            <p:ph type="ctrTitle"/>
-          </p:nvPr>
+          <p:cNvPr id="7" name="Rectangle 6"/>
+          <p:cNvSpPr/>
+          <p:nvPr/>
         </p:nvSpPr>
         <p:spPr>
           <a:xfrm>
-            <a:off x="1524000" y="1122363"/>
-            <a:ext cx="9144000" cy="2387600"/>
+            <a:off x="3175" y="6400800"/>
+            <a:ext cx="12188825" cy="457200"/>
+          </a:xfrm>
+          <a:prstGeom prst="rect">
+            <a:avLst/>
+          </a:prstGeom>
+          <a:solidFill>
+            <a:schemeClr val="accent2"/>
+          </a:solidFill>
+          <a:ln>
+            <a:noFill/>
+          </a:ln>
+        </p:spPr>
+        <p:style>
+          <a:lnRef idx="2">
+            <a:schemeClr val="accent1">
+              <a:shade val="50000"/>
+            </a:schemeClr>
+          </a:lnRef>
+          <a:fillRef idx="1">
+            <a:schemeClr val="accent1"/>
+          </a:fillRef>
+          <a:effectRef idx="0">
+            <a:schemeClr val="accent1"/>
+          </a:effectRef>
+          <a:fontRef idx="minor">
+            <a:schemeClr val="lt1"/>
+          </a:fontRef>
+        </p:style>
+      </p:sp>
+      <p:sp>
+        <p:nvSpPr>
+          <p:cNvPr id="8" name="Rectangle 7"/>
+          <p:cNvSpPr/>
+          <p:nvPr/>
+        </p:nvSpPr>
+        <p:spPr>
+          <a:xfrm>
+            <a:off x="15" y="6334316"/>
+            <a:ext cx="12188825" cy="64008"/>
+          </a:xfrm>
+          <a:prstGeom prst="rect">
+            <a:avLst/>
+          </a:prstGeom>
+          <a:solidFill>
+            <a:schemeClr val="accent1"/>
+          </a:solidFill>
+          <a:ln>
+            <a:noFill/>
+          </a:ln>
+        </p:spPr>
+        <p:style>
+          <a:lnRef idx="2">
+            <a:schemeClr val="accent1">
+              <a:shade val="50000"/>
+            </a:schemeClr>
+          </a:lnRef>
+          <a:fillRef idx="1">
+            <a:schemeClr val="accent1"/>
+          </a:fillRef>
+          <a:effectRef idx="0">
+            <a:schemeClr val="accent1"/>
+          </a:effectRef>
+          <a:fontRef idx="minor">
+            <a:schemeClr val="lt1"/>
+          </a:fontRef>
+        </p:style>
+      </p:sp>
+      <p:sp>
+        <p:nvSpPr>
+          <p:cNvPr id="2" name="Title 1"/>
+          <p:cNvSpPr>
+            <a:spLocks noGrp="1"/>
+          </p:cNvSpPr>
+          <p:nvPr>
+            <p:ph type="ctrTitle"/>
+          </p:nvPr>
+        </p:nvSpPr>
+        <p:spPr>
+          <a:xfrm>
+            <a:off x="1097280" y="758952"/>
+            <a:ext cx="10058400" cy="3566160"/>
           </a:xfrm>
         </p:spPr>
         <p:txBody>
-          <a:bodyPr anchor="b"/>
+          <a:bodyPr anchor="b">
+            <a:normAutofit/>
+          </a:bodyPr>
           <a:lstStyle>
-            <a:lvl1pPr algn="ctr">
-              <a:defRPr sz="6000"/>
+            <a:lvl1pPr algn="l">
+              <a:lnSpc>
+                <a:spcPct val="85000"/>
+              </a:lnSpc>
+              <a:defRPr sz="8000" spc="-50" baseline="0">
+                <a:solidFill>
+                  <a:schemeClr val="tx1">
+                    <a:lumMod val="85000"/>
+                    <a:lumOff val="15000"/>
+                  </a:schemeClr>
+                </a:solidFill>
+              </a:defRPr>
             </a:lvl1pPr>
           </a:lstStyle>
           <a:p>
@@ -190,6 +279,7 @@
               <a:rPr lang="en-US"/>
               <a:t>Click to edit Master title style</a:t>
             </a:r>
+            <a:endParaRPr lang="en-US" dirty="0"/>
           </a:p>
         </p:txBody>
       </p:sp>
@@ -205,48 +295,55 @@
         </p:nvSpPr>
         <p:spPr>
           <a:xfrm>
-            <a:off x="1524000" y="3602038"/>
-            <a:ext cx="9144000" cy="1655762"/>
+            <a:off x="1100051" y="4455620"/>
+            <a:ext cx="10058400" cy="1143000"/>
           </a:xfrm>
         </p:spPr>
         <p:txBody>
-          <a:bodyPr/>
+          <a:bodyPr lIns="91440" rIns="91440">
+            <a:normAutofit/>
+          </a:bodyPr>
           <a:lstStyle>
-            <a:lvl1pPr marL="0" indent="0" algn="ctr">
+            <a:lvl1pPr marL="0" indent="0" algn="l">
               <a:buNone/>
-              <a:defRPr sz="2400"/>
+              <a:defRPr sz="2400" cap="all" spc="200" baseline="0">
+                <a:solidFill>
+                  <a:schemeClr val="tx2"/>
+                </a:solidFill>
+                <a:latin typeface="+mj-lt"/>
+              </a:defRPr>
             </a:lvl1pPr>
             <a:lvl2pPr marL="457200" indent="0" algn="ctr">
               <a:buNone/>
-              <a:defRPr sz="2000"/>
+              <a:defRPr sz="2400"/>
             </a:lvl2pPr>
             <a:lvl3pPr marL="914400" indent="0" algn="ctr">
               <a:buNone/>
-              <a:defRPr sz="1800"/>
+              <a:defRPr sz="2400"/>
             </a:lvl3pPr>
             <a:lvl4pPr marL="1371600" indent="0" algn="ctr">
               <a:buNone/>
-              <a:defRPr sz="1600"/>
+              <a:defRPr sz="2000"/>
             </a:lvl4pPr>
             <a:lvl5pPr marL="1828800" indent="0" algn="ctr">
               <a:buNone/>
-              <a:defRPr sz="1600"/>
+              <a:defRPr sz="2000"/>
             </a:lvl5pPr>
             <a:lvl6pPr marL="2286000" indent="0" algn="ctr">
               <a:buNone/>
-              <a:defRPr sz="1600"/>
+              <a:defRPr sz="2000"/>
             </a:lvl6pPr>
             <a:lvl7pPr marL="2743200" indent="0" algn="ctr">
               <a:buNone/>
-              <a:defRPr sz="1600"/>
+              <a:defRPr sz="2000"/>
             </a:lvl7pPr>
             <a:lvl8pPr marL="3200400" indent="0" algn="ctr">
               <a:buNone/>
-              <a:defRPr sz="1600"/>
+              <a:defRPr sz="2000"/>
             </a:lvl8pPr>
             <a:lvl9pPr marL="3657600" indent="0" algn="ctr">
               <a:buNone/>
-              <a:defRPr sz="1600"/>
+              <a:defRPr sz="2000"/>
             </a:lvl9pPr>
           </a:lstStyle>
           <a:p>
@@ -254,6 +351,7 @@
               <a:rPr lang="en-US"/>
               <a:t>Click to edit Master subtitle style</a:t>
             </a:r>
+            <a:endParaRPr lang="en-US" dirty="0"/>
           </a:p>
         </p:txBody>
       </p:sp>
@@ -322,10 +420,48 @@
           </a:p>
         </p:txBody>
       </p:sp>
+      <p:cxnSp>
+        <p:nvCxnSpPr>
+          <p:cNvPr id="9" name="Straight Connector 8"/>
+          <p:cNvCxnSpPr/>
+          <p:nvPr/>
+        </p:nvCxnSpPr>
+        <p:spPr>
+          <a:xfrm>
+            <a:off x="1207658" y="4343400"/>
+            <a:ext cx="9875520" cy="0"/>
+          </a:xfrm>
+          <a:prstGeom prst="line">
+            <a:avLst/>
+          </a:prstGeom>
+          <a:ln w="6350">
+            <a:solidFill>
+              <a:schemeClr val="tx1">
+                <a:lumMod val="50000"/>
+                <a:lumOff val="50000"/>
+              </a:schemeClr>
+            </a:solidFill>
+          </a:ln>
+        </p:spPr>
+        <p:style>
+          <a:lnRef idx="1">
+            <a:schemeClr val="accent1"/>
+          </a:lnRef>
+          <a:fillRef idx="0">
+            <a:schemeClr val="accent1"/>
+          </a:fillRef>
+          <a:effectRef idx="0">
+            <a:schemeClr val="accent1"/>
+          </a:effectRef>
+          <a:fontRef idx="minor">
+            <a:schemeClr val="tx1"/>
+          </a:fontRef>
+        </p:style>
+      </p:cxnSp>
     </p:spTree>
     <p:extLst>
       <p:ext uri="{BB962C8B-B14F-4D97-AF65-F5344CB8AC3E}">
-        <p14:creationId xmlns:p14="http://schemas.microsoft.com/office/powerpoint/2010/main" val="1560592932"/>
+        <p14:creationId xmlns:p14="http://schemas.microsoft.com/office/powerpoint/2010/main" val="1649942026"/>
       </p:ext>
     </p:extLst>
   </p:cSld>
@@ -371,6 +507,7 @@
               <a:rPr lang="en-US"/>
               <a:t>Click to edit Master title style</a:t>
             </a:r>
+            <a:endParaRPr lang="en-US" dirty="0"/>
           </a:p>
         </p:txBody>
       </p:sp>
@@ -386,7 +523,7 @@
         </p:nvSpPr>
         <p:spPr/>
         <p:txBody>
-          <a:bodyPr vert="eaVert"/>
+          <a:bodyPr vert="eaVert" lIns="45720" tIns="0" rIns="45720" bIns="0"/>
           <a:lstStyle/>
           <a:p>
             <a:pPr lvl="0"/>
@@ -422,6 +559,7 @@
               <a:rPr lang="en-US"/>
               <a:t>Fifth level</a:t>
             </a:r>
+            <a:endParaRPr lang="en-US" dirty="0"/>
           </a:p>
         </p:txBody>
       </p:sp>
@@ -493,7 +631,7 @@
     </p:spTree>
     <p:extLst>
       <p:ext uri="{BB962C8B-B14F-4D97-AF65-F5344CB8AC3E}">
-        <p14:creationId xmlns:p14="http://schemas.microsoft.com/office/powerpoint/2010/main" val="1825568291"/>
+        <p14:creationId xmlns:p14="http://schemas.microsoft.com/office/powerpoint/2010/main" val="2569728462"/>
       </p:ext>
     </p:extLst>
   </p:cSld>
@@ -504,7 +642,7 @@
 </file>
 
 <file path=ppt/slideLayouts/slideLayout11.xml><?xml version="1.0" encoding="utf-8"?>
-<p:sldLayout xmlns:a="http://schemas.openxmlformats.org/drawingml/2006/main" xmlns:r="http://schemas.openxmlformats.org/officeDocument/2006/relationships" xmlns:p="http://schemas.openxmlformats.org/presentationml/2006/main" type="vertTitleAndTx" preserve="1">
+<p:sldLayout xmlns:a="http://schemas.openxmlformats.org/drawingml/2006/main" xmlns:r="http://schemas.openxmlformats.org/officeDocument/2006/relationships" xmlns:p="http://schemas.openxmlformats.org/presentationml/2006/main" showMasterSp="0" type="vertTitleAndTx" preserve="1">
   <p:cSld name="Vertical Title and Text">
     <p:spTree>
       <p:nvGrpSpPr>
@@ -522,18 +660,94 @@
       </p:grpSpPr>
       <p:sp>
         <p:nvSpPr>
-          <p:cNvPr id="2" name="Vertical Title 1"/>
-          <p:cNvSpPr>
-            <a:spLocks noGrp="1"/>
-          </p:cNvSpPr>
-          <p:nvPr>
-            <p:ph type="title" orient="vert"/>
-          </p:nvPr>
+          <p:cNvPr id="7" name="Rectangle 6"/>
+          <p:cNvSpPr/>
+          <p:nvPr/>
         </p:nvSpPr>
         <p:spPr>
           <a:xfrm>
-            <a:off x="8724900" y="365125"/>
-            <a:ext cx="2628900" cy="5811838"/>
+            <a:off x="3175" y="6400800"/>
+            <a:ext cx="12188825" cy="457200"/>
+          </a:xfrm>
+          <a:prstGeom prst="rect">
+            <a:avLst/>
+          </a:prstGeom>
+          <a:solidFill>
+            <a:schemeClr val="accent2"/>
+          </a:solidFill>
+          <a:ln>
+            <a:noFill/>
+          </a:ln>
+        </p:spPr>
+        <p:style>
+          <a:lnRef idx="2">
+            <a:schemeClr val="accent1">
+              <a:shade val="50000"/>
+            </a:schemeClr>
+          </a:lnRef>
+          <a:fillRef idx="1">
+            <a:schemeClr val="accent1"/>
+          </a:fillRef>
+          <a:effectRef idx="0">
+            <a:schemeClr val="accent1"/>
+          </a:effectRef>
+          <a:fontRef idx="minor">
+            <a:schemeClr val="lt1"/>
+          </a:fontRef>
+        </p:style>
+      </p:sp>
+      <p:sp>
+        <p:nvSpPr>
+          <p:cNvPr id="8" name="Rectangle 7"/>
+          <p:cNvSpPr/>
+          <p:nvPr/>
+        </p:nvSpPr>
+        <p:spPr>
+          <a:xfrm>
+            <a:off x="15" y="6334316"/>
+            <a:ext cx="12188825" cy="64008"/>
+          </a:xfrm>
+          <a:prstGeom prst="rect">
+            <a:avLst/>
+          </a:prstGeom>
+          <a:solidFill>
+            <a:schemeClr val="accent1"/>
+          </a:solidFill>
+          <a:ln>
+            <a:noFill/>
+          </a:ln>
+        </p:spPr>
+        <p:style>
+          <a:lnRef idx="2">
+            <a:schemeClr val="accent1">
+              <a:shade val="50000"/>
+            </a:schemeClr>
+          </a:lnRef>
+          <a:fillRef idx="1">
+            <a:schemeClr val="accent1"/>
+          </a:fillRef>
+          <a:effectRef idx="0">
+            <a:schemeClr val="accent1"/>
+          </a:effectRef>
+          <a:fontRef idx="minor">
+            <a:schemeClr val="lt1"/>
+          </a:fontRef>
+        </p:style>
+      </p:sp>
+      <p:sp>
+        <p:nvSpPr>
+          <p:cNvPr id="2" name="Vertical Title 1"/>
+          <p:cNvSpPr>
+            <a:spLocks noGrp="1"/>
+          </p:cNvSpPr>
+          <p:nvPr>
+            <p:ph type="title" orient="vert"/>
+          </p:nvPr>
+        </p:nvSpPr>
+        <p:spPr>
+          <a:xfrm>
+            <a:off x="8724900" y="414778"/>
+            <a:ext cx="2628900" cy="5757421"/>
           </a:xfrm>
         </p:spPr>
         <p:txBody>
@@ -544,6 +758,7 @@
               <a:rPr lang="en-US"/>
               <a:t>Click to edit Master title style</a:t>
             </a:r>
+            <a:endParaRPr lang="en-US" dirty="0"/>
           </a:p>
         </p:txBody>
       </p:sp>
@@ -559,12 +774,12 @@
         </p:nvSpPr>
         <p:spPr>
           <a:xfrm>
-            <a:off x="838200" y="365125"/>
-            <a:ext cx="7734300" cy="5811838"/>
+            <a:off x="838200" y="414778"/>
+            <a:ext cx="7734300" cy="5757422"/>
           </a:xfrm>
         </p:spPr>
         <p:txBody>
-          <a:bodyPr vert="eaVert"/>
+          <a:bodyPr vert="eaVert" lIns="45720" tIns="0" rIns="45720" bIns="0"/>
           <a:lstStyle/>
           <a:p>
             <a:pPr lvl="0"/>
@@ -600,6 +815,7 @@
               <a:rPr lang="en-US"/>
               <a:t>Fifth level</a:t>
             </a:r>
+            <a:endParaRPr lang="en-US" dirty="0"/>
           </a:p>
         </p:txBody>
       </p:sp>
@@ -671,7 +887,7 @@
     </p:spTree>
     <p:extLst>
       <p:ext uri="{BB962C8B-B14F-4D97-AF65-F5344CB8AC3E}">
-        <p14:creationId xmlns:p14="http://schemas.microsoft.com/office/powerpoint/2010/main" val="2485708988"/>
+        <p14:creationId xmlns:p14="http://schemas.microsoft.com/office/powerpoint/2010/main" val="1760914605"/>
       </p:ext>
     </p:extLst>
   </p:cSld>
@@ -711,12 +927,17 @@
         <p:spPr/>
         <p:txBody>
           <a:bodyPr/>
-          <a:lstStyle/>
+          <a:lstStyle>
+            <a:lvl1pPr marL="0">
+              <a:defRPr/>
+            </a:lvl1pPr>
+          </a:lstStyle>
           <a:p>
             <a:r>
               <a:rPr lang="en-US"/>
               <a:t>Click to edit Master title style</a:t>
             </a:r>
+            <a:endParaRPr lang="en-US" dirty="0"/>
           </a:p>
         </p:txBody>
       </p:sp>
@@ -768,6 +989,7 @@
               <a:rPr lang="en-US"/>
               <a:t>Fifth level</a:t>
             </a:r>
+            <a:endParaRPr lang="en-US" dirty="0"/>
           </a:p>
         </p:txBody>
       </p:sp>
@@ -839,7 +1061,7 @@
     </p:spTree>
     <p:extLst>
       <p:ext uri="{BB962C8B-B14F-4D97-AF65-F5344CB8AC3E}">
-        <p14:creationId xmlns:p14="http://schemas.microsoft.com/office/powerpoint/2010/main" val="3041381559"/>
+        <p14:creationId xmlns:p14="http://schemas.microsoft.com/office/powerpoint/2010/main" val="2139568033"/>
       </p:ext>
     </p:extLst>
   </p:cSld>
@@ -850,8 +1072,16 @@
 </file>
 
 <file path=ppt/slideLayouts/slideLayout3.xml><?xml version="1.0" encoding="utf-8"?>
-<p:sldLayout xmlns:a="http://schemas.openxmlformats.org/drawingml/2006/main" xmlns:r="http://schemas.openxmlformats.org/officeDocument/2006/relationships" xmlns:p="http://schemas.openxmlformats.org/presentationml/2006/main" type="secHead" preserve="1">
+<p:sldLayout xmlns:a="http://schemas.openxmlformats.org/drawingml/2006/main" xmlns:r="http://schemas.openxmlformats.org/officeDocument/2006/relationships" xmlns:p="http://schemas.openxmlformats.org/presentationml/2006/main" showMasterSp="0" type="secHead" preserve="1">
   <p:cSld name="Section Header">
+    <p:bg>
+      <p:bgPr>
+        <a:solidFill>
+          <a:schemeClr val="bg1"/>
+        </a:solidFill>
+        <a:effectLst/>
+      </p:bgPr>
+    </p:bg>
     <p:spTree>
       <p:nvGrpSpPr>
         <p:cNvPr id="1" name=""/>
@@ -868,67 +1098,157 @@
       </p:grpSpPr>
       <p:sp>
         <p:nvSpPr>
-          <p:cNvPr id="2" name="Title 1"/>
-          <p:cNvSpPr>
-            <a:spLocks noGrp="1"/>
-          </p:cNvSpPr>
-          <p:nvPr>
-            <p:ph type="title"/>
-          </p:nvPr>
+          <p:cNvPr id="7" name="Rectangle 6"/>
+          <p:cNvSpPr/>
+          <p:nvPr/>
         </p:nvSpPr>
         <p:spPr>
           <a:xfrm>
-            <a:off x="831850" y="1709738"/>
-            <a:ext cx="10515600" cy="2852737"/>
+            <a:off x="3175" y="6400800"/>
+            <a:ext cx="12188825" cy="457200"/>
+          </a:xfrm>
+          <a:prstGeom prst="rect">
+            <a:avLst/>
+          </a:prstGeom>
+          <a:solidFill>
+            <a:schemeClr val="accent2"/>
+          </a:solidFill>
+          <a:ln>
+            <a:noFill/>
+          </a:ln>
+        </p:spPr>
+        <p:style>
+          <a:lnRef idx="2">
+            <a:schemeClr val="accent1">
+              <a:shade val="50000"/>
+            </a:schemeClr>
+          </a:lnRef>
+          <a:fillRef idx="1">
+            <a:schemeClr val="accent1"/>
+          </a:fillRef>
+          <a:effectRef idx="0">
+            <a:schemeClr val="accent1"/>
+          </a:effectRef>
+          <a:fontRef idx="minor">
+            <a:schemeClr val="lt1"/>
+          </a:fontRef>
+        </p:style>
+      </p:sp>
+      <p:sp>
+        <p:nvSpPr>
+          <p:cNvPr id="8" name="Rectangle 7"/>
+          <p:cNvSpPr/>
+          <p:nvPr/>
+        </p:nvSpPr>
+        <p:spPr>
+          <a:xfrm>
+            <a:off x="15" y="6334316"/>
+            <a:ext cx="12188825" cy="64008"/>
+          </a:xfrm>
+          <a:prstGeom prst="rect">
+            <a:avLst/>
+          </a:prstGeom>
+          <a:solidFill>
+            <a:schemeClr val="accent1"/>
+          </a:solidFill>
+          <a:ln>
+            <a:noFill/>
+          </a:ln>
+        </p:spPr>
+        <p:style>
+          <a:lnRef idx="2">
+            <a:schemeClr val="accent1">
+              <a:shade val="50000"/>
+            </a:schemeClr>
+          </a:lnRef>
+          <a:fillRef idx="1">
+            <a:schemeClr val="accent1"/>
+          </a:fillRef>
+          <a:effectRef idx="0">
+            <a:schemeClr val="accent1"/>
+          </a:effectRef>
+          <a:fontRef idx="minor">
+            <a:schemeClr val="lt1"/>
+          </a:fontRef>
+        </p:style>
+      </p:sp>
+      <p:sp>
+        <p:nvSpPr>
+          <p:cNvPr id="2" name="Title 1"/>
+          <p:cNvSpPr>
+            <a:spLocks noGrp="1"/>
+          </p:cNvSpPr>
+          <p:nvPr>
+            <p:ph type="title"/>
+          </p:nvPr>
+        </p:nvSpPr>
+        <p:spPr>
+          <a:xfrm>
+            <a:off x="1097280" y="758952"/>
+            <a:ext cx="10058400" cy="3566160"/>
           </a:xfrm>
         </p:spPr>
         <p:txBody>
-          <a:bodyPr anchor="b"/>
+          <a:bodyPr anchor="b" anchorCtr="0">
+            <a:normAutofit/>
+          </a:bodyPr>
           <a:lstStyle>
             <a:lvl1pPr>
-              <a:defRPr sz="6000"/>
-            </a:lvl1pPr>
-          </a:lstStyle>
-          <a:p>
-            <a:r>
-              <a:rPr lang="en-US"/>
-              <a:t>Click to edit Master title style</a:t>
-            </a:r>
-          </a:p>
-        </p:txBody>
-      </p:sp>
-      <p:sp>
-        <p:nvSpPr>
-          <p:cNvPr id="3" name="Text Placeholder 2"/>
-          <p:cNvSpPr>
-            <a:spLocks noGrp="1"/>
-          </p:cNvSpPr>
-          <p:nvPr>
-            <p:ph type="body" idx="1"/>
-          </p:nvPr>
-        </p:nvSpPr>
-        <p:spPr>
-          <a:xfrm>
-            <a:off x="831850" y="4589463"/>
-            <a:ext cx="10515600" cy="1500187"/>
-          </a:xfrm>
-        </p:spPr>
-        <p:txBody>
-          <a:bodyPr/>
-          <a:lstStyle>
-            <a:lvl1pPr marL="0" indent="0">
-              <a:buNone/>
-              <a:defRPr sz="2400">
+              <a:lnSpc>
+                <a:spcPct val="85000"/>
+              </a:lnSpc>
+              <a:defRPr sz="8000" b="0">
                 <a:solidFill>
                   <a:schemeClr val="tx1">
-                    <a:tint val="75000"/>
+                    <a:lumMod val="85000"/>
+                    <a:lumOff val="15000"/>
                   </a:schemeClr>
                 </a:solidFill>
               </a:defRPr>
             </a:lvl1pPr>
+          </a:lstStyle>
+          <a:p>
+            <a:r>
+              <a:rPr lang="en-US"/>
+              <a:t>Click to edit Master title style</a:t>
+            </a:r>
+            <a:endParaRPr lang="en-US" dirty="0"/>
+          </a:p>
+        </p:txBody>
+      </p:sp>
+      <p:sp>
+        <p:nvSpPr>
+          <p:cNvPr id="3" name="Text Placeholder 2"/>
+          <p:cNvSpPr>
+            <a:spLocks noGrp="1"/>
+          </p:cNvSpPr>
+          <p:nvPr>
+            <p:ph type="body" idx="1"/>
+          </p:nvPr>
+        </p:nvSpPr>
+        <p:spPr>
+          <a:xfrm>
+            <a:off x="1097280" y="4453128"/>
+            <a:ext cx="10058400" cy="1143000"/>
+          </a:xfrm>
+        </p:spPr>
+        <p:txBody>
+          <a:bodyPr lIns="91440" rIns="91440" anchor="t" anchorCtr="0">
+            <a:normAutofit/>
+          </a:bodyPr>
+          <a:lstStyle>
+            <a:lvl1pPr marL="0" indent="0">
+              <a:buNone/>
+              <a:defRPr sz="2400" cap="all" spc="200" baseline="0">
+                <a:solidFill>
+                  <a:schemeClr val="tx2"/>
+                </a:solidFill>
+                <a:latin typeface="+mj-lt"/>
+              </a:defRPr>
+            </a:lvl1pPr>
             <a:lvl2pPr marL="457200" indent="0">
               <a:buNone/>
-              <a:defRPr sz="2000">
+              <a:defRPr sz="1800">
                 <a:solidFill>
                   <a:schemeClr val="tx1">
                     <a:tint val="75000"/>
@@ -938,7 +1258,7 @@
             </a:lvl2pPr>
             <a:lvl3pPr marL="914400" indent="0">
               <a:buNone/>
-              <a:defRPr sz="1800">
+              <a:defRPr sz="1600">
                 <a:solidFill>
                   <a:schemeClr val="tx1">
                     <a:tint val="75000"/>
@@ -948,7 +1268,7 @@
             </a:lvl3pPr>
             <a:lvl4pPr marL="1371600" indent="0">
               <a:buNone/>
-              <a:defRPr sz="1600">
+              <a:defRPr sz="1400">
                 <a:solidFill>
                   <a:schemeClr val="tx1">
                     <a:tint val="75000"/>
@@ -958,7 +1278,7 @@
             </a:lvl4pPr>
             <a:lvl5pPr marL="1828800" indent="0">
               <a:buNone/>
-              <a:defRPr sz="1600">
+              <a:defRPr sz="1400">
                 <a:solidFill>
                   <a:schemeClr val="tx1">
                     <a:tint val="75000"/>
@@ -968,7 +1288,7 @@
             </a:lvl5pPr>
             <a:lvl6pPr marL="2286000" indent="0">
               <a:buNone/>
-              <a:defRPr sz="1600">
+              <a:defRPr sz="1400">
                 <a:solidFill>
                   <a:schemeClr val="tx1">
                     <a:tint val="75000"/>
@@ -978,7 +1298,7 @@
             </a:lvl6pPr>
             <a:lvl7pPr marL="2743200" indent="0">
               <a:buNone/>
-              <a:defRPr sz="1600">
+              <a:defRPr sz="1400">
                 <a:solidFill>
                   <a:schemeClr val="tx1">
                     <a:tint val="75000"/>
@@ -988,7 +1308,7 @@
             </a:lvl7pPr>
             <a:lvl8pPr marL="3200400" indent="0">
               <a:buNone/>
-              <a:defRPr sz="1600">
+              <a:defRPr sz="1400">
                 <a:solidFill>
                   <a:schemeClr val="tx1">
                     <a:tint val="75000"/>
@@ -998,7 +1318,7 @@
             </a:lvl8pPr>
             <a:lvl9pPr marL="3657600" indent="0">
               <a:buNone/>
-              <a:defRPr sz="1600">
+              <a:defRPr sz="1400">
                 <a:solidFill>
                   <a:schemeClr val="tx1">
                     <a:tint val="75000"/>
@@ -1081,10 +1401,48 @@
           </a:p>
         </p:txBody>
       </p:sp>
+      <p:cxnSp>
+        <p:nvCxnSpPr>
+          <p:cNvPr id="9" name="Straight Connector 8"/>
+          <p:cNvCxnSpPr/>
+          <p:nvPr/>
+        </p:nvCxnSpPr>
+        <p:spPr>
+          <a:xfrm>
+            <a:off x="1207658" y="4343400"/>
+            <a:ext cx="9875520" cy="0"/>
+          </a:xfrm>
+          <a:prstGeom prst="line">
+            <a:avLst/>
+          </a:prstGeom>
+          <a:ln w="6350">
+            <a:solidFill>
+              <a:schemeClr val="tx1">
+                <a:lumMod val="50000"/>
+                <a:lumOff val="50000"/>
+              </a:schemeClr>
+            </a:solidFill>
+          </a:ln>
+        </p:spPr>
+        <p:style>
+          <a:lnRef idx="1">
+            <a:schemeClr val="accent1"/>
+          </a:lnRef>
+          <a:fillRef idx="0">
+            <a:schemeClr val="accent1"/>
+          </a:fillRef>
+          <a:effectRef idx="0">
+            <a:schemeClr val="accent1"/>
+          </a:effectRef>
+          <a:fontRef idx="minor">
+            <a:schemeClr val="tx1"/>
+          </a:fontRef>
+        </p:style>
+      </p:cxnSp>
     </p:spTree>
     <p:extLst>
       <p:ext uri="{BB962C8B-B14F-4D97-AF65-F5344CB8AC3E}">
-        <p14:creationId xmlns:p14="http://schemas.microsoft.com/office/powerpoint/2010/main" val="3367980741"/>
+        <p14:creationId xmlns:p14="http://schemas.microsoft.com/office/powerpoint/2010/main" val="972028354"/>
       </p:ext>
     </p:extLst>
   </p:cSld>
@@ -1113,7 +1471,7 @@
       </p:grpSpPr>
       <p:sp>
         <p:nvSpPr>
-          <p:cNvPr id="2" name="Title 1"/>
+          <p:cNvPr id="8" name="Title 7"/>
           <p:cNvSpPr>
             <a:spLocks noGrp="1"/>
           </p:cNvSpPr>
@@ -1121,7 +1479,12 @@
             <p:ph type="title"/>
           </p:nvPr>
         </p:nvSpPr>
-        <p:spPr/>
+        <p:spPr>
+          <a:xfrm>
+            <a:off x="1097280" y="286603"/>
+            <a:ext cx="10058400" cy="1450757"/>
+          </a:xfrm>
+        </p:spPr>
         <p:txBody>
           <a:bodyPr/>
           <a:lstStyle/>
@@ -1130,6 +1493,7 @@
               <a:rPr lang="en-US"/>
               <a:t>Click to edit Master title style</a:t>
             </a:r>
+            <a:endParaRPr lang="en-US" dirty="0"/>
           </a:p>
         </p:txBody>
       </p:sp>
@@ -1145,8 +1509,8 @@
         </p:nvSpPr>
         <p:spPr>
           <a:xfrm>
-            <a:off x="838200" y="1825625"/>
-            <a:ext cx="5181600" cy="4351338"/>
+            <a:off x="1097279" y="1845734"/>
+            <a:ext cx="4937760" cy="4023360"/>
           </a:xfrm>
         </p:spPr>
         <p:txBody>
@@ -1186,6 +1550,7 @@
               <a:rPr lang="en-US"/>
               <a:t>Fifth level</a:t>
             </a:r>
+            <a:endParaRPr lang="en-US" dirty="0"/>
           </a:p>
         </p:txBody>
       </p:sp>
@@ -1201,8 +1566,8 @@
         </p:nvSpPr>
         <p:spPr>
           <a:xfrm>
-            <a:off x="6172200" y="1825625"/>
-            <a:ext cx="5181600" cy="4351338"/>
+            <a:off x="6217920" y="1845735"/>
+            <a:ext cx="4937760" cy="4023360"/>
           </a:xfrm>
         </p:spPr>
         <p:txBody>
@@ -1242,6 +1607,7 @@
               <a:rPr lang="en-US"/>
               <a:t>Fifth level</a:t>
             </a:r>
+            <a:endParaRPr lang="en-US" dirty="0"/>
           </a:p>
         </p:txBody>
       </p:sp>
@@ -1313,7 +1679,7 @@
     </p:spTree>
     <p:extLst>
       <p:ext uri="{BB962C8B-B14F-4D97-AF65-F5344CB8AC3E}">
-        <p14:creationId xmlns:p14="http://schemas.microsoft.com/office/powerpoint/2010/main" val="92553272"/>
+        <p14:creationId xmlns:p14="http://schemas.microsoft.com/office/powerpoint/2010/main" val="3373649887"/>
       </p:ext>
     </p:extLst>
   </p:cSld>
@@ -1342,7 +1708,7 @@
       </p:grpSpPr>
       <p:sp>
         <p:nvSpPr>
-          <p:cNvPr id="2" name="Title 1"/>
+          <p:cNvPr id="10" name="Title 9"/>
           <p:cNvSpPr>
             <a:spLocks noGrp="1"/>
           </p:cNvSpPr>
@@ -1352,8 +1718,8 @@
         </p:nvSpPr>
         <p:spPr>
           <a:xfrm>
-            <a:off x="839788" y="365125"/>
-            <a:ext cx="10515600" cy="1325563"/>
+            <a:off x="1097280" y="286603"/>
+            <a:ext cx="10058400" cy="1450757"/>
           </a:xfrm>
         </p:spPr>
         <p:txBody>
@@ -1364,6 +1730,7 @@
               <a:rPr lang="en-US"/>
               <a:t>Click to edit Master title style</a:t>
             </a:r>
+            <a:endParaRPr lang="en-US" dirty="0"/>
           </a:p>
         </p:txBody>
       </p:sp>
@@ -1379,16 +1746,22 @@
         </p:nvSpPr>
         <p:spPr>
           <a:xfrm>
-            <a:off x="839788" y="1681163"/>
-            <a:ext cx="5157787" cy="823912"/>
+            <a:off x="1097280" y="1846052"/>
+            <a:ext cx="4937760" cy="736282"/>
           </a:xfrm>
         </p:spPr>
         <p:txBody>
-          <a:bodyPr anchor="b"/>
+          <a:bodyPr lIns="91440" rIns="91440" anchor="ctr">
+            <a:normAutofit/>
+          </a:bodyPr>
           <a:lstStyle>
             <a:lvl1pPr marL="0" indent="0">
               <a:buNone/>
-              <a:defRPr sz="2400" b="1"/>
+              <a:defRPr sz="2000" b="0" cap="all" baseline="0">
+                <a:solidFill>
+                  <a:schemeClr val="tx2"/>
+                </a:solidFill>
+              </a:defRPr>
             </a:lvl1pPr>
             <a:lvl2pPr marL="457200" indent="0">
               <a:buNone/>
@@ -1444,8 +1817,8 @@
         </p:nvSpPr>
         <p:spPr>
           <a:xfrm>
-            <a:off x="839788" y="2505075"/>
-            <a:ext cx="5157787" cy="3684588"/>
+            <a:off x="1097280" y="2582334"/>
+            <a:ext cx="4937760" cy="3378200"/>
           </a:xfrm>
         </p:spPr>
         <p:txBody>
@@ -1485,6 +1858,7 @@
               <a:rPr lang="en-US"/>
               <a:t>Fifth level</a:t>
             </a:r>
+            <a:endParaRPr lang="en-US" dirty="0"/>
           </a:p>
         </p:txBody>
       </p:sp>
@@ -1500,16 +1874,22 @@
         </p:nvSpPr>
         <p:spPr>
           <a:xfrm>
-            <a:off x="6172200" y="1681163"/>
-            <a:ext cx="5183188" cy="823912"/>
+            <a:off x="6217920" y="1846052"/>
+            <a:ext cx="4937760" cy="736282"/>
           </a:xfrm>
         </p:spPr>
         <p:txBody>
-          <a:bodyPr anchor="b"/>
+          <a:bodyPr lIns="91440" rIns="91440" anchor="ctr">
+            <a:normAutofit/>
+          </a:bodyPr>
           <a:lstStyle>
             <a:lvl1pPr marL="0" indent="0">
               <a:buNone/>
-              <a:defRPr sz="2400" b="1"/>
+              <a:defRPr sz="2000" b="0" cap="all" baseline="0">
+                <a:solidFill>
+                  <a:schemeClr val="tx2"/>
+                </a:solidFill>
+              </a:defRPr>
             </a:lvl1pPr>
             <a:lvl2pPr marL="457200" indent="0">
               <a:buNone/>
@@ -1565,8 +1945,8 @@
         </p:nvSpPr>
         <p:spPr>
           <a:xfrm>
-            <a:off x="6172200" y="2505075"/>
-            <a:ext cx="5183188" cy="3684588"/>
+            <a:off x="6217920" y="2582334"/>
+            <a:ext cx="4937760" cy="3378200"/>
           </a:xfrm>
         </p:spPr>
         <p:txBody>
@@ -1606,6 +1986,7 @@
               <a:rPr lang="en-US"/>
               <a:t>Fifth level</a:t>
             </a:r>
+            <a:endParaRPr lang="en-US" dirty="0"/>
           </a:p>
         </p:txBody>
       </p:sp>
@@ -1677,7 +2058,7 @@
     </p:spTree>
     <p:extLst>
       <p:ext uri="{BB962C8B-B14F-4D97-AF65-F5344CB8AC3E}">
-        <p14:creationId xmlns:p14="http://schemas.microsoft.com/office/powerpoint/2010/main" val="1050454515"/>
+        <p14:creationId xmlns:p14="http://schemas.microsoft.com/office/powerpoint/2010/main" val="3099224843"/>
       </p:ext>
     </p:extLst>
   </p:cSld>
@@ -1723,6 +2104,7 @@
               <a:rPr lang="en-US"/>
               <a:t>Click to edit Master title style</a:t>
             </a:r>
+            <a:endParaRPr lang="en-US" dirty="0"/>
           </a:p>
         </p:txBody>
       </p:sp>
@@ -1794,7 +2176,7 @@
     </p:spTree>
     <p:extLst>
       <p:ext uri="{BB962C8B-B14F-4D97-AF65-F5344CB8AC3E}">
-        <p14:creationId xmlns:p14="http://schemas.microsoft.com/office/powerpoint/2010/main" val="1768151115"/>
+        <p14:creationId xmlns:p14="http://schemas.microsoft.com/office/powerpoint/2010/main" val="1562606777"/>
       </p:ext>
     </p:extLst>
   </p:cSld>
@@ -1805,7 +2187,7 @@
 </file>
 
 <file path=ppt/slideLayouts/slideLayout7.xml><?xml version="1.0" encoding="utf-8"?>
-<p:sldLayout xmlns:a="http://schemas.openxmlformats.org/drawingml/2006/main" xmlns:r="http://schemas.openxmlformats.org/officeDocument/2006/relationships" xmlns:p="http://schemas.openxmlformats.org/presentationml/2006/main" type="blank" preserve="1">
+<p:sldLayout xmlns:a="http://schemas.openxmlformats.org/drawingml/2006/main" xmlns:r="http://schemas.openxmlformats.org/officeDocument/2006/relationships" xmlns:p="http://schemas.openxmlformats.org/presentationml/2006/main" showMasterSp="0" type="blank" preserve="1">
   <p:cSld name="Blank">
     <p:spTree>
       <p:nvGrpSpPr>
@@ -1823,7 +2205,83 @@
       </p:grpSpPr>
       <p:sp>
         <p:nvSpPr>
-          <p:cNvPr id="2" name="Date Placeholder 1"/>
+          <p:cNvPr id="5" name="Rectangle 4"/>
+          <p:cNvSpPr/>
+          <p:nvPr/>
+        </p:nvSpPr>
+        <p:spPr>
+          <a:xfrm>
+            <a:off x="3175" y="6400800"/>
+            <a:ext cx="12188825" cy="457200"/>
+          </a:xfrm>
+          <a:prstGeom prst="rect">
+            <a:avLst/>
+          </a:prstGeom>
+          <a:solidFill>
+            <a:schemeClr val="accent2"/>
+          </a:solidFill>
+          <a:ln>
+            <a:noFill/>
+          </a:ln>
+        </p:spPr>
+        <p:style>
+          <a:lnRef idx="2">
+            <a:schemeClr val="accent1">
+              <a:shade val="50000"/>
+            </a:schemeClr>
+          </a:lnRef>
+          <a:fillRef idx="1">
+            <a:schemeClr val="accent1"/>
+          </a:fillRef>
+          <a:effectRef idx="0">
+            <a:schemeClr val="accent1"/>
+          </a:effectRef>
+          <a:fontRef idx="minor">
+            <a:schemeClr val="lt1"/>
+          </a:fontRef>
+        </p:style>
+      </p:sp>
+      <p:sp>
+        <p:nvSpPr>
+          <p:cNvPr id="6" name="Rectangle 5"/>
+          <p:cNvSpPr/>
+          <p:nvPr/>
+        </p:nvSpPr>
+        <p:spPr>
+          <a:xfrm>
+            <a:off x="15" y="6334316"/>
+            <a:ext cx="12188825" cy="64008"/>
+          </a:xfrm>
+          <a:prstGeom prst="rect">
+            <a:avLst/>
+          </a:prstGeom>
+          <a:solidFill>
+            <a:schemeClr val="accent1"/>
+          </a:solidFill>
+          <a:ln>
+            <a:noFill/>
+          </a:ln>
+        </p:spPr>
+        <p:style>
+          <a:lnRef idx="2">
+            <a:schemeClr val="accent1">
+              <a:shade val="50000"/>
+            </a:schemeClr>
+          </a:lnRef>
+          <a:fillRef idx="1">
+            <a:schemeClr val="accent1"/>
+          </a:fillRef>
+          <a:effectRef idx="0">
+            <a:schemeClr val="accent1"/>
+          </a:effectRef>
+          <a:fontRef idx="minor">
+            <a:schemeClr val="lt1"/>
+          </a:fontRef>
+        </p:style>
+      </p:sp>
+      <p:sp>
+        <p:nvSpPr>
+          <p:cNvPr id="7" name="Date Placeholder 6"/>
           <p:cNvSpPr>
             <a:spLocks noGrp="1"/>
           </p:cNvSpPr>
@@ -1846,7 +2304,7 @@
       </p:sp>
       <p:sp>
         <p:nvSpPr>
-          <p:cNvPr id="3" name="Footer Placeholder 2"/>
+          <p:cNvPr id="8" name="Footer Placeholder 7"/>
           <p:cNvSpPr>
             <a:spLocks noGrp="1"/>
           </p:cNvSpPr>
@@ -1857,7 +2315,15 @@
         <p:spPr/>
         <p:txBody>
           <a:bodyPr/>
-          <a:lstStyle/>
+          <a:lstStyle>
+            <a:lvl1pPr>
+              <a:defRPr>
+                <a:solidFill>
+                  <a:srgbClr val="FFFFFF"/>
+                </a:solidFill>
+              </a:defRPr>
+            </a:lvl1pPr>
+          </a:lstStyle>
           <a:p>
             <a:endParaRPr lang="en-US"/>
           </a:p>
@@ -1865,7 +2331,7 @@
       </p:sp>
       <p:sp>
         <p:nvSpPr>
-          <p:cNvPr id="4" name="Slide Number Placeholder 3"/>
+          <p:cNvPr id="9" name="Slide Number Placeholder 8"/>
           <p:cNvSpPr>
             <a:spLocks noGrp="1"/>
           </p:cNvSpPr>
@@ -1889,7 +2355,7 @@
     </p:spTree>
     <p:extLst>
       <p:ext uri="{BB962C8B-B14F-4D97-AF65-F5344CB8AC3E}">
-        <p14:creationId xmlns:p14="http://schemas.microsoft.com/office/powerpoint/2010/main" val="2029120822"/>
+        <p14:creationId xmlns:p14="http://schemas.microsoft.com/office/powerpoint/2010/main" val="3418318741"/>
       </p:ext>
     </p:extLst>
   </p:cSld>
@@ -1900,7 +2366,7 @@
 </file>
 
 <file path=ppt/slideLayouts/slideLayout8.xml><?xml version="1.0" encoding="utf-8"?>
-<p:sldLayout xmlns:a="http://schemas.openxmlformats.org/drawingml/2006/main" xmlns:r="http://schemas.openxmlformats.org/officeDocument/2006/relationships" xmlns:p="http://schemas.openxmlformats.org/presentationml/2006/main" type="objTx" preserve="1">
+<p:sldLayout xmlns:a="http://schemas.openxmlformats.org/drawingml/2006/main" xmlns:r="http://schemas.openxmlformats.org/officeDocument/2006/relationships" xmlns:p="http://schemas.openxmlformats.org/presentationml/2006/main" showMasterSp="0" type="objTx" preserve="1">
   <p:cSld name="Content with Caption">
     <p:spTree>
       <p:nvGrpSpPr>
@@ -1918,25 +2384,107 @@
       </p:grpSpPr>
       <p:sp>
         <p:nvSpPr>
-          <p:cNvPr id="2" name="Title 1"/>
-          <p:cNvSpPr>
-            <a:spLocks noGrp="1"/>
-          </p:cNvSpPr>
-          <p:nvPr>
-            <p:ph type="title"/>
-          </p:nvPr>
+          <p:cNvPr id="8" name="Rectangle 7"/>
+          <p:cNvSpPr/>
+          <p:nvPr/>
         </p:nvSpPr>
         <p:spPr>
           <a:xfrm>
-            <a:off x="839788" y="457200"/>
-            <a:ext cx="3932237" cy="1600200"/>
+            <a:off x="16" y="0"/>
+            <a:ext cx="4050791" cy="6858000"/>
+          </a:xfrm>
+          <a:prstGeom prst="rect">
+            <a:avLst/>
+          </a:prstGeom>
+          <a:solidFill>
+            <a:schemeClr val="accent2"/>
+          </a:solidFill>
+          <a:ln>
+            <a:noFill/>
+          </a:ln>
+        </p:spPr>
+        <p:style>
+          <a:lnRef idx="2">
+            <a:schemeClr val="accent1">
+              <a:shade val="50000"/>
+            </a:schemeClr>
+          </a:lnRef>
+          <a:fillRef idx="1">
+            <a:schemeClr val="accent1"/>
+          </a:fillRef>
+          <a:effectRef idx="0">
+            <a:schemeClr val="accent1"/>
+          </a:effectRef>
+          <a:fontRef idx="minor">
+            <a:schemeClr val="lt1"/>
+          </a:fontRef>
+        </p:style>
+      </p:sp>
+      <p:sp>
+        <p:nvSpPr>
+          <p:cNvPr id="9" name="Rectangle 8"/>
+          <p:cNvSpPr/>
+          <p:nvPr/>
+        </p:nvSpPr>
+        <p:spPr>
+          <a:xfrm>
+            <a:off x="4040071" y="0"/>
+            <a:ext cx="64008" cy="6858000"/>
+          </a:xfrm>
+          <a:prstGeom prst="rect">
+            <a:avLst/>
+          </a:prstGeom>
+          <a:solidFill>
+            <a:schemeClr val="accent1"/>
+          </a:solidFill>
+          <a:ln>
+            <a:noFill/>
+          </a:ln>
+        </p:spPr>
+        <p:style>
+          <a:lnRef idx="2">
+            <a:schemeClr val="accent1">
+              <a:shade val="50000"/>
+            </a:schemeClr>
+          </a:lnRef>
+          <a:fillRef idx="1">
+            <a:schemeClr val="accent1"/>
+          </a:fillRef>
+          <a:effectRef idx="0">
+            <a:schemeClr val="accent1"/>
+          </a:effectRef>
+          <a:fontRef idx="minor">
+            <a:schemeClr val="lt1"/>
+          </a:fontRef>
+        </p:style>
+      </p:sp>
+      <p:sp>
+        <p:nvSpPr>
+          <p:cNvPr id="2" name="Title 1"/>
+          <p:cNvSpPr>
+            <a:spLocks noGrp="1"/>
+          </p:cNvSpPr>
+          <p:nvPr>
+            <p:ph type="title"/>
+          </p:nvPr>
+        </p:nvSpPr>
+        <p:spPr>
+          <a:xfrm>
+            <a:off x="457200" y="594359"/>
+            <a:ext cx="3200400" cy="2286000"/>
           </a:xfrm>
         </p:spPr>
         <p:txBody>
-          <a:bodyPr anchor="b"/>
+          <a:bodyPr anchor="b">
+            <a:normAutofit/>
+          </a:bodyPr>
           <a:lstStyle>
             <a:lvl1pPr>
-              <a:defRPr sz="3200"/>
+              <a:defRPr sz="3600" b="0">
+                <a:solidFill>
+                  <a:srgbClr val="FFFFFF"/>
+                </a:solidFill>
+              </a:defRPr>
             </a:lvl1pPr>
           </a:lstStyle>
           <a:p>
@@ -1944,6 +2492,7 @@
               <a:rPr lang="en-US"/>
               <a:t>Click to edit Master title style</a:t>
             </a:r>
+            <a:endParaRPr lang="en-US" dirty="0"/>
           </a:p>
         </p:txBody>
       </p:sp>
@@ -1959,41 +2508,13 @@
         </p:nvSpPr>
         <p:spPr>
           <a:xfrm>
-            <a:off x="5183188" y="987425"/>
-            <a:ext cx="6172200" cy="4873625"/>
+            <a:off x="4800600" y="731520"/>
+            <a:ext cx="6492240" cy="5257800"/>
           </a:xfrm>
         </p:spPr>
         <p:txBody>
           <a:bodyPr/>
-          <a:lstStyle>
-            <a:lvl1pPr>
-              <a:defRPr sz="3200"/>
-            </a:lvl1pPr>
-            <a:lvl2pPr>
-              <a:defRPr sz="2800"/>
-            </a:lvl2pPr>
-            <a:lvl3pPr>
-              <a:defRPr sz="2400"/>
-            </a:lvl3pPr>
-            <a:lvl4pPr>
-              <a:defRPr sz="2000"/>
-            </a:lvl4pPr>
-            <a:lvl5pPr>
-              <a:defRPr sz="2000"/>
-            </a:lvl5pPr>
-            <a:lvl6pPr>
-              <a:defRPr sz="2000"/>
-            </a:lvl6pPr>
-            <a:lvl7pPr>
-              <a:defRPr sz="2000"/>
-            </a:lvl7pPr>
-            <a:lvl8pPr>
-              <a:defRPr sz="2000"/>
-            </a:lvl8pPr>
-            <a:lvl9pPr>
-              <a:defRPr sz="2000"/>
-            </a:lvl9pPr>
-          </a:lstStyle>
+          <a:lstStyle/>
           <a:p>
             <a:pPr lvl="0"/>
             <a:r>
@@ -2028,6 +2549,7 @@
               <a:rPr lang="en-US"/>
               <a:t>Fifth level</a:t>
             </a:r>
+            <a:endParaRPr lang="en-US" dirty="0"/>
           </a:p>
         </p:txBody>
       </p:sp>
@@ -2043,48 +2565,54 @@
         </p:nvSpPr>
         <p:spPr>
           <a:xfrm>
-            <a:off x="839788" y="2057400"/>
-            <a:ext cx="3932237" cy="3811588"/>
+            <a:off x="457200" y="2926080"/>
+            <a:ext cx="3200400" cy="3379124"/>
           </a:xfrm>
         </p:spPr>
         <p:txBody>
-          <a:bodyPr/>
+          <a:bodyPr lIns="91440" rIns="91440">
+            <a:normAutofit/>
+          </a:bodyPr>
           <a:lstStyle>
             <a:lvl1pPr marL="0" indent="0">
               <a:buNone/>
-              <a:defRPr sz="1600"/>
+              <a:defRPr sz="1500">
+                <a:solidFill>
+                  <a:srgbClr val="FFFFFF"/>
+                </a:solidFill>
+              </a:defRPr>
             </a:lvl1pPr>
             <a:lvl2pPr marL="457200" indent="0">
               <a:buNone/>
-              <a:defRPr sz="1400"/>
+              <a:defRPr sz="1200"/>
             </a:lvl2pPr>
             <a:lvl3pPr marL="914400" indent="0">
               <a:buNone/>
-              <a:defRPr sz="1200"/>
+              <a:defRPr sz="1000"/>
             </a:lvl3pPr>
             <a:lvl4pPr marL="1371600" indent="0">
               <a:buNone/>
-              <a:defRPr sz="1000"/>
+              <a:defRPr sz="900"/>
             </a:lvl4pPr>
             <a:lvl5pPr marL="1828800" indent="0">
               <a:buNone/>
-              <a:defRPr sz="1000"/>
+              <a:defRPr sz="900"/>
             </a:lvl5pPr>
             <a:lvl6pPr marL="2286000" indent="0">
               <a:buNone/>
-              <a:defRPr sz="1000"/>
+              <a:defRPr sz="900"/>
             </a:lvl6pPr>
             <a:lvl7pPr marL="2743200" indent="0">
               <a:buNone/>
-              <a:defRPr sz="1000"/>
+              <a:defRPr sz="900"/>
             </a:lvl7pPr>
             <a:lvl8pPr marL="3200400" indent="0">
               <a:buNone/>
-              <a:defRPr sz="1000"/>
+              <a:defRPr sz="900"/>
             </a:lvl8pPr>
             <a:lvl9pPr marL="3657600" indent="0">
               <a:buNone/>
-              <a:defRPr sz="1000"/>
+              <a:defRPr sz="900"/>
             </a:lvl9pPr>
           </a:lstStyle>
           <a:p>
@@ -2106,10 +2634,19 @@
             <p:ph type="dt" sz="half" idx="10"/>
           </p:nvPr>
         </p:nvSpPr>
-        <p:spPr/>
-        <p:txBody>
-          <a:bodyPr/>
-          <a:lstStyle/>
+        <p:spPr>
+          <a:xfrm>
+            <a:off x="465512" y="6459785"/>
+            <a:ext cx="2618510" cy="365125"/>
+          </a:xfrm>
+        </p:spPr>
+        <p:txBody>
+          <a:bodyPr/>
+          <a:lstStyle>
+            <a:lvl1pPr algn="l">
+              <a:defRPr/>
+            </a:lvl1pPr>
+          </a:lstStyle>
           <a:p>
             <a:fld id="{B17AFAAB-B546-45EA-83F1-D6961F00B077}" type="datetimeFigureOut">
               <a:rPr lang="en-US" smtClean="0"/>
@@ -2129,10 +2666,23 @@
             <p:ph type="ftr" sz="quarter" idx="11"/>
           </p:nvPr>
         </p:nvSpPr>
-        <p:spPr/>
-        <p:txBody>
-          <a:bodyPr/>
-          <a:lstStyle/>
+        <p:spPr>
+          <a:xfrm>
+            <a:off x="4800600" y="6459785"/>
+            <a:ext cx="4648200" cy="365125"/>
+          </a:xfrm>
+        </p:spPr>
+        <p:txBody>
+          <a:bodyPr/>
+          <a:lstStyle>
+            <a:lvl1pPr algn="l">
+              <a:defRPr>
+                <a:solidFill>
+                  <a:schemeClr val="tx2"/>
+                </a:solidFill>
+              </a:defRPr>
+            </a:lvl1pPr>
+          </a:lstStyle>
           <a:p>
             <a:endParaRPr lang="en-US"/>
           </a:p>
@@ -2151,7 +2701,15 @@
         <p:spPr/>
         <p:txBody>
           <a:bodyPr/>
-          <a:lstStyle/>
+          <a:lstStyle>
+            <a:lvl1pPr>
+              <a:defRPr>
+                <a:solidFill>
+                  <a:schemeClr val="tx2"/>
+                </a:solidFill>
+              </a:defRPr>
+            </a:lvl1pPr>
+          </a:lstStyle>
           <a:p>
             <a:fld id="{5A1CF7F1-BA55-48FA-AF6D-CA4C226A49D4}" type="slidenum">
               <a:rPr lang="en-US" smtClean="0"/>
@@ -2164,7 +2722,7 @@
     </p:spTree>
     <p:extLst>
       <p:ext uri="{BB962C8B-B14F-4D97-AF65-F5344CB8AC3E}">
-        <p14:creationId xmlns:p14="http://schemas.microsoft.com/office/powerpoint/2010/main" val="3768698612"/>
+        <p14:creationId xmlns:p14="http://schemas.microsoft.com/office/powerpoint/2010/main" val="363597417"/>
       </p:ext>
     </p:extLst>
   </p:cSld>
@@ -2175,7 +2733,7 @@
 </file>
 
 <file path=ppt/slideLayouts/slideLayout9.xml><?xml version="1.0" encoding="utf-8"?>
-<p:sldLayout xmlns:a="http://schemas.openxmlformats.org/drawingml/2006/main" xmlns:r="http://schemas.openxmlformats.org/officeDocument/2006/relationships" xmlns:p="http://schemas.openxmlformats.org/presentationml/2006/main" type="picTx" preserve="1">
+<p:sldLayout xmlns:a="http://schemas.openxmlformats.org/drawingml/2006/main" xmlns:r="http://schemas.openxmlformats.org/officeDocument/2006/relationships" xmlns:p="http://schemas.openxmlformats.org/presentationml/2006/main" showMasterSp="0" type="picTx" preserve="1">
   <p:cSld name="Picture with Caption">
     <p:spTree>
       <p:nvGrpSpPr>
@@ -2193,25 +2751,107 @@
       </p:grpSpPr>
       <p:sp>
         <p:nvSpPr>
-          <p:cNvPr id="2" name="Title 1"/>
-          <p:cNvSpPr>
-            <a:spLocks noGrp="1"/>
-          </p:cNvSpPr>
-          <p:nvPr>
-            <p:ph type="title"/>
-          </p:nvPr>
+          <p:cNvPr id="8" name="Rectangle 7"/>
+          <p:cNvSpPr/>
+          <p:nvPr/>
         </p:nvSpPr>
         <p:spPr>
           <a:xfrm>
-            <a:off x="839788" y="457200"/>
-            <a:ext cx="3932237" cy="1600200"/>
+            <a:off x="0" y="4953000"/>
+            <a:ext cx="12188825" cy="1905000"/>
+          </a:xfrm>
+          <a:prstGeom prst="rect">
+            <a:avLst/>
+          </a:prstGeom>
+          <a:solidFill>
+            <a:schemeClr val="accent2"/>
+          </a:solidFill>
+          <a:ln>
+            <a:noFill/>
+          </a:ln>
+        </p:spPr>
+        <p:style>
+          <a:lnRef idx="2">
+            <a:schemeClr val="accent1">
+              <a:shade val="50000"/>
+            </a:schemeClr>
+          </a:lnRef>
+          <a:fillRef idx="1">
+            <a:schemeClr val="accent1"/>
+          </a:fillRef>
+          <a:effectRef idx="0">
+            <a:schemeClr val="accent1"/>
+          </a:effectRef>
+          <a:fontRef idx="minor">
+            <a:schemeClr val="lt1"/>
+          </a:fontRef>
+        </p:style>
+      </p:sp>
+      <p:sp>
+        <p:nvSpPr>
+          <p:cNvPr id="9" name="Rectangle 8"/>
+          <p:cNvSpPr/>
+          <p:nvPr/>
+        </p:nvSpPr>
+        <p:spPr>
+          <a:xfrm>
+            <a:off x="15" y="4915076"/>
+            <a:ext cx="12188825" cy="64008"/>
+          </a:xfrm>
+          <a:prstGeom prst="rect">
+            <a:avLst/>
+          </a:prstGeom>
+          <a:solidFill>
+            <a:schemeClr val="accent1"/>
+          </a:solidFill>
+          <a:ln>
+            <a:noFill/>
+          </a:ln>
+        </p:spPr>
+        <p:style>
+          <a:lnRef idx="2">
+            <a:schemeClr val="accent1">
+              <a:shade val="50000"/>
+            </a:schemeClr>
+          </a:lnRef>
+          <a:fillRef idx="1">
+            <a:schemeClr val="accent1"/>
+          </a:fillRef>
+          <a:effectRef idx="0">
+            <a:schemeClr val="accent1"/>
+          </a:effectRef>
+          <a:fontRef idx="minor">
+            <a:schemeClr val="lt1"/>
+          </a:fontRef>
+        </p:style>
+      </p:sp>
+      <p:sp>
+        <p:nvSpPr>
+          <p:cNvPr id="2" name="Title 1"/>
+          <p:cNvSpPr>
+            <a:spLocks noGrp="1"/>
+          </p:cNvSpPr>
+          <p:nvPr>
+            <p:ph type="title"/>
+          </p:nvPr>
+        </p:nvSpPr>
+        <p:spPr>
+          <a:xfrm>
+            <a:off x="1097280" y="5074920"/>
+            <a:ext cx="10113264" cy="822960"/>
           </a:xfrm>
         </p:spPr>
         <p:txBody>
-          <a:bodyPr anchor="b"/>
+          <a:bodyPr lIns="91440" tIns="0" rIns="91440" bIns="0" anchor="b">
+            <a:noAutofit/>
+          </a:bodyPr>
           <a:lstStyle>
             <a:lvl1pPr>
-              <a:defRPr sz="3200"/>
+              <a:defRPr sz="3600" b="0">
+                <a:solidFill>
+                  <a:srgbClr val="FFFFFF"/>
+                </a:solidFill>
+              </a:defRPr>
             </a:lvl1pPr>
           </a:lstStyle>
           <a:p>
@@ -2219,6 +2859,7 @@
               <a:rPr lang="en-US"/>
               <a:t>Click to edit Master title style</a:t>
             </a:r>
+            <a:endParaRPr lang="en-US" dirty="0"/>
           </a:p>
         </p:txBody>
       </p:sp>
@@ -2226,7 +2867,7 @@
         <p:nvSpPr>
           <p:cNvPr id="3" name="Picture Placeholder 2"/>
           <p:cNvSpPr>
-            <a:spLocks noGrp="1"/>
+            <a:spLocks noGrp="1" noChangeAspect="1"/>
           </p:cNvSpPr>
           <p:nvPr>
             <p:ph type="pic" idx="1"/>
@@ -2234,16 +2875,26 @@
         </p:nvSpPr>
         <p:spPr>
           <a:xfrm>
-            <a:off x="5183188" y="987425"/>
-            <a:ext cx="6172200" cy="4873625"/>
+            <a:off x="15" y="0"/>
+            <a:ext cx="12191985" cy="4915076"/>
           </a:xfrm>
+          <a:blipFill>
+            <a:blip r:embed="rId2"/>
+            <a:stretch>
+              <a:fillRect/>
+            </a:stretch>
+          </a:blipFill>
         </p:spPr>
         <p:txBody>
-          <a:bodyPr/>
+          <a:bodyPr lIns="457200" tIns="457200" anchor="t"/>
           <a:lstStyle>
             <a:lvl1pPr marL="0" indent="0">
               <a:buNone/>
-              <a:defRPr sz="3200"/>
+              <a:defRPr sz="3200">
+                <a:solidFill>
+                  <a:schemeClr val="bg1"/>
+                </a:solidFill>
+              </a:defRPr>
             </a:lvl1pPr>
             <a:lvl2pPr marL="457200" indent="0">
               <a:buNone/>
@@ -2279,7 +2930,11 @@
             </a:lvl9pPr>
           </a:lstStyle>
           <a:p>
-            <a:endParaRPr lang="en-US"/>
+            <a:r>
+              <a:rPr lang="en-US"/>
+              <a:t>Click icon to add picture</a:t>
+            </a:r>
+            <a:endParaRPr lang="en-US" dirty="0"/>
           </a:p>
         </p:txBody>
       </p:sp>
@@ -2295,48 +2950,60 @@
         </p:nvSpPr>
         <p:spPr>
           <a:xfrm>
-            <a:off x="839788" y="2057400"/>
-            <a:ext cx="3932237" cy="3811588"/>
+            <a:off x="1097280" y="5907023"/>
+            <a:ext cx="10113264" cy="594360"/>
           </a:xfrm>
         </p:spPr>
         <p:txBody>
-          <a:bodyPr/>
+          <a:bodyPr lIns="91440" tIns="0" rIns="91440" bIns="0">
+            <a:normAutofit/>
+          </a:bodyPr>
           <a:lstStyle>
             <a:lvl1pPr marL="0" indent="0">
+              <a:spcBef>
+                <a:spcPts val="0"/>
+              </a:spcBef>
+              <a:spcAft>
+                <a:spcPts val="600"/>
+              </a:spcAft>
               <a:buNone/>
-              <a:defRPr sz="1600"/>
+              <a:defRPr sz="1500">
+                <a:solidFill>
+                  <a:srgbClr val="FFFFFF"/>
+                </a:solidFill>
+              </a:defRPr>
             </a:lvl1pPr>
             <a:lvl2pPr marL="457200" indent="0">
               <a:buNone/>
-              <a:defRPr sz="1400"/>
+              <a:defRPr sz="1200"/>
             </a:lvl2pPr>
             <a:lvl3pPr marL="914400" indent="0">
               <a:buNone/>
-              <a:defRPr sz="1200"/>
+              <a:defRPr sz="1000"/>
             </a:lvl3pPr>
             <a:lvl4pPr marL="1371600" indent="0">
               <a:buNone/>
-              <a:defRPr sz="1000"/>
+              <a:defRPr sz="900"/>
             </a:lvl4pPr>
             <a:lvl5pPr marL="1828800" indent="0">
               <a:buNone/>
-              <a:defRPr sz="1000"/>
+              <a:defRPr sz="900"/>
             </a:lvl5pPr>
             <a:lvl6pPr marL="2286000" indent="0">
               <a:buNone/>
-              <a:defRPr sz="1000"/>
+              <a:defRPr sz="900"/>
             </a:lvl6pPr>
             <a:lvl7pPr marL="2743200" indent="0">
               <a:buNone/>
-              <a:defRPr sz="1000"/>
+              <a:defRPr sz="900"/>
             </a:lvl7pPr>
             <a:lvl8pPr marL="3200400" indent="0">
               <a:buNone/>
-              <a:defRPr sz="1000"/>
+              <a:defRPr sz="900"/>
             </a:lvl8pPr>
             <a:lvl9pPr marL="3657600" indent="0">
               <a:buNone/>
-              <a:defRPr sz="1000"/>
+              <a:defRPr sz="900"/>
             </a:lvl9pPr>
           </a:lstStyle>
           <a:p>
@@ -2416,7 +3083,7 @@
     </p:spTree>
     <p:extLst>
       <p:ext uri="{BB962C8B-B14F-4D97-AF65-F5344CB8AC3E}">
-        <p14:creationId xmlns:p14="http://schemas.microsoft.com/office/powerpoint/2010/main" val="3808048182"/>
+        <p14:creationId xmlns:p14="http://schemas.microsoft.com/office/powerpoint/2010/main" val="1001721617"/>
       </p:ext>
     </p:extLst>
   </p:cSld>
@@ -2450,25 +3117,101 @@
       </p:grpSpPr>
       <p:sp>
         <p:nvSpPr>
-          <p:cNvPr id="2" name="Title Placeholder 1"/>
-          <p:cNvSpPr>
-            <a:spLocks noGrp="1"/>
-          </p:cNvSpPr>
-          <p:nvPr>
-            <p:ph type="title"/>
-          </p:nvPr>
+          <p:cNvPr id="7" name="Rectangle 6"/>
+          <p:cNvSpPr/>
+          <p:nvPr/>
         </p:nvSpPr>
         <p:spPr>
           <a:xfrm>
-            <a:off x="838200" y="365125"/>
-            <a:ext cx="10515600" cy="1325563"/>
+            <a:off x="1" y="6400800"/>
+            <a:ext cx="12192000" cy="457200"/>
+          </a:xfrm>
+          <a:prstGeom prst="rect">
+            <a:avLst/>
+          </a:prstGeom>
+          <a:solidFill>
+            <a:schemeClr val="accent2"/>
+          </a:solidFill>
+          <a:ln>
+            <a:noFill/>
+          </a:ln>
+        </p:spPr>
+        <p:style>
+          <a:lnRef idx="2">
+            <a:schemeClr val="accent1">
+              <a:shade val="50000"/>
+            </a:schemeClr>
+          </a:lnRef>
+          <a:fillRef idx="1">
+            <a:schemeClr val="accent1"/>
+          </a:fillRef>
+          <a:effectRef idx="0">
+            <a:schemeClr val="accent1"/>
+          </a:effectRef>
+          <a:fontRef idx="minor">
+            <a:schemeClr val="lt1"/>
+          </a:fontRef>
+        </p:style>
+      </p:sp>
+      <p:sp>
+        <p:nvSpPr>
+          <p:cNvPr id="9" name="Rectangle 8"/>
+          <p:cNvSpPr/>
+          <p:nvPr/>
+        </p:nvSpPr>
+        <p:spPr>
+          <a:xfrm>
+            <a:off x="0" y="6334316"/>
+            <a:ext cx="12192001" cy="65998"/>
+          </a:xfrm>
+          <a:prstGeom prst="rect">
+            <a:avLst/>
+          </a:prstGeom>
+          <a:solidFill>
+            <a:schemeClr val="accent1"/>
+          </a:solidFill>
+          <a:ln>
+            <a:noFill/>
+          </a:ln>
+        </p:spPr>
+        <p:style>
+          <a:lnRef idx="2">
+            <a:schemeClr val="accent1">
+              <a:shade val="50000"/>
+            </a:schemeClr>
+          </a:lnRef>
+          <a:fillRef idx="1">
+            <a:schemeClr val="accent1"/>
+          </a:fillRef>
+          <a:effectRef idx="0">
+            <a:schemeClr val="accent1"/>
+          </a:effectRef>
+          <a:fontRef idx="minor">
+            <a:schemeClr val="lt1"/>
+          </a:fontRef>
+        </p:style>
+      </p:sp>
+      <p:sp>
+        <p:nvSpPr>
+          <p:cNvPr id="2" name="Title Placeholder 1"/>
+          <p:cNvSpPr>
+            <a:spLocks noGrp="1"/>
+          </p:cNvSpPr>
+          <p:nvPr>
+            <p:ph type="title"/>
+          </p:nvPr>
+        </p:nvSpPr>
+        <p:spPr>
+          <a:xfrm>
+            <a:off x="1097280" y="286603"/>
+            <a:ext cx="10058400" cy="1450757"/>
           </a:xfrm>
           <a:prstGeom prst="rect">
             <a:avLst/>
           </a:prstGeom>
         </p:spPr>
         <p:txBody>
-          <a:bodyPr vert="horz" lIns="91440" tIns="45720" rIns="91440" bIns="45720" rtlCol="0" anchor="ctr">
+          <a:bodyPr vert="horz" lIns="91440" tIns="45720" rIns="91440" bIns="45720" rtlCol="0" anchor="b">
             <a:normAutofit/>
           </a:bodyPr>
           <a:lstStyle/>
@@ -2477,6 +3220,7 @@
               <a:rPr lang="en-US"/>
               <a:t>Click to edit Master title style</a:t>
             </a:r>
+            <a:endParaRPr lang="en-US" dirty="0"/>
           </a:p>
         </p:txBody>
       </p:sp>
@@ -2492,15 +3236,15 @@
         </p:nvSpPr>
         <p:spPr>
           <a:xfrm>
-            <a:off x="838200" y="1825625"/>
-            <a:ext cx="10515600" cy="4351338"/>
+            <a:off x="1097280" y="1845734"/>
+            <a:ext cx="10058400" cy="4023360"/>
           </a:xfrm>
           <a:prstGeom prst="rect">
             <a:avLst/>
           </a:prstGeom>
         </p:spPr>
         <p:txBody>
-          <a:bodyPr vert="horz" lIns="91440" tIns="45720" rIns="91440" bIns="45720" rtlCol="0">
+          <a:bodyPr vert="horz" lIns="0" tIns="45720" rIns="0" bIns="45720" rtlCol="0">
             <a:normAutofit/>
           </a:bodyPr>
           <a:lstStyle/>
@@ -2538,6 +3282,7 @@
               <a:rPr lang="en-US"/>
               <a:t>Fifth level</a:t>
             </a:r>
+            <a:endParaRPr lang="en-US" dirty="0"/>
           </a:p>
         </p:txBody>
       </p:sp>
@@ -2553,8 +3298,8 @@
         </p:nvSpPr>
         <p:spPr>
           <a:xfrm>
-            <a:off x="838200" y="6356350"/>
-            <a:ext cx="2743200" cy="365125"/>
+            <a:off x="1097280" y="6459785"/>
+            <a:ext cx="2472271" cy="365125"/>
           </a:xfrm>
           <a:prstGeom prst="rect">
             <a:avLst/>
@@ -2564,11 +3309,9 @@
           <a:bodyPr vert="horz" lIns="91440" tIns="45720" rIns="91440" bIns="45720" rtlCol="0" anchor="ctr"/>
           <a:lstStyle>
             <a:lvl1pPr algn="l">
-              <a:defRPr sz="1200">
+              <a:defRPr sz="900">
                 <a:solidFill>
-                  <a:schemeClr val="tx1">
-                    <a:tint val="75000"/>
-                  </a:schemeClr>
+                  <a:srgbClr val="FFFFFF"/>
                 </a:solidFill>
               </a:defRPr>
             </a:lvl1pPr>
@@ -2594,8 +3337,8 @@
         </p:nvSpPr>
         <p:spPr>
           <a:xfrm>
-            <a:off x="4038600" y="6356350"/>
-            <a:ext cx="4114800" cy="365125"/>
+            <a:off x="3686185" y="6459785"/>
+            <a:ext cx="4822804" cy="365125"/>
           </a:xfrm>
           <a:prstGeom prst="rect">
             <a:avLst/>
@@ -2605,11 +3348,9 @@
           <a:bodyPr vert="horz" lIns="91440" tIns="45720" rIns="91440" bIns="45720" rtlCol="0" anchor="ctr"/>
           <a:lstStyle>
             <a:lvl1pPr algn="ctr">
-              <a:defRPr sz="1200">
+              <a:defRPr sz="900" cap="all" baseline="0">
                 <a:solidFill>
-                  <a:schemeClr val="tx1">
-                    <a:tint val="75000"/>
-                  </a:schemeClr>
+                  <a:srgbClr val="FFFFFF"/>
                 </a:solidFill>
               </a:defRPr>
             </a:lvl1pPr>
@@ -2631,8 +3372,8 @@
         </p:nvSpPr>
         <p:spPr>
           <a:xfrm>
-            <a:off x="8610600" y="6356350"/>
-            <a:ext cx="2743200" cy="365125"/>
+            <a:off x="9900458" y="6459785"/>
+            <a:ext cx="1312025" cy="365125"/>
           </a:xfrm>
           <a:prstGeom prst="rect">
             <a:avLst/>
@@ -2642,11 +3383,9 @@
           <a:bodyPr vert="horz" lIns="91440" tIns="45720" rIns="91440" bIns="45720" rtlCol="0" anchor="ctr"/>
           <a:lstStyle>
             <a:lvl1pPr algn="r">
-              <a:defRPr sz="1200">
+              <a:defRPr sz="1050">
                 <a:solidFill>
-                  <a:schemeClr val="tx1">
-                    <a:tint val="75000"/>
-                  </a:schemeClr>
+                  <a:srgbClr val="FFFFFF"/>
                 </a:solidFill>
               </a:defRPr>
             </a:lvl1pPr>
@@ -2660,40 +3399,81 @@
           </a:p>
         </p:txBody>
       </p:sp>
+      <p:cxnSp>
+        <p:nvCxnSpPr>
+          <p:cNvPr id="10" name="Straight Connector 9"/>
+          <p:cNvCxnSpPr/>
+          <p:nvPr/>
+        </p:nvCxnSpPr>
+        <p:spPr>
+          <a:xfrm>
+            <a:off x="1193532" y="1737845"/>
+            <a:ext cx="9966960" cy="0"/>
+          </a:xfrm>
+          <a:prstGeom prst="line">
+            <a:avLst/>
+          </a:prstGeom>
+          <a:ln w="6350">
+            <a:solidFill>
+              <a:schemeClr val="tx1">
+                <a:lumMod val="50000"/>
+                <a:lumOff val="50000"/>
+              </a:schemeClr>
+            </a:solidFill>
+          </a:ln>
+        </p:spPr>
+        <p:style>
+          <a:lnRef idx="1">
+            <a:schemeClr val="accent1"/>
+          </a:lnRef>
+          <a:fillRef idx="0">
+            <a:schemeClr val="accent1"/>
+          </a:fillRef>
+          <a:effectRef idx="0">
+            <a:schemeClr val="accent1"/>
+          </a:effectRef>
+          <a:fontRef idx="minor">
+            <a:schemeClr val="tx1"/>
+          </a:fontRef>
+        </p:style>
+      </p:cxnSp>
     </p:spTree>
     <p:extLst>
       <p:ext uri="{BB962C8B-B14F-4D97-AF65-F5344CB8AC3E}">
-        <p14:creationId xmlns:p14="http://schemas.microsoft.com/office/powerpoint/2010/main" val="1602421857"/>
+        <p14:creationId xmlns:p14="http://schemas.microsoft.com/office/powerpoint/2010/main" val="2625933432"/>
       </p:ext>
     </p:extLst>
   </p:cSld>
   <p:clrMap bg1="lt1" tx1="dk1" bg2="lt2" tx2="dk2" accent1="accent1" accent2="accent2" accent3="accent3" accent4="accent4" accent5="accent5" accent6="accent6" hlink="hlink" folHlink="folHlink"/>
   <p:sldLayoutIdLst>
-    <p:sldLayoutId id="2147483649" r:id="rId1"/>
-    <p:sldLayoutId id="2147483650" r:id="rId2"/>
-    <p:sldLayoutId id="2147483651" r:id="rId3"/>
-    <p:sldLayoutId id="2147483652" r:id="rId4"/>
-    <p:sldLayoutId id="2147483653" r:id="rId5"/>
-    <p:sldLayoutId id="2147483654" r:id="rId6"/>
-    <p:sldLayoutId id="2147483655" r:id="rId7"/>
-    <p:sldLayoutId id="2147483656" r:id="rId8"/>
-    <p:sldLayoutId id="2147483657" r:id="rId9"/>
-    <p:sldLayoutId id="2147483658" r:id="rId10"/>
-    <p:sldLayoutId id="2147483659" r:id="rId11"/>
+    <p:sldLayoutId id="2147483661" r:id="rId1"/>
+    <p:sldLayoutId id="2147483662" r:id="rId2"/>
+    <p:sldLayoutId id="2147483663" r:id="rId3"/>
+    <p:sldLayoutId id="2147483664" r:id="rId4"/>
+    <p:sldLayoutId id="2147483665" r:id="rId5"/>
+    <p:sldLayoutId id="2147483666" r:id="rId6"/>
+    <p:sldLayoutId id="2147483667" r:id="rId7"/>
+    <p:sldLayoutId id="2147483668" r:id="rId8"/>
+    <p:sldLayoutId id="2147483669" r:id="rId9"/>
+    <p:sldLayoutId id="2147483670" r:id="rId10"/>
+    <p:sldLayoutId id="2147483671" r:id="rId11"/>
   </p:sldLayoutIdLst>
   <p:txStyles>
     <p:titleStyle>
       <a:lvl1pPr algn="l" defTabSz="914400" rtl="0" eaLnBrk="1" latinLnBrk="0" hangingPunct="1">
         <a:lnSpc>
-          <a:spcPct val="90000"/>
+          <a:spcPct val="85000"/>
         </a:lnSpc>
         <a:spcBef>
           <a:spcPct val="0"/>
         </a:spcBef>
         <a:buNone/>
-        <a:defRPr sz="4400" kern="1200">
+        <a:defRPr sz="4800" kern="1200" spc="-50" baseline="0">
           <a:solidFill>
-            <a:schemeClr val="tx1"/>
+            <a:schemeClr val="tx1">
+              <a:lumMod val="75000"/>
+              <a:lumOff val="25000"/>
+            </a:schemeClr>
           </a:solidFill>
           <a:latin typeface="+mj-lt"/>
           <a:ea typeface="+mj-ea"/>
@@ -2702,162 +3482,244 @@
       </a:lvl1pPr>
     </p:titleStyle>
     <p:bodyStyle>
-      <a:lvl1pPr marL="228600" indent="-228600" algn="l" defTabSz="914400" rtl="0" eaLnBrk="1" latinLnBrk="0" hangingPunct="1">
+      <a:lvl1pPr marL="91440" indent="-91440" algn="l" defTabSz="914400" rtl="0" eaLnBrk="1" latinLnBrk="0" hangingPunct="1">
         <a:lnSpc>
           <a:spcPct val="90000"/>
         </a:lnSpc>
         <a:spcBef>
-          <a:spcPts val="1000"/>
+          <a:spcPts val="1200"/>
         </a:spcBef>
-        <a:buFont typeface="Arial" panose="020B0604020202020204" pitchFamily="34" charset="0"/>
-        <a:buChar char="•"/>
-        <a:defRPr sz="2800" kern="1200">
+        <a:spcAft>
+          <a:spcPts val="200"/>
+        </a:spcAft>
+        <a:buClr>
+          <a:schemeClr val="accent1"/>
+        </a:buClr>
+        <a:buSzPct val="100000"/>
+        <a:buFont typeface="Calibri" panose="020F0502020204030204" pitchFamily="34" charset="0"/>
+        <a:buChar char=" "/>
+        <a:defRPr sz="2000" kern="1200">
           <a:solidFill>
-            <a:schemeClr val="tx1"/>
+            <a:schemeClr val="tx1">
+              <a:lumMod val="75000"/>
+              <a:lumOff val="25000"/>
+            </a:schemeClr>
           </a:solidFill>
           <a:latin typeface="+mn-lt"/>
           <a:ea typeface="+mn-ea"/>
           <a:cs typeface="+mn-cs"/>
         </a:defRPr>
       </a:lvl1pPr>
-      <a:lvl2pPr marL="685800" indent="-228600" algn="l" defTabSz="914400" rtl="0" eaLnBrk="1" latinLnBrk="0" hangingPunct="1">
+      <a:lvl2pPr marL="384048" indent="-182880" algn="l" defTabSz="914400" rtl="0" eaLnBrk="1" latinLnBrk="0" hangingPunct="1">
         <a:lnSpc>
           <a:spcPct val="90000"/>
         </a:lnSpc>
         <a:spcBef>
-          <a:spcPts val="500"/>
+          <a:spcPts val="200"/>
         </a:spcBef>
-        <a:buFont typeface="Arial" panose="020B0604020202020204" pitchFamily="34" charset="0"/>
-        <a:buChar char="•"/>
-        <a:defRPr sz="2400" kern="1200">
+        <a:spcAft>
+          <a:spcPts val="400"/>
+        </a:spcAft>
+        <a:buClr>
+          <a:schemeClr val="accent1"/>
+        </a:buClr>
+        <a:buFont typeface="Calibri" pitchFamily="34" charset="0"/>
+        <a:buChar char="◦"/>
+        <a:defRPr sz="1800" kern="1200">
           <a:solidFill>
-            <a:schemeClr val="tx1"/>
+            <a:schemeClr val="tx1">
+              <a:lumMod val="75000"/>
+              <a:lumOff val="25000"/>
+            </a:schemeClr>
           </a:solidFill>
           <a:latin typeface="+mn-lt"/>
           <a:ea typeface="+mn-ea"/>
           <a:cs typeface="+mn-cs"/>
         </a:defRPr>
       </a:lvl2pPr>
-      <a:lvl3pPr marL="1143000" indent="-228600" algn="l" defTabSz="914400" rtl="0" eaLnBrk="1" latinLnBrk="0" hangingPunct="1">
+      <a:lvl3pPr marL="566928" indent="-182880" algn="l" defTabSz="914400" rtl="0" eaLnBrk="1" latinLnBrk="0" hangingPunct="1">
         <a:lnSpc>
           <a:spcPct val="90000"/>
         </a:lnSpc>
         <a:spcBef>
-          <a:spcPts val="500"/>
+          <a:spcPts val="200"/>
         </a:spcBef>
-        <a:buFont typeface="Arial" panose="020B0604020202020204" pitchFamily="34" charset="0"/>
-        <a:buChar char="•"/>
-        <a:defRPr sz="2000" kern="1200">
+        <a:spcAft>
+          <a:spcPts val="400"/>
+        </a:spcAft>
+        <a:buClr>
+          <a:schemeClr val="accent1"/>
+        </a:buClr>
+        <a:buFont typeface="Calibri" pitchFamily="34" charset="0"/>
+        <a:buChar char="◦"/>
+        <a:defRPr sz="1400" kern="1200">
           <a:solidFill>
-            <a:schemeClr val="tx1"/>
+            <a:schemeClr val="tx1">
+              <a:lumMod val="75000"/>
+              <a:lumOff val="25000"/>
+            </a:schemeClr>
           </a:solidFill>
           <a:latin typeface="+mn-lt"/>
           <a:ea typeface="+mn-ea"/>
           <a:cs typeface="+mn-cs"/>
         </a:defRPr>
       </a:lvl3pPr>
-      <a:lvl4pPr marL="1600200" indent="-228600" algn="l" defTabSz="914400" rtl="0" eaLnBrk="1" latinLnBrk="0" hangingPunct="1">
+      <a:lvl4pPr marL="749808" indent="-182880" algn="l" defTabSz="914400" rtl="0" eaLnBrk="1" latinLnBrk="0" hangingPunct="1">
         <a:lnSpc>
           <a:spcPct val="90000"/>
         </a:lnSpc>
         <a:spcBef>
-          <a:spcPts val="500"/>
+          <a:spcPts val="200"/>
         </a:spcBef>
-        <a:buFont typeface="Arial" panose="020B0604020202020204" pitchFamily="34" charset="0"/>
-        <a:buChar char="•"/>
-        <a:defRPr sz="1800" kern="1200">
+        <a:spcAft>
+          <a:spcPts val="400"/>
+        </a:spcAft>
+        <a:buClr>
+          <a:schemeClr val="accent1"/>
+        </a:buClr>
+        <a:buFont typeface="Calibri" pitchFamily="34" charset="0"/>
+        <a:buChar char="◦"/>
+        <a:defRPr sz="1400" kern="1200">
           <a:solidFill>
-            <a:schemeClr val="tx1"/>
+            <a:schemeClr val="tx1">
+              <a:lumMod val="75000"/>
+              <a:lumOff val="25000"/>
+            </a:schemeClr>
           </a:solidFill>
           <a:latin typeface="+mn-lt"/>
           <a:ea typeface="+mn-ea"/>
           <a:cs typeface="+mn-cs"/>
         </a:defRPr>
       </a:lvl4pPr>
-      <a:lvl5pPr marL="2057400" indent="-228600" algn="l" defTabSz="914400" rtl="0" eaLnBrk="1" latinLnBrk="0" hangingPunct="1">
+      <a:lvl5pPr marL="932688" indent="-182880" algn="l" defTabSz="914400" rtl="0" eaLnBrk="1" latinLnBrk="0" hangingPunct="1">
         <a:lnSpc>
           <a:spcPct val="90000"/>
         </a:lnSpc>
         <a:spcBef>
-          <a:spcPts val="500"/>
+          <a:spcPts val="200"/>
         </a:spcBef>
-        <a:buFont typeface="Arial" panose="020B0604020202020204" pitchFamily="34" charset="0"/>
-        <a:buChar char="•"/>
-        <a:defRPr sz="1800" kern="1200">
+        <a:spcAft>
+          <a:spcPts val="400"/>
+        </a:spcAft>
+        <a:buClr>
+          <a:schemeClr val="accent1"/>
+        </a:buClr>
+        <a:buFont typeface="Calibri" pitchFamily="34" charset="0"/>
+        <a:buChar char="◦"/>
+        <a:defRPr sz="1400" kern="1200">
           <a:solidFill>
-            <a:schemeClr val="tx1"/>
+            <a:schemeClr val="tx1">
+              <a:lumMod val="75000"/>
+              <a:lumOff val="25000"/>
+            </a:schemeClr>
           </a:solidFill>
           <a:latin typeface="+mn-lt"/>
           <a:ea typeface="+mn-ea"/>
           <a:cs typeface="+mn-cs"/>
         </a:defRPr>
       </a:lvl5pPr>
-      <a:lvl6pPr marL="2514600" indent="-228600" algn="l" defTabSz="914400" rtl="0" eaLnBrk="1" latinLnBrk="0" hangingPunct="1">
+      <a:lvl6pPr marL="1100000" indent="-228600" algn="l" defTabSz="914400" rtl="0" eaLnBrk="1" latinLnBrk="0" hangingPunct="1">
         <a:lnSpc>
           <a:spcPct val="90000"/>
         </a:lnSpc>
         <a:spcBef>
-          <a:spcPts val="500"/>
+          <a:spcPts val="200"/>
         </a:spcBef>
-        <a:buFont typeface="Arial" panose="020B0604020202020204" pitchFamily="34" charset="0"/>
-        <a:buChar char="•"/>
-        <a:defRPr sz="1800" kern="1200">
+        <a:spcAft>
+          <a:spcPts val="400"/>
+        </a:spcAft>
+        <a:buClr>
+          <a:schemeClr val="accent1"/>
+        </a:buClr>
+        <a:buFont typeface="Calibri" pitchFamily="34" charset="0"/>
+        <a:buChar char="◦"/>
+        <a:defRPr sz="1400" kern="1200">
           <a:solidFill>
-            <a:schemeClr val="tx1"/>
+            <a:schemeClr val="tx1">
+              <a:lumMod val="75000"/>
+              <a:lumOff val="25000"/>
+            </a:schemeClr>
           </a:solidFill>
           <a:latin typeface="+mn-lt"/>
           <a:ea typeface="+mn-ea"/>
           <a:cs typeface="+mn-cs"/>
         </a:defRPr>
       </a:lvl6pPr>
-      <a:lvl7pPr marL="2971800" indent="-228600" algn="l" defTabSz="914400" rtl="0" eaLnBrk="1" latinLnBrk="0" hangingPunct="1">
+      <a:lvl7pPr marL="1300000" indent="-228600" algn="l" defTabSz="914400" rtl="0" eaLnBrk="1" latinLnBrk="0" hangingPunct="1">
         <a:lnSpc>
           <a:spcPct val="90000"/>
         </a:lnSpc>
         <a:spcBef>
-          <a:spcPts val="500"/>
+          <a:spcPts val="200"/>
         </a:spcBef>
-        <a:buFont typeface="Arial" panose="020B0604020202020204" pitchFamily="34" charset="0"/>
-        <a:buChar char="•"/>
-        <a:defRPr sz="1800" kern="1200">
+        <a:spcAft>
+          <a:spcPts val="400"/>
+        </a:spcAft>
+        <a:buClr>
+          <a:schemeClr val="accent1"/>
+        </a:buClr>
+        <a:buFont typeface="Calibri" pitchFamily="34" charset="0"/>
+        <a:buChar char="◦"/>
+        <a:defRPr sz="1400" kern="1200">
           <a:solidFill>
-            <a:schemeClr val="tx1"/>
+            <a:schemeClr val="tx1">
+              <a:lumMod val="75000"/>
+              <a:lumOff val="25000"/>
+            </a:schemeClr>
           </a:solidFill>
           <a:latin typeface="+mn-lt"/>
           <a:ea typeface="+mn-ea"/>
           <a:cs typeface="+mn-cs"/>
         </a:defRPr>
       </a:lvl7pPr>
-      <a:lvl8pPr marL="3429000" indent="-228600" algn="l" defTabSz="914400" rtl="0" eaLnBrk="1" latinLnBrk="0" hangingPunct="1">
+      <a:lvl8pPr marL="1500000" indent="-228600" algn="l" defTabSz="914400" rtl="0" eaLnBrk="1" latinLnBrk="0" hangingPunct="1">
         <a:lnSpc>
           <a:spcPct val="90000"/>
         </a:lnSpc>
         <a:spcBef>
-          <a:spcPts val="500"/>
+          <a:spcPts val="200"/>
         </a:spcBef>
-        <a:buFont typeface="Arial" panose="020B0604020202020204" pitchFamily="34" charset="0"/>
-        <a:buChar char="•"/>
-        <a:defRPr sz="1800" kern="1200">
+        <a:spcAft>
+          <a:spcPts val="400"/>
+        </a:spcAft>
+        <a:buClr>
+          <a:schemeClr val="accent1"/>
+        </a:buClr>
+        <a:buFont typeface="Calibri" pitchFamily="34" charset="0"/>
+        <a:buChar char="◦"/>
+        <a:defRPr sz="1400" kern="1200">
           <a:solidFill>
-            <a:schemeClr val="tx1"/>
+            <a:schemeClr val="tx1">
+              <a:lumMod val="75000"/>
+              <a:lumOff val="25000"/>
+            </a:schemeClr>
           </a:solidFill>
           <a:latin typeface="+mn-lt"/>
           <a:ea typeface="+mn-ea"/>
           <a:cs typeface="+mn-cs"/>
         </a:defRPr>
       </a:lvl8pPr>
-      <a:lvl9pPr marL="3886200" indent="-228600" algn="l" defTabSz="914400" rtl="0" eaLnBrk="1" latinLnBrk="0" hangingPunct="1">
+      <a:lvl9pPr marL="1700000" indent="-228600" algn="l" defTabSz="914400" rtl="0" eaLnBrk="1" latinLnBrk="0" hangingPunct="1">
         <a:lnSpc>
           <a:spcPct val="90000"/>
         </a:lnSpc>
         <a:spcBef>
-          <a:spcPts val="500"/>
+          <a:spcPts val="200"/>
         </a:spcBef>
-        <a:buFont typeface="Arial" panose="020B0604020202020204" pitchFamily="34" charset="0"/>
-        <a:buChar char="•"/>
-        <a:defRPr sz="1800" kern="1200">
+        <a:spcAft>
+          <a:spcPts val="400"/>
+        </a:spcAft>
+        <a:buClr>
+          <a:schemeClr val="accent1"/>
+        </a:buClr>
+        <a:buFont typeface="Calibri" pitchFamily="34" charset="0"/>
+        <a:buChar char="◦"/>
+        <a:defRPr sz="1400" kern="1200">
           <a:solidFill>
-            <a:schemeClr val="tx1"/>
+            <a:schemeClr val="tx1">
+              <a:lumMod val="75000"/>
+              <a:lumOff val="25000"/>
+            </a:schemeClr>
           </a:solidFill>
           <a:latin typeface="+mn-lt"/>
           <a:ea typeface="+mn-ea"/>
@@ -3015,7 +3877,9 @@
         </p:nvSpPr>
         <p:spPr/>
         <p:txBody>
-          <a:bodyPr/>
+          <a:bodyPr>
+            <a:normAutofit fontScale="85000" lnSpcReduction="20000"/>
+          </a:bodyPr>
           <a:lstStyle/>
           <a:p>
             <a:r>
@@ -3389,6 +4253,12 @@
           <a:p>
             <a:r>
               <a:rPr lang="en-US" dirty="0"/>
+              <a:t>Model View uses SVF file format</a:t>
+            </a:r>
+          </a:p>
+          <a:p>
+            <a:r>
+              <a:rPr lang="en-US" dirty="0"/>
               <a:t>Model cannot be too detailed or large</a:t>
             </a:r>
           </a:p>
@@ -3403,6 +4273,13 @@
             <a:r>
               <a:rPr lang="en-US" dirty="0"/>
               <a:t>Model is displayed in Forge Viewer and is interactive</a:t>
+            </a:r>
+          </a:p>
+          <a:p>
+            <a:pPr lvl="1"/>
+            <a:r>
+              <a:rPr lang="en-US" dirty="0"/>
+              <a:t>Model is manipulation</a:t>
             </a:r>
           </a:p>
         </p:txBody>
@@ -3454,152 +4331,35 @@
           <a:p>
             <a:r>
               <a:rPr lang="en-US" dirty="0"/>
-              <a:t>Authentication Design</a:t>
-            </a:r>
-          </a:p>
-        </p:txBody>
-      </p:sp>
-      <p:sp>
-        <p:nvSpPr>
-          <p:cNvPr id="3" name="Text Placeholder 2"/>
-          <p:cNvSpPr>
-            <a:spLocks noGrp="1"/>
-          </p:cNvSpPr>
-          <p:nvPr>
-            <p:ph type="body" idx="1"/>
-          </p:nvPr>
-        </p:nvSpPr>
-        <p:spPr>
-          <a:xfrm>
-            <a:off x="839788" y="1681163"/>
-            <a:ext cx="5157787" cy="484521"/>
-          </a:xfrm>
-        </p:spPr>
-        <p:txBody>
-          <a:bodyPr/>
-          <a:lstStyle/>
-          <a:p>
-            <a:r>
-              <a:rPr lang="en-US" dirty="0"/>
-              <a:t>2 Legged</a:t>
-            </a:r>
-          </a:p>
-        </p:txBody>
-      </p:sp>
-      <p:sp>
-        <p:nvSpPr>
-          <p:cNvPr id="4" name="Content Placeholder 3"/>
-          <p:cNvSpPr>
-            <a:spLocks noGrp="1"/>
-          </p:cNvSpPr>
-          <p:nvPr>
-            <p:ph sz="half" idx="2"/>
-          </p:nvPr>
-        </p:nvSpPr>
-        <p:spPr>
-          <a:xfrm>
-            <a:off x="839788" y="2165684"/>
-            <a:ext cx="5157787" cy="4023979"/>
-          </a:xfrm>
-        </p:spPr>
-        <p:txBody>
-          <a:bodyPr/>
-          <a:lstStyle/>
-          <a:p>
-            <a:r>
-              <a:rPr lang="en-US" dirty="0"/>
-              <a:t>For when site does not need permission based resources</a:t>
-            </a:r>
-          </a:p>
-          <a:p>
-            <a:r>
-              <a:rPr lang="en-US" dirty="0"/>
-              <a:t>Simple token exchange system for security</a:t>
-            </a:r>
-          </a:p>
-          <a:p>
-            <a:r>
-              <a:rPr lang="en-US" dirty="0"/>
-              <a:t>Dependent on Autodesk endpoints/system/servers</a:t>
-            </a:r>
-          </a:p>
-        </p:txBody>
-      </p:sp>
-      <p:sp>
-        <p:nvSpPr>
-          <p:cNvPr id="5" name="Text Placeholder 4"/>
-          <p:cNvSpPr>
-            <a:spLocks noGrp="1"/>
-          </p:cNvSpPr>
-          <p:nvPr>
-            <p:ph type="body" sz="quarter" idx="3"/>
-          </p:nvPr>
-        </p:nvSpPr>
-        <p:spPr>
-          <a:xfrm>
-            <a:off x="6172200" y="1681163"/>
-            <a:ext cx="5183188" cy="484521"/>
-          </a:xfrm>
-        </p:spPr>
-        <p:txBody>
-          <a:bodyPr/>
-          <a:lstStyle/>
-          <a:p>
-            <a:r>
-              <a:rPr lang="en-US" dirty="0"/>
-              <a:t>3 Legged</a:t>
-            </a:r>
-          </a:p>
-        </p:txBody>
-      </p:sp>
-      <p:sp>
-        <p:nvSpPr>
-          <p:cNvPr id="6" name="Content Placeholder 5"/>
-          <p:cNvSpPr>
-            <a:spLocks noGrp="1"/>
-          </p:cNvSpPr>
-          <p:nvPr>
-            <p:ph sz="quarter" idx="4"/>
-          </p:nvPr>
-        </p:nvSpPr>
-        <p:spPr>
-          <a:xfrm>
-            <a:off x="6172200" y="2165684"/>
-            <a:ext cx="5183188" cy="4023979"/>
-          </a:xfrm>
-        </p:spPr>
-        <p:txBody>
-          <a:bodyPr/>
-          <a:lstStyle/>
-          <a:p>
-            <a:r>
-              <a:rPr lang="en-US" dirty="0"/>
-              <a:t>When users must verify permission for resources</a:t>
-            </a:r>
-          </a:p>
-          <a:p>
-            <a:r>
-              <a:rPr lang="en-US" dirty="0"/>
-              <a:t>Users verify permission after logging in</a:t>
-            </a:r>
-          </a:p>
-          <a:p>
-            <a:r>
-              <a:rPr lang="en-US" dirty="0"/>
-              <a:t>Token returned granting site access of resources</a:t>
-            </a:r>
-          </a:p>
-          <a:p>
-            <a:r>
-              <a:rPr lang="en-US" dirty="0"/>
-              <a:t>Dependent on Autodesk endpoints/system/servers</a:t>
-            </a:r>
-          </a:p>
-          <a:p>
-            <a:pPr lvl="1"/>
-            <a:r>
-              <a:rPr lang="en-US" dirty="0"/>
-              <a:t>As well as user permission</a:t>
+              <a:t>Design Document</a:t>
+            </a:r>
+          </a:p>
+        </p:txBody>
+      </p:sp>
+      <p:sp>
+        <p:nvSpPr>
+          <p:cNvPr id="3" name="Content Placeholder 2"/>
+          <p:cNvSpPr>
+            <a:spLocks noGrp="1"/>
+          </p:cNvSpPr>
+          <p:nvPr>
+            <p:ph idx="1"/>
+          </p:nvPr>
+        </p:nvSpPr>
+        <p:spPr/>
+        <p:txBody>
+          <a:bodyPr/>
+          <a:lstStyle/>
+          <a:p>
+            <a:r>
+              <a:rPr lang="en-US" dirty="0"/>
+              <a:t>A detailed explanation of the development process</a:t>
+            </a:r>
+          </a:p>
+          <a:p>
+            <a:r>
+              <a:rPr lang="en-US" dirty="0"/>
+              <a:t>Based on the IEEE 1016</a:t>
             </a:r>
           </a:p>
           <a:p>
@@ -3610,7 +4370,7 @@
     </p:spTree>
     <p:extLst>
       <p:ext uri="{BB962C8B-B14F-4D97-AF65-F5344CB8AC3E}">
-        <p14:creationId xmlns:p14="http://schemas.microsoft.com/office/powerpoint/2010/main" val="2497763136"/>
+        <p14:creationId xmlns:p14="http://schemas.microsoft.com/office/powerpoint/2010/main" val="2408296895"/>
       </p:ext>
     </p:extLst>
   </p:cSld>
@@ -3654,85 +4414,170 @@
           <a:p>
             <a:r>
               <a:rPr lang="en-US" dirty="0"/>
-              <a:t>Viewing VR Design</a:t>
-            </a:r>
-          </a:p>
-        </p:txBody>
-      </p:sp>
-      <p:sp>
-        <p:nvSpPr>
-          <p:cNvPr id="3" name="Content Placeholder 2"/>
-          <p:cNvSpPr>
-            <a:spLocks noGrp="1"/>
-          </p:cNvSpPr>
-          <p:nvPr>
-            <p:ph idx="1"/>
-          </p:nvPr>
-        </p:nvSpPr>
-        <p:spPr/>
-        <p:txBody>
-          <a:bodyPr/>
-          <a:lstStyle/>
-          <a:p>
-            <a:r>
-              <a:rPr lang="en-US" dirty="0"/>
-              <a:t>Currently using Google Cardboard’s application</a:t>
-            </a:r>
-          </a:p>
-          <a:p>
-            <a:pPr lvl="1"/>
-            <a:r>
-              <a:rPr lang="en-US" dirty="0"/>
-              <a:t>Android WebView inside the application (</a:t>
-            </a:r>
-            <a:r>
-              <a:rPr lang="en-US" dirty="0" err="1"/>
-              <a:t>WebGL</a:t>
-            </a:r>
-            <a:r>
-              <a:rPr lang="en-US" dirty="0"/>
-              <a:t>)</a:t>
-            </a:r>
-          </a:p>
-          <a:p>
-            <a:r>
-              <a:rPr lang="en-US" dirty="0"/>
-              <a:t>This allows for VR viewing of models on the site loaded by the QR scanner</a:t>
-            </a:r>
-          </a:p>
-          <a:p>
-            <a:r>
-              <a:rPr lang="en-US" dirty="0"/>
-              <a:t>Dependent on user having</a:t>
-            </a:r>
-          </a:p>
-          <a:p>
-            <a:pPr lvl="1"/>
-            <a:r>
-              <a:rPr lang="en-US" dirty="0"/>
-              <a:t>Google Cardboard hardware </a:t>
-            </a:r>
-          </a:p>
-          <a:p>
-            <a:pPr lvl="1"/>
-            <a:r>
-              <a:rPr lang="en-US" dirty="0"/>
-              <a:t>Google Cardboard application</a:t>
-            </a:r>
-          </a:p>
-          <a:p>
-            <a:pPr lvl="1"/>
-            <a:r>
-              <a:rPr lang="en-US" dirty="0"/>
-              <a:t>Android Device Lollipop+</a:t>
-            </a:r>
+              <a:t>Authentication Design</a:t>
+            </a:r>
+          </a:p>
+        </p:txBody>
+      </p:sp>
+      <p:sp>
+        <p:nvSpPr>
+          <p:cNvPr id="3" name="Text Placeholder 2"/>
+          <p:cNvSpPr>
+            <a:spLocks noGrp="1"/>
+          </p:cNvSpPr>
+          <p:nvPr>
+            <p:ph type="body" idx="1"/>
+          </p:nvPr>
+        </p:nvSpPr>
+        <p:spPr>
+          <a:xfrm>
+            <a:off x="839788" y="1681163"/>
+            <a:ext cx="5157787" cy="484521"/>
+          </a:xfrm>
+        </p:spPr>
+        <p:txBody>
+          <a:bodyPr/>
+          <a:lstStyle/>
+          <a:p>
+            <a:r>
+              <a:rPr lang="en-US" dirty="0"/>
+              <a:t>2 Legged</a:t>
+            </a:r>
+          </a:p>
+        </p:txBody>
+      </p:sp>
+      <p:sp>
+        <p:nvSpPr>
+          <p:cNvPr id="4" name="Content Placeholder 3"/>
+          <p:cNvSpPr>
+            <a:spLocks noGrp="1"/>
+          </p:cNvSpPr>
+          <p:nvPr>
+            <p:ph sz="half" idx="2"/>
+          </p:nvPr>
+        </p:nvSpPr>
+        <p:spPr>
+          <a:xfrm>
+            <a:off x="839788" y="2165684"/>
+            <a:ext cx="5157787" cy="4023979"/>
+          </a:xfrm>
+        </p:spPr>
+        <p:txBody>
+          <a:bodyPr/>
+          <a:lstStyle/>
+          <a:p>
+            <a:r>
+              <a:rPr lang="en-US" dirty="0"/>
+              <a:t>For when site does not need permission based resources</a:t>
+            </a:r>
+          </a:p>
+          <a:p>
+            <a:r>
+              <a:rPr lang="en-US" dirty="0"/>
+              <a:t>Simple token exchange system for security</a:t>
+            </a:r>
+          </a:p>
+          <a:p>
+            <a:r>
+              <a:rPr lang="en-US" dirty="0"/>
+              <a:t>Dependent on Autodesk endpoints/system/servers</a:t>
+            </a:r>
+          </a:p>
+        </p:txBody>
+      </p:sp>
+      <p:sp>
+        <p:nvSpPr>
+          <p:cNvPr id="5" name="Text Placeholder 4"/>
+          <p:cNvSpPr>
+            <a:spLocks noGrp="1"/>
+          </p:cNvSpPr>
+          <p:nvPr>
+            <p:ph type="body" sz="quarter" idx="3"/>
+          </p:nvPr>
+        </p:nvSpPr>
+        <p:spPr>
+          <a:xfrm>
+            <a:off x="6172200" y="1681163"/>
+            <a:ext cx="5183188" cy="484521"/>
+          </a:xfrm>
+        </p:spPr>
+        <p:txBody>
+          <a:bodyPr/>
+          <a:lstStyle/>
+          <a:p>
+            <a:r>
+              <a:rPr lang="en-US" dirty="0"/>
+              <a:t>3 Legged</a:t>
+            </a:r>
+          </a:p>
+        </p:txBody>
+      </p:sp>
+      <p:sp>
+        <p:nvSpPr>
+          <p:cNvPr id="6" name="Content Placeholder 5"/>
+          <p:cNvSpPr>
+            <a:spLocks noGrp="1"/>
+          </p:cNvSpPr>
+          <p:nvPr>
+            <p:ph sz="quarter" idx="4"/>
+          </p:nvPr>
+        </p:nvSpPr>
+        <p:spPr>
+          <a:xfrm>
+            <a:off x="6172200" y="2165684"/>
+            <a:ext cx="5183188" cy="4023979"/>
+          </a:xfrm>
+        </p:spPr>
+        <p:txBody>
+          <a:bodyPr/>
+          <a:lstStyle/>
+          <a:p>
+            <a:r>
+              <a:rPr lang="en-US" dirty="0"/>
+              <a:t>When users must verify permission for resources</a:t>
+            </a:r>
+          </a:p>
+          <a:p>
+            <a:r>
+              <a:rPr lang="en-US" dirty="0"/>
+              <a:t>Users verify permission after logging in</a:t>
+            </a:r>
+          </a:p>
+          <a:p>
+            <a:r>
+              <a:rPr lang="en-US" dirty="0"/>
+              <a:t>Token returned granting site access of resources</a:t>
+            </a:r>
+          </a:p>
+          <a:p>
+            <a:r>
+              <a:rPr lang="en-US" dirty="0"/>
+              <a:t>Dependent on Autodesk endpoints/system/servers</a:t>
+            </a:r>
+          </a:p>
+          <a:p>
+            <a:pPr lvl="1"/>
+            <a:r>
+              <a:rPr lang="en-US" dirty="0"/>
+              <a:t>User has account</a:t>
+            </a:r>
+          </a:p>
+          <a:p>
+            <a:pPr lvl="1"/>
+            <a:r>
+              <a:rPr lang="en-US" dirty="0"/>
+              <a:t>As well as user permission</a:t>
+            </a:r>
+          </a:p>
+          <a:p>
+            <a:endParaRPr lang="en-US" dirty="0"/>
           </a:p>
         </p:txBody>
       </p:sp>
     </p:spTree>
     <p:extLst>
       <p:ext uri="{BB962C8B-B14F-4D97-AF65-F5344CB8AC3E}">
-        <p14:creationId xmlns:p14="http://schemas.microsoft.com/office/powerpoint/2010/main" val="1648740225"/>
+        <p14:creationId xmlns:p14="http://schemas.microsoft.com/office/powerpoint/2010/main" val="2497763136"/>
       </p:ext>
     </p:extLst>
   </p:cSld>
@@ -3776,7 +4621,7 @@
           <a:p>
             <a:r>
               <a:rPr lang="en-US" dirty="0"/>
-              <a:t>Data Management Design</a:t>
+              <a:t>Viewing VR Design</a:t>
             </a:r>
           </a:p>
         </p:txBody>
@@ -3798,19 +4643,61 @@
           <a:p>
             <a:r>
               <a:rPr lang="en-US" dirty="0"/>
-              <a:t>Relies on 3 Legged Data Authentication being completed</a:t>
-            </a:r>
-          </a:p>
-          <a:p>
-            <a:r>
-              <a:rPr lang="en-US" dirty="0"/>
-              <a:t>User accesses files stored in A360 to use</a:t>
-            </a:r>
-          </a:p>
-          <a:p>
-            <a:r>
-              <a:rPr lang="en-US" dirty="0"/>
-              <a:t>Data management returns those files</a:t>
+              <a:t>Currently using Google Cardboard’s application</a:t>
+            </a:r>
+          </a:p>
+          <a:p>
+            <a:pPr lvl="1"/>
+            <a:r>
+              <a:rPr lang="en-US" dirty="0"/>
+              <a:t>Android WebView inside the application (</a:t>
+            </a:r>
+            <a:r>
+              <a:rPr lang="en-US" dirty="0" err="1"/>
+              <a:t>WebGL</a:t>
+            </a:r>
+            <a:r>
+              <a:rPr lang="en-US" dirty="0"/>
+              <a:t>)</a:t>
+            </a:r>
+          </a:p>
+          <a:p>
+            <a:r>
+              <a:rPr lang="en-US" dirty="0"/>
+              <a:t>This allows for VR viewing of models on the site loaded by the QR scanner</a:t>
+            </a:r>
+          </a:p>
+          <a:p>
+            <a:r>
+              <a:rPr lang="en-US" dirty="0"/>
+              <a:t>Interactivity takes input from keyboard</a:t>
+            </a:r>
+          </a:p>
+          <a:p>
+            <a:r>
+              <a:rPr lang="en-US" dirty="0"/>
+              <a:t>Dependent on user having</a:t>
+            </a:r>
+          </a:p>
+          <a:p>
+            <a:pPr lvl="1"/>
+            <a:r>
+              <a:rPr lang="en-US" dirty="0"/>
+              <a:t>Google Cardboard hardware </a:t>
+            </a:r>
+          </a:p>
+          <a:p>
+            <a:pPr lvl="1"/>
+            <a:r>
+              <a:rPr lang="en-US" dirty="0"/>
+              <a:t>Google Cardboard application</a:t>
+            </a:r>
+          </a:p>
+          <a:p>
+            <a:pPr lvl="1"/>
+            <a:r>
+              <a:rPr lang="en-US" dirty="0"/>
+              <a:t>Android Device Lollipop+</a:t>
             </a:r>
           </a:p>
         </p:txBody>
@@ -3818,7 +4705,7 @@
     </p:spTree>
     <p:extLst>
       <p:ext uri="{BB962C8B-B14F-4D97-AF65-F5344CB8AC3E}">
-        <p14:creationId xmlns:p14="http://schemas.microsoft.com/office/powerpoint/2010/main" val="1095674573"/>
+        <p14:creationId xmlns:p14="http://schemas.microsoft.com/office/powerpoint/2010/main" val="1648740225"/>
       </p:ext>
     </p:extLst>
   </p:cSld>
@@ -3862,7 +4749,7 @@
           <a:p>
             <a:r>
               <a:rPr lang="en-US" dirty="0"/>
-              <a:t>Website Interface</a:t>
+              <a:t>Data Management Design</a:t>
             </a:r>
           </a:p>
         </p:txBody>
@@ -3884,54 +4771,19 @@
           <a:p>
             <a:r>
               <a:rPr lang="en-US" dirty="0"/>
-              <a:t>NEW interface</a:t>
-            </a:r>
-          </a:p>
-          <a:p>
-            <a:r>
-              <a:rPr lang="en-US" dirty="0"/>
-              <a:t>Focus on positive user experience</a:t>
-            </a:r>
-          </a:p>
-          <a:p>
-            <a:r>
-              <a:rPr lang="en-US" dirty="0"/>
-              <a:t>Needs to have:</a:t>
-            </a:r>
-          </a:p>
-          <a:p>
-            <a:pPr lvl="1"/>
-            <a:r>
-              <a:rPr lang="en-US" dirty="0"/>
-              <a:t>Forge Viewer</a:t>
-            </a:r>
-          </a:p>
-          <a:p>
-            <a:pPr lvl="1"/>
-            <a:r>
-              <a:rPr lang="en-US" dirty="0"/>
-              <a:t>File Upload</a:t>
-            </a:r>
-          </a:p>
-          <a:p>
-            <a:pPr lvl="1"/>
-            <a:r>
-              <a:rPr lang="en-US" dirty="0"/>
-              <a:t>QR code</a:t>
-            </a:r>
-          </a:p>
-          <a:p>
-            <a:pPr lvl="1"/>
-            <a:r>
-              <a:rPr lang="en-US" dirty="0"/>
-              <a:t>Model Derivative</a:t>
-            </a:r>
-          </a:p>
-          <a:p>
-            <a:pPr lvl="1"/>
-            <a:r>
-              <a:rPr lang="en-US" dirty="0"/>
-              <a:t>Information and basic site content</a:t>
+              <a:t>Relies on 3 Legged Data Authentication being completed</a:t>
+            </a:r>
+          </a:p>
+          <a:p>
+            <a:r>
+              <a:rPr lang="en-US" dirty="0"/>
+              <a:t>User accesses files stored in A360 to use</a:t>
+            </a:r>
+          </a:p>
+          <a:p>
+            <a:r>
+              <a:rPr lang="en-US" dirty="0"/>
+              <a:t>Data management returns those files</a:t>
             </a:r>
           </a:p>
         </p:txBody>
@@ -3939,7 +4791,7 @@
     </p:spTree>
     <p:extLst>
       <p:ext uri="{BB962C8B-B14F-4D97-AF65-F5344CB8AC3E}">
-        <p14:creationId xmlns:p14="http://schemas.microsoft.com/office/powerpoint/2010/main" val="3569504896"/>
+        <p14:creationId xmlns:p14="http://schemas.microsoft.com/office/powerpoint/2010/main" val="1095674573"/>
       </p:ext>
     </p:extLst>
   </p:cSld>
@@ -3983,7 +4835,7 @@
           <a:p>
             <a:r>
               <a:rPr lang="en-US" dirty="0"/>
-              <a:t>Model View Design</a:t>
+              <a:t>Website Interface Design</a:t>
             </a:r>
           </a:p>
         </p:txBody>
@@ -4005,73 +4857,68 @@
           <a:p>
             <a:r>
               <a:rPr lang="en-US" dirty="0"/>
-              <a:t>Forge Large Model Viewer</a:t>
-            </a:r>
-          </a:p>
-          <a:p>
-            <a:pPr lvl="1"/>
-            <a:r>
-              <a:rPr lang="en-US" dirty="0"/>
-              <a:t>Uses </a:t>
-            </a:r>
-            <a:r>
-              <a:rPr lang="en-US" dirty="0" err="1"/>
-              <a:t>WebGL</a:t>
-            </a:r>
-            <a:endParaRPr lang="en-US" dirty="0"/>
-          </a:p>
-          <a:p>
-            <a:pPr lvl="1"/>
-            <a:r>
-              <a:rPr lang="en-US" dirty="0"/>
-              <a:t>Renders SVF model on webpage</a:t>
-            </a:r>
-          </a:p>
-          <a:p>
-            <a:r>
-              <a:rPr lang="en-US" dirty="0"/>
-              <a:t>Model is interactive</a:t>
-            </a:r>
-          </a:p>
-          <a:p>
-            <a:r>
-              <a:rPr lang="en-US" dirty="0"/>
-              <a:t>Components</a:t>
-            </a:r>
-          </a:p>
-          <a:p>
-            <a:pPr lvl="1"/>
-            <a:r>
-              <a:rPr lang="en-US" dirty="0"/>
-              <a:t>Main view window</a:t>
-            </a:r>
-          </a:p>
-          <a:p>
-            <a:pPr lvl="1"/>
-            <a:r>
-              <a:rPr lang="en-US" dirty="0"/>
-              <a:t>Listed Models</a:t>
-            </a:r>
-          </a:p>
-          <a:p>
-            <a:pPr lvl="1"/>
-            <a:r>
-              <a:rPr lang="en-US" dirty="0"/>
-              <a:t>Viewer Controls</a:t>
-            </a:r>
-          </a:p>
-          <a:p>
-            <a:pPr lvl="1"/>
-            <a:r>
-              <a:rPr lang="en-US" dirty="0"/>
-              <a:t>Model viewer navigation</a:t>
-            </a:r>
-          </a:p>
-          <a:p>
-            <a:pPr lvl="1"/>
-            <a:r>
-              <a:rPr lang="en-US" dirty="0"/>
-              <a:t>Mobile Viewer</a:t>
+              <a:t>NEW interface</a:t>
+            </a:r>
+          </a:p>
+          <a:p>
+            <a:r>
+              <a:rPr lang="en-US" dirty="0"/>
+              <a:t>Focus on user experience</a:t>
+            </a:r>
+          </a:p>
+          <a:p>
+            <a:pPr lvl="1"/>
+            <a:r>
+              <a:rPr lang="en-US" dirty="0"/>
+              <a:t>Easy to use</a:t>
+            </a:r>
+          </a:p>
+          <a:p>
+            <a:pPr lvl="1"/>
+            <a:r>
+              <a:rPr lang="en-US" dirty="0"/>
+              <a:t>Easy to find components</a:t>
+            </a:r>
+          </a:p>
+          <a:p>
+            <a:r>
+              <a:rPr lang="en-US" dirty="0"/>
+              <a:t>Needs to have:</a:t>
+            </a:r>
+          </a:p>
+          <a:p>
+            <a:pPr lvl="1"/>
+            <a:r>
+              <a:rPr lang="en-US" dirty="0"/>
+              <a:t>Forge Viewer</a:t>
+            </a:r>
+          </a:p>
+          <a:p>
+            <a:pPr lvl="1"/>
+            <a:r>
+              <a:rPr lang="en-US" dirty="0"/>
+              <a:t>File Upload</a:t>
+            </a:r>
+          </a:p>
+          <a:p>
+            <a:pPr lvl="1"/>
+            <a:r>
+              <a:rPr lang="en-US" dirty="0"/>
+              <a:t>QR code</a:t>
+            </a:r>
+          </a:p>
+          <a:p>
+            <a:pPr lvl="1"/>
+            <a:r>
+              <a:rPr lang="en-US" dirty="0"/>
+              <a:t>Model Derivative</a:t>
+            </a:r>
+          </a:p>
+          <a:p>
+            <a:pPr lvl="1"/>
+            <a:r>
+              <a:rPr lang="en-US" dirty="0"/>
+              <a:t>Information and basic site content</a:t>
             </a:r>
           </a:p>
         </p:txBody>
@@ -4079,7 +4926,7 @@
     </p:spTree>
     <p:extLst>
       <p:ext uri="{BB962C8B-B14F-4D97-AF65-F5344CB8AC3E}">
-        <p14:creationId xmlns:p14="http://schemas.microsoft.com/office/powerpoint/2010/main" val="1887009037"/>
+        <p14:creationId xmlns:p14="http://schemas.microsoft.com/office/powerpoint/2010/main" val="3569504896"/>
       </p:ext>
     </p:extLst>
   </p:cSld>
@@ -4123,7 +4970,7 @@
           <a:p>
             <a:r>
               <a:rPr lang="en-US" dirty="0"/>
-              <a:t>Smartphone Connection Design</a:t>
+              <a:t>Model View Design</a:t>
             </a:r>
           </a:p>
         </p:txBody>
@@ -4145,34 +4992,32 @@
           <a:p>
             <a:r>
               <a:rPr lang="en-US" dirty="0"/>
-              <a:t>Assumptions</a:t>
-            </a:r>
-          </a:p>
-          <a:p>
-            <a:pPr lvl="1"/>
-            <a:r>
-              <a:rPr lang="en-US" dirty="0"/>
-              <a:t>User has “smartphone”</a:t>
-            </a:r>
-          </a:p>
-          <a:p>
-            <a:pPr lvl="1"/>
-            <a:r>
-              <a:rPr lang="en-US" dirty="0"/>
-              <a:t>User has internet access</a:t>
-            </a:r>
-          </a:p>
-          <a:p>
-            <a:pPr lvl="1"/>
-            <a:r>
-              <a:rPr lang="en-US" dirty="0"/>
-              <a:t>User has QR scanner</a:t>
-            </a:r>
-          </a:p>
-          <a:p>
-            <a:r>
-              <a:rPr lang="en-US" dirty="0"/>
-              <a:t>Mobile device can access site with QR scanner</a:t>
+              <a:t>Forge Large Model Viewer</a:t>
+            </a:r>
+          </a:p>
+          <a:p>
+            <a:pPr lvl="1"/>
+            <a:r>
+              <a:rPr lang="en-US" dirty="0"/>
+              <a:t>Uses </a:t>
+            </a:r>
+            <a:r>
+              <a:rPr lang="en-US" dirty="0" err="1"/>
+              <a:t>WebGL</a:t>
+            </a:r>
+            <a:endParaRPr lang="en-US" dirty="0"/>
+          </a:p>
+          <a:p>
+            <a:pPr lvl="1"/>
+            <a:r>
+              <a:rPr lang="en-US" dirty="0"/>
+              <a:t>Renders SVF model on webpage</a:t>
+            </a:r>
+          </a:p>
+          <a:p>
+            <a:r>
+              <a:rPr lang="en-US" dirty="0"/>
+              <a:t>Model is interactive</a:t>
             </a:r>
           </a:p>
           <a:p>
@@ -4185,32 +5030,29 @@
             <a:pPr lvl="1"/>
             <a:r>
               <a:rPr lang="en-US" dirty="0"/>
-              <a:t>QR code</a:t>
-            </a:r>
-          </a:p>
-          <a:p>
-            <a:pPr lvl="1"/>
-            <a:r>
-              <a:rPr lang="en-US" dirty="0"/>
-              <a:t>Device connection</a:t>
-            </a:r>
-          </a:p>
-          <a:p>
-            <a:pPr lvl="1"/>
-            <a:r>
-              <a:rPr lang="en-US" dirty="0"/>
-              <a:t>Device view</a:t>
-            </a:r>
-          </a:p>
-          <a:p>
-            <a:endParaRPr lang="en-US" dirty="0"/>
+              <a:t>Main view window</a:t>
+            </a:r>
+          </a:p>
+          <a:p>
+            <a:pPr lvl="1"/>
+            <a:r>
+              <a:rPr lang="en-US" dirty="0"/>
+              <a:t>Listed Models</a:t>
+            </a:r>
+          </a:p>
+          <a:p>
+            <a:pPr lvl="1"/>
+            <a:r>
+              <a:rPr lang="en-US" dirty="0"/>
+              <a:t>Model viewer navigation</a:t>
+            </a:r>
           </a:p>
         </p:txBody>
       </p:sp>
     </p:spTree>
     <p:extLst>
       <p:ext uri="{BB962C8B-B14F-4D97-AF65-F5344CB8AC3E}">
-        <p14:creationId xmlns:p14="http://schemas.microsoft.com/office/powerpoint/2010/main" val="3684780182"/>
+        <p14:creationId xmlns:p14="http://schemas.microsoft.com/office/powerpoint/2010/main" val="1887009037"/>
       </p:ext>
     </p:extLst>
   </p:cSld>
@@ -4358,7 +5200,7 @@
           <a:p>
             <a:r>
               <a:rPr lang="en-US" dirty="0"/>
-              <a:t>Model Derivative Design (File Conversion)</a:t>
+              <a:t>Local File Upload Design</a:t>
             </a:r>
           </a:p>
         </p:txBody>
@@ -4380,36 +5222,81 @@
           <a:p>
             <a:r>
               <a:rPr lang="en-US" dirty="0"/>
-              <a:t>Uploaded files (local or not) sent </a:t>
-            </a:r>
-          </a:p>
-          <a:p>
-            <a:r>
-              <a:rPr lang="en-US" dirty="0"/>
-              <a:t>API accepts CAD files</a:t>
-            </a:r>
-          </a:p>
-          <a:p>
-            <a:r>
-              <a:rPr lang="en-US" dirty="0"/>
-              <a:t>Failure is notified to user</a:t>
-            </a:r>
-          </a:p>
-          <a:p>
-            <a:r>
-              <a:rPr lang="en-US" dirty="0"/>
-              <a:t>Success results in converted SVF file</a:t>
-            </a:r>
-          </a:p>
-          <a:p>
+              <a:t>Select files on local machine</a:t>
+            </a:r>
+          </a:p>
+          <a:p>
+            <a:pPr lvl="1"/>
+            <a:r>
+              <a:rPr lang="en-US" dirty="0"/>
+              <a:t>Site verifies file type</a:t>
+            </a:r>
+          </a:p>
+          <a:p>
+            <a:pPr lvl="1"/>
+            <a:r>
+              <a:rPr lang="en-US" dirty="0"/>
+              <a:t>Returns success/failure</a:t>
+            </a:r>
+          </a:p>
+          <a:p>
+            <a:pPr lvl="1"/>
+            <a:r>
+              <a:rPr lang="en-US" dirty="0"/>
+              <a:t>Conversion to SVF type</a:t>
+            </a:r>
+          </a:p>
+          <a:p>
+            <a:pPr lvl="1"/>
             <a:endParaRPr lang="en-US" dirty="0"/>
+          </a:p>
+          <a:p>
+            <a:r>
+              <a:rPr lang="en-US" dirty="0"/>
+              <a:t>Components</a:t>
+            </a:r>
+          </a:p>
+          <a:p>
+            <a:pPr lvl="1"/>
+            <a:r>
+              <a:rPr lang="en-US" dirty="0"/>
+              <a:t>Local Upload button</a:t>
+            </a:r>
+          </a:p>
+          <a:p>
+            <a:pPr lvl="1"/>
+            <a:r>
+              <a:rPr lang="en-US" dirty="0"/>
+              <a:t>File selection</a:t>
+            </a:r>
+          </a:p>
+          <a:p>
+            <a:pPr lvl="1"/>
+            <a:r>
+              <a:rPr lang="en-US" dirty="0"/>
+              <a:t>File type verification</a:t>
+            </a:r>
+          </a:p>
+          <a:p>
+            <a:pPr lvl="1"/>
+            <a:r>
+              <a:rPr lang="en-US" dirty="0"/>
+              <a:t>File size verification</a:t>
+            </a:r>
+          </a:p>
+          <a:p>
+            <a:pPr lvl="1"/>
+            <a:r>
+              <a:rPr lang="en-US" dirty="0"/>
+              <a:t>File conversion</a:t>
+            </a:r>
           </a:p>
         </p:txBody>
       </p:sp>
     </p:spTree>
     <p:extLst>
       <p:ext uri="{BB962C8B-B14F-4D97-AF65-F5344CB8AC3E}">
-        <p14:creationId xmlns:p14="http://schemas.microsoft.com/office/powerpoint/2010/main" val="539222828"/>
+        <p14:creationId xmlns:p14="http://schemas.microsoft.com/office/powerpoint/2010/main" val="3288010801"/>
       </p:ext>
     </p:extLst>
   </p:cSld>
@@ -4453,7 +5340,7 @@
           <a:p>
             <a:r>
               <a:rPr lang="en-US" dirty="0"/>
-              <a:t>Local File Upload Design</a:t>
+              <a:t>Non Local File Upload Design</a:t>
             </a:r>
           </a:p>
         </p:txBody>
@@ -4475,48 +5362,25 @@
           <a:p>
             <a:r>
               <a:rPr lang="en-US" dirty="0"/>
-              <a:t>Select files on local machine</a:t>
-            </a:r>
-          </a:p>
-          <a:p>
-            <a:pPr lvl="1"/>
-            <a:r>
-              <a:rPr lang="en-US" dirty="0"/>
-              <a:t>Site verifies file type</a:t>
-            </a:r>
-          </a:p>
-          <a:p>
-            <a:pPr lvl="1"/>
-            <a:r>
-              <a:rPr lang="en-US" dirty="0"/>
-              <a:t>Conversion to SVF type</a:t>
-            </a:r>
-          </a:p>
-          <a:p>
-            <a:pPr lvl="1"/>
-            <a:r>
-              <a:rPr lang="en-US" dirty="0"/>
-              <a:t>Returns success/failure</a:t>
-            </a:r>
-          </a:p>
-          <a:p>
-            <a:r>
-              <a:rPr lang="en-US" dirty="0"/>
-              <a:t>Components</a:t>
-            </a:r>
-          </a:p>
-          <a:p>
-            <a:pPr lvl="1"/>
-            <a:r>
-              <a:rPr lang="en-US" dirty="0"/>
-              <a:t>Local Upload button</a:t>
-            </a:r>
-          </a:p>
-          <a:p>
-            <a:pPr lvl="1"/>
-            <a:r>
-              <a:rPr lang="en-US" dirty="0"/>
-              <a:t>File selection</a:t>
+              <a:t>Login to Autodesk account</a:t>
+            </a:r>
+          </a:p>
+          <a:p>
+            <a:r>
+              <a:rPr lang="en-US" dirty="0"/>
+              <a:t>Give site permissions</a:t>
+            </a:r>
+          </a:p>
+          <a:p>
+            <a:r>
+              <a:rPr lang="en-US" dirty="0"/>
+              <a:t>Directed to A360 for file selection</a:t>
+            </a:r>
+          </a:p>
+          <a:p>
+            <a:r>
+              <a:rPr lang="en-US" dirty="0"/>
+              <a:t>Component</a:t>
             </a:r>
           </a:p>
           <a:p>
@@ -4545,7 +5409,7 @@
     </p:spTree>
     <p:extLst>
       <p:ext uri="{BB962C8B-B14F-4D97-AF65-F5344CB8AC3E}">
-        <p14:creationId xmlns:p14="http://schemas.microsoft.com/office/powerpoint/2010/main" val="3288010801"/>
+        <p14:creationId xmlns:p14="http://schemas.microsoft.com/office/powerpoint/2010/main" val="1188692582"/>
       </p:ext>
     </p:extLst>
   </p:cSld>
@@ -4589,7 +5453,7 @@
           <a:p>
             <a:r>
               <a:rPr lang="en-US" dirty="0"/>
-              <a:t>Non Local File Upload Design</a:t>
+              <a:t>Model Derivative Design (File Conversion)</a:t>
             </a:r>
           </a:p>
         </p:txBody>
@@ -4611,45 +5475,36 @@
           <a:p>
             <a:r>
               <a:rPr lang="en-US" dirty="0"/>
-              <a:t>Login to Autodesk account</a:t>
-            </a:r>
-          </a:p>
-          <a:p>
-            <a:r>
-              <a:rPr lang="en-US" dirty="0"/>
-              <a:t>Give site permissions</a:t>
-            </a:r>
-          </a:p>
-          <a:p>
-            <a:r>
-              <a:rPr lang="en-US" dirty="0"/>
-              <a:t>Directed to A360 for file selection</a:t>
-            </a:r>
-          </a:p>
-          <a:p>
-            <a:r>
-              <a:rPr lang="en-US" dirty="0"/>
-              <a:t>File type verification</a:t>
-            </a:r>
-          </a:p>
-          <a:p>
-            <a:r>
-              <a:rPr lang="en-US" dirty="0"/>
-              <a:t>File size verification</a:t>
-            </a:r>
-          </a:p>
-          <a:p>
-            <a:r>
-              <a:rPr lang="en-US" dirty="0"/>
-              <a:t>File conversion</a:t>
-            </a:r>
+              <a:t>Uploaded files (local or not) sent </a:t>
+            </a:r>
+          </a:p>
+          <a:p>
+            <a:r>
+              <a:rPr lang="en-US" dirty="0"/>
+              <a:t>API accepts CAD files</a:t>
+            </a:r>
+          </a:p>
+          <a:p>
+            <a:r>
+              <a:rPr lang="en-US" dirty="0"/>
+              <a:t>Failure is notified to user</a:t>
+            </a:r>
+          </a:p>
+          <a:p>
+            <a:r>
+              <a:rPr lang="en-US" dirty="0"/>
+              <a:t>Success results in converted SVF file</a:t>
+            </a:r>
+          </a:p>
+          <a:p>
+            <a:endParaRPr lang="en-US" dirty="0"/>
           </a:p>
         </p:txBody>
       </p:sp>
     </p:spTree>
     <p:extLst>
       <p:ext uri="{BB962C8B-B14F-4D97-AF65-F5344CB8AC3E}">
-        <p14:creationId xmlns:p14="http://schemas.microsoft.com/office/powerpoint/2010/main" val="1188692582"/>
+        <p14:creationId xmlns:p14="http://schemas.microsoft.com/office/powerpoint/2010/main" val="539222828"/>
       </p:ext>
     </p:extLst>
   </p:cSld>
@@ -4693,7 +5548,7 @@
           <a:p>
             <a:r>
               <a:rPr lang="en-US" dirty="0"/>
-              <a:t>Week 3</a:t>
+              <a:t>Smartphone Connection Design</a:t>
             </a:r>
           </a:p>
         </p:txBody>
@@ -4715,61 +5570,65 @@
           <a:p>
             <a:r>
               <a:rPr lang="en-US" dirty="0"/>
-              <a:t>Brainstorming ideas</a:t>
-            </a:r>
-          </a:p>
-          <a:p>
-            <a:r>
-              <a:rPr lang="en-US" dirty="0"/>
-              <a:t>Meeting with Patti</a:t>
-            </a:r>
-          </a:p>
-          <a:p>
-            <a:r>
-              <a:rPr lang="en-US" dirty="0"/>
-              <a:t>Another meeting with Patti and Jim</a:t>
-            </a:r>
-          </a:p>
-          <a:p>
-            <a:pPr lvl="1"/>
-            <a:r>
-              <a:rPr lang="en-US" dirty="0"/>
-              <a:t>Intro to Vrok.it</a:t>
-            </a:r>
-          </a:p>
-          <a:p>
-            <a:pPr lvl="1"/>
-            <a:r>
-              <a:rPr lang="en-US" dirty="0"/>
-              <a:t>Polygon reduction?</a:t>
-            </a:r>
-          </a:p>
-          <a:p>
-            <a:pPr lvl="1"/>
-            <a:r>
-              <a:rPr lang="en-US" dirty="0"/>
-              <a:t>Potential VR reduction?</a:t>
-            </a:r>
-          </a:p>
-          <a:p>
-            <a:r>
-              <a:rPr lang="en-US" dirty="0"/>
-              <a:t>Began idea of what we were doing.</a:t>
-            </a:r>
-          </a:p>
-          <a:p>
-            <a:pPr lvl="1"/>
-            <a:r>
-              <a:rPr lang="en-US" dirty="0"/>
-              <a:t>Nothing concrete…</a:t>
-            </a:r>
+              <a:t>Assumptions</a:t>
+            </a:r>
+          </a:p>
+          <a:p>
+            <a:pPr lvl="1"/>
+            <a:r>
+              <a:rPr lang="en-US" dirty="0"/>
+              <a:t>User has “smartphone”</a:t>
+            </a:r>
+          </a:p>
+          <a:p>
+            <a:pPr lvl="1"/>
+            <a:r>
+              <a:rPr lang="en-US" dirty="0"/>
+              <a:t>User has internet access</a:t>
+            </a:r>
+          </a:p>
+          <a:p>
+            <a:pPr lvl="1"/>
+            <a:r>
+              <a:rPr lang="en-US" dirty="0"/>
+              <a:t>User has QR scanner</a:t>
+            </a:r>
+          </a:p>
+          <a:p>
+            <a:r>
+              <a:rPr lang="en-US" dirty="0"/>
+              <a:t>Mobile device can access site with QR scanner</a:t>
+            </a:r>
+          </a:p>
+          <a:p>
+            <a:r>
+              <a:rPr lang="en-US" dirty="0"/>
+              <a:t>Components</a:t>
+            </a:r>
+          </a:p>
+          <a:p>
+            <a:pPr lvl="1"/>
+            <a:r>
+              <a:rPr lang="en-US" dirty="0"/>
+              <a:t>QR code</a:t>
+            </a:r>
+          </a:p>
+          <a:p>
+            <a:pPr lvl="1"/>
+            <a:r>
+              <a:rPr lang="en-US" dirty="0"/>
+              <a:t>Device view</a:t>
+            </a:r>
+          </a:p>
+          <a:p>
+            <a:endParaRPr lang="en-US" dirty="0"/>
           </a:p>
         </p:txBody>
       </p:sp>
     </p:spTree>
     <p:extLst>
       <p:ext uri="{BB962C8B-B14F-4D97-AF65-F5344CB8AC3E}">
-        <p14:creationId xmlns:p14="http://schemas.microsoft.com/office/powerpoint/2010/main" val="3357475344"/>
+        <p14:creationId xmlns:p14="http://schemas.microsoft.com/office/powerpoint/2010/main" val="3684780182"/>
       </p:ext>
     </p:extLst>
   </p:cSld>
@@ -4813,7 +5672,7 @@
           <a:p>
             <a:r>
               <a:rPr lang="en-US" dirty="0"/>
-              <a:t>Week 4</a:t>
+              <a:t>Week by week summary</a:t>
             </a:r>
           </a:p>
         </p:txBody>
@@ -4833,56 +5692,14 @@
           <a:bodyPr/>
           <a:lstStyle/>
           <a:p>
-            <a:r>
-              <a:rPr lang="en-US" dirty="0"/>
-              <a:t>Problem statement assigned</a:t>
-            </a:r>
-          </a:p>
-          <a:p>
-            <a:pPr lvl="1"/>
-            <a:r>
-              <a:rPr lang="en-US" dirty="0"/>
-              <a:t>However, project not refined enough</a:t>
-            </a:r>
-          </a:p>
-          <a:p>
-            <a:r>
-              <a:rPr lang="en-US" dirty="0"/>
-              <a:t>Another conference call with Patti</a:t>
-            </a:r>
-          </a:p>
-          <a:p>
-            <a:pPr lvl="1"/>
-            <a:r>
-              <a:rPr lang="en-US" dirty="0"/>
-              <a:t>Working out more details</a:t>
-            </a:r>
-          </a:p>
-          <a:p>
-            <a:pPr lvl="1"/>
-            <a:r>
-              <a:rPr lang="en-US" dirty="0"/>
-              <a:t>Got in contact with Vrok.it creator, Kean</a:t>
-            </a:r>
-          </a:p>
-          <a:p>
-            <a:r>
-              <a:rPr lang="en-US" dirty="0"/>
-              <a:t>Still not enough information to begin problem statement</a:t>
-            </a:r>
-          </a:p>
-          <a:p>
-            <a:pPr marL="457200" lvl="1" indent="0">
-              <a:buNone/>
-            </a:pPr>
-            <a:endParaRPr lang="en-US" dirty="0"/>
+            <a:endParaRPr lang="en-US"/>
           </a:p>
         </p:txBody>
       </p:sp>
     </p:spTree>
     <p:extLst>
       <p:ext uri="{BB962C8B-B14F-4D97-AF65-F5344CB8AC3E}">
-        <p14:creationId xmlns:p14="http://schemas.microsoft.com/office/powerpoint/2010/main" val="3816315661"/>
+        <p14:creationId xmlns:p14="http://schemas.microsoft.com/office/powerpoint/2010/main" val="4114061100"/>
       </p:ext>
     </p:extLst>
   </p:cSld>
@@ -4926,7 +5743,7 @@
           <a:p>
             <a:r>
               <a:rPr lang="en-US" dirty="0"/>
-              <a:t>Week 5</a:t>
+              <a:t>Week 3</a:t>
             </a:r>
           </a:p>
         </p:txBody>
@@ -4948,40 +5765,53 @@
           <a:p>
             <a:r>
               <a:rPr lang="en-US" dirty="0"/>
-              <a:t>Had official meeting with Kean and Patti</a:t>
-            </a:r>
-          </a:p>
-          <a:p>
-            <a:pPr lvl="1"/>
-            <a:r>
-              <a:rPr lang="en-US" dirty="0"/>
-              <a:t>Enough information to finish problem statement</a:t>
-            </a:r>
-          </a:p>
-          <a:p>
-            <a:pPr lvl="1"/>
-            <a:r>
-              <a:rPr lang="en-US" dirty="0"/>
-              <a:t>More user focused</a:t>
-            </a:r>
-          </a:p>
-          <a:p>
-            <a:pPr lvl="1"/>
-            <a:r>
-              <a:rPr lang="en-US" dirty="0"/>
-              <a:t>Increasing performance if possible, but not optimizing</a:t>
-            </a:r>
-          </a:p>
-          <a:p>
-            <a:r>
-              <a:rPr lang="en-US" dirty="0"/>
-              <a:t>Viewer, VR content added in</a:t>
-            </a:r>
-          </a:p>
-          <a:p>
-            <a:r>
-              <a:rPr lang="en-US" dirty="0"/>
-              <a:t>Requirements document work begins</a:t>
+              <a:t>Brainstorming ideas</a:t>
+            </a:r>
+          </a:p>
+          <a:p>
+            <a:r>
+              <a:rPr lang="en-US" dirty="0"/>
+              <a:t>Meeting with Patti</a:t>
+            </a:r>
+          </a:p>
+          <a:p>
+            <a:r>
+              <a:rPr lang="en-US" dirty="0"/>
+              <a:t>Another meeting with Patti and Jim</a:t>
+            </a:r>
+          </a:p>
+          <a:p>
+            <a:pPr lvl="1"/>
+            <a:r>
+              <a:rPr lang="en-US" dirty="0"/>
+              <a:t>Intro to Vrok.it</a:t>
+            </a:r>
+          </a:p>
+          <a:p>
+            <a:pPr lvl="1"/>
+            <a:r>
+              <a:rPr lang="en-US" dirty="0"/>
+              <a:t>Polygon reduction?</a:t>
+            </a:r>
+          </a:p>
+          <a:p>
+            <a:pPr lvl="1"/>
+            <a:r>
+              <a:rPr lang="en-US" dirty="0"/>
+              <a:t>Potential VR reduction?</a:t>
+            </a:r>
+          </a:p>
+          <a:p>
+            <a:r>
+              <a:rPr lang="en-US" dirty="0"/>
+              <a:t>Began idea of what we were doing.</a:t>
+            </a:r>
+          </a:p>
+          <a:p>
+            <a:pPr lvl="1"/>
+            <a:r>
+              <a:rPr lang="en-US" dirty="0"/>
+              <a:t>Nothing concrete…</a:t>
             </a:r>
           </a:p>
         </p:txBody>
@@ -4989,7 +5819,7 @@
     </p:spTree>
     <p:extLst>
       <p:ext uri="{BB962C8B-B14F-4D97-AF65-F5344CB8AC3E}">
-        <p14:creationId xmlns:p14="http://schemas.microsoft.com/office/powerpoint/2010/main" val="1610455051"/>
+        <p14:creationId xmlns:p14="http://schemas.microsoft.com/office/powerpoint/2010/main" val="3357475344"/>
       </p:ext>
     </p:extLst>
   </p:cSld>
@@ -5033,7 +5863,7 @@
           <a:p>
             <a:r>
               <a:rPr lang="en-US" dirty="0"/>
-              <a:t>Week 6</a:t>
+              <a:t>Week 4</a:t>
             </a:r>
           </a:p>
         </p:txBody>
@@ -5055,49 +5885,54 @@
           <a:p>
             <a:r>
               <a:rPr lang="en-US" dirty="0"/>
-              <a:t>Hard to meet with client</a:t>
-            </a:r>
-          </a:p>
-          <a:p>
-            <a:r>
-              <a:rPr lang="en-US" dirty="0"/>
-              <a:t>Wanted </a:t>
-            </a:r>
-            <a:r>
-              <a:rPr lang="en-US" dirty="0" err="1"/>
-              <a:t>Nels</a:t>
-            </a:r>
-            <a:r>
-              <a:rPr lang="en-US" dirty="0"/>
-              <a:t> to join the next meeting </a:t>
-            </a:r>
-          </a:p>
-          <a:p>
-            <a:pPr lvl="1"/>
-            <a:r>
-              <a:rPr lang="en-US" dirty="0"/>
-              <a:t>Help narrow scope more</a:t>
-            </a:r>
-          </a:p>
-          <a:p>
-            <a:pPr lvl="1"/>
-            <a:r>
-              <a:rPr lang="en-US" dirty="0"/>
-              <a:t>Help convey capstone intentions as well</a:t>
-            </a:r>
-          </a:p>
-          <a:p>
-            <a:r>
-              <a:rPr lang="en-US" dirty="0"/>
-              <a:t>Unable to get question answered due to Autodesk event</a:t>
-            </a:r>
+              <a:t>Problem statement assigned</a:t>
+            </a:r>
+          </a:p>
+          <a:p>
+            <a:pPr lvl="1"/>
+            <a:r>
+              <a:rPr lang="en-US" dirty="0"/>
+              <a:t>However, project not refined enough</a:t>
+            </a:r>
+          </a:p>
+          <a:p>
+            <a:r>
+              <a:rPr lang="en-US" dirty="0"/>
+              <a:t>Another conference call with Patti</a:t>
+            </a:r>
+          </a:p>
+          <a:p>
+            <a:pPr lvl="1"/>
+            <a:r>
+              <a:rPr lang="en-US" dirty="0"/>
+              <a:t>Working out more details</a:t>
+            </a:r>
+          </a:p>
+          <a:p>
+            <a:pPr lvl="1"/>
+            <a:r>
+              <a:rPr lang="en-US" dirty="0"/>
+              <a:t>Got in contact with Vrok.it creator, Kean</a:t>
+            </a:r>
+          </a:p>
+          <a:p>
+            <a:r>
+              <a:rPr lang="en-US" dirty="0"/>
+              <a:t>Still not enough information to begin problem statement</a:t>
+            </a:r>
+          </a:p>
+          <a:p>
+            <a:pPr marL="457200" lvl="1" indent="0">
+              <a:buNone/>
+            </a:pPr>
+            <a:endParaRPr lang="en-US" dirty="0"/>
           </a:p>
         </p:txBody>
       </p:sp>
     </p:spTree>
     <p:extLst>
       <p:ext uri="{BB962C8B-B14F-4D97-AF65-F5344CB8AC3E}">
-        <p14:creationId xmlns:p14="http://schemas.microsoft.com/office/powerpoint/2010/main" val="270471938"/>
+        <p14:creationId xmlns:p14="http://schemas.microsoft.com/office/powerpoint/2010/main" val="3816315661"/>
       </p:ext>
     </p:extLst>
   </p:cSld>
@@ -5141,7 +5976,7 @@
           <a:p>
             <a:r>
               <a:rPr lang="en-US" dirty="0"/>
-              <a:t>Week 7</a:t>
+              <a:t>Week 5</a:t>
             </a:r>
           </a:p>
         </p:txBody>
@@ -5163,46 +5998,40 @@
           <a:p>
             <a:r>
               <a:rPr lang="en-US" dirty="0"/>
-              <a:t>Requirements Document draft finished</a:t>
-            </a:r>
-          </a:p>
-          <a:p>
-            <a:pPr lvl="1"/>
-            <a:r>
-              <a:rPr lang="en-US" dirty="0"/>
-              <a:t>Feedback received</a:t>
-            </a:r>
-          </a:p>
-          <a:p>
-            <a:pPr lvl="2"/>
-            <a:r>
-              <a:rPr lang="en-US" dirty="0"/>
-              <a:t>Needed to be more descriptive</a:t>
-            </a:r>
-          </a:p>
-          <a:p>
-            <a:pPr lvl="1"/>
-            <a:r>
-              <a:rPr lang="en-US" dirty="0"/>
-              <a:t>Needed to incorporate more APIs if possible</a:t>
-            </a:r>
-          </a:p>
-          <a:p>
-            <a:r>
-              <a:rPr lang="en-US" dirty="0"/>
-              <a:t>Able to contact Patti and setup meeting</a:t>
-            </a:r>
-          </a:p>
-          <a:p>
-            <a:r>
-              <a:rPr lang="en-US" dirty="0"/>
-              <a:t>Tech review and requirements document final coincide</a:t>
-            </a:r>
-          </a:p>
-          <a:p>
-            <a:r>
-              <a:rPr lang="en-US" dirty="0"/>
-              <a:t>Paul fell ill, low communication and contribution</a:t>
+              <a:t>Had official meeting with Kean and Patti</a:t>
+            </a:r>
+          </a:p>
+          <a:p>
+            <a:pPr lvl="1"/>
+            <a:r>
+              <a:rPr lang="en-US" dirty="0"/>
+              <a:t>Enough information to finish problem statement</a:t>
+            </a:r>
+          </a:p>
+          <a:p>
+            <a:pPr lvl="1"/>
+            <a:r>
+              <a:rPr lang="en-US" dirty="0"/>
+              <a:t>More user focused</a:t>
+            </a:r>
+          </a:p>
+          <a:p>
+            <a:pPr lvl="1"/>
+            <a:r>
+              <a:rPr lang="en-US" dirty="0"/>
+              <a:t>Increasing performance if possible, but not optimizing</a:t>
+            </a:r>
+          </a:p>
+          <a:p>
+            <a:r>
+              <a:rPr lang="en-US" dirty="0"/>
+              <a:t>Viewer, VR content added in</a:t>
+            </a:r>
+          </a:p>
+          <a:p>
+            <a:r>
+              <a:rPr lang="en-US" dirty="0"/>
+              <a:t>Requirements document work begins</a:t>
             </a:r>
           </a:p>
         </p:txBody>
@@ -5210,7 +6039,7 @@
     </p:spTree>
     <p:extLst>
       <p:ext uri="{BB962C8B-B14F-4D97-AF65-F5344CB8AC3E}">
-        <p14:creationId xmlns:p14="http://schemas.microsoft.com/office/powerpoint/2010/main" val="4206706309"/>
+        <p14:creationId xmlns:p14="http://schemas.microsoft.com/office/powerpoint/2010/main" val="1610455051"/>
       </p:ext>
     </p:extLst>
   </p:cSld>
@@ -5254,7 +6083,7 @@
           <a:p>
             <a:r>
               <a:rPr lang="en-US" dirty="0"/>
-              <a:t>Week 8 </a:t>
+              <a:t>Week 6</a:t>
             </a:r>
           </a:p>
         </p:txBody>
@@ -5276,27 +6105,13 @@
           <a:p>
             <a:r>
               <a:rPr lang="en-US" dirty="0"/>
-              <a:t>Tech reviews submitted</a:t>
-            </a:r>
-          </a:p>
-          <a:p>
-            <a:pPr lvl="1"/>
-            <a:r>
-              <a:rPr lang="en-US" dirty="0"/>
-              <a:t>Not bad, could have used more time</a:t>
-            </a:r>
-          </a:p>
-          <a:p>
-            <a:pPr lvl="1"/>
-            <a:r>
-              <a:rPr lang="en-US" dirty="0"/>
-              <a:t>Good way to understand more components</a:t>
-            </a:r>
-          </a:p>
-          <a:p>
-            <a:r>
-              <a:rPr lang="en-US" dirty="0"/>
-              <a:t>Meeting with </a:t>
+              <a:t>Hard to meet with client</a:t>
+            </a:r>
+          </a:p>
+          <a:p>
+            <a:r>
+              <a:rPr lang="en-US" dirty="0"/>
+              <a:t>Wanted </a:t>
             </a:r>
             <a:r>
               <a:rPr lang="en-US" dirty="0" err="1"/>
@@ -5304,27 +6119,27 @@
             </a:r>
             <a:r>
               <a:rPr lang="en-US" dirty="0"/>
-              <a:t> and Patti, no Jim however</a:t>
-            </a:r>
-          </a:p>
-          <a:p>
-            <a:pPr lvl="1"/>
-            <a:r>
-              <a:rPr lang="en-US" dirty="0"/>
-              <a:t>Able to work out some more important details</a:t>
-            </a:r>
-          </a:p>
-          <a:p>
-            <a:pPr lvl="1"/>
-            <a:r>
-              <a:rPr lang="en-US" dirty="0"/>
-              <a:t>Not able to talk about performance tweaking</a:t>
-            </a:r>
-          </a:p>
-          <a:p>
-            <a:r>
-              <a:rPr lang="en-US" dirty="0"/>
-              <a:t>Overall quite productive week</a:t>
+              <a:t> to join the next meeting </a:t>
+            </a:r>
+          </a:p>
+          <a:p>
+            <a:pPr lvl="1"/>
+            <a:r>
+              <a:rPr lang="en-US" dirty="0"/>
+              <a:t>Help narrow scope more</a:t>
+            </a:r>
+          </a:p>
+          <a:p>
+            <a:pPr lvl="1"/>
+            <a:r>
+              <a:rPr lang="en-US" dirty="0"/>
+              <a:t>Help convey capstone intentions as well</a:t>
+            </a:r>
+          </a:p>
+          <a:p>
+            <a:r>
+              <a:rPr lang="en-US" dirty="0"/>
+              <a:t>Unable to get question answered due to Autodesk event</a:t>
             </a:r>
           </a:p>
         </p:txBody>
@@ -5332,7 +6147,7 @@
     </p:spTree>
     <p:extLst>
       <p:ext uri="{BB962C8B-B14F-4D97-AF65-F5344CB8AC3E}">
-        <p14:creationId xmlns:p14="http://schemas.microsoft.com/office/powerpoint/2010/main" val="2635992290"/>
+        <p14:creationId xmlns:p14="http://schemas.microsoft.com/office/powerpoint/2010/main" val="270471938"/>
       </p:ext>
     </p:extLst>
   </p:cSld>
@@ -5376,7 +6191,7 @@
           <a:p>
             <a:r>
               <a:rPr lang="en-US" dirty="0"/>
-              <a:t>Week 9</a:t>
+              <a:t>Week 7</a:t>
             </a:r>
           </a:p>
         </p:txBody>
@@ -5398,39 +6213,33 @@
           <a:p>
             <a:r>
               <a:rPr lang="en-US" dirty="0"/>
-              <a:t>Least productive week</a:t>
-            </a:r>
-          </a:p>
-          <a:p>
-            <a:r>
-              <a:rPr lang="en-US" dirty="0"/>
-              <a:t>Thanksgiving and travelling</a:t>
-            </a:r>
-          </a:p>
-          <a:p>
-            <a:r>
-              <a:rPr lang="en-US" dirty="0"/>
-              <a:t>Design Document due in the next week</a:t>
-            </a:r>
-          </a:p>
-          <a:p>
-            <a:pPr lvl="1"/>
-            <a:r>
-              <a:rPr lang="en-US" dirty="0"/>
-              <a:t>Documentation hard to decipher</a:t>
-            </a:r>
-          </a:p>
-          <a:p>
-            <a:pPr lvl="1"/>
-            <a:r>
-              <a:rPr lang="en-US" dirty="0"/>
-              <a:t>Not able to break down as a group</a:t>
-            </a:r>
-          </a:p>
-          <a:p>
-            <a:r>
-              <a:rPr lang="en-US" dirty="0"/>
-              <a:t>Final draft of requirements document finished out</a:t>
+              <a:t>Requirements Document draft finished</a:t>
+            </a:r>
+          </a:p>
+          <a:p>
+            <a:pPr lvl="1"/>
+            <a:r>
+              <a:rPr lang="en-US" dirty="0"/>
+              <a:t>Feedback received</a:t>
+            </a:r>
+          </a:p>
+          <a:p>
+            <a:pPr lvl="2"/>
+            <a:r>
+              <a:rPr lang="en-US" dirty="0"/>
+              <a:t>Needed to be more descriptive</a:t>
+            </a:r>
+          </a:p>
+          <a:p>
+            <a:r>
+              <a:rPr lang="en-US" dirty="0"/>
+              <a:t>Able to contact Patti and setup meeting</a:t>
+            </a:r>
+          </a:p>
+          <a:p>
+            <a:r>
+              <a:rPr lang="en-US" dirty="0"/>
+              <a:t>Tech review and requirements document final coincide</a:t>
             </a:r>
           </a:p>
         </p:txBody>
@@ -5438,7 +6247,7 @@
     </p:spTree>
     <p:extLst>
       <p:ext uri="{BB962C8B-B14F-4D97-AF65-F5344CB8AC3E}">
-        <p14:creationId xmlns:p14="http://schemas.microsoft.com/office/powerpoint/2010/main" val="4177011364"/>
+        <p14:creationId xmlns:p14="http://schemas.microsoft.com/office/powerpoint/2010/main" val="4206706309"/>
       </p:ext>
     </p:extLst>
   </p:cSld>
@@ -5541,7 +6350,7 @@
           <a:p>
             <a:r>
               <a:rPr lang="en-US" dirty="0"/>
-              <a:t>Week 10</a:t>
+              <a:t>Week 8 </a:t>
             </a:r>
           </a:p>
         </p:txBody>
@@ -5563,27 +6372,27 @@
           <a:p>
             <a:r>
               <a:rPr lang="en-US" dirty="0"/>
-              <a:t>Lots of work conflict with other classes</a:t>
-            </a:r>
-          </a:p>
-          <a:p>
-            <a:r>
-              <a:rPr lang="en-US" dirty="0"/>
-              <a:t>Design document</a:t>
-            </a:r>
-          </a:p>
-          <a:p>
-            <a:pPr lvl="1"/>
-            <a:r>
-              <a:rPr lang="en-US" dirty="0"/>
-              <a:t>Still issues figuring out the IEEE document</a:t>
-            </a:r>
-          </a:p>
-          <a:p>
-            <a:pPr lvl="1"/>
-            <a:r>
-              <a:rPr lang="en-US" dirty="0"/>
-              <a:t>Talk with Kirsten and </a:t>
+              <a:t>Tech reviews submitted</a:t>
+            </a:r>
+          </a:p>
+          <a:p>
+            <a:pPr lvl="1"/>
+            <a:r>
+              <a:rPr lang="en-US" dirty="0"/>
+              <a:t>Not bad, could have used more time</a:t>
+            </a:r>
+          </a:p>
+          <a:p>
+            <a:pPr lvl="1"/>
+            <a:r>
+              <a:rPr lang="en-US" dirty="0"/>
+              <a:t>Good way to understand more components</a:t>
+            </a:r>
+          </a:p>
+          <a:p>
+            <a:r>
+              <a:rPr lang="en-US" dirty="0"/>
+              <a:t>Meeting with </a:t>
             </a:r>
             <a:r>
               <a:rPr lang="en-US" dirty="0" err="1"/>
@@ -5591,14 +6400,27 @@
             </a:r>
             <a:r>
               <a:rPr lang="en-US" dirty="0"/>
-              <a:t> helped</a:t>
-            </a:r>
-          </a:p>
-          <a:p>
-            <a:pPr lvl="1"/>
-            <a:r>
-              <a:rPr lang="en-US" dirty="0"/>
-              <a:t>Got good work done on the document</a:t>
+              <a:t> and Patti, no Jim however</a:t>
+            </a:r>
+          </a:p>
+          <a:p>
+            <a:pPr lvl="1"/>
+            <a:r>
+              <a:rPr lang="en-US" dirty="0"/>
+              <a:t>Able to work out some more important details</a:t>
+            </a:r>
+          </a:p>
+          <a:p>
+            <a:pPr lvl="1"/>
+            <a:r>
+              <a:rPr lang="en-US" dirty="0"/>
+              <a:t>Not able to talk about performance tweaking</a:t>
+            </a:r>
+          </a:p>
+          <a:p>
+            <a:r>
+              <a:rPr lang="en-US" dirty="0"/>
+              <a:t>Overall quite productive week</a:t>
             </a:r>
           </a:p>
         </p:txBody>
@@ -5606,7 +6428,7 @@
     </p:spTree>
     <p:extLst>
       <p:ext uri="{BB962C8B-B14F-4D97-AF65-F5344CB8AC3E}">
-        <p14:creationId xmlns:p14="http://schemas.microsoft.com/office/powerpoint/2010/main" val="2146190001"/>
+        <p14:creationId xmlns:p14="http://schemas.microsoft.com/office/powerpoint/2010/main" val="2635992290"/>
       </p:ext>
     </p:extLst>
   </p:cSld>
@@ -5650,7 +6472,7 @@
           <a:p>
             <a:r>
               <a:rPr lang="en-US" dirty="0"/>
-              <a:t>Problems</a:t>
+              <a:t>Week 9</a:t>
             </a:r>
           </a:p>
         </p:txBody>
@@ -5672,56 +6494,44 @@
           <a:p>
             <a:r>
               <a:rPr lang="en-US" dirty="0"/>
-              <a:t>Low communication with client</a:t>
-            </a:r>
-          </a:p>
-          <a:p>
-            <a:pPr lvl="1"/>
-            <a:r>
-              <a:rPr lang="en-US" dirty="0"/>
-              <a:t>Not enough question on our side</a:t>
-            </a:r>
-          </a:p>
-          <a:p>
-            <a:pPr lvl="1"/>
-            <a:r>
-              <a:rPr lang="en-US" dirty="0"/>
-              <a:t>Not enough time on theirs</a:t>
-            </a:r>
-          </a:p>
-          <a:p>
-            <a:r>
-              <a:rPr lang="en-US" dirty="0"/>
-              <a:t>Team work</a:t>
-            </a:r>
-          </a:p>
-          <a:p>
-            <a:pPr lvl="1"/>
-            <a:r>
-              <a:rPr lang="en-US" dirty="0"/>
-              <a:t>Better planning</a:t>
-            </a:r>
-          </a:p>
-          <a:p>
-            <a:pPr lvl="1"/>
-            <a:r>
-              <a:rPr lang="en-US" dirty="0"/>
-              <a:t>Better communication</a:t>
-            </a:r>
-          </a:p>
-          <a:p>
-            <a:pPr lvl="1"/>
-            <a:r>
-              <a:rPr lang="en-US" dirty="0"/>
-              <a:t>Faster help seeking</a:t>
-            </a:r>
+              <a:t>Least productive week</a:t>
+            </a:r>
+          </a:p>
+          <a:p>
+            <a:r>
+              <a:rPr lang="en-US" dirty="0"/>
+              <a:t>Thanksgiving and travelling</a:t>
+            </a:r>
+          </a:p>
+          <a:p>
+            <a:r>
+              <a:rPr lang="en-US" dirty="0"/>
+              <a:t>Design Document due in the next week</a:t>
+            </a:r>
+          </a:p>
+          <a:p>
+            <a:pPr lvl="1"/>
+            <a:r>
+              <a:rPr lang="en-US" dirty="0"/>
+              <a:t>Documentation hard to decipher</a:t>
+            </a:r>
+          </a:p>
+          <a:p>
+            <a:pPr lvl="1"/>
+            <a:r>
+              <a:rPr lang="en-US" dirty="0"/>
+              <a:t>Not able to break down as a group</a:t>
+            </a:r>
+          </a:p>
+          <a:p>
+            <a:endParaRPr lang="en-US" dirty="0"/>
           </a:p>
         </p:txBody>
       </p:sp>
     </p:spTree>
     <p:extLst>
       <p:ext uri="{BB962C8B-B14F-4D97-AF65-F5344CB8AC3E}">
-        <p14:creationId xmlns:p14="http://schemas.microsoft.com/office/powerpoint/2010/main" val="1253775864"/>
+        <p14:creationId xmlns:p14="http://schemas.microsoft.com/office/powerpoint/2010/main" val="4177011364"/>
       </p:ext>
     </p:extLst>
   </p:cSld>
@@ -5765,7 +6575,7 @@
           <a:p>
             <a:r>
               <a:rPr lang="en-US" dirty="0"/>
-              <a:t>Solutions</a:t>
+              <a:t>Week 10</a:t>
             </a:r>
           </a:p>
         </p:txBody>
@@ -5787,55 +6597,42 @@
           <a:p>
             <a:r>
               <a:rPr lang="en-US" dirty="0"/>
-              <a:t>Client </a:t>
-            </a:r>
-          </a:p>
-          <a:p>
-            <a:pPr lvl="1"/>
-            <a:r>
-              <a:rPr lang="en-US" dirty="0"/>
-              <a:t>More question asking</a:t>
-            </a:r>
-          </a:p>
-          <a:p>
-            <a:pPr lvl="1"/>
-            <a:r>
-              <a:rPr lang="en-US" dirty="0"/>
-              <a:t>Weekly meetings with client?</a:t>
-            </a:r>
-          </a:p>
-          <a:p>
-            <a:r>
-              <a:rPr lang="en-US" dirty="0"/>
-              <a:t>Team</a:t>
-            </a:r>
-          </a:p>
-          <a:p>
-            <a:pPr lvl="1"/>
-            <a:r>
-              <a:rPr lang="en-US" dirty="0"/>
-              <a:t>More planning</a:t>
-            </a:r>
-          </a:p>
-          <a:p>
-            <a:pPr lvl="2"/>
-            <a:r>
-              <a:rPr lang="en-US" dirty="0"/>
-              <a:t>Delegation?</a:t>
-            </a:r>
-          </a:p>
-          <a:p>
-            <a:pPr lvl="1"/>
-            <a:r>
-              <a:rPr lang="en-US" dirty="0"/>
-              <a:t>Weekly meetings</a:t>
-            </a:r>
-          </a:p>
-          <a:p>
-            <a:pPr lvl="1"/>
-            <a:r>
-              <a:rPr lang="en-US" dirty="0"/>
-              <a:t>Seeking help sooner</a:t>
+              <a:t>Lots of work conflict with other classes</a:t>
+            </a:r>
+          </a:p>
+          <a:p>
+            <a:r>
+              <a:rPr lang="en-US" dirty="0"/>
+              <a:t>Design document</a:t>
+            </a:r>
+          </a:p>
+          <a:p>
+            <a:pPr lvl="1"/>
+            <a:r>
+              <a:rPr lang="en-US" dirty="0"/>
+              <a:t>Still issues figuring out the IEEE document</a:t>
+            </a:r>
+          </a:p>
+          <a:p>
+            <a:pPr lvl="1"/>
+            <a:r>
+              <a:rPr lang="en-US" dirty="0"/>
+              <a:t>Talk with Kirsten and </a:t>
+            </a:r>
+            <a:r>
+              <a:rPr lang="en-US" dirty="0" err="1"/>
+              <a:t>Nels</a:t>
+            </a:r>
+            <a:r>
+              <a:rPr lang="en-US" dirty="0"/>
+              <a:t> helped</a:t>
+            </a:r>
+          </a:p>
+          <a:p>
+            <a:pPr lvl="1"/>
+            <a:r>
+              <a:rPr lang="en-US" dirty="0"/>
+              <a:t>Got good work done on the document</a:t>
             </a:r>
           </a:p>
         </p:txBody>
@@ -5843,7 +6640,7 @@
     </p:spTree>
     <p:extLst>
       <p:ext uri="{BB962C8B-B14F-4D97-AF65-F5344CB8AC3E}">
-        <p14:creationId xmlns:p14="http://schemas.microsoft.com/office/powerpoint/2010/main" val="4091688379"/>
+        <p14:creationId xmlns:p14="http://schemas.microsoft.com/office/powerpoint/2010/main" val="2146190001"/>
       </p:ext>
     </p:extLst>
   </p:cSld>
@@ -5887,6 +6684,450 @@
           <a:p>
             <a:r>
               <a:rPr lang="en-US" dirty="0"/>
+              <a:t>Problems			Solutions</a:t>
+            </a:r>
+          </a:p>
+        </p:txBody>
+      </p:sp>
+      <p:sp>
+        <p:nvSpPr>
+          <p:cNvPr id="3" name="Content Placeholder 2"/>
+          <p:cNvSpPr>
+            <a:spLocks noGrp="1"/>
+          </p:cNvSpPr>
+          <p:nvPr>
+            <p:ph idx="1"/>
+          </p:nvPr>
+        </p:nvSpPr>
+        <p:spPr>
+          <a:xfrm>
+            <a:off x="1097280" y="1845734"/>
+            <a:ext cx="4527343" cy="4023360"/>
+          </a:xfrm>
+        </p:spPr>
+        <p:txBody>
+          <a:bodyPr/>
+          <a:lstStyle/>
+          <a:p>
+            <a:r>
+              <a:rPr lang="en-US" dirty="0"/>
+              <a:t>Low communication with client</a:t>
+            </a:r>
+          </a:p>
+          <a:p>
+            <a:pPr lvl="1"/>
+            <a:r>
+              <a:rPr lang="en-US" dirty="0"/>
+              <a:t>Not enough questions on our side</a:t>
+            </a:r>
+          </a:p>
+          <a:p>
+            <a:pPr lvl="1"/>
+            <a:r>
+              <a:rPr lang="en-US" dirty="0"/>
+              <a:t>Not enough time on theirs</a:t>
+            </a:r>
+          </a:p>
+          <a:p>
+            <a:r>
+              <a:rPr lang="en-US" dirty="0"/>
+              <a:t>Team work</a:t>
+            </a:r>
+          </a:p>
+          <a:p>
+            <a:pPr lvl="1"/>
+            <a:r>
+              <a:rPr lang="en-US" dirty="0"/>
+              <a:t>Better planning</a:t>
+            </a:r>
+          </a:p>
+          <a:p>
+            <a:pPr lvl="1"/>
+            <a:r>
+              <a:rPr lang="en-US" dirty="0"/>
+              <a:t>Better communication</a:t>
+            </a:r>
+          </a:p>
+          <a:p>
+            <a:pPr lvl="1"/>
+            <a:r>
+              <a:rPr lang="en-US" dirty="0"/>
+              <a:t>Faster help seeking</a:t>
+            </a:r>
+          </a:p>
+        </p:txBody>
+      </p:sp>
+      <p:sp>
+        <p:nvSpPr>
+          <p:cNvPr id="4" name="Content Placeholder 2"/>
+          <p:cNvSpPr txBox="1">
+            <a:spLocks/>
+          </p:cNvSpPr>
+          <p:nvPr/>
+        </p:nvSpPr>
+        <p:spPr>
+          <a:xfrm>
+            <a:off x="5624622" y="1845734"/>
+            <a:ext cx="5531057" cy="4023360"/>
+          </a:xfrm>
+          <a:prstGeom prst="rect">
+            <a:avLst/>
+          </a:prstGeom>
+        </p:spPr>
+        <p:txBody>
+          <a:bodyPr vert="horz" lIns="0" tIns="45720" rIns="0" bIns="45720" rtlCol="0">
+            <a:normAutofit/>
+          </a:bodyPr>
+          <a:lstStyle>
+            <a:lvl1pPr marL="91440" indent="-91440" algn="l" defTabSz="914400" rtl="0" eaLnBrk="1" latinLnBrk="0" hangingPunct="1">
+              <a:lnSpc>
+                <a:spcPct val="90000"/>
+              </a:lnSpc>
+              <a:spcBef>
+                <a:spcPts val="1200"/>
+              </a:spcBef>
+              <a:spcAft>
+                <a:spcPts val="200"/>
+              </a:spcAft>
+              <a:buClr>
+                <a:schemeClr val="accent1"/>
+              </a:buClr>
+              <a:buSzPct val="100000"/>
+              <a:buFont typeface="Calibri" panose="020F0502020204030204" pitchFamily="34" charset="0"/>
+              <a:buChar char=" "/>
+              <a:defRPr sz="2000" kern="1200">
+                <a:solidFill>
+                  <a:schemeClr val="tx1">
+                    <a:lumMod val="75000"/>
+                    <a:lumOff val="25000"/>
+                  </a:schemeClr>
+                </a:solidFill>
+                <a:latin typeface="+mn-lt"/>
+                <a:ea typeface="+mn-ea"/>
+                <a:cs typeface="+mn-cs"/>
+              </a:defRPr>
+            </a:lvl1pPr>
+            <a:lvl2pPr marL="384048" indent="-182880" algn="l" defTabSz="914400" rtl="0" eaLnBrk="1" latinLnBrk="0" hangingPunct="1">
+              <a:lnSpc>
+                <a:spcPct val="90000"/>
+              </a:lnSpc>
+              <a:spcBef>
+                <a:spcPts val="200"/>
+              </a:spcBef>
+              <a:spcAft>
+                <a:spcPts val="400"/>
+              </a:spcAft>
+              <a:buClr>
+                <a:schemeClr val="accent1"/>
+              </a:buClr>
+              <a:buFont typeface="Calibri" pitchFamily="34" charset="0"/>
+              <a:buChar char="◦"/>
+              <a:defRPr sz="1800" kern="1200">
+                <a:solidFill>
+                  <a:schemeClr val="tx1">
+                    <a:lumMod val="75000"/>
+                    <a:lumOff val="25000"/>
+                  </a:schemeClr>
+                </a:solidFill>
+                <a:latin typeface="+mn-lt"/>
+                <a:ea typeface="+mn-ea"/>
+                <a:cs typeface="+mn-cs"/>
+              </a:defRPr>
+            </a:lvl2pPr>
+            <a:lvl3pPr marL="566928" indent="-182880" algn="l" defTabSz="914400" rtl="0" eaLnBrk="1" latinLnBrk="0" hangingPunct="1">
+              <a:lnSpc>
+                <a:spcPct val="90000"/>
+              </a:lnSpc>
+              <a:spcBef>
+                <a:spcPts val="200"/>
+              </a:spcBef>
+              <a:spcAft>
+                <a:spcPts val="400"/>
+              </a:spcAft>
+              <a:buClr>
+                <a:schemeClr val="accent1"/>
+              </a:buClr>
+              <a:buFont typeface="Calibri" pitchFamily="34" charset="0"/>
+              <a:buChar char="◦"/>
+              <a:defRPr sz="1400" kern="1200">
+                <a:solidFill>
+                  <a:schemeClr val="tx1">
+                    <a:lumMod val="75000"/>
+                    <a:lumOff val="25000"/>
+                  </a:schemeClr>
+                </a:solidFill>
+                <a:latin typeface="+mn-lt"/>
+                <a:ea typeface="+mn-ea"/>
+                <a:cs typeface="+mn-cs"/>
+              </a:defRPr>
+            </a:lvl3pPr>
+            <a:lvl4pPr marL="749808" indent="-182880" algn="l" defTabSz="914400" rtl="0" eaLnBrk="1" latinLnBrk="0" hangingPunct="1">
+              <a:lnSpc>
+                <a:spcPct val="90000"/>
+              </a:lnSpc>
+              <a:spcBef>
+                <a:spcPts val="200"/>
+              </a:spcBef>
+              <a:spcAft>
+                <a:spcPts val="400"/>
+              </a:spcAft>
+              <a:buClr>
+                <a:schemeClr val="accent1"/>
+              </a:buClr>
+              <a:buFont typeface="Calibri" pitchFamily="34" charset="0"/>
+              <a:buChar char="◦"/>
+              <a:defRPr sz="1400" kern="1200">
+                <a:solidFill>
+                  <a:schemeClr val="tx1">
+                    <a:lumMod val="75000"/>
+                    <a:lumOff val="25000"/>
+                  </a:schemeClr>
+                </a:solidFill>
+                <a:latin typeface="+mn-lt"/>
+                <a:ea typeface="+mn-ea"/>
+                <a:cs typeface="+mn-cs"/>
+              </a:defRPr>
+            </a:lvl4pPr>
+            <a:lvl5pPr marL="932688" indent="-182880" algn="l" defTabSz="914400" rtl="0" eaLnBrk="1" latinLnBrk="0" hangingPunct="1">
+              <a:lnSpc>
+                <a:spcPct val="90000"/>
+              </a:lnSpc>
+              <a:spcBef>
+                <a:spcPts val="200"/>
+              </a:spcBef>
+              <a:spcAft>
+                <a:spcPts val="400"/>
+              </a:spcAft>
+              <a:buClr>
+                <a:schemeClr val="accent1"/>
+              </a:buClr>
+              <a:buFont typeface="Calibri" pitchFamily="34" charset="0"/>
+              <a:buChar char="◦"/>
+              <a:defRPr sz="1400" kern="1200">
+                <a:solidFill>
+                  <a:schemeClr val="tx1">
+                    <a:lumMod val="75000"/>
+                    <a:lumOff val="25000"/>
+                  </a:schemeClr>
+                </a:solidFill>
+                <a:latin typeface="+mn-lt"/>
+                <a:ea typeface="+mn-ea"/>
+                <a:cs typeface="+mn-cs"/>
+              </a:defRPr>
+            </a:lvl5pPr>
+            <a:lvl6pPr marL="1100000" indent="-228600" algn="l" defTabSz="914400" rtl="0" eaLnBrk="1" latinLnBrk="0" hangingPunct="1">
+              <a:lnSpc>
+                <a:spcPct val="90000"/>
+              </a:lnSpc>
+              <a:spcBef>
+                <a:spcPts val="200"/>
+              </a:spcBef>
+              <a:spcAft>
+                <a:spcPts val="400"/>
+              </a:spcAft>
+              <a:buClr>
+                <a:schemeClr val="accent1"/>
+              </a:buClr>
+              <a:buFont typeface="Calibri" pitchFamily="34" charset="0"/>
+              <a:buChar char="◦"/>
+              <a:defRPr sz="1400" kern="1200">
+                <a:solidFill>
+                  <a:schemeClr val="tx1">
+                    <a:lumMod val="75000"/>
+                    <a:lumOff val="25000"/>
+                  </a:schemeClr>
+                </a:solidFill>
+                <a:latin typeface="+mn-lt"/>
+                <a:ea typeface="+mn-ea"/>
+                <a:cs typeface="+mn-cs"/>
+              </a:defRPr>
+            </a:lvl6pPr>
+            <a:lvl7pPr marL="1300000" indent="-228600" algn="l" defTabSz="914400" rtl="0" eaLnBrk="1" latinLnBrk="0" hangingPunct="1">
+              <a:lnSpc>
+                <a:spcPct val="90000"/>
+              </a:lnSpc>
+              <a:spcBef>
+                <a:spcPts val="200"/>
+              </a:spcBef>
+              <a:spcAft>
+                <a:spcPts val="400"/>
+              </a:spcAft>
+              <a:buClr>
+                <a:schemeClr val="accent1"/>
+              </a:buClr>
+              <a:buFont typeface="Calibri" pitchFamily="34" charset="0"/>
+              <a:buChar char="◦"/>
+              <a:defRPr sz="1400" kern="1200">
+                <a:solidFill>
+                  <a:schemeClr val="tx1">
+                    <a:lumMod val="75000"/>
+                    <a:lumOff val="25000"/>
+                  </a:schemeClr>
+                </a:solidFill>
+                <a:latin typeface="+mn-lt"/>
+                <a:ea typeface="+mn-ea"/>
+                <a:cs typeface="+mn-cs"/>
+              </a:defRPr>
+            </a:lvl7pPr>
+            <a:lvl8pPr marL="1500000" indent="-228600" algn="l" defTabSz="914400" rtl="0" eaLnBrk="1" latinLnBrk="0" hangingPunct="1">
+              <a:lnSpc>
+                <a:spcPct val="90000"/>
+              </a:lnSpc>
+              <a:spcBef>
+                <a:spcPts val="200"/>
+              </a:spcBef>
+              <a:spcAft>
+                <a:spcPts val="400"/>
+              </a:spcAft>
+              <a:buClr>
+                <a:schemeClr val="accent1"/>
+              </a:buClr>
+              <a:buFont typeface="Calibri" pitchFamily="34" charset="0"/>
+              <a:buChar char="◦"/>
+              <a:defRPr sz="1400" kern="1200">
+                <a:solidFill>
+                  <a:schemeClr val="tx1">
+                    <a:lumMod val="75000"/>
+                    <a:lumOff val="25000"/>
+                  </a:schemeClr>
+                </a:solidFill>
+                <a:latin typeface="+mn-lt"/>
+                <a:ea typeface="+mn-ea"/>
+                <a:cs typeface="+mn-cs"/>
+              </a:defRPr>
+            </a:lvl8pPr>
+            <a:lvl9pPr marL="1700000" indent="-228600" algn="l" defTabSz="914400" rtl="0" eaLnBrk="1" latinLnBrk="0" hangingPunct="1">
+              <a:lnSpc>
+                <a:spcPct val="90000"/>
+              </a:lnSpc>
+              <a:spcBef>
+                <a:spcPts val="200"/>
+              </a:spcBef>
+              <a:spcAft>
+                <a:spcPts val="400"/>
+              </a:spcAft>
+              <a:buClr>
+                <a:schemeClr val="accent1"/>
+              </a:buClr>
+              <a:buFont typeface="Calibri" pitchFamily="34" charset="0"/>
+              <a:buChar char="◦"/>
+              <a:defRPr sz="1400" kern="1200">
+                <a:solidFill>
+                  <a:schemeClr val="tx1">
+                    <a:lumMod val="75000"/>
+                    <a:lumOff val="25000"/>
+                  </a:schemeClr>
+                </a:solidFill>
+                <a:latin typeface="+mn-lt"/>
+                <a:ea typeface="+mn-ea"/>
+                <a:cs typeface="+mn-cs"/>
+              </a:defRPr>
+            </a:lvl9pPr>
+          </a:lstStyle>
+          <a:p>
+            <a:r>
+              <a:rPr lang="en-US"/>
+              <a:t>Client </a:t>
+            </a:r>
+          </a:p>
+          <a:p>
+            <a:pPr lvl="1"/>
+            <a:r>
+              <a:rPr lang="en-US"/>
+              <a:t>More question asking</a:t>
+            </a:r>
+          </a:p>
+          <a:p>
+            <a:pPr lvl="1"/>
+            <a:r>
+              <a:rPr lang="en-US"/>
+              <a:t>Weekly meetings with client?</a:t>
+            </a:r>
+          </a:p>
+          <a:p>
+            <a:r>
+              <a:rPr lang="en-US"/>
+              <a:t>Team</a:t>
+            </a:r>
+          </a:p>
+          <a:p>
+            <a:pPr lvl="1"/>
+            <a:r>
+              <a:rPr lang="en-US"/>
+              <a:t>More planning</a:t>
+            </a:r>
+          </a:p>
+          <a:p>
+            <a:pPr lvl="2"/>
+            <a:r>
+              <a:rPr lang="en-US"/>
+              <a:t>Delegation?</a:t>
+            </a:r>
+          </a:p>
+          <a:p>
+            <a:pPr lvl="1"/>
+            <a:r>
+              <a:rPr lang="en-US"/>
+              <a:t>Weekly meetings</a:t>
+            </a:r>
+          </a:p>
+          <a:p>
+            <a:pPr lvl="1"/>
+            <a:r>
+              <a:rPr lang="en-US"/>
+              <a:t>Seeking help sooner</a:t>
+            </a:r>
+            <a:endParaRPr lang="en-US" dirty="0"/>
+          </a:p>
+        </p:txBody>
+      </p:sp>
+    </p:spTree>
+    <p:extLst>
+      <p:ext uri="{BB962C8B-B14F-4D97-AF65-F5344CB8AC3E}">
+        <p14:creationId xmlns:p14="http://schemas.microsoft.com/office/powerpoint/2010/main" val="1253775864"/>
+      </p:ext>
+    </p:extLst>
+  </p:cSld>
+  <p:clrMapOvr>
+    <a:masterClrMapping/>
+  </p:clrMapOvr>
+</p:sld>
+</file>
+
+<file path=ppt/slides/slide34.xml><?xml version="1.0" encoding="utf-8"?>
+<p:sld xmlns:a="http://schemas.openxmlformats.org/drawingml/2006/main" xmlns:r="http://schemas.openxmlformats.org/officeDocument/2006/relationships" xmlns:p="http://schemas.openxmlformats.org/presentationml/2006/main">
+  <p:cSld>
+    <p:spTree>
+      <p:nvGrpSpPr>
+        <p:cNvPr id="1" name=""/>
+        <p:cNvGrpSpPr/>
+        <p:nvPr/>
+      </p:nvGrpSpPr>
+      <p:grpSpPr>
+        <a:xfrm>
+          <a:off x="0" y="0"/>
+          <a:ext cx="0" cy="0"/>
+          <a:chOff x="0" y="0"/>
+          <a:chExt cx="0" cy="0"/>
+        </a:xfrm>
+      </p:grpSpPr>
+      <p:sp>
+        <p:nvSpPr>
+          <p:cNvPr id="2" name="Title 1"/>
+          <p:cNvSpPr>
+            <a:spLocks noGrp="1"/>
+          </p:cNvSpPr>
+          <p:nvPr>
+            <p:ph type="title"/>
+          </p:nvPr>
+        </p:nvSpPr>
+        <p:spPr/>
+        <p:txBody>
+          <a:bodyPr/>
+          <a:lstStyle/>
+          <a:p>
+            <a:r>
+              <a:rPr lang="en-US" dirty="0"/>
               <a:t>What’s next?</a:t>
             </a:r>
           </a:p>
@@ -5945,6 +7186,16 @@
             <a:r>
               <a:rPr lang="en-US" dirty="0"/>
               <a:t>Reports to Patti about API usage?</a:t>
+            </a:r>
+          </a:p>
+          <a:p>
+            <a:pPr lvl="2"/>
+            <a:endParaRPr lang="en-US" dirty="0"/>
+          </a:p>
+          <a:p>
+            <a:r>
+              <a:rPr lang="en-US" dirty="0"/>
+              <a:t>Client meeting January 11th</a:t>
             </a:r>
           </a:p>
           <a:p>
@@ -5966,7 +7217,7 @@
 </p:sld>
 </file>
 
-<file path=ppt/slides/slide34.xml><?xml version="1.0" encoding="utf-8"?>
+<file path=ppt/slides/slide35.xml><?xml version="1.0" encoding="utf-8"?>
 <p:sld xmlns:a="http://schemas.openxmlformats.org/drawingml/2006/main" xmlns:r="http://schemas.openxmlformats.org/officeDocument/2006/relationships" xmlns:p="http://schemas.openxmlformats.org/presentationml/2006/main">
   <p:cSld>
     <p:spTree>
@@ -6360,7 +7611,7 @@
           <a:p>
             <a:r>
               <a:rPr lang="en-US" dirty="0"/>
-              <a:t>Model can be viewed on phone normally or through Google Cardboard</a:t>
+              <a:t>Model can be viewed through Google Cardboard</a:t>
             </a:r>
           </a:p>
           <a:p>
@@ -6665,54 +7916,54 @@
 </file>
 
 <file path=ppt/theme/theme1.xml><?xml version="1.0" encoding="utf-8"?>
-<a:theme xmlns:a="http://schemas.openxmlformats.org/drawingml/2006/main" name="Office Theme">
+<a:theme xmlns:a="http://schemas.openxmlformats.org/drawingml/2006/main" name="Retrospect">
   <a:themeElements>
-    <a:clrScheme name="Office">
+    <a:clrScheme name="Retrospect">
       <a:dk1>
-        <a:sysClr val="windowText" lastClr="000000"/>
+        <a:srgbClr val="000000"/>
       </a:dk1>
       <a:lt1>
         <a:sysClr val="window" lastClr="FFFFFF"/>
       </a:lt1>
       <a:dk2>
-        <a:srgbClr val="44546A"/>
+        <a:srgbClr val="637052"/>
       </a:dk2>
       <a:lt2>
-        <a:srgbClr val="E7E6E6"/>
+        <a:srgbClr val="CCDDEA"/>
       </a:lt2>
       <a:accent1>
-        <a:srgbClr val="5B9BD5"/>
+        <a:srgbClr val="E48312"/>
       </a:accent1>
       <a:accent2>
-        <a:srgbClr val="ED7D31"/>
+        <a:srgbClr val="BD582C"/>
       </a:accent2>
       <a:accent3>
-        <a:srgbClr val="A5A5A5"/>
+        <a:srgbClr val="865640"/>
       </a:accent3>
       <a:accent4>
-        <a:srgbClr val="FFC000"/>
+        <a:srgbClr val="9B8357"/>
       </a:accent4>
       <a:accent5>
-        <a:srgbClr val="4472C4"/>
+        <a:srgbClr val="C2BC80"/>
       </a:accent5>
       <a:accent6>
-        <a:srgbClr val="70AD47"/>
+        <a:srgbClr val="94A088"/>
       </a:accent6>
       <a:hlink>
-        <a:srgbClr val="0563C1"/>
+        <a:srgbClr val="2998E3"/>
       </a:hlink>
       <a:folHlink>
-        <a:srgbClr val="954F72"/>
+        <a:srgbClr val="8C8C8C"/>
       </a:folHlink>
     </a:clrScheme>
-    <a:fontScheme name="Office">
+    <a:fontScheme name="Retrospect">
       <a:majorFont>
         <a:latin typeface="Calibri Light" panose="020F0302020204030204"/>
         <a:ea typeface=""/>
         <a:cs typeface=""/>
-        <a:font script="Jpan" typeface="游ゴシック Light"/>
+        <a:font script="Jpan" typeface="ＭＳ Ｐゴシック"/>
         <a:font script="Hang" typeface="맑은 고딕"/>
-        <a:font script="Hans" typeface="等线 Light"/>
+        <a:font script="Hans" typeface="宋体"/>
         <a:font script="Hant" typeface="新細明體"/>
         <a:font script="Arab" typeface="Times New Roman"/>
         <a:font script="Hebr" typeface="Times New Roman"/>
@@ -6740,31 +7991,14 @@
         <a:font script="Viet" typeface="Times New Roman"/>
         <a:font script="Uigh" typeface="Microsoft Uighur"/>
         <a:font script="Geor" typeface="Sylfaen"/>
-        <a:font script="Armn" typeface="Arial"/>
-        <a:font script="Bugi" typeface="Leelawadee UI"/>
-        <a:font script="Bopo" typeface="Microsoft JhengHei"/>
-        <a:font script="Java" typeface="Javanese Text"/>
-        <a:font script="Lisu" typeface="Segoe UI"/>
-        <a:font script="Mymr" typeface="Myanmar Text"/>
-        <a:font script="Nkoo" typeface="Ebrima"/>
-        <a:font script="Olck" typeface="Nirmala UI"/>
-        <a:font script="Osma" typeface="Ebrima"/>
-        <a:font script="Phag" typeface="Phagspa"/>
-        <a:font script="Syrn" typeface="Estrangelo Edessa"/>
-        <a:font script="Syrj" typeface="Estrangelo Edessa"/>
-        <a:font script="Syre" typeface="Estrangelo Edessa"/>
-        <a:font script="Sora" typeface="Nirmala UI"/>
-        <a:font script="Tale" typeface="Microsoft Tai Le"/>
-        <a:font script="Talu" typeface="Microsoft New Tai Lue"/>
-        <a:font script="Tfng" typeface="Ebrima"/>
       </a:majorFont>
       <a:minorFont>
         <a:latin typeface="Calibri" panose="020F0502020204030204"/>
         <a:ea typeface=""/>
         <a:cs typeface=""/>
-        <a:font script="Jpan" typeface="游ゴシック"/>
+        <a:font script="Jpan" typeface="ＭＳ Ｐゴシック"/>
         <a:font script="Hang" typeface="맑은 고딕"/>
-        <a:font script="Hans" typeface="等线"/>
+        <a:font script="Hans" typeface="宋体"/>
         <a:font script="Hant" typeface="新細明體"/>
         <a:font script="Arab" typeface="Arial"/>
         <a:font script="Hebr" typeface="Arial"/>
@@ -6792,26 +8026,9 @@
         <a:font script="Viet" typeface="Arial"/>
         <a:font script="Uigh" typeface="Microsoft Uighur"/>
         <a:font script="Geor" typeface="Sylfaen"/>
-        <a:font script="Armn" typeface="Arial"/>
-        <a:font script="Bugi" typeface="Leelawadee UI"/>
-        <a:font script="Bopo" typeface="Microsoft JhengHei"/>
-        <a:font script="Java" typeface="Javanese Text"/>
-        <a:font script="Lisu" typeface="Segoe UI"/>
-        <a:font script="Mymr" typeface="Myanmar Text"/>
-        <a:font script="Nkoo" typeface="Ebrima"/>
-        <a:font script="Olck" typeface="Nirmala UI"/>
-        <a:font script="Osma" typeface="Ebrima"/>
-        <a:font script="Phag" typeface="Phagspa"/>
-        <a:font script="Syrn" typeface="Estrangelo Edessa"/>
-        <a:font script="Syrj" typeface="Estrangelo Edessa"/>
-        <a:font script="Syre" typeface="Estrangelo Edessa"/>
-        <a:font script="Sora" typeface="Nirmala UI"/>
-        <a:font script="Tale" typeface="Microsoft Tai Le"/>
-        <a:font script="Talu" typeface="Microsoft New Tai Lue"/>
-        <a:font script="Tfng" typeface="Ebrima"/>
       </a:minorFont>
     </a:fontScheme>
-    <a:fmtScheme name="Office">
+    <a:fmtScheme name="Retrospect">
       <a:fillStyleLst>
         <a:solidFill>
           <a:schemeClr val="phClr"/>
@@ -6820,76 +8037,81 @@
           <a:gsLst>
             <a:gs pos="0">
               <a:schemeClr val="phClr">
-                <a:lumMod val="110000"/>
-                <a:satMod val="105000"/>
-                <a:tint val="67000"/>
+                <a:tint val="65000"/>
+                <a:shade val="92000"/>
+                <a:satMod val="130000"/>
               </a:schemeClr>
             </a:gs>
-            <a:gs pos="50000">
+            <a:gs pos="45000">
               <a:schemeClr val="phClr">
-                <a:lumMod val="105000"/>
-                <a:satMod val="103000"/>
-                <a:tint val="73000"/>
+                <a:tint val="60000"/>
+                <a:shade val="99000"/>
+                <a:satMod val="120000"/>
               </a:schemeClr>
             </a:gs>
             <a:gs pos="100000">
               <a:schemeClr val="phClr">
-                <a:lumMod val="105000"/>
-                <a:satMod val="109000"/>
-                <a:tint val="81000"/>
+                <a:tint val="55000"/>
+                <a:satMod val="140000"/>
               </a:schemeClr>
             </a:gs>
           </a:gsLst>
-          <a:lin ang="5400000" scaled="0"/>
+          <a:path path="circle">
+            <a:fillToRect l="100000" t="100000" r="100000" b="100000"/>
+          </a:path>
         </a:gradFill>
         <a:gradFill rotWithShape="1">
           <a:gsLst>
             <a:gs pos="0">
               <a:schemeClr val="phClr">
-                <a:satMod val="103000"/>
-                <a:lumMod val="102000"/>
-                <a:tint val="94000"/>
+                <a:shade val="85000"/>
+                <a:satMod val="130000"/>
               </a:schemeClr>
             </a:gs>
-            <a:gs pos="50000">
+            <a:gs pos="34000">
               <a:schemeClr val="phClr">
-                <a:satMod val="110000"/>
-                <a:lumMod val="100000"/>
-                <a:shade val="100000"/>
+                <a:shade val="87000"/>
+                <a:satMod val="125000"/>
+              </a:schemeClr>
+            </a:gs>
+            <a:gs pos="70000">
+              <a:schemeClr val="phClr">
+                <a:tint val="100000"/>
+                <a:shade val="90000"/>
+                <a:satMod val="130000"/>
               </a:schemeClr>
             </a:gs>
             <a:gs pos="100000">
               <a:schemeClr val="phClr">
-                <a:lumMod val="99000"/>
-                <a:satMod val="120000"/>
-                <a:shade val="78000"/>
+                <a:tint val="100000"/>
+                <a:shade val="100000"/>
+                <a:satMod val="110000"/>
               </a:schemeClr>
             </a:gs>
           </a:gsLst>
-          <a:lin ang="5400000" scaled="0"/>
+          <a:path path="circle">
+            <a:fillToRect l="100000" t="100000" r="100000" b="100000"/>
+          </a:path>
         </a:gradFill>
       </a:fillStyleLst>
       <a:lnStyleLst>
-        <a:ln w="6350" cap="flat" cmpd="sng" algn="ctr">
-          <a:solidFill>
-            <a:schemeClr val="phClr"/>
-          </a:solidFill>
-          <a:prstDash val="solid"/>
-          <a:miter lim="800000"/>
-        </a:ln>
         <a:ln w="12700" cap="flat" cmpd="sng" algn="ctr">
           <a:solidFill>
             <a:schemeClr val="phClr"/>
           </a:solidFill>
           <a:prstDash val="solid"/>
-          <a:miter lim="800000"/>
         </a:ln>
-        <a:ln w="19050" cap="flat" cmpd="sng" algn="ctr">
+        <a:ln w="15875" cap="flat" cmpd="sng" algn="ctr">
           <a:solidFill>
             <a:schemeClr val="phClr"/>
           </a:solidFill>
           <a:prstDash val="solid"/>
-          <a:miter lim="800000"/>
+        </a:ln>
+        <a:ln w="25400" cap="flat" cmpd="sng" algn="ctr">
+          <a:solidFill>
+            <a:schemeClr val="phClr"/>
+          </a:solidFill>
+          <a:prstDash val="solid"/>
         </a:ln>
       </a:lnStyleLst>
       <a:effectStyleLst>
@@ -6897,16 +8119,33 @@
           <a:effectLst/>
         </a:effectStyle>
         <a:effectStyle>
-          <a:effectLst/>
+          <a:effectLst>
+            <a:outerShdw blurRad="38100" dist="25400" dir="2700000" algn="br" rotWithShape="0">
+              <a:srgbClr val="000000">
+                <a:alpha val="60000"/>
+              </a:srgbClr>
+            </a:outerShdw>
+          </a:effectLst>
         </a:effectStyle>
         <a:effectStyle>
           <a:effectLst>
-            <a:outerShdw blurRad="57150" dist="19050" dir="5400000" algn="ctr" rotWithShape="0">
+            <a:outerShdw blurRad="44450" dist="25400" dir="2700000" algn="br" rotWithShape="0">
               <a:srgbClr val="000000">
-                <a:alpha val="63000"/>
+                <a:alpha val="60000"/>
               </a:srgbClr>
             </a:outerShdw>
           </a:effectLst>
+          <a:scene3d>
+            <a:camera prst="orthographicFront">
+              <a:rot lat="0" lon="0" rev="0"/>
+            </a:camera>
+            <a:lightRig rig="threePt" dir="t">
+              <a:rot lat="0" lon="0" rev="19800000"/>
+            </a:lightRig>
+          </a:scene3d>
+          <a:sp3d prstMaterial="flat">
+            <a:bevelT w="25400" h="31750"/>
+          </a:sp3d>
         </a:effectStyle>
       </a:effectStyleLst>
       <a:bgFillStyleLst>
@@ -6915,36 +8154,36 @@
         </a:solidFill>
         <a:solidFill>
           <a:schemeClr val="phClr">
-            <a:tint val="95000"/>
-            <a:satMod val="170000"/>
+            <a:tint val="90000"/>
+            <a:shade val="97000"/>
+            <a:satMod val="130000"/>
           </a:schemeClr>
         </a:solidFill>
         <a:gradFill rotWithShape="1">
           <a:gsLst>
             <a:gs pos="0">
               <a:schemeClr val="phClr">
-                <a:tint val="93000"/>
-                <a:satMod val="150000"/>
-                <a:shade val="98000"/>
-                <a:lumMod val="102000"/>
+                <a:tint val="96000"/>
+                <a:shade val="99000"/>
+                <a:satMod val="140000"/>
               </a:schemeClr>
             </a:gs>
-            <a:gs pos="50000">
+            <a:gs pos="65000">
               <a:schemeClr val="phClr">
-                <a:tint val="98000"/>
+                <a:tint val="100000"/>
+                <a:shade val="80000"/>
                 <a:satMod val="130000"/>
-                <a:shade val="90000"/>
-                <a:lumMod val="103000"/>
               </a:schemeClr>
             </a:gs>
             <a:gs pos="100000">
               <a:schemeClr val="phClr">
-                <a:shade val="63000"/>
+                <a:tint val="100000"/>
+                <a:shade val="48000"/>
                 <a:satMod val="120000"/>
               </a:schemeClr>
             </a:gs>
           </a:gsLst>
-          <a:lin ang="5400000" scaled="0"/>
+          <a:lin ang="16200000" scaled="0"/>
         </a:gradFill>
       </a:bgFillStyleLst>
     </a:fmtScheme>
@@ -6953,7 +8192,7 @@
   <a:extraClrSchemeLst/>
   <a:extLst>
     <a:ext uri="{05A4C25C-085E-4340-85A3-A5531E510DB2}">
-      <thm15:themeFamily xmlns:thm15="http://schemas.microsoft.com/office/thememl/2012/main" name="Office Theme" id="{62F939B6-93AF-4DB8-9C6B-D6C7DFDC589F}" vid="{4A3C46E8-61CC-4603-A589-7422A47A8E4A}"/>
+      <thm15:themeFamily xmlns:thm15="http://schemas.microsoft.com/office/thememl/2012/main" name="Retrospect" id="{5F128B03-DCCA-4EEB-AB3B-CF2899314A46}" vid="{3F1AAB62-24C6-49D2-8E01-B56FAC9A3DCD}"/>
     </a:ext>
   </a:extLst>
 </a:theme>
